--- a/related work presentation draft.pptx
+++ b/related work presentation draft.pptx
@@ -110,7 +110,16 @@
       </a:defRPr>
     </a:lvl9pPr>
   </p:defaultTextStyle>
+  <p:extLst>
+    <p:ext uri="{EFAFB233-063F-42B5-8137-9DF3F51BA10A}">
+      <p15:sldGuideLst xmlns:p15="http://schemas.microsoft.com/office/powerpoint/2012/main"/>
+    </p:ext>
+  </p:extLst>
 </p:presentation>
+</file>
+
+<file path=ppt/revisionInfo.xml><?xml version="1.0" encoding="utf-8"?>
+<p1510:revInfo xmlns:a="http://schemas.openxmlformats.org/drawingml/2006/main" xmlns:r="http://schemas.openxmlformats.org/officeDocument/2006/relationships" xmlns:p1510="http://schemas.microsoft.com/office/powerpoint/2015/10/main"/>
 </file>
 
 <file path=ppt/slideLayouts/slideLayout1.xml><?xml version="1.0" encoding="utf-8"?>

--- a/related work presentation draft.pptx
+++ b/related work presentation draft.pptx
@@ -12,6 +12,9 @@
     <p:sldId id="261" r:id="rId6"/>
     <p:sldId id="262" r:id="rId7"/>
     <p:sldId id="263" r:id="rId8"/>
+    <p:sldId id="264" r:id="rId9"/>
+    <p:sldId id="265" r:id="rId10"/>
+    <p:sldId id="266" r:id="rId11"/>
   </p:sldIdLst>
   <p:sldSz cx="12192000" cy="6858000"/>
   <p:notesSz cx="6858000" cy="9144000"/>
@@ -112,7 +115,7 @@
   </p:defaultTextStyle>
   <p:extLst>
     <p:ext uri="{EFAFB233-063F-42B5-8137-9DF3F51BA10A}">
-      <p15:sldGuideLst xmlns:p15="http://schemas.microsoft.com/office/powerpoint/2012/main"/>
+      <p15:sldGuideLst xmlns:p15="http://schemas.microsoft.com/office/powerpoint/2012/main" xmlns=""/>
     </p:ext>
   </p:extLst>
 </p:presentation>
@@ -144,7 +147,7 @@
           <p:cNvPr id="2" name="Title 1">
             <a:extLst>
               <a:ext uri="{FF2B5EF4-FFF2-40B4-BE49-F238E27FC236}">
-                <a16:creationId xmlns:a16="http://schemas.microsoft.com/office/drawing/2014/main" id="{8D5DC914-5DDA-46FC-A2CA-216FACE42547}"/>
+                <a16:creationId xmlns:a16="http://schemas.microsoft.com/office/drawing/2014/main" xmlns="" id="{8D5DC914-5DDA-46FC-A2CA-216FACE42547}"/>
               </a:ext>
             </a:extLst>
           </p:cNvPr>
@@ -181,7 +184,7 @@
           <p:cNvPr id="3" name="Subtitle 2">
             <a:extLst>
               <a:ext uri="{FF2B5EF4-FFF2-40B4-BE49-F238E27FC236}">
-                <a16:creationId xmlns:a16="http://schemas.microsoft.com/office/drawing/2014/main" id="{4E4D9AA0-3928-490D-AAF1-9E6063320543}"/>
+                <a16:creationId xmlns:a16="http://schemas.microsoft.com/office/drawing/2014/main" xmlns="" id="{4E4D9AA0-3928-490D-AAF1-9E6063320543}"/>
               </a:ext>
             </a:extLst>
           </p:cNvPr>
@@ -251,7 +254,7 @@
           <p:cNvPr id="4" name="Date Placeholder 3">
             <a:extLst>
               <a:ext uri="{FF2B5EF4-FFF2-40B4-BE49-F238E27FC236}">
-                <a16:creationId xmlns:a16="http://schemas.microsoft.com/office/drawing/2014/main" id="{FE5D27E6-5918-4D14-93A2-2859973A92E2}"/>
+                <a16:creationId xmlns:a16="http://schemas.microsoft.com/office/drawing/2014/main" xmlns="" id="{FE5D27E6-5918-4D14-93A2-2859973A92E2}"/>
               </a:ext>
             </a:extLst>
           </p:cNvPr>
@@ -280,7 +283,7 @@
           <p:cNvPr id="5" name="Footer Placeholder 4">
             <a:extLst>
               <a:ext uri="{FF2B5EF4-FFF2-40B4-BE49-F238E27FC236}">
-                <a16:creationId xmlns:a16="http://schemas.microsoft.com/office/drawing/2014/main" id="{D0AF6113-FF52-483D-B120-36910F0B658E}"/>
+                <a16:creationId xmlns:a16="http://schemas.microsoft.com/office/drawing/2014/main" xmlns="" id="{D0AF6113-FF52-483D-B120-36910F0B658E}"/>
               </a:ext>
             </a:extLst>
           </p:cNvPr>
@@ -305,7 +308,7 @@
           <p:cNvPr id="6" name="Slide Number Placeholder 5">
             <a:extLst>
               <a:ext uri="{FF2B5EF4-FFF2-40B4-BE49-F238E27FC236}">
-                <a16:creationId xmlns:a16="http://schemas.microsoft.com/office/drawing/2014/main" id="{2CBE7383-7963-4463-AE4F-BE4D001D0453}"/>
+                <a16:creationId xmlns:a16="http://schemas.microsoft.com/office/drawing/2014/main" xmlns="" id="{2CBE7383-7963-4463-AE4F-BE4D001D0453}"/>
               </a:ext>
             </a:extLst>
           </p:cNvPr>
@@ -364,7 +367,7 @@
           <p:cNvPr id="2" name="Title 1">
             <a:extLst>
               <a:ext uri="{FF2B5EF4-FFF2-40B4-BE49-F238E27FC236}">
-                <a16:creationId xmlns:a16="http://schemas.microsoft.com/office/drawing/2014/main" id="{7B448FBF-13FB-4E88-89C7-967835135D13}"/>
+                <a16:creationId xmlns:a16="http://schemas.microsoft.com/office/drawing/2014/main" xmlns="" id="{7B448FBF-13FB-4E88-89C7-967835135D13}"/>
               </a:ext>
             </a:extLst>
           </p:cNvPr>
@@ -392,7 +395,7 @@
           <p:cNvPr id="3" name="Vertical Text Placeholder 2">
             <a:extLst>
               <a:ext uri="{FF2B5EF4-FFF2-40B4-BE49-F238E27FC236}">
-                <a16:creationId xmlns:a16="http://schemas.microsoft.com/office/drawing/2014/main" id="{5FC6583A-A868-452D-B5B5-EA6E0EA92EC0}"/>
+                <a16:creationId xmlns:a16="http://schemas.microsoft.com/office/drawing/2014/main" xmlns="" id="{5FC6583A-A868-452D-B5B5-EA6E0EA92EC0}"/>
               </a:ext>
             </a:extLst>
           </p:cNvPr>
@@ -449,7 +452,7 @@
           <p:cNvPr id="4" name="Date Placeholder 3">
             <a:extLst>
               <a:ext uri="{FF2B5EF4-FFF2-40B4-BE49-F238E27FC236}">
-                <a16:creationId xmlns:a16="http://schemas.microsoft.com/office/drawing/2014/main" id="{6B7B6C7B-8856-4DF2-97F3-861623F3D1E3}"/>
+                <a16:creationId xmlns:a16="http://schemas.microsoft.com/office/drawing/2014/main" xmlns="" id="{6B7B6C7B-8856-4DF2-97F3-861623F3D1E3}"/>
               </a:ext>
             </a:extLst>
           </p:cNvPr>
@@ -478,7 +481,7 @@
           <p:cNvPr id="5" name="Footer Placeholder 4">
             <a:extLst>
               <a:ext uri="{FF2B5EF4-FFF2-40B4-BE49-F238E27FC236}">
-                <a16:creationId xmlns:a16="http://schemas.microsoft.com/office/drawing/2014/main" id="{CAF2B798-DB12-4239-88C0-530CEDBEB4DE}"/>
+                <a16:creationId xmlns:a16="http://schemas.microsoft.com/office/drawing/2014/main" xmlns="" id="{CAF2B798-DB12-4239-88C0-530CEDBEB4DE}"/>
               </a:ext>
             </a:extLst>
           </p:cNvPr>
@@ -503,7 +506,7 @@
           <p:cNvPr id="6" name="Slide Number Placeholder 5">
             <a:extLst>
               <a:ext uri="{FF2B5EF4-FFF2-40B4-BE49-F238E27FC236}">
-                <a16:creationId xmlns:a16="http://schemas.microsoft.com/office/drawing/2014/main" id="{959ECFDE-ACFE-40FE-9319-D798CF38D028}"/>
+                <a16:creationId xmlns:a16="http://schemas.microsoft.com/office/drawing/2014/main" xmlns="" id="{959ECFDE-ACFE-40FE-9319-D798CF38D028}"/>
               </a:ext>
             </a:extLst>
           </p:cNvPr>
@@ -562,7 +565,7 @@
           <p:cNvPr id="2" name="Vertical Title 1">
             <a:extLst>
               <a:ext uri="{FF2B5EF4-FFF2-40B4-BE49-F238E27FC236}">
-                <a16:creationId xmlns:a16="http://schemas.microsoft.com/office/drawing/2014/main" id="{BF869740-FA79-42BA-A8E3-BD732ADE9944}"/>
+                <a16:creationId xmlns:a16="http://schemas.microsoft.com/office/drawing/2014/main" xmlns="" id="{BF869740-FA79-42BA-A8E3-BD732ADE9944}"/>
               </a:ext>
             </a:extLst>
           </p:cNvPr>
@@ -595,7 +598,7 @@
           <p:cNvPr id="3" name="Vertical Text Placeholder 2">
             <a:extLst>
               <a:ext uri="{FF2B5EF4-FFF2-40B4-BE49-F238E27FC236}">
-                <a16:creationId xmlns:a16="http://schemas.microsoft.com/office/drawing/2014/main" id="{D0A9F264-B182-4FBD-B273-756E28AD1DE4}"/>
+                <a16:creationId xmlns:a16="http://schemas.microsoft.com/office/drawing/2014/main" xmlns="" id="{D0A9F264-B182-4FBD-B273-756E28AD1DE4}"/>
               </a:ext>
             </a:extLst>
           </p:cNvPr>
@@ -657,7 +660,7 @@
           <p:cNvPr id="4" name="Date Placeholder 3">
             <a:extLst>
               <a:ext uri="{FF2B5EF4-FFF2-40B4-BE49-F238E27FC236}">
-                <a16:creationId xmlns:a16="http://schemas.microsoft.com/office/drawing/2014/main" id="{D59FBCE4-67F8-4B32-B891-0B6DBA74E056}"/>
+                <a16:creationId xmlns:a16="http://schemas.microsoft.com/office/drawing/2014/main" xmlns="" id="{D59FBCE4-67F8-4B32-B891-0B6DBA74E056}"/>
               </a:ext>
             </a:extLst>
           </p:cNvPr>
@@ -686,7 +689,7 @@
           <p:cNvPr id="5" name="Footer Placeholder 4">
             <a:extLst>
               <a:ext uri="{FF2B5EF4-FFF2-40B4-BE49-F238E27FC236}">
-                <a16:creationId xmlns:a16="http://schemas.microsoft.com/office/drawing/2014/main" id="{9E3DEC77-CA1E-4673-B788-8A315074EDDE}"/>
+                <a16:creationId xmlns:a16="http://schemas.microsoft.com/office/drawing/2014/main" xmlns="" id="{9E3DEC77-CA1E-4673-B788-8A315074EDDE}"/>
               </a:ext>
             </a:extLst>
           </p:cNvPr>
@@ -711,7 +714,7 @@
           <p:cNvPr id="6" name="Slide Number Placeholder 5">
             <a:extLst>
               <a:ext uri="{FF2B5EF4-FFF2-40B4-BE49-F238E27FC236}">
-                <a16:creationId xmlns:a16="http://schemas.microsoft.com/office/drawing/2014/main" id="{B3FBF611-437E-45FB-B234-B7AD23FE01BC}"/>
+                <a16:creationId xmlns:a16="http://schemas.microsoft.com/office/drawing/2014/main" xmlns="" id="{B3FBF611-437E-45FB-B234-B7AD23FE01BC}"/>
               </a:ext>
             </a:extLst>
           </p:cNvPr>
@@ -770,7 +773,7 @@
           <p:cNvPr id="2" name="Title 1">
             <a:extLst>
               <a:ext uri="{FF2B5EF4-FFF2-40B4-BE49-F238E27FC236}">
-                <a16:creationId xmlns:a16="http://schemas.microsoft.com/office/drawing/2014/main" id="{AC082E1E-25B0-4734-97E9-D195D91E981B}"/>
+                <a16:creationId xmlns:a16="http://schemas.microsoft.com/office/drawing/2014/main" xmlns="" id="{AC082E1E-25B0-4734-97E9-D195D91E981B}"/>
               </a:ext>
             </a:extLst>
           </p:cNvPr>
@@ -798,7 +801,7 @@
           <p:cNvPr id="3" name="Content Placeholder 2">
             <a:extLst>
               <a:ext uri="{FF2B5EF4-FFF2-40B4-BE49-F238E27FC236}">
-                <a16:creationId xmlns:a16="http://schemas.microsoft.com/office/drawing/2014/main" id="{66EA9C4C-12C1-4586-AE49-F99DEEA788C1}"/>
+                <a16:creationId xmlns:a16="http://schemas.microsoft.com/office/drawing/2014/main" xmlns="" id="{66EA9C4C-12C1-4586-AE49-F99DEEA788C1}"/>
               </a:ext>
             </a:extLst>
           </p:cNvPr>
@@ -855,7 +858,7 @@
           <p:cNvPr id="4" name="Date Placeholder 3">
             <a:extLst>
               <a:ext uri="{FF2B5EF4-FFF2-40B4-BE49-F238E27FC236}">
-                <a16:creationId xmlns:a16="http://schemas.microsoft.com/office/drawing/2014/main" id="{F3B95314-2D48-49EB-956A-5538854F7627}"/>
+                <a16:creationId xmlns:a16="http://schemas.microsoft.com/office/drawing/2014/main" xmlns="" id="{F3B95314-2D48-49EB-956A-5538854F7627}"/>
               </a:ext>
             </a:extLst>
           </p:cNvPr>
@@ -884,7 +887,7 @@
           <p:cNvPr id="5" name="Footer Placeholder 4">
             <a:extLst>
               <a:ext uri="{FF2B5EF4-FFF2-40B4-BE49-F238E27FC236}">
-                <a16:creationId xmlns:a16="http://schemas.microsoft.com/office/drawing/2014/main" id="{5E8B093C-1CE4-478B-9A71-198D051FABE4}"/>
+                <a16:creationId xmlns:a16="http://schemas.microsoft.com/office/drawing/2014/main" xmlns="" id="{5E8B093C-1CE4-478B-9A71-198D051FABE4}"/>
               </a:ext>
             </a:extLst>
           </p:cNvPr>
@@ -909,7 +912,7 @@
           <p:cNvPr id="6" name="Slide Number Placeholder 5">
             <a:extLst>
               <a:ext uri="{FF2B5EF4-FFF2-40B4-BE49-F238E27FC236}">
-                <a16:creationId xmlns:a16="http://schemas.microsoft.com/office/drawing/2014/main" id="{0E04723D-E29B-4AF4-98BB-D0767C7EA7E6}"/>
+                <a16:creationId xmlns:a16="http://schemas.microsoft.com/office/drawing/2014/main" xmlns="" id="{0E04723D-E29B-4AF4-98BB-D0767C7EA7E6}"/>
               </a:ext>
             </a:extLst>
           </p:cNvPr>
@@ -968,7 +971,7 @@
           <p:cNvPr id="2" name="Title 1">
             <a:extLst>
               <a:ext uri="{FF2B5EF4-FFF2-40B4-BE49-F238E27FC236}">
-                <a16:creationId xmlns:a16="http://schemas.microsoft.com/office/drawing/2014/main" id="{8FFA0E32-D3C5-4D97-9448-AC005FD2F735}"/>
+                <a16:creationId xmlns:a16="http://schemas.microsoft.com/office/drawing/2014/main" xmlns="" id="{8FFA0E32-D3C5-4D97-9448-AC005FD2F735}"/>
               </a:ext>
             </a:extLst>
           </p:cNvPr>
@@ -1005,7 +1008,7 @@
           <p:cNvPr id="3" name="Text Placeholder 2">
             <a:extLst>
               <a:ext uri="{FF2B5EF4-FFF2-40B4-BE49-F238E27FC236}">
-                <a16:creationId xmlns:a16="http://schemas.microsoft.com/office/drawing/2014/main" id="{8D26DE83-4C31-4722-ADC4-5237C9520EA0}"/>
+                <a16:creationId xmlns:a16="http://schemas.microsoft.com/office/drawing/2014/main" xmlns="" id="{8D26DE83-4C31-4722-ADC4-5237C9520EA0}"/>
               </a:ext>
             </a:extLst>
           </p:cNvPr>
@@ -1130,7 +1133,7 @@
           <p:cNvPr id="4" name="Date Placeholder 3">
             <a:extLst>
               <a:ext uri="{FF2B5EF4-FFF2-40B4-BE49-F238E27FC236}">
-                <a16:creationId xmlns:a16="http://schemas.microsoft.com/office/drawing/2014/main" id="{7C063F6D-D937-4974-B27F-512C8C64C903}"/>
+                <a16:creationId xmlns:a16="http://schemas.microsoft.com/office/drawing/2014/main" xmlns="" id="{7C063F6D-D937-4974-B27F-512C8C64C903}"/>
               </a:ext>
             </a:extLst>
           </p:cNvPr>
@@ -1159,7 +1162,7 @@
           <p:cNvPr id="5" name="Footer Placeholder 4">
             <a:extLst>
               <a:ext uri="{FF2B5EF4-FFF2-40B4-BE49-F238E27FC236}">
-                <a16:creationId xmlns:a16="http://schemas.microsoft.com/office/drawing/2014/main" id="{AD3D6352-1345-4D31-9086-F4EAEAFF0164}"/>
+                <a16:creationId xmlns:a16="http://schemas.microsoft.com/office/drawing/2014/main" xmlns="" id="{AD3D6352-1345-4D31-9086-F4EAEAFF0164}"/>
               </a:ext>
             </a:extLst>
           </p:cNvPr>
@@ -1184,7 +1187,7 @@
           <p:cNvPr id="6" name="Slide Number Placeholder 5">
             <a:extLst>
               <a:ext uri="{FF2B5EF4-FFF2-40B4-BE49-F238E27FC236}">
-                <a16:creationId xmlns:a16="http://schemas.microsoft.com/office/drawing/2014/main" id="{0661E240-999E-4C57-871B-2EF196AE5952}"/>
+                <a16:creationId xmlns:a16="http://schemas.microsoft.com/office/drawing/2014/main" xmlns="" id="{0661E240-999E-4C57-871B-2EF196AE5952}"/>
               </a:ext>
             </a:extLst>
           </p:cNvPr>
@@ -1243,7 +1246,7 @@
           <p:cNvPr id="2" name="Title 1">
             <a:extLst>
               <a:ext uri="{FF2B5EF4-FFF2-40B4-BE49-F238E27FC236}">
-                <a16:creationId xmlns:a16="http://schemas.microsoft.com/office/drawing/2014/main" id="{57958FE2-3F40-44D7-8E39-A249C635A16C}"/>
+                <a16:creationId xmlns:a16="http://schemas.microsoft.com/office/drawing/2014/main" xmlns="" id="{57958FE2-3F40-44D7-8E39-A249C635A16C}"/>
               </a:ext>
             </a:extLst>
           </p:cNvPr>
@@ -1271,7 +1274,7 @@
           <p:cNvPr id="3" name="Content Placeholder 2">
             <a:extLst>
               <a:ext uri="{FF2B5EF4-FFF2-40B4-BE49-F238E27FC236}">
-                <a16:creationId xmlns:a16="http://schemas.microsoft.com/office/drawing/2014/main" id="{4EACF017-983B-48C5-88BD-7B9B424A18C1}"/>
+                <a16:creationId xmlns:a16="http://schemas.microsoft.com/office/drawing/2014/main" xmlns="" id="{4EACF017-983B-48C5-88BD-7B9B424A18C1}"/>
               </a:ext>
             </a:extLst>
           </p:cNvPr>
@@ -1333,7 +1336,7 @@
           <p:cNvPr id="4" name="Content Placeholder 3">
             <a:extLst>
               <a:ext uri="{FF2B5EF4-FFF2-40B4-BE49-F238E27FC236}">
-                <a16:creationId xmlns:a16="http://schemas.microsoft.com/office/drawing/2014/main" id="{4013B3D8-09A0-48AD-9609-7BEA9216E1A5}"/>
+                <a16:creationId xmlns:a16="http://schemas.microsoft.com/office/drawing/2014/main" xmlns="" id="{4013B3D8-09A0-48AD-9609-7BEA9216E1A5}"/>
               </a:ext>
             </a:extLst>
           </p:cNvPr>
@@ -1395,7 +1398,7 @@
           <p:cNvPr id="5" name="Date Placeholder 4">
             <a:extLst>
               <a:ext uri="{FF2B5EF4-FFF2-40B4-BE49-F238E27FC236}">
-                <a16:creationId xmlns:a16="http://schemas.microsoft.com/office/drawing/2014/main" id="{90E3AF07-9442-49D6-8189-93F04E376274}"/>
+                <a16:creationId xmlns:a16="http://schemas.microsoft.com/office/drawing/2014/main" xmlns="" id="{90E3AF07-9442-49D6-8189-93F04E376274}"/>
               </a:ext>
             </a:extLst>
           </p:cNvPr>
@@ -1424,7 +1427,7 @@
           <p:cNvPr id="6" name="Footer Placeholder 5">
             <a:extLst>
               <a:ext uri="{FF2B5EF4-FFF2-40B4-BE49-F238E27FC236}">
-                <a16:creationId xmlns:a16="http://schemas.microsoft.com/office/drawing/2014/main" id="{25D15D6B-DA2A-49FC-AF84-C607C0CA8EF7}"/>
+                <a16:creationId xmlns:a16="http://schemas.microsoft.com/office/drawing/2014/main" xmlns="" id="{25D15D6B-DA2A-49FC-AF84-C607C0CA8EF7}"/>
               </a:ext>
             </a:extLst>
           </p:cNvPr>
@@ -1449,7 +1452,7 @@
           <p:cNvPr id="7" name="Slide Number Placeholder 6">
             <a:extLst>
               <a:ext uri="{FF2B5EF4-FFF2-40B4-BE49-F238E27FC236}">
-                <a16:creationId xmlns:a16="http://schemas.microsoft.com/office/drawing/2014/main" id="{562136D5-BFAE-4A28-9E9C-7D027578C490}"/>
+                <a16:creationId xmlns:a16="http://schemas.microsoft.com/office/drawing/2014/main" xmlns="" id="{562136D5-BFAE-4A28-9E9C-7D027578C490}"/>
               </a:ext>
             </a:extLst>
           </p:cNvPr>
@@ -1508,7 +1511,7 @@
           <p:cNvPr id="2" name="Title 1">
             <a:extLst>
               <a:ext uri="{FF2B5EF4-FFF2-40B4-BE49-F238E27FC236}">
-                <a16:creationId xmlns:a16="http://schemas.microsoft.com/office/drawing/2014/main" id="{16F8CE0A-4B59-483D-9586-B83265D544FF}"/>
+                <a16:creationId xmlns:a16="http://schemas.microsoft.com/office/drawing/2014/main" xmlns="" id="{16F8CE0A-4B59-483D-9586-B83265D544FF}"/>
               </a:ext>
             </a:extLst>
           </p:cNvPr>
@@ -1541,7 +1544,7 @@
           <p:cNvPr id="3" name="Text Placeholder 2">
             <a:extLst>
               <a:ext uri="{FF2B5EF4-FFF2-40B4-BE49-F238E27FC236}">
-                <a16:creationId xmlns:a16="http://schemas.microsoft.com/office/drawing/2014/main" id="{F137C716-C091-4108-80EB-5E9EA4519ACE}"/>
+                <a16:creationId xmlns:a16="http://schemas.microsoft.com/office/drawing/2014/main" xmlns="" id="{F137C716-C091-4108-80EB-5E9EA4519ACE}"/>
               </a:ext>
             </a:extLst>
           </p:cNvPr>
@@ -1612,7 +1615,7 @@
           <p:cNvPr id="4" name="Content Placeholder 3">
             <a:extLst>
               <a:ext uri="{FF2B5EF4-FFF2-40B4-BE49-F238E27FC236}">
-                <a16:creationId xmlns:a16="http://schemas.microsoft.com/office/drawing/2014/main" id="{07DD1F71-E1F2-4272-BDA2-5F22989E9C1A}"/>
+                <a16:creationId xmlns:a16="http://schemas.microsoft.com/office/drawing/2014/main" xmlns="" id="{07DD1F71-E1F2-4272-BDA2-5F22989E9C1A}"/>
               </a:ext>
             </a:extLst>
           </p:cNvPr>
@@ -1674,7 +1677,7 @@
           <p:cNvPr id="5" name="Text Placeholder 4">
             <a:extLst>
               <a:ext uri="{FF2B5EF4-FFF2-40B4-BE49-F238E27FC236}">
-                <a16:creationId xmlns:a16="http://schemas.microsoft.com/office/drawing/2014/main" id="{3BD7DE92-B844-4E34-89CF-A6C7E465106D}"/>
+                <a16:creationId xmlns:a16="http://schemas.microsoft.com/office/drawing/2014/main" xmlns="" id="{3BD7DE92-B844-4E34-89CF-A6C7E465106D}"/>
               </a:ext>
             </a:extLst>
           </p:cNvPr>
@@ -1745,7 +1748,7 @@
           <p:cNvPr id="6" name="Content Placeholder 5">
             <a:extLst>
               <a:ext uri="{FF2B5EF4-FFF2-40B4-BE49-F238E27FC236}">
-                <a16:creationId xmlns:a16="http://schemas.microsoft.com/office/drawing/2014/main" id="{9B083352-E2CC-4A68-A32F-3A6BD0F5759A}"/>
+                <a16:creationId xmlns:a16="http://schemas.microsoft.com/office/drawing/2014/main" xmlns="" id="{9B083352-E2CC-4A68-A32F-3A6BD0F5759A}"/>
               </a:ext>
             </a:extLst>
           </p:cNvPr>
@@ -1807,7 +1810,7 @@
           <p:cNvPr id="7" name="Date Placeholder 6">
             <a:extLst>
               <a:ext uri="{FF2B5EF4-FFF2-40B4-BE49-F238E27FC236}">
-                <a16:creationId xmlns:a16="http://schemas.microsoft.com/office/drawing/2014/main" id="{54D13A2D-6EB7-433C-9736-D2C0F436C893}"/>
+                <a16:creationId xmlns:a16="http://schemas.microsoft.com/office/drawing/2014/main" xmlns="" id="{54D13A2D-6EB7-433C-9736-D2C0F436C893}"/>
               </a:ext>
             </a:extLst>
           </p:cNvPr>
@@ -1836,7 +1839,7 @@
           <p:cNvPr id="8" name="Footer Placeholder 7">
             <a:extLst>
               <a:ext uri="{FF2B5EF4-FFF2-40B4-BE49-F238E27FC236}">
-                <a16:creationId xmlns:a16="http://schemas.microsoft.com/office/drawing/2014/main" id="{8B474EEC-E8B0-4688-AA0B-B75E7B316DD6}"/>
+                <a16:creationId xmlns:a16="http://schemas.microsoft.com/office/drawing/2014/main" xmlns="" id="{8B474EEC-E8B0-4688-AA0B-B75E7B316DD6}"/>
               </a:ext>
             </a:extLst>
           </p:cNvPr>
@@ -1861,7 +1864,7 @@
           <p:cNvPr id="9" name="Slide Number Placeholder 8">
             <a:extLst>
               <a:ext uri="{FF2B5EF4-FFF2-40B4-BE49-F238E27FC236}">
-                <a16:creationId xmlns:a16="http://schemas.microsoft.com/office/drawing/2014/main" id="{7A3439B1-32D5-4989-A044-8F32155F9044}"/>
+                <a16:creationId xmlns:a16="http://schemas.microsoft.com/office/drawing/2014/main" xmlns="" id="{7A3439B1-32D5-4989-A044-8F32155F9044}"/>
               </a:ext>
             </a:extLst>
           </p:cNvPr>
@@ -1920,7 +1923,7 @@
           <p:cNvPr id="2" name="Title 1">
             <a:extLst>
               <a:ext uri="{FF2B5EF4-FFF2-40B4-BE49-F238E27FC236}">
-                <a16:creationId xmlns:a16="http://schemas.microsoft.com/office/drawing/2014/main" id="{CD041C47-FC48-4764-9E2C-AD6BBB76718C}"/>
+                <a16:creationId xmlns:a16="http://schemas.microsoft.com/office/drawing/2014/main" xmlns="" id="{CD041C47-FC48-4764-9E2C-AD6BBB76718C}"/>
               </a:ext>
             </a:extLst>
           </p:cNvPr>
@@ -1948,7 +1951,7 @@
           <p:cNvPr id="3" name="Date Placeholder 2">
             <a:extLst>
               <a:ext uri="{FF2B5EF4-FFF2-40B4-BE49-F238E27FC236}">
-                <a16:creationId xmlns:a16="http://schemas.microsoft.com/office/drawing/2014/main" id="{50ADE121-FA85-4DB0-8B69-663C69890AFB}"/>
+                <a16:creationId xmlns:a16="http://schemas.microsoft.com/office/drawing/2014/main" xmlns="" id="{50ADE121-FA85-4DB0-8B69-663C69890AFB}"/>
               </a:ext>
             </a:extLst>
           </p:cNvPr>
@@ -1977,7 +1980,7 @@
           <p:cNvPr id="4" name="Footer Placeholder 3">
             <a:extLst>
               <a:ext uri="{FF2B5EF4-FFF2-40B4-BE49-F238E27FC236}">
-                <a16:creationId xmlns:a16="http://schemas.microsoft.com/office/drawing/2014/main" id="{BE93ABDD-B950-4367-9712-B9A44F6C4BFC}"/>
+                <a16:creationId xmlns:a16="http://schemas.microsoft.com/office/drawing/2014/main" xmlns="" id="{BE93ABDD-B950-4367-9712-B9A44F6C4BFC}"/>
               </a:ext>
             </a:extLst>
           </p:cNvPr>
@@ -2002,7 +2005,7 @@
           <p:cNvPr id="5" name="Slide Number Placeholder 4">
             <a:extLst>
               <a:ext uri="{FF2B5EF4-FFF2-40B4-BE49-F238E27FC236}">
-                <a16:creationId xmlns:a16="http://schemas.microsoft.com/office/drawing/2014/main" id="{8BB99EDC-C51C-4C59-93C7-1ABDED8DAA68}"/>
+                <a16:creationId xmlns:a16="http://schemas.microsoft.com/office/drawing/2014/main" xmlns="" id="{8BB99EDC-C51C-4C59-93C7-1ABDED8DAA68}"/>
               </a:ext>
             </a:extLst>
           </p:cNvPr>
@@ -2061,7 +2064,7 @@
           <p:cNvPr id="2" name="Date Placeholder 1">
             <a:extLst>
               <a:ext uri="{FF2B5EF4-FFF2-40B4-BE49-F238E27FC236}">
-                <a16:creationId xmlns:a16="http://schemas.microsoft.com/office/drawing/2014/main" id="{FB294A3A-6393-41E7-BEC1-D0639919F2C6}"/>
+                <a16:creationId xmlns:a16="http://schemas.microsoft.com/office/drawing/2014/main" xmlns="" id="{FB294A3A-6393-41E7-BEC1-D0639919F2C6}"/>
               </a:ext>
             </a:extLst>
           </p:cNvPr>
@@ -2090,7 +2093,7 @@
           <p:cNvPr id="3" name="Footer Placeholder 2">
             <a:extLst>
               <a:ext uri="{FF2B5EF4-FFF2-40B4-BE49-F238E27FC236}">
-                <a16:creationId xmlns:a16="http://schemas.microsoft.com/office/drawing/2014/main" id="{A81D4398-F439-4EEC-83A6-C1EFEB423FC5}"/>
+                <a16:creationId xmlns:a16="http://schemas.microsoft.com/office/drawing/2014/main" xmlns="" id="{A81D4398-F439-4EEC-83A6-C1EFEB423FC5}"/>
               </a:ext>
             </a:extLst>
           </p:cNvPr>
@@ -2115,7 +2118,7 @@
           <p:cNvPr id="4" name="Slide Number Placeholder 3">
             <a:extLst>
               <a:ext uri="{FF2B5EF4-FFF2-40B4-BE49-F238E27FC236}">
-                <a16:creationId xmlns:a16="http://schemas.microsoft.com/office/drawing/2014/main" id="{4CFA4A15-DCC5-4F48-BD90-7B93DC9E96A8}"/>
+                <a16:creationId xmlns:a16="http://schemas.microsoft.com/office/drawing/2014/main" xmlns="" id="{4CFA4A15-DCC5-4F48-BD90-7B93DC9E96A8}"/>
               </a:ext>
             </a:extLst>
           </p:cNvPr>
@@ -2174,7 +2177,7 @@
           <p:cNvPr id="2" name="Title 1">
             <a:extLst>
               <a:ext uri="{FF2B5EF4-FFF2-40B4-BE49-F238E27FC236}">
-                <a16:creationId xmlns:a16="http://schemas.microsoft.com/office/drawing/2014/main" id="{1ED1CD6D-713A-4B28-BB0D-E4803B208351}"/>
+                <a16:creationId xmlns:a16="http://schemas.microsoft.com/office/drawing/2014/main" xmlns="" id="{1ED1CD6D-713A-4B28-BB0D-E4803B208351}"/>
               </a:ext>
             </a:extLst>
           </p:cNvPr>
@@ -2211,7 +2214,7 @@
           <p:cNvPr id="3" name="Content Placeholder 2">
             <a:extLst>
               <a:ext uri="{FF2B5EF4-FFF2-40B4-BE49-F238E27FC236}">
-                <a16:creationId xmlns:a16="http://schemas.microsoft.com/office/drawing/2014/main" id="{66A9DE92-E10D-4EB8-9D93-E53390BE4BAA}"/>
+                <a16:creationId xmlns:a16="http://schemas.microsoft.com/office/drawing/2014/main" xmlns="" id="{66A9DE92-E10D-4EB8-9D93-E53390BE4BAA}"/>
               </a:ext>
             </a:extLst>
           </p:cNvPr>
@@ -2301,7 +2304,7 @@
           <p:cNvPr id="4" name="Text Placeholder 3">
             <a:extLst>
               <a:ext uri="{FF2B5EF4-FFF2-40B4-BE49-F238E27FC236}">
-                <a16:creationId xmlns:a16="http://schemas.microsoft.com/office/drawing/2014/main" id="{E42C90F8-D507-46A4-ACC5-6882E4D89340}"/>
+                <a16:creationId xmlns:a16="http://schemas.microsoft.com/office/drawing/2014/main" xmlns="" id="{E42C90F8-D507-46A4-ACC5-6882E4D89340}"/>
               </a:ext>
             </a:extLst>
           </p:cNvPr>
@@ -2372,7 +2375,7 @@
           <p:cNvPr id="5" name="Date Placeholder 4">
             <a:extLst>
               <a:ext uri="{FF2B5EF4-FFF2-40B4-BE49-F238E27FC236}">
-                <a16:creationId xmlns:a16="http://schemas.microsoft.com/office/drawing/2014/main" id="{8EB2069A-56FB-49C9-8999-B79933F1DDA6}"/>
+                <a16:creationId xmlns:a16="http://schemas.microsoft.com/office/drawing/2014/main" xmlns="" id="{8EB2069A-56FB-49C9-8999-B79933F1DDA6}"/>
               </a:ext>
             </a:extLst>
           </p:cNvPr>
@@ -2401,7 +2404,7 @@
           <p:cNvPr id="6" name="Footer Placeholder 5">
             <a:extLst>
               <a:ext uri="{FF2B5EF4-FFF2-40B4-BE49-F238E27FC236}">
-                <a16:creationId xmlns:a16="http://schemas.microsoft.com/office/drawing/2014/main" id="{D005133F-83E1-4C5B-968D-E1B829D86C09}"/>
+                <a16:creationId xmlns:a16="http://schemas.microsoft.com/office/drawing/2014/main" xmlns="" id="{D005133F-83E1-4C5B-968D-E1B829D86C09}"/>
               </a:ext>
             </a:extLst>
           </p:cNvPr>
@@ -2426,7 +2429,7 @@
           <p:cNvPr id="7" name="Slide Number Placeholder 6">
             <a:extLst>
               <a:ext uri="{FF2B5EF4-FFF2-40B4-BE49-F238E27FC236}">
-                <a16:creationId xmlns:a16="http://schemas.microsoft.com/office/drawing/2014/main" id="{FD9E1EE4-33AE-463F-AB28-F3F69DB5B8D4}"/>
+                <a16:creationId xmlns:a16="http://schemas.microsoft.com/office/drawing/2014/main" xmlns="" id="{FD9E1EE4-33AE-463F-AB28-F3F69DB5B8D4}"/>
               </a:ext>
             </a:extLst>
           </p:cNvPr>
@@ -2485,7 +2488,7 @@
           <p:cNvPr id="2" name="Title 1">
             <a:extLst>
               <a:ext uri="{FF2B5EF4-FFF2-40B4-BE49-F238E27FC236}">
-                <a16:creationId xmlns:a16="http://schemas.microsoft.com/office/drawing/2014/main" id="{D7760FE3-516B-4FE1-A2B8-AF08EEF40135}"/>
+                <a16:creationId xmlns:a16="http://schemas.microsoft.com/office/drawing/2014/main" xmlns="" id="{D7760FE3-516B-4FE1-A2B8-AF08EEF40135}"/>
               </a:ext>
             </a:extLst>
           </p:cNvPr>
@@ -2522,7 +2525,7 @@
           <p:cNvPr id="3" name="Picture Placeholder 2">
             <a:extLst>
               <a:ext uri="{FF2B5EF4-FFF2-40B4-BE49-F238E27FC236}">
-                <a16:creationId xmlns:a16="http://schemas.microsoft.com/office/drawing/2014/main" id="{C01CD02A-BB3D-44FB-AB20-E6D406AC52B8}"/>
+                <a16:creationId xmlns:a16="http://schemas.microsoft.com/office/drawing/2014/main" xmlns="" id="{C01CD02A-BB3D-44FB-AB20-E6D406AC52B8}"/>
               </a:ext>
             </a:extLst>
           </p:cNvPr>
@@ -2589,7 +2592,7 @@
           <p:cNvPr id="4" name="Text Placeholder 3">
             <a:extLst>
               <a:ext uri="{FF2B5EF4-FFF2-40B4-BE49-F238E27FC236}">
-                <a16:creationId xmlns:a16="http://schemas.microsoft.com/office/drawing/2014/main" id="{02C4D220-ABA3-4C42-9180-062DF5F7A192}"/>
+                <a16:creationId xmlns:a16="http://schemas.microsoft.com/office/drawing/2014/main" xmlns="" id="{02C4D220-ABA3-4C42-9180-062DF5F7A192}"/>
               </a:ext>
             </a:extLst>
           </p:cNvPr>
@@ -2660,7 +2663,7 @@
           <p:cNvPr id="5" name="Date Placeholder 4">
             <a:extLst>
               <a:ext uri="{FF2B5EF4-FFF2-40B4-BE49-F238E27FC236}">
-                <a16:creationId xmlns:a16="http://schemas.microsoft.com/office/drawing/2014/main" id="{E884178A-57FD-401C-A813-3FE473B39AF9}"/>
+                <a16:creationId xmlns:a16="http://schemas.microsoft.com/office/drawing/2014/main" xmlns="" id="{E884178A-57FD-401C-A813-3FE473B39AF9}"/>
               </a:ext>
             </a:extLst>
           </p:cNvPr>
@@ -2689,7 +2692,7 @@
           <p:cNvPr id="6" name="Footer Placeholder 5">
             <a:extLst>
               <a:ext uri="{FF2B5EF4-FFF2-40B4-BE49-F238E27FC236}">
-                <a16:creationId xmlns:a16="http://schemas.microsoft.com/office/drawing/2014/main" id="{67690BDD-A4AB-48A8-AE0D-440418F21E62}"/>
+                <a16:creationId xmlns:a16="http://schemas.microsoft.com/office/drawing/2014/main" xmlns="" id="{67690BDD-A4AB-48A8-AE0D-440418F21E62}"/>
               </a:ext>
             </a:extLst>
           </p:cNvPr>
@@ -2714,7 +2717,7 @@
           <p:cNvPr id="7" name="Slide Number Placeholder 6">
             <a:extLst>
               <a:ext uri="{FF2B5EF4-FFF2-40B4-BE49-F238E27FC236}">
-                <a16:creationId xmlns:a16="http://schemas.microsoft.com/office/drawing/2014/main" id="{1C1999B1-4CE5-4468-A435-D8680EA23F20}"/>
+                <a16:creationId xmlns:a16="http://schemas.microsoft.com/office/drawing/2014/main" xmlns="" id="{1C1999B1-4CE5-4468-A435-D8680EA23F20}"/>
               </a:ext>
             </a:extLst>
           </p:cNvPr>
@@ -2778,7 +2781,7 @@
           <p:cNvPr id="2" name="Title Placeholder 1">
             <a:extLst>
               <a:ext uri="{FF2B5EF4-FFF2-40B4-BE49-F238E27FC236}">
-                <a16:creationId xmlns:a16="http://schemas.microsoft.com/office/drawing/2014/main" id="{4EC8B376-F7F7-4F68-BE42-F495D66B744E}"/>
+                <a16:creationId xmlns:a16="http://schemas.microsoft.com/office/drawing/2014/main" xmlns="" id="{4EC8B376-F7F7-4F68-BE42-F495D66B744E}"/>
               </a:ext>
             </a:extLst>
           </p:cNvPr>
@@ -2816,7 +2819,7 @@
           <p:cNvPr id="3" name="Text Placeholder 2">
             <a:extLst>
               <a:ext uri="{FF2B5EF4-FFF2-40B4-BE49-F238E27FC236}">
-                <a16:creationId xmlns:a16="http://schemas.microsoft.com/office/drawing/2014/main" id="{040E33DB-B400-43E7-B508-2981C7CC3D69}"/>
+                <a16:creationId xmlns:a16="http://schemas.microsoft.com/office/drawing/2014/main" xmlns="" id="{040E33DB-B400-43E7-B508-2981C7CC3D69}"/>
               </a:ext>
             </a:extLst>
           </p:cNvPr>
@@ -2883,7 +2886,7 @@
           <p:cNvPr id="4" name="Date Placeholder 3">
             <a:extLst>
               <a:ext uri="{FF2B5EF4-FFF2-40B4-BE49-F238E27FC236}">
-                <a16:creationId xmlns:a16="http://schemas.microsoft.com/office/drawing/2014/main" id="{EECF0EF9-DE0A-443D-9625-AEFBDDD7806E}"/>
+                <a16:creationId xmlns:a16="http://schemas.microsoft.com/office/drawing/2014/main" xmlns="" id="{EECF0EF9-DE0A-443D-9625-AEFBDDD7806E}"/>
               </a:ext>
             </a:extLst>
           </p:cNvPr>
@@ -2930,7 +2933,7 @@
           <p:cNvPr id="5" name="Footer Placeholder 4">
             <a:extLst>
               <a:ext uri="{FF2B5EF4-FFF2-40B4-BE49-F238E27FC236}">
-                <a16:creationId xmlns:a16="http://schemas.microsoft.com/office/drawing/2014/main" id="{B61714DB-D4E7-42F0-A960-9A02C14CA07E}"/>
+                <a16:creationId xmlns:a16="http://schemas.microsoft.com/office/drawing/2014/main" xmlns="" id="{B61714DB-D4E7-42F0-A960-9A02C14CA07E}"/>
               </a:ext>
             </a:extLst>
           </p:cNvPr>
@@ -2973,7 +2976,7 @@
           <p:cNvPr id="6" name="Slide Number Placeholder 5">
             <a:extLst>
               <a:ext uri="{FF2B5EF4-FFF2-40B4-BE49-F238E27FC236}">
-                <a16:creationId xmlns:a16="http://schemas.microsoft.com/office/drawing/2014/main" id="{E67D260A-058B-4DFF-AA37-3D16FF2C5EF3}"/>
+                <a16:creationId xmlns:a16="http://schemas.microsoft.com/office/drawing/2014/main" xmlns="" id="{E67D260A-058B-4DFF-AA37-3D16FF2C5EF3}"/>
               </a:ext>
             </a:extLst>
           </p:cNvPr>
@@ -3341,7 +3344,7 @@
           <p:cNvPr id="2" name="Title 1">
             <a:extLst>
               <a:ext uri="{FF2B5EF4-FFF2-40B4-BE49-F238E27FC236}">
-                <a16:creationId xmlns:a16="http://schemas.microsoft.com/office/drawing/2014/main" id="{0B3B79AA-E018-43B2-8178-674AC42BEE98}"/>
+                <a16:creationId xmlns:a16="http://schemas.microsoft.com/office/drawing/2014/main" xmlns="" id="{0B3B79AA-E018-43B2-8178-674AC42BEE98}"/>
               </a:ext>
             </a:extLst>
           </p:cNvPr>
@@ -3376,7 +3379,7 @@
           <p:cNvPr id="3" name="Subtitle 2">
             <a:extLst>
               <a:ext uri="{FF2B5EF4-FFF2-40B4-BE49-F238E27FC236}">
-                <a16:creationId xmlns:a16="http://schemas.microsoft.com/office/drawing/2014/main" id="{5561A825-F4EB-443E-99C6-F99940CB4178}"/>
+                <a16:creationId xmlns:a16="http://schemas.microsoft.com/office/drawing/2014/main" xmlns="" id="{5561A825-F4EB-443E-99C6-F99940CB4178}"/>
               </a:ext>
             </a:extLst>
           </p:cNvPr>
@@ -3400,6 +3403,104 @@
     <p:extLst>
       <p:ext uri="{BB962C8B-B14F-4D97-AF65-F5344CB8AC3E}">
         <p14:creationId xmlns:p14="http://schemas.microsoft.com/office/powerpoint/2010/main" val="114609673"/>
+      </p:ext>
+    </p:extLst>
+  </p:cSld>
+  <p:clrMapOvr>
+    <a:masterClrMapping/>
+  </p:clrMapOvr>
+</p:sld>
+</file>
+
+<file path=ppt/slides/slide10.xml><?xml version="1.0" encoding="utf-8"?>
+<p:sld xmlns:a="http://schemas.openxmlformats.org/drawingml/2006/main" xmlns:r="http://schemas.openxmlformats.org/officeDocument/2006/relationships" xmlns:p="http://schemas.openxmlformats.org/presentationml/2006/main">
+  <p:cSld>
+    <p:spTree>
+      <p:nvGrpSpPr>
+        <p:cNvPr id="1" name=""/>
+        <p:cNvGrpSpPr/>
+        <p:nvPr/>
+      </p:nvGrpSpPr>
+      <p:grpSpPr>
+        <a:xfrm>
+          <a:off x="0" y="0"/>
+          <a:ext cx="0" cy="0"/>
+          <a:chOff x="0" y="0"/>
+          <a:chExt cx="0" cy="0"/>
+        </a:xfrm>
+      </p:grpSpPr>
+      <p:sp>
+        <p:nvSpPr>
+          <p:cNvPr id="2" name="Title 1"/>
+          <p:cNvSpPr>
+            <a:spLocks noGrp="1"/>
+          </p:cNvSpPr>
+          <p:nvPr>
+            <p:ph type="title"/>
+          </p:nvPr>
+        </p:nvSpPr>
+        <p:spPr/>
+        <p:txBody>
+          <a:bodyPr/>
+          <a:lstStyle/>
+          <a:p>
+            <a:r>
+              <a:rPr lang="en-US" dirty="0" smtClean="0"/>
+              <a:t>LINQ</a:t>
+            </a:r>
+            <a:endParaRPr lang="en-US" dirty="0"/>
+          </a:p>
+        </p:txBody>
+      </p:sp>
+      <p:sp>
+        <p:nvSpPr>
+          <p:cNvPr id="3" name="Content Placeholder 2"/>
+          <p:cNvSpPr>
+            <a:spLocks noGrp="1"/>
+          </p:cNvSpPr>
+          <p:nvPr>
+            <p:ph idx="1"/>
+          </p:nvPr>
+        </p:nvSpPr>
+        <p:spPr/>
+        <p:txBody>
+          <a:bodyPr/>
+          <a:lstStyle/>
+          <a:p>
+            <a:r>
+              <a:rPr lang="en-US" dirty="0" smtClean="0"/>
+              <a:t>Eases the transition from object oriented languages to relational queries.</a:t>
+            </a:r>
+          </a:p>
+          <a:p>
+            <a:r>
+              <a:rPr lang="en-US" dirty="0" smtClean="0"/>
+              <a:t>Can write database queries, inserts, updates, and deletes in languages like C# instead of SQL.</a:t>
+            </a:r>
+          </a:p>
+          <a:p>
+            <a:r>
+              <a:rPr lang="en-US" dirty="0" smtClean="0"/>
+              <a:t>Integrated into Visual Studio and SQL Server.</a:t>
+            </a:r>
+          </a:p>
+          <a:p>
+            <a:r>
+              <a:rPr lang="en-US" dirty="0" smtClean="0"/>
+              <a:t>Allows us to utilize SQL </a:t>
+            </a:r>
+            <a:r>
+              <a:rPr lang="en-US" smtClean="0"/>
+              <a:t>Server’s security tools.</a:t>
+            </a:r>
+            <a:endParaRPr lang="en-US"/>
+          </a:p>
+        </p:txBody>
+      </p:sp>
+    </p:spTree>
+    <p:extLst>
+      <p:ext uri="{BB962C8B-B14F-4D97-AF65-F5344CB8AC3E}">
+        <p14:creationId xmlns:p14="http://schemas.microsoft.com/office/powerpoint/2010/main" val="3733634116"/>
       </p:ext>
     </p:extLst>
   </p:cSld>
@@ -3431,7 +3532,7 @@
           <p:cNvPr id="2" name="Title 1">
             <a:extLst>
               <a:ext uri="{FF2B5EF4-FFF2-40B4-BE49-F238E27FC236}">
-                <a16:creationId xmlns:a16="http://schemas.microsoft.com/office/drawing/2014/main" id="{DDBFB066-6953-4D5A-AC2D-7E7D6CB34199}"/>
+                <a16:creationId xmlns:a16="http://schemas.microsoft.com/office/drawing/2014/main" xmlns="" id="{DDBFB066-6953-4D5A-AC2D-7E7D6CB34199}"/>
               </a:ext>
             </a:extLst>
           </p:cNvPr>
@@ -3459,7 +3560,7 @@
           <p:cNvPr id="3" name="Content Placeholder 2">
             <a:extLst>
               <a:ext uri="{FF2B5EF4-FFF2-40B4-BE49-F238E27FC236}">
-                <a16:creationId xmlns:a16="http://schemas.microsoft.com/office/drawing/2014/main" id="{D76C5965-3265-40D9-A7F9-4A989365565A}"/>
+                <a16:creationId xmlns:a16="http://schemas.microsoft.com/office/drawing/2014/main" xmlns="" id="{D76C5965-3265-40D9-A7F9-4A989365565A}"/>
               </a:ext>
             </a:extLst>
           </p:cNvPr>
@@ -3514,7 +3615,7 @@
           <p:cNvPr id="2" name="Title 1">
             <a:extLst>
               <a:ext uri="{FF2B5EF4-FFF2-40B4-BE49-F238E27FC236}">
-                <a16:creationId xmlns:a16="http://schemas.microsoft.com/office/drawing/2014/main" id="{CAC786BC-379A-49E8-A3CE-2C1AD529D1BB}"/>
+                <a16:creationId xmlns:a16="http://schemas.microsoft.com/office/drawing/2014/main" xmlns="" id="{CAC786BC-379A-49E8-A3CE-2C1AD529D1BB}"/>
               </a:ext>
             </a:extLst>
           </p:cNvPr>
@@ -3543,7 +3644,7 @@
           <p:cNvPr id="3" name="Text Placeholder 2">
             <a:extLst>
               <a:ext uri="{FF2B5EF4-FFF2-40B4-BE49-F238E27FC236}">
-                <a16:creationId xmlns:a16="http://schemas.microsoft.com/office/drawing/2014/main" id="{6556028A-A717-4DCE-A52B-F596104992D9}"/>
+                <a16:creationId xmlns:a16="http://schemas.microsoft.com/office/drawing/2014/main" xmlns="" id="{6556028A-A717-4DCE-A52B-F596104992D9}"/>
               </a:ext>
             </a:extLst>
           </p:cNvPr>
@@ -3571,7 +3672,7 @@
           <p:cNvPr id="4" name="Content Placeholder 3">
             <a:extLst>
               <a:ext uri="{FF2B5EF4-FFF2-40B4-BE49-F238E27FC236}">
-                <a16:creationId xmlns:a16="http://schemas.microsoft.com/office/drawing/2014/main" id="{A5112BE1-3A18-4843-AD80-6D737A577A7F}"/>
+                <a16:creationId xmlns:a16="http://schemas.microsoft.com/office/drawing/2014/main" xmlns="" id="{A5112BE1-3A18-4843-AD80-6D737A577A7F}"/>
               </a:ext>
             </a:extLst>
           </p:cNvPr>
@@ -3620,7 +3721,7 @@
           <p:cNvPr id="5" name="Text Placeholder 4">
             <a:extLst>
               <a:ext uri="{FF2B5EF4-FFF2-40B4-BE49-F238E27FC236}">
-                <a16:creationId xmlns:a16="http://schemas.microsoft.com/office/drawing/2014/main" id="{A965EBF9-E242-4A05-9F24-344E03993DD5}"/>
+                <a16:creationId xmlns:a16="http://schemas.microsoft.com/office/drawing/2014/main" xmlns="" id="{A965EBF9-E242-4A05-9F24-344E03993DD5}"/>
               </a:ext>
             </a:extLst>
           </p:cNvPr>
@@ -3648,7 +3749,7 @@
           <p:cNvPr id="6" name="Content Placeholder 5">
             <a:extLst>
               <a:ext uri="{FF2B5EF4-FFF2-40B4-BE49-F238E27FC236}">
-                <a16:creationId xmlns:a16="http://schemas.microsoft.com/office/drawing/2014/main" id="{243C43AF-131C-4ED2-872F-31927045F7F7}"/>
+                <a16:creationId xmlns:a16="http://schemas.microsoft.com/office/drawing/2014/main" xmlns="" id="{243C43AF-131C-4ED2-872F-31927045F7F7}"/>
               </a:ext>
             </a:extLst>
           </p:cNvPr>
@@ -3712,7 +3813,7 @@
           <p:cNvPr id="2" name="Title 1">
             <a:extLst>
               <a:ext uri="{FF2B5EF4-FFF2-40B4-BE49-F238E27FC236}">
-                <a16:creationId xmlns:a16="http://schemas.microsoft.com/office/drawing/2014/main" id="{34800167-FD47-4A27-BEA4-CD368B38B115}"/>
+                <a16:creationId xmlns:a16="http://schemas.microsoft.com/office/drawing/2014/main" xmlns="" id="{34800167-FD47-4A27-BEA4-CD368B38B115}"/>
               </a:ext>
             </a:extLst>
           </p:cNvPr>
@@ -3740,7 +3841,7 @@
           <p:cNvPr id="3" name="Text Placeholder 2">
             <a:extLst>
               <a:ext uri="{FF2B5EF4-FFF2-40B4-BE49-F238E27FC236}">
-                <a16:creationId xmlns:a16="http://schemas.microsoft.com/office/drawing/2014/main" id="{44873493-9DCC-43A4-978C-A37CACBC786C}"/>
+                <a16:creationId xmlns:a16="http://schemas.microsoft.com/office/drawing/2014/main" xmlns="" id="{44873493-9DCC-43A4-978C-A37CACBC786C}"/>
               </a:ext>
             </a:extLst>
           </p:cNvPr>
@@ -3768,7 +3869,7 @@
           <p:cNvPr id="4" name="Content Placeholder 3">
             <a:extLst>
               <a:ext uri="{FF2B5EF4-FFF2-40B4-BE49-F238E27FC236}">
-                <a16:creationId xmlns:a16="http://schemas.microsoft.com/office/drawing/2014/main" id="{003FFD00-4BC9-4E9D-96A1-EF72E5003706}"/>
+                <a16:creationId xmlns:a16="http://schemas.microsoft.com/office/drawing/2014/main" xmlns="" id="{003FFD00-4BC9-4E9D-96A1-EF72E5003706}"/>
               </a:ext>
             </a:extLst>
           </p:cNvPr>
@@ -3796,7 +3897,7 @@
           <p:cNvPr id="5" name="Text Placeholder 4">
             <a:extLst>
               <a:ext uri="{FF2B5EF4-FFF2-40B4-BE49-F238E27FC236}">
-                <a16:creationId xmlns:a16="http://schemas.microsoft.com/office/drawing/2014/main" id="{81E02D4E-6F66-4166-BD7B-168A6D68CA3E}"/>
+                <a16:creationId xmlns:a16="http://schemas.microsoft.com/office/drawing/2014/main" xmlns="" id="{81E02D4E-6F66-4166-BD7B-168A6D68CA3E}"/>
               </a:ext>
             </a:extLst>
           </p:cNvPr>
@@ -3824,7 +3925,7 @@
           <p:cNvPr id="6" name="Content Placeholder 5">
             <a:extLst>
               <a:ext uri="{FF2B5EF4-FFF2-40B4-BE49-F238E27FC236}">
-                <a16:creationId xmlns:a16="http://schemas.microsoft.com/office/drawing/2014/main" id="{CEAC036E-BCB6-4A4A-86C0-0ACB51952F3D}"/>
+                <a16:creationId xmlns:a16="http://schemas.microsoft.com/office/drawing/2014/main" xmlns="" id="{CEAC036E-BCB6-4A4A-86C0-0ACB51952F3D}"/>
               </a:ext>
             </a:extLst>
           </p:cNvPr>
@@ -3894,7 +3995,7 @@
           <p:cNvPr id="2" name="Title 1">
             <a:extLst>
               <a:ext uri="{FF2B5EF4-FFF2-40B4-BE49-F238E27FC236}">
-                <a16:creationId xmlns:a16="http://schemas.microsoft.com/office/drawing/2014/main" id="{7C50C541-4189-4126-A522-DACC1E59B6B1}"/>
+                <a16:creationId xmlns:a16="http://schemas.microsoft.com/office/drawing/2014/main" xmlns="" id="{7C50C541-4189-4126-A522-DACC1E59B6B1}"/>
               </a:ext>
             </a:extLst>
           </p:cNvPr>
@@ -3922,7 +4023,7 @@
           <p:cNvPr id="3" name="Text Placeholder 2">
             <a:extLst>
               <a:ext uri="{FF2B5EF4-FFF2-40B4-BE49-F238E27FC236}">
-                <a16:creationId xmlns:a16="http://schemas.microsoft.com/office/drawing/2014/main" id="{78383CFF-948F-47A9-ADBF-2989635B28AE}"/>
+                <a16:creationId xmlns:a16="http://schemas.microsoft.com/office/drawing/2014/main" xmlns="" id="{78383CFF-948F-47A9-ADBF-2989635B28AE}"/>
               </a:ext>
             </a:extLst>
           </p:cNvPr>
@@ -3950,7 +4051,7 @@
           <p:cNvPr id="4" name="Content Placeholder 3">
             <a:extLst>
               <a:ext uri="{FF2B5EF4-FFF2-40B4-BE49-F238E27FC236}">
-                <a16:creationId xmlns:a16="http://schemas.microsoft.com/office/drawing/2014/main" id="{7850CBD6-9C4C-472E-8A11-F10611121523}"/>
+                <a16:creationId xmlns:a16="http://schemas.microsoft.com/office/drawing/2014/main" xmlns="" id="{7850CBD6-9C4C-472E-8A11-F10611121523}"/>
               </a:ext>
             </a:extLst>
           </p:cNvPr>
@@ -3996,7 +4097,7 @@
           <p:cNvPr id="5" name="Text Placeholder 4">
             <a:extLst>
               <a:ext uri="{FF2B5EF4-FFF2-40B4-BE49-F238E27FC236}">
-                <a16:creationId xmlns:a16="http://schemas.microsoft.com/office/drawing/2014/main" id="{D7561C5D-B53D-4A9D-8BD7-A7690EDBCA4F}"/>
+                <a16:creationId xmlns:a16="http://schemas.microsoft.com/office/drawing/2014/main" xmlns="" id="{D7561C5D-B53D-4A9D-8BD7-A7690EDBCA4F}"/>
               </a:ext>
             </a:extLst>
           </p:cNvPr>
@@ -4024,7 +4125,7 @@
           <p:cNvPr id="6" name="Content Placeholder 5">
             <a:extLst>
               <a:ext uri="{FF2B5EF4-FFF2-40B4-BE49-F238E27FC236}">
-                <a16:creationId xmlns:a16="http://schemas.microsoft.com/office/drawing/2014/main" id="{779AC2AA-C062-42F2-A7A9-5E6408607114}"/>
+                <a16:creationId xmlns:a16="http://schemas.microsoft.com/office/drawing/2014/main" xmlns="" id="{779AC2AA-C062-42F2-A7A9-5E6408607114}"/>
               </a:ext>
             </a:extLst>
           </p:cNvPr>
@@ -4103,7 +4204,7 @@
           <p:cNvPr id="2" name="Title 1">
             <a:extLst>
               <a:ext uri="{FF2B5EF4-FFF2-40B4-BE49-F238E27FC236}">
-                <a16:creationId xmlns:a16="http://schemas.microsoft.com/office/drawing/2014/main" id="{83DD9894-5F0E-40BC-8759-C1EADF6E2078}"/>
+                <a16:creationId xmlns:a16="http://schemas.microsoft.com/office/drawing/2014/main" xmlns="" id="{83DD9894-5F0E-40BC-8759-C1EADF6E2078}"/>
               </a:ext>
             </a:extLst>
           </p:cNvPr>
@@ -4136,7 +4237,7 @@
           <p:cNvPr id="3" name="Text Placeholder 2">
             <a:extLst>
               <a:ext uri="{FF2B5EF4-FFF2-40B4-BE49-F238E27FC236}">
-                <a16:creationId xmlns:a16="http://schemas.microsoft.com/office/drawing/2014/main" id="{4F757738-9431-4BA4-98CE-FE348BFD5A1A}"/>
+                <a16:creationId xmlns:a16="http://schemas.microsoft.com/office/drawing/2014/main" xmlns="" id="{4F757738-9431-4BA4-98CE-FE348BFD5A1A}"/>
               </a:ext>
             </a:extLst>
           </p:cNvPr>
@@ -4164,7 +4265,7 @@
           <p:cNvPr id="4" name="Content Placeholder 3">
             <a:extLst>
               <a:ext uri="{FF2B5EF4-FFF2-40B4-BE49-F238E27FC236}">
-                <a16:creationId xmlns:a16="http://schemas.microsoft.com/office/drawing/2014/main" id="{990DC752-4349-4D96-A68E-DA1B62EF56CD}"/>
+                <a16:creationId xmlns:a16="http://schemas.microsoft.com/office/drawing/2014/main" xmlns="" id="{990DC752-4349-4D96-A68E-DA1B62EF56CD}"/>
               </a:ext>
             </a:extLst>
           </p:cNvPr>
@@ -4192,7 +4293,7 @@
           <p:cNvPr id="5" name="Text Placeholder 4">
             <a:extLst>
               <a:ext uri="{FF2B5EF4-FFF2-40B4-BE49-F238E27FC236}">
-                <a16:creationId xmlns:a16="http://schemas.microsoft.com/office/drawing/2014/main" id="{DBAC7B55-1450-4D6E-B6FC-AE6652D00B9E}"/>
+                <a16:creationId xmlns:a16="http://schemas.microsoft.com/office/drawing/2014/main" xmlns="" id="{DBAC7B55-1450-4D6E-B6FC-AE6652D00B9E}"/>
               </a:ext>
             </a:extLst>
           </p:cNvPr>
@@ -4220,7 +4321,7 @@
           <p:cNvPr id="6" name="Content Placeholder 5">
             <a:extLst>
               <a:ext uri="{FF2B5EF4-FFF2-40B4-BE49-F238E27FC236}">
-                <a16:creationId xmlns:a16="http://schemas.microsoft.com/office/drawing/2014/main" id="{723DC586-24A3-4EA5-92FB-97B859677572}"/>
+                <a16:creationId xmlns:a16="http://schemas.microsoft.com/office/drawing/2014/main" xmlns="" id="{723DC586-24A3-4EA5-92FB-97B859677572}"/>
               </a:ext>
             </a:extLst>
           </p:cNvPr>
@@ -4303,7 +4404,7 @@
           <p:cNvPr id="2" name="Title 1">
             <a:extLst>
               <a:ext uri="{FF2B5EF4-FFF2-40B4-BE49-F238E27FC236}">
-                <a16:creationId xmlns:a16="http://schemas.microsoft.com/office/drawing/2014/main" id="{C44D3867-382A-42B4-907C-FA4696DFD077}"/>
+                <a16:creationId xmlns:a16="http://schemas.microsoft.com/office/drawing/2014/main" xmlns="" id="{C44D3867-382A-42B4-907C-FA4696DFD077}"/>
               </a:ext>
             </a:extLst>
           </p:cNvPr>
@@ -4331,7 +4432,7 @@
           <p:cNvPr id="3" name="Text Placeholder 2">
             <a:extLst>
               <a:ext uri="{FF2B5EF4-FFF2-40B4-BE49-F238E27FC236}">
-                <a16:creationId xmlns:a16="http://schemas.microsoft.com/office/drawing/2014/main" id="{32B45193-11D1-4A22-B2EA-7E887073C165}"/>
+                <a16:creationId xmlns:a16="http://schemas.microsoft.com/office/drawing/2014/main" xmlns="" id="{32B45193-11D1-4A22-B2EA-7E887073C165}"/>
               </a:ext>
             </a:extLst>
           </p:cNvPr>
@@ -4359,7 +4460,7 @@
           <p:cNvPr id="4" name="Content Placeholder 3">
             <a:extLst>
               <a:ext uri="{FF2B5EF4-FFF2-40B4-BE49-F238E27FC236}">
-                <a16:creationId xmlns:a16="http://schemas.microsoft.com/office/drawing/2014/main" id="{943846B8-1122-4F70-980F-5B0EC01F0399}"/>
+                <a16:creationId xmlns:a16="http://schemas.microsoft.com/office/drawing/2014/main" xmlns="" id="{943846B8-1122-4F70-980F-5B0EC01F0399}"/>
               </a:ext>
             </a:extLst>
           </p:cNvPr>
@@ -4416,7 +4517,7 @@
           <p:cNvPr id="5" name="Text Placeholder 4">
             <a:extLst>
               <a:ext uri="{FF2B5EF4-FFF2-40B4-BE49-F238E27FC236}">
-                <a16:creationId xmlns:a16="http://schemas.microsoft.com/office/drawing/2014/main" id="{286D98DF-E0E3-46C0-A1D2-396259BE5242}"/>
+                <a16:creationId xmlns:a16="http://schemas.microsoft.com/office/drawing/2014/main" xmlns="" id="{286D98DF-E0E3-46C0-A1D2-396259BE5242}"/>
               </a:ext>
             </a:extLst>
           </p:cNvPr>
@@ -4444,7 +4545,7 @@
           <p:cNvPr id="6" name="Content Placeholder 5">
             <a:extLst>
               <a:ext uri="{FF2B5EF4-FFF2-40B4-BE49-F238E27FC236}">
-                <a16:creationId xmlns:a16="http://schemas.microsoft.com/office/drawing/2014/main" id="{E1A8A007-62F8-4A47-AF8F-2B4E33D7D327}"/>
+                <a16:creationId xmlns:a16="http://schemas.microsoft.com/office/drawing/2014/main" xmlns="" id="{E1A8A007-62F8-4A47-AF8F-2B4E33D7D327}"/>
               </a:ext>
             </a:extLst>
           </p:cNvPr>
@@ -4483,6 +4584,194 @@
     <p:extLst>
       <p:ext uri="{BB962C8B-B14F-4D97-AF65-F5344CB8AC3E}">
         <p14:creationId xmlns:p14="http://schemas.microsoft.com/office/powerpoint/2010/main" val="2288011464"/>
+      </p:ext>
+    </p:extLst>
+  </p:cSld>
+  <p:clrMapOvr>
+    <a:masterClrMapping/>
+  </p:clrMapOvr>
+</p:sld>
+</file>
+
+<file path=ppt/slides/slide8.xml><?xml version="1.0" encoding="utf-8"?>
+<p:sld xmlns:a="http://schemas.openxmlformats.org/drawingml/2006/main" xmlns:r="http://schemas.openxmlformats.org/officeDocument/2006/relationships" xmlns:p="http://schemas.openxmlformats.org/presentationml/2006/main">
+  <p:cSld>
+    <p:spTree>
+      <p:nvGrpSpPr>
+        <p:cNvPr id="1" name=""/>
+        <p:cNvGrpSpPr/>
+        <p:nvPr/>
+      </p:nvGrpSpPr>
+      <p:grpSpPr>
+        <a:xfrm>
+          <a:off x="0" y="0"/>
+          <a:ext cx="0" cy="0"/>
+          <a:chOff x="0" y="0"/>
+          <a:chExt cx="0" cy="0"/>
+        </a:xfrm>
+      </p:grpSpPr>
+      <p:sp>
+        <p:nvSpPr>
+          <p:cNvPr id="4" name="Title 3"/>
+          <p:cNvSpPr>
+            <a:spLocks noGrp="1"/>
+          </p:cNvSpPr>
+          <p:nvPr>
+            <p:ph type="title"/>
+          </p:nvPr>
+        </p:nvSpPr>
+        <p:spPr/>
+        <p:txBody>
+          <a:bodyPr/>
+          <a:lstStyle/>
+          <a:p>
+            <a:r>
+              <a:rPr lang="en-US" dirty="0" smtClean="0"/>
+              <a:t>MySQL vs SQL Server vs SQLite</a:t>
+            </a:r>
+            <a:endParaRPr lang="en-US" dirty="0"/>
+          </a:p>
+        </p:txBody>
+      </p:sp>
+      <p:sp>
+        <p:nvSpPr>
+          <p:cNvPr id="5" name="Content Placeholder 4"/>
+          <p:cNvSpPr>
+            <a:spLocks noGrp="1"/>
+          </p:cNvSpPr>
+          <p:nvPr>
+            <p:ph idx="1"/>
+          </p:nvPr>
+        </p:nvSpPr>
+        <p:spPr/>
+        <p:txBody>
+          <a:bodyPr/>
+          <a:lstStyle/>
+          <a:p>
+            <a:r>
+              <a:rPr lang="en-US" dirty="0" smtClean="0"/>
+              <a:t>MySQL is a database software by Oracle. It has Visual studio integration and is cross platform. Has worse performance than SQL Server and SQLite.</a:t>
+            </a:r>
+          </a:p>
+          <a:p>
+            <a:r>
+              <a:rPr lang="en-US" dirty="0" smtClean="0"/>
+              <a:t>SQL server is integrated into Visual Studio and Azure, making integration very easy. Can serve reports to mobile devices. This is also cross platform.</a:t>
+            </a:r>
+          </a:p>
+          <a:p>
+            <a:r>
+              <a:rPr lang="en-US" dirty="0" smtClean="0"/>
+              <a:t>SQLite is designed to run without a centralized server. This limits size of the database to the size of the storage on the main device. It’s very fast when used on sites and apps with low traffic.</a:t>
+            </a:r>
+            <a:endParaRPr lang="en-US" dirty="0"/>
+          </a:p>
+        </p:txBody>
+      </p:sp>
+    </p:spTree>
+    <p:extLst>
+      <p:ext uri="{BB962C8B-B14F-4D97-AF65-F5344CB8AC3E}">
+        <p14:creationId xmlns:p14="http://schemas.microsoft.com/office/powerpoint/2010/main" val="2023964732"/>
+      </p:ext>
+    </p:extLst>
+  </p:cSld>
+  <p:clrMapOvr>
+    <a:masterClrMapping/>
+  </p:clrMapOvr>
+</p:sld>
+</file>
+
+<file path=ppt/slides/slide9.xml><?xml version="1.0" encoding="utf-8"?>
+<p:sld xmlns:a="http://schemas.openxmlformats.org/drawingml/2006/main" xmlns:r="http://schemas.openxmlformats.org/officeDocument/2006/relationships" xmlns:p="http://schemas.openxmlformats.org/presentationml/2006/main">
+  <p:cSld>
+    <p:spTree>
+      <p:nvGrpSpPr>
+        <p:cNvPr id="1" name=""/>
+        <p:cNvGrpSpPr/>
+        <p:nvPr/>
+      </p:nvGrpSpPr>
+      <p:grpSpPr>
+        <a:xfrm>
+          <a:off x="0" y="0"/>
+          <a:ext cx="0" cy="0"/>
+          <a:chOff x="0" y="0"/>
+          <a:chExt cx="0" cy="0"/>
+        </a:xfrm>
+      </p:grpSpPr>
+      <p:sp>
+        <p:nvSpPr>
+          <p:cNvPr id="2" name="Title 1"/>
+          <p:cNvSpPr>
+            <a:spLocks noGrp="1"/>
+          </p:cNvSpPr>
+          <p:nvPr>
+            <p:ph type="title"/>
+          </p:nvPr>
+        </p:nvSpPr>
+        <p:spPr/>
+        <p:txBody>
+          <a:bodyPr/>
+          <a:lstStyle/>
+          <a:p>
+            <a:r>
+              <a:rPr lang="en-US" dirty="0" smtClean="0"/>
+              <a:t>Microsoft Azure</a:t>
+            </a:r>
+            <a:endParaRPr lang="en-US" dirty="0"/>
+          </a:p>
+        </p:txBody>
+      </p:sp>
+      <p:sp>
+        <p:nvSpPr>
+          <p:cNvPr id="3" name="Content Placeholder 2"/>
+          <p:cNvSpPr>
+            <a:spLocks noGrp="1"/>
+          </p:cNvSpPr>
+          <p:nvPr>
+            <p:ph idx="1"/>
+          </p:nvPr>
+        </p:nvSpPr>
+        <p:spPr/>
+        <p:txBody>
+          <a:bodyPr/>
+          <a:lstStyle/>
+          <a:p>
+            <a:r>
+              <a:rPr lang="en-US" dirty="0" smtClean="0"/>
+              <a:t>Provides cloud services to developers to build, deploy, and manage mobile applications.</a:t>
+            </a:r>
+          </a:p>
+          <a:p>
+            <a:r>
+              <a:rPr lang="en-US" dirty="0" smtClean="0"/>
+              <a:t>Helps to transition between desktop systems and mobile systems.</a:t>
+            </a:r>
+          </a:p>
+          <a:p>
+            <a:r>
+              <a:rPr lang="en-US" dirty="0" smtClean="0"/>
+              <a:t>Allows us to make updates even if connection to the database is lost, then upload the changes when a connection is established.</a:t>
+            </a:r>
+          </a:p>
+          <a:p>
+            <a:r>
+              <a:rPr lang="en-US" dirty="0" smtClean="0"/>
+              <a:t>Pricing is based on consumption, the system is only used when needed.</a:t>
+            </a:r>
+          </a:p>
+          <a:p>
+            <a:r>
+              <a:rPr lang="en-US" dirty="0" smtClean="0"/>
+              <a:t>Removes the need for IT support and administration.</a:t>
+            </a:r>
+            <a:endParaRPr lang="en-US" dirty="0"/>
+          </a:p>
+        </p:txBody>
+      </p:sp>
+    </p:spTree>
+    <p:extLst>
+      <p:ext uri="{BB962C8B-B14F-4D97-AF65-F5344CB8AC3E}">
+        <p14:creationId xmlns:p14="http://schemas.microsoft.com/office/powerpoint/2010/main" val="1106979655"/>
       </p:ext>
     </p:extLst>
   </p:cSld>
@@ -4781,7 +5070,7 @@
   <a:extraClrSchemeLst/>
   <a:extLst>
     <a:ext uri="{05A4C25C-085E-4340-85A3-A5531E510DB2}">
-      <thm15:themeFamily xmlns:thm15="http://schemas.microsoft.com/office/thememl/2012/main" name="Office Theme" id="{62F939B6-93AF-4DB8-9C6B-D6C7DFDC589F}" vid="{4A3C46E8-61CC-4603-A589-7422A47A8E4A}"/>
+      <thm15:themeFamily xmlns:thm15="http://schemas.microsoft.com/office/thememl/2012/main" xmlns="" name="Office Theme" id="{62F939B6-93AF-4DB8-9C6B-D6C7DFDC589F}" vid="{4A3C46E8-61CC-4603-A589-7422A47A8E4A}"/>
     </a:ext>
   </a:extLst>
 </a:theme>

--- a/related work presentation draft.pptx
+++ b/related work presentation draft.pptx
@@ -15,6 +15,9 @@
     <p:sldId id="264" r:id="rId9"/>
     <p:sldId id="265" r:id="rId10"/>
     <p:sldId id="266" r:id="rId11"/>
+    <p:sldId id="267" r:id="rId12"/>
+    <p:sldId id="268" r:id="rId13"/>
+    <p:sldId id="269" r:id="rId14"/>
   </p:sldIdLst>
   <p:sldSz cx="12192000" cy="6858000"/>
   <p:notesSz cx="6858000" cy="9144000"/>
@@ -115,7 +118,18 @@
   </p:defaultTextStyle>
   <p:extLst>
     <p:ext uri="{EFAFB233-063F-42B5-8137-9DF3F51BA10A}">
-      <p15:sldGuideLst xmlns:p15="http://schemas.microsoft.com/office/powerpoint/2012/main" xmlns=""/>
+      <p15:sldGuideLst xmlns:p15="http://schemas.microsoft.com/office/powerpoint/2012/main">
+        <p15:guide id="1" orient="horz" pos="2160">
+          <p15:clr>
+            <a:srgbClr val="A4A3A4"/>
+          </p15:clr>
+        </p15:guide>
+        <p15:guide id="2" pos="3840">
+          <p15:clr>
+            <a:srgbClr val="A4A3A4"/>
+          </p15:clr>
+        </p15:guide>
+      </p15:sldGuideLst>
     </p:ext>
   </p:extLst>
 </p:presentation>
@@ -147,7 +161,7 @@
           <p:cNvPr id="2" name="Title 1">
             <a:extLst>
               <a:ext uri="{FF2B5EF4-FFF2-40B4-BE49-F238E27FC236}">
-                <a16:creationId xmlns:a16="http://schemas.microsoft.com/office/drawing/2014/main" xmlns="" id="{8D5DC914-5DDA-46FC-A2CA-216FACE42547}"/>
+                <a16:creationId xmlns:a16="http://schemas.microsoft.com/office/drawing/2014/main" id="{8D5DC914-5DDA-46FC-A2CA-216FACE42547}"/>
               </a:ext>
             </a:extLst>
           </p:cNvPr>
@@ -184,7 +198,7 @@
           <p:cNvPr id="3" name="Subtitle 2">
             <a:extLst>
               <a:ext uri="{FF2B5EF4-FFF2-40B4-BE49-F238E27FC236}">
-                <a16:creationId xmlns:a16="http://schemas.microsoft.com/office/drawing/2014/main" xmlns="" id="{4E4D9AA0-3928-490D-AAF1-9E6063320543}"/>
+                <a16:creationId xmlns:a16="http://schemas.microsoft.com/office/drawing/2014/main" id="{4E4D9AA0-3928-490D-AAF1-9E6063320543}"/>
               </a:ext>
             </a:extLst>
           </p:cNvPr>
@@ -254,7 +268,7 @@
           <p:cNvPr id="4" name="Date Placeholder 3">
             <a:extLst>
               <a:ext uri="{FF2B5EF4-FFF2-40B4-BE49-F238E27FC236}">
-                <a16:creationId xmlns:a16="http://schemas.microsoft.com/office/drawing/2014/main" xmlns="" id="{FE5D27E6-5918-4D14-93A2-2859973A92E2}"/>
+                <a16:creationId xmlns:a16="http://schemas.microsoft.com/office/drawing/2014/main" id="{FE5D27E6-5918-4D14-93A2-2859973A92E2}"/>
               </a:ext>
             </a:extLst>
           </p:cNvPr>
@@ -283,7 +297,7 @@
           <p:cNvPr id="5" name="Footer Placeholder 4">
             <a:extLst>
               <a:ext uri="{FF2B5EF4-FFF2-40B4-BE49-F238E27FC236}">
-                <a16:creationId xmlns:a16="http://schemas.microsoft.com/office/drawing/2014/main" xmlns="" id="{D0AF6113-FF52-483D-B120-36910F0B658E}"/>
+                <a16:creationId xmlns:a16="http://schemas.microsoft.com/office/drawing/2014/main" id="{D0AF6113-FF52-483D-B120-36910F0B658E}"/>
               </a:ext>
             </a:extLst>
           </p:cNvPr>
@@ -308,7 +322,7 @@
           <p:cNvPr id="6" name="Slide Number Placeholder 5">
             <a:extLst>
               <a:ext uri="{FF2B5EF4-FFF2-40B4-BE49-F238E27FC236}">
-                <a16:creationId xmlns:a16="http://schemas.microsoft.com/office/drawing/2014/main" xmlns="" id="{2CBE7383-7963-4463-AE4F-BE4D001D0453}"/>
+                <a16:creationId xmlns:a16="http://schemas.microsoft.com/office/drawing/2014/main" id="{2CBE7383-7963-4463-AE4F-BE4D001D0453}"/>
               </a:ext>
             </a:extLst>
           </p:cNvPr>
@@ -367,7 +381,7 @@
           <p:cNvPr id="2" name="Title 1">
             <a:extLst>
               <a:ext uri="{FF2B5EF4-FFF2-40B4-BE49-F238E27FC236}">
-                <a16:creationId xmlns:a16="http://schemas.microsoft.com/office/drawing/2014/main" xmlns="" id="{7B448FBF-13FB-4E88-89C7-967835135D13}"/>
+                <a16:creationId xmlns:a16="http://schemas.microsoft.com/office/drawing/2014/main" id="{7B448FBF-13FB-4E88-89C7-967835135D13}"/>
               </a:ext>
             </a:extLst>
           </p:cNvPr>
@@ -395,7 +409,7 @@
           <p:cNvPr id="3" name="Vertical Text Placeholder 2">
             <a:extLst>
               <a:ext uri="{FF2B5EF4-FFF2-40B4-BE49-F238E27FC236}">
-                <a16:creationId xmlns:a16="http://schemas.microsoft.com/office/drawing/2014/main" xmlns="" id="{5FC6583A-A868-452D-B5B5-EA6E0EA92EC0}"/>
+                <a16:creationId xmlns:a16="http://schemas.microsoft.com/office/drawing/2014/main" id="{5FC6583A-A868-452D-B5B5-EA6E0EA92EC0}"/>
               </a:ext>
             </a:extLst>
           </p:cNvPr>
@@ -452,7 +466,7 @@
           <p:cNvPr id="4" name="Date Placeholder 3">
             <a:extLst>
               <a:ext uri="{FF2B5EF4-FFF2-40B4-BE49-F238E27FC236}">
-                <a16:creationId xmlns:a16="http://schemas.microsoft.com/office/drawing/2014/main" xmlns="" id="{6B7B6C7B-8856-4DF2-97F3-861623F3D1E3}"/>
+                <a16:creationId xmlns:a16="http://schemas.microsoft.com/office/drawing/2014/main" id="{6B7B6C7B-8856-4DF2-97F3-861623F3D1E3}"/>
               </a:ext>
             </a:extLst>
           </p:cNvPr>
@@ -481,7 +495,7 @@
           <p:cNvPr id="5" name="Footer Placeholder 4">
             <a:extLst>
               <a:ext uri="{FF2B5EF4-FFF2-40B4-BE49-F238E27FC236}">
-                <a16:creationId xmlns:a16="http://schemas.microsoft.com/office/drawing/2014/main" xmlns="" id="{CAF2B798-DB12-4239-88C0-530CEDBEB4DE}"/>
+                <a16:creationId xmlns:a16="http://schemas.microsoft.com/office/drawing/2014/main" id="{CAF2B798-DB12-4239-88C0-530CEDBEB4DE}"/>
               </a:ext>
             </a:extLst>
           </p:cNvPr>
@@ -506,7 +520,7 @@
           <p:cNvPr id="6" name="Slide Number Placeholder 5">
             <a:extLst>
               <a:ext uri="{FF2B5EF4-FFF2-40B4-BE49-F238E27FC236}">
-                <a16:creationId xmlns:a16="http://schemas.microsoft.com/office/drawing/2014/main" xmlns="" id="{959ECFDE-ACFE-40FE-9319-D798CF38D028}"/>
+                <a16:creationId xmlns:a16="http://schemas.microsoft.com/office/drawing/2014/main" id="{959ECFDE-ACFE-40FE-9319-D798CF38D028}"/>
               </a:ext>
             </a:extLst>
           </p:cNvPr>
@@ -565,7 +579,7 @@
           <p:cNvPr id="2" name="Vertical Title 1">
             <a:extLst>
               <a:ext uri="{FF2B5EF4-FFF2-40B4-BE49-F238E27FC236}">
-                <a16:creationId xmlns:a16="http://schemas.microsoft.com/office/drawing/2014/main" xmlns="" id="{BF869740-FA79-42BA-A8E3-BD732ADE9944}"/>
+                <a16:creationId xmlns:a16="http://schemas.microsoft.com/office/drawing/2014/main" id="{BF869740-FA79-42BA-A8E3-BD732ADE9944}"/>
               </a:ext>
             </a:extLst>
           </p:cNvPr>
@@ -598,7 +612,7 @@
           <p:cNvPr id="3" name="Vertical Text Placeholder 2">
             <a:extLst>
               <a:ext uri="{FF2B5EF4-FFF2-40B4-BE49-F238E27FC236}">
-                <a16:creationId xmlns:a16="http://schemas.microsoft.com/office/drawing/2014/main" xmlns="" id="{D0A9F264-B182-4FBD-B273-756E28AD1DE4}"/>
+                <a16:creationId xmlns:a16="http://schemas.microsoft.com/office/drawing/2014/main" id="{D0A9F264-B182-4FBD-B273-756E28AD1DE4}"/>
               </a:ext>
             </a:extLst>
           </p:cNvPr>
@@ -660,7 +674,7 @@
           <p:cNvPr id="4" name="Date Placeholder 3">
             <a:extLst>
               <a:ext uri="{FF2B5EF4-FFF2-40B4-BE49-F238E27FC236}">
-                <a16:creationId xmlns:a16="http://schemas.microsoft.com/office/drawing/2014/main" xmlns="" id="{D59FBCE4-67F8-4B32-B891-0B6DBA74E056}"/>
+                <a16:creationId xmlns:a16="http://schemas.microsoft.com/office/drawing/2014/main" id="{D59FBCE4-67F8-4B32-B891-0B6DBA74E056}"/>
               </a:ext>
             </a:extLst>
           </p:cNvPr>
@@ -689,7 +703,7 @@
           <p:cNvPr id="5" name="Footer Placeholder 4">
             <a:extLst>
               <a:ext uri="{FF2B5EF4-FFF2-40B4-BE49-F238E27FC236}">
-                <a16:creationId xmlns:a16="http://schemas.microsoft.com/office/drawing/2014/main" xmlns="" id="{9E3DEC77-CA1E-4673-B788-8A315074EDDE}"/>
+                <a16:creationId xmlns:a16="http://schemas.microsoft.com/office/drawing/2014/main" id="{9E3DEC77-CA1E-4673-B788-8A315074EDDE}"/>
               </a:ext>
             </a:extLst>
           </p:cNvPr>
@@ -714,7 +728,7 @@
           <p:cNvPr id="6" name="Slide Number Placeholder 5">
             <a:extLst>
               <a:ext uri="{FF2B5EF4-FFF2-40B4-BE49-F238E27FC236}">
-                <a16:creationId xmlns:a16="http://schemas.microsoft.com/office/drawing/2014/main" xmlns="" id="{B3FBF611-437E-45FB-B234-B7AD23FE01BC}"/>
+                <a16:creationId xmlns:a16="http://schemas.microsoft.com/office/drawing/2014/main" id="{B3FBF611-437E-45FB-B234-B7AD23FE01BC}"/>
               </a:ext>
             </a:extLst>
           </p:cNvPr>
@@ -773,7 +787,7 @@
           <p:cNvPr id="2" name="Title 1">
             <a:extLst>
               <a:ext uri="{FF2B5EF4-FFF2-40B4-BE49-F238E27FC236}">
-                <a16:creationId xmlns:a16="http://schemas.microsoft.com/office/drawing/2014/main" xmlns="" id="{AC082E1E-25B0-4734-97E9-D195D91E981B}"/>
+                <a16:creationId xmlns:a16="http://schemas.microsoft.com/office/drawing/2014/main" id="{AC082E1E-25B0-4734-97E9-D195D91E981B}"/>
               </a:ext>
             </a:extLst>
           </p:cNvPr>
@@ -801,7 +815,7 @@
           <p:cNvPr id="3" name="Content Placeholder 2">
             <a:extLst>
               <a:ext uri="{FF2B5EF4-FFF2-40B4-BE49-F238E27FC236}">
-                <a16:creationId xmlns:a16="http://schemas.microsoft.com/office/drawing/2014/main" xmlns="" id="{66EA9C4C-12C1-4586-AE49-F99DEEA788C1}"/>
+                <a16:creationId xmlns:a16="http://schemas.microsoft.com/office/drawing/2014/main" id="{66EA9C4C-12C1-4586-AE49-F99DEEA788C1}"/>
               </a:ext>
             </a:extLst>
           </p:cNvPr>
@@ -858,7 +872,7 @@
           <p:cNvPr id="4" name="Date Placeholder 3">
             <a:extLst>
               <a:ext uri="{FF2B5EF4-FFF2-40B4-BE49-F238E27FC236}">
-                <a16:creationId xmlns:a16="http://schemas.microsoft.com/office/drawing/2014/main" xmlns="" id="{F3B95314-2D48-49EB-956A-5538854F7627}"/>
+                <a16:creationId xmlns:a16="http://schemas.microsoft.com/office/drawing/2014/main" id="{F3B95314-2D48-49EB-956A-5538854F7627}"/>
               </a:ext>
             </a:extLst>
           </p:cNvPr>
@@ -887,7 +901,7 @@
           <p:cNvPr id="5" name="Footer Placeholder 4">
             <a:extLst>
               <a:ext uri="{FF2B5EF4-FFF2-40B4-BE49-F238E27FC236}">
-                <a16:creationId xmlns:a16="http://schemas.microsoft.com/office/drawing/2014/main" xmlns="" id="{5E8B093C-1CE4-478B-9A71-198D051FABE4}"/>
+                <a16:creationId xmlns:a16="http://schemas.microsoft.com/office/drawing/2014/main" id="{5E8B093C-1CE4-478B-9A71-198D051FABE4}"/>
               </a:ext>
             </a:extLst>
           </p:cNvPr>
@@ -912,7 +926,7 @@
           <p:cNvPr id="6" name="Slide Number Placeholder 5">
             <a:extLst>
               <a:ext uri="{FF2B5EF4-FFF2-40B4-BE49-F238E27FC236}">
-                <a16:creationId xmlns:a16="http://schemas.microsoft.com/office/drawing/2014/main" xmlns="" id="{0E04723D-E29B-4AF4-98BB-D0767C7EA7E6}"/>
+                <a16:creationId xmlns:a16="http://schemas.microsoft.com/office/drawing/2014/main" id="{0E04723D-E29B-4AF4-98BB-D0767C7EA7E6}"/>
               </a:ext>
             </a:extLst>
           </p:cNvPr>
@@ -971,7 +985,7 @@
           <p:cNvPr id="2" name="Title 1">
             <a:extLst>
               <a:ext uri="{FF2B5EF4-FFF2-40B4-BE49-F238E27FC236}">
-                <a16:creationId xmlns:a16="http://schemas.microsoft.com/office/drawing/2014/main" xmlns="" id="{8FFA0E32-D3C5-4D97-9448-AC005FD2F735}"/>
+                <a16:creationId xmlns:a16="http://schemas.microsoft.com/office/drawing/2014/main" id="{8FFA0E32-D3C5-4D97-9448-AC005FD2F735}"/>
               </a:ext>
             </a:extLst>
           </p:cNvPr>
@@ -1008,7 +1022,7 @@
           <p:cNvPr id="3" name="Text Placeholder 2">
             <a:extLst>
               <a:ext uri="{FF2B5EF4-FFF2-40B4-BE49-F238E27FC236}">
-                <a16:creationId xmlns:a16="http://schemas.microsoft.com/office/drawing/2014/main" xmlns="" id="{8D26DE83-4C31-4722-ADC4-5237C9520EA0}"/>
+                <a16:creationId xmlns:a16="http://schemas.microsoft.com/office/drawing/2014/main" id="{8D26DE83-4C31-4722-ADC4-5237C9520EA0}"/>
               </a:ext>
             </a:extLst>
           </p:cNvPr>
@@ -1133,7 +1147,7 @@
           <p:cNvPr id="4" name="Date Placeholder 3">
             <a:extLst>
               <a:ext uri="{FF2B5EF4-FFF2-40B4-BE49-F238E27FC236}">
-                <a16:creationId xmlns:a16="http://schemas.microsoft.com/office/drawing/2014/main" xmlns="" id="{7C063F6D-D937-4974-B27F-512C8C64C903}"/>
+                <a16:creationId xmlns:a16="http://schemas.microsoft.com/office/drawing/2014/main" id="{7C063F6D-D937-4974-B27F-512C8C64C903}"/>
               </a:ext>
             </a:extLst>
           </p:cNvPr>
@@ -1162,7 +1176,7 @@
           <p:cNvPr id="5" name="Footer Placeholder 4">
             <a:extLst>
               <a:ext uri="{FF2B5EF4-FFF2-40B4-BE49-F238E27FC236}">
-                <a16:creationId xmlns:a16="http://schemas.microsoft.com/office/drawing/2014/main" xmlns="" id="{AD3D6352-1345-4D31-9086-F4EAEAFF0164}"/>
+                <a16:creationId xmlns:a16="http://schemas.microsoft.com/office/drawing/2014/main" id="{AD3D6352-1345-4D31-9086-F4EAEAFF0164}"/>
               </a:ext>
             </a:extLst>
           </p:cNvPr>
@@ -1187,7 +1201,7 @@
           <p:cNvPr id="6" name="Slide Number Placeholder 5">
             <a:extLst>
               <a:ext uri="{FF2B5EF4-FFF2-40B4-BE49-F238E27FC236}">
-                <a16:creationId xmlns:a16="http://schemas.microsoft.com/office/drawing/2014/main" xmlns="" id="{0661E240-999E-4C57-871B-2EF196AE5952}"/>
+                <a16:creationId xmlns:a16="http://schemas.microsoft.com/office/drawing/2014/main" id="{0661E240-999E-4C57-871B-2EF196AE5952}"/>
               </a:ext>
             </a:extLst>
           </p:cNvPr>
@@ -1246,7 +1260,7 @@
           <p:cNvPr id="2" name="Title 1">
             <a:extLst>
               <a:ext uri="{FF2B5EF4-FFF2-40B4-BE49-F238E27FC236}">
-                <a16:creationId xmlns:a16="http://schemas.microsoft.com/office/drawing/2014/main" xmlns="" id="{57958FE2-3F40-44D7-8E39-A249C635A16C}"/>
+                <a16:creationId xmlns:a16="http://schemas.microsoft.com/office/drawing/2014/main" id="{57958FE2-3F40-44D7-8E39-A249C635A16C}"/>
               </a:ext>
             </a:extLst>
           </p:cNvPr>
@@ -1274,7 +1288,7 @@
           <p:cNvPr id="3" name="Content Placeholder 2">
             <a:extLst>
               <a:ext uri="{FF2B5EF4-FFF2-40B4-BE49-F238E27FC236}">
-                <a16:creationId xmlns:a16="http://schemas.microsoft.com/office/drawing/2014/main" xmlns="" id="{4EACF017-983B-48C5-88BD-7B9B424A18C1}"/>
+                <a16:creationId xmlns:a16="http://schemas.microsoft.com/office/drawing/2014/main" id="{4EACF017-983B-48C5-88BD-7B9B424A18C1}"/>
               </a:ext>
             </a:extLst>
           </p:cNvPr>
@@ -1336,7 +1350,7 @@
           <p:cNvPr id="4" name="Content Placeholder 3">
             <a:extLst>
               <a:ext uri="{FF2B5EF4-FFF2-40B4-BE49-F238E27FC236}">
-                <a16:creationId xmlns:a16="http://schemas.microsoft.com/office/drawing/2014/main" xmlns="" id="{4013B3D8-09A0-48AD-9609-7BEA9216E1A5}"/>
+                <a16:creationId xmlns:a16="http://schemas.microsoft.com/office/drawing/2014/main" id="{4013B3D8-09A0-48AD-9609-7BEA9216E1A5}"/>
               </a:ext>
             </a:extLst>
           </p:cNvPr>
@@ -1398,7 +1412,7 @@
           <p:cNvPr id="5" name="Date Placeholder 4">
             <a:extLst>
               <a:ext uri="{FF2B5EF4-FFF2-40B4-BE49-F238E27FC236}">
-                <a16:creationId xmlns:a16="http://schemas.microsoft.com/office/drawing/2014/main" xmlns="" id="{90E3AF07-9442-49D6-8189-93F04E376274}"/>
+                <a16:creationId xmlns:a16="http://schemas.microsoft.com/office/drawing/2014/main" id="{90E3AF07-9442-49D6-8189-93F04E376274}"/>
               </a:ext>
             </a:extLst>
           </p:cNvPr>
@@ -1427,7 +1441,7 @@
           <p:cNvPr id="6" name="Footer Placeholder 5">
             <a:extLst>
               <a:ext uri="{FF2B5EF4-FFF2-40B4-BE49-F238E27FC236}">
-                <a16:creationId xmlns:a16="http://schemas.microsoft.com/office/drawing/2014/main" xmlns="" id="{25D15D6B-DA2A-49FC-AF84-C607C0CA8EF7}"/>
+                <a16:creationId xmlns:a16="http://schemas.microsoft.com/office/drawing/2014/main" id="{25D15D6B-DA2A-49FC-AF84-C607C0CA8EF7}"/>
               </a:ext>
             </a:extLst>
           </p:cNvPr>
@@ -1452,7 +1466,7 @@
           <p:cNvPr id="7" name="Slide Number Placeholder 6">
             <a:extLst>
               <a:ext uri="{FF2B5EF4-FFF2-40B4-BE49-F238E27FC236}">
-                <a16:creationId xmlns:a16="http://schemas.microsoft.com/office/drawing/2014/main" xmlns="" id="{562136D5-BFAE-4A28-9E9C-7D027578C490}"/>
+                <a16:creationId xmlns:a16="http://schemas.microsoft.com/office/drawing/2014/main" id="{562136D5-BFAE-4A28-9E9C-7D027578C490}"/>
               </a:ext>
             </a:extLst>
           </p:cNvPr>
@@ -1511,7 +1525,7 @@
           <p:cNvPr id="2" name="Title 1">
             <a:extLst>
               <a:ext uri="{FF2B5EF4-FFF2-40B4-BE49-F238E27FC236}">
-                <a16:creationId xmlns:a16="http://schemas.microsoft.com/office/drawing/2014/main" xmlns="" id="{16F8CE0A-4B59-483D-9586-B83265D544FF}"/>
+                <a16:creationId xmlns:a16="http://schemas.microsoft.com/office/drawing/2014/main" id="{16F8CE0A-4B59-483D-9586-B83265D544FF}"/>
               </a:ext>
             </a:extLst>
           </p:cNvPr>
@@ -1544,7 +1558,7 @@
           <p:cNvPr id="3" name="Text Placeholder 2">
             <a:extLst>
               <a:ext uri="{FF2B5EF4-FFF2-40B4-BE49-F238E27FC236}">
-                <a16:creationId xmlns:a16="http://schemas.microsoft.com/office/drawing/2014/main" xmlns="" id="{F137C716-C091-4108-80EB-5E9EA4519ACE}"/>
+                <a16:creationId xmlns:a16="http://schemas.microsoft.com/office/drawing/2014/main" id="{F137C716-C091-4108-80EB-5E9EA4519ACE}"/>
               </a:ext>
             </a:extLst>
           </p:cNvPr>
@@ -1615,7 +1629,7 @@
           <p:cNvPr id="4" name="Content Placeholder 3">
             <a:extLst>
               <a:ext uri="{FF2B5EF4-FFF2-40B4-BE49-F238E27FC236}">
-                <a16:creationId xmlns:a16="http://schemas.microsoft.com/office/drawing/2014/main" xmlns="" id="{07DD1F71-E1F2-4272-BDA2-5F22989E9C1A}"/>
+                <a16:creationId xmlns:a16="http://schemas.microsoft.com/office/drawing/2014/main" id="{07DD1F71-E1F2-4272-BDA2-5F22989E9C1A}"/>
               </a:ext>
             </a:extLst>
           </p:cNvPr>
@@ -1677,7 +1691,7 @@
           <p:cNvPr id="5" name="Text Placeholder 4">
             <a:extLst>
               <a:ext uri="{FF2B5EF4-FFF2-40B4-BE49-F238E27FC236}">
-                <a16:creationId xmlns:a16="http://schemas.microsoft.com/office/drawing/2014/main" xmlns="" id="{3BD7DE92-B844-4E34-89CF-A6C7E465106D}"/>
+                <a16:creationId xmlns:a16="http://schemas.microsoft.com/office/drawing/2014/main" id="{3BD7DE92-B844-4E34-89CF-A6C7E465106D}"/>
               </a:ext>
             </a:extLst>
           </p:cNvPr>
@@ -1748,7 +1762,7 @@
           <p:cNvPr id="6" name="Content Placeholder 5">
             <a:extLst>
               <a:ext uri="{FF2B5EF4-FFF2-40B4-BE49-F238E27FC236}">
-                <a16:creationId xmlns:a16="http://schemas.microsoft.com/office/drawing/2014/main" xmlns="" id="{9B083352-E2CC-4A68-A32F-3A6BD0F5759A}"/>
+                <a16:creationId xmlns:a16="http://schemas.microsoft.com/office/drawing/2014/main" id="{9B083352-E2CC-4A68-A32F-3A6BD0F5759A}"/>
               </a:ext>
             </a:extLst>
           </p:cNvPr>
@@ -1810,7 +1824,7 @@
           <p:cNvPr id="7" name="Date Placeholder 6">
             <a:extLst>
               <a:ext uri="{FF2B5EF4-FFF2-40B4-BE49-F238E27FC236}">
-                <a16:creationId xmlns:a16="http://schemas.microsoft.com/office/drawing/2014/main" xmlns="" id="{54D13A2D-6EB7-433C-9736-D2C0F436C893}"/>
+                <a16:creationId xmlns:a16="http://schemas.microsoft.com/office/drawing/2014/main" id="{54D13A2D-6EB7-433C-9736-D2C0F436C893}"/>
               </a:ext>
             </a:extLst>
           </p:cNvPr>
@@ -1839,7 +1853,7 @@
           <p:cNvPr id="8" name="Footer Placeholder 7">
             <a:extLst>
               <a:ext uri="{FF2B5EF4-FFF2-40B4-BE49-F238E27FC236}">
-                <a16:creationId xmlns:a16="http://schemas.microsoft.com/office/drawing/2014/main" xmlns="" id="{8B474EEC-E8B0-4688-AA0B-B75E7B316DD6}"/>
+                <a16:creationId xmlns:a16="http://schemas.microsoft.com/office/drawing/2014/main" id="{8B474EEC-E8B0-4688-AA0B-B75E7B316DD6}"/>
               </a:ext>
             </a:extLst>
           </p:cNvPr>
@@ -1864,7 +1878,7 @@
           <p:cNvPr id="9" name="Slide Number Placeholder 8">
             <a:extLst>
               <a:ext uri="{FF2B5EF4-FFF2-40B4-BE49-F238E27FC236}">
-                <a16:creationId xmlns:a16="http://schemas.microsoft.com/office/drawing/2014/main" xmlns="" id="{7A3439B1-32D5-4989-A044-8F32155F9044}"/>
+                <a16:creationId xmlns:a16="http://schemas.microsoft.com/office/drawing/2014/main" id="{7A3439B1-32D5-4989-A044-8F32155F9044}"/>
               </a:ext>
             </a:extLst>
           </p:cNvPr>
@@ -1923,7 +1937,7 @@
           <p:cNvPr id="2" name="Title 1">
             <a:extLst>
               <a:ext uri="{FF2B5EF4-FFF2-40B4-BE49-F238E27FC236}">
-                <a16:creationId xmlns:a16="http://schemas.microsoft.com/office/drawing/2014/main" xmlns="" id="{CD041C47-FC48-4764-9E2C-AD6BBB76718C}"/>
+                <a16:creationId xmlns:a16="http://schemas.microsoft.com/office/drawing/2014/main" id="{CD041C47-FC48-4764-9E2C-AD6BBB76718C}"/>
               </a:ext>
             </a:extLst>
           </p:cNvPr>
@@ -1951,7 +1965,7 @@
           <p:cNvPr id="3" name="Date Placeholder 2">
             <a:extLst>
               <a:ext uri="{FF2B5EF4-FFF2-40B4-BE49-F238E27FC236}">
-                <a16:creationId xmlns:a16="http://schemas.microsoft.com/office/drawing/2014/main" xmlns="" id="{50ADE121-FA85-4DB0-8B69-663C69890AFB}"/>
+                <a16:creationId xmlns:a16="http://schemas.microsoft.com/office/drawing/2014/main" id="{50ADE121-FA85-4DB0-8B69-663C69890AFB}"/>
               </a:ext>
             </a:extLst>
           </p:cNvPr>
@@ -1980,7 +1994,7 @@
           <p:cNvPr id="4" name="Footer Placeholder 3">
             <a:extLst>
               <a:ext uri="{FF2B5EF4-FFF2-40B4-BE49-F238E27FC236}">
-                <a16:creationId xmlns:a16="http://schemas.microsoft.com/office/drawing/2014/main" xmlns="" id="{BE93ABDD-B950-4367-9712-B9A44F6C4BFC}"/>
+                <a16:creationId xmlns:a16="http://schemas.microsoft.com/office/drawing/2014/main" id="{BE93ABDD-B950-4367-9712-B9A44F6C4BFC}"/>
               </a:ext>
             </a:extLst>
           </p:cNvPr>
@@ -2005,7 +2019,7 @@
           <p:cNvPr id="5" name="Slide Number Placeholder 4">
             <a:extLst>
               <a:ext uri="{FF2B5EF4-FFF2-40B4-BE49-F238E27FC236}">
-                <a16:creationId xmlns:a16="http://schemas.microsoft.com/office/drawing/2014/main" xmlns="" id="{8BB99EDC-C51C-4C59-93C7-1ABDED8DAA68}"/>
+                <a16:creationId xmlns:a16="http://schemas.microsoft.com/office/drawing/2014/main" id="{8BB99EDC-C51C-4C59-93C7-1ABDED8DAA68}"/>
               </a:ext>
             </a:extLst>
           </p:cNvPr>
@@ -2064,7 +2078,7 @@
           <p:cNvPr id="2" name="Date Placeholder 1">
             <a:extLst>
               <a:ext uri="{FF2B5EF4-FFF2-40B4-BE49-F238E27FC236}">
-                <a16:creationId xmlns:a16="http://schemas.microsoft.com/office/drawing/2014/main" xmlns="" id="{FB294A3A-6393-41E7-BEC1-D0639919F2C6}"/>
+                <a16:creationId xmlns:a16="http://schemas.microsoft.com/office/drawing/2014/main" id="{FB294A3A-6393-41E7-BEC1-D0639919F2C6}"/>
               </a:ext>
             </a:extLst>
           </p:cNvPr>
@@ -2093,7 +2107,7 @@
           <p:cNvPr id="3" name="Footer Placeholder 2">
             <a:extLst>
               <a:ext uri="{FF2B5EF4-FFF2-40B4-BE49-F238E27FC236}">
-                <a16:creationId xmlns:a16="http://schemas.microsoft.com/office/drawing/2014/main" xmlns="" id="{A81D4398-F439-4EEC-83A6-C1EFEB423FC5}"/>
+                <a16:creationId xmlns:a16="http://schemas.microsoft.com/office/drawing/2014/main" id="{A81D4398-F439-4EEC-83A6-C1EFEB423FC5}"/>
               </a:ext>
             </a:extLst>
           </p:cNvPr>
@@ -2118,7 +2132,7 @@
           <p:cNvPr id="4" name="Slide Number Placeholder 3">
             <a:extLst>
               <a:ext uri="{FF2B5EF4-FFF2-40B4-BE49-F238E27FC236}">
-                <a16:creationId xmlns:a16="http://schemas.microsoft.com/office/drawing/2014/main" xmlns="" id="{4CFA4A15-DCC5-4F48-BD90-7B93DC9E96A8}"/>
+                <a16:creationId xmlns:a16="http://schemas.microsoft.com/office/drawing/2014/main" id="{4CFA4A15-DCC5-4F48-BD90-7B93DC9E96A8}"/>
               </a:ext>
             </a:extLst>
           </p:cNvPr>
@@ -2177,7 +2191,7 @@
           <p:cNvPr id="2" name="Title 1">
             <a:extLst>
               <a:ext uri="{FF2B5EF4-FFF2-40B4-BE49-F238E27FC236}">
-                <a16:creationId xmlns:a16="http://schemas.microsoft.com/office/drawing/2014/main" xmlns="" id="{1ED1CD6D-713A-4B28-BB0D-E4803B208351}"/>
+                <a16:creationId xmlns:a16="http://schemas.microsoft.com/office/drawing/2014/main" id="{1ED1CD6D-713A-4B28-BB0D-E4803B208351}"/>
               </a:ext>
             </a:extLst>
           </p:cNvPr>
@@ -2214,7 +2228,7 @@
           <p:cNvPr id="3" name="Content Placeholder 2">
             <a:extLst>
               <a:ext uri="{FF2B5EF4-FFF2-40B4-BE49-F238E27FC236}">
-                <a16:creationId xmlns:a16="http://schemas.microsoft.com/office/drawing/2014/main" xmlns="" id="{66A9DE92-E10D-4EB8-9D93-E53390BE4BAA}"/>
+                <a16:creationId xmlns:a16="http://schemas.microsoft.com/office/drawing/2014/main" id="{66A9DE92-E10D-4EB8-9D93-E53390BE4BAA}"/>
               </a:ext>
             </a:extLst>
           </p:cNvPr>
@@ -2304,7 +2318,7 @@
           <p:cNvPr id="4" name="Text Placeholder 3">
             <a:extLst>
               <a:ext uri="{FF2B5EF4-FFF2-40B4-BE49-F238E27FC236}">
-                <a16:creationId xmlns:a16="http://schemas.microsoft.com/office/drawing/2014/main" xmlns="" id="{E42C90F8-D507-46A4-ACC5-6882E4D89340}"/>
+                <a16:creationId xmlns:a16="http://schemas.microsoft.com/office/drawing/2014/main" id="{E42C90F8-D507-46A4-ACC5-6882E4D89340}"/>
               </a:ext>
             </a:extLst>
           </p:cNvPr>
@@ -2375,7 +2389,7 @@
           <p:cNvPr id="5" name="Date Placeholder 4">
             <a:extLst>
               <a:ext uri="{FF2B5EF4-FFF2-40B4-BE49-F238E27FC236}">
-                <a16:creationId xmlns:a16="http://schemas.microsoft.com/office/drawing/2014/main" xmlns="" id="{8EB2069A-56FB-49C9-8999-B79933F1DDA6}"/>
+                <a16:creationId xmlns:a16="http://schemas.microsoft.com/office/drawing/2014/main" id="{8EB2069A-56FB-49C9-8999-B79933F1DDA6}"/>
               </a:ext>
             </a:extLst>
           </p:cNvPr>
@@ -2404,7 +2418,7 @@
           <p:cNvPr id="6" name="Footer Placeholder 5">
             <a:extLst>
               <a:ext uri="{FF2B5EF4-FFF2-40B4-BE49-F238E27FC236}">
-                <a16:creationId xmlns:a16="http://schemas.microsoft.com/office/drawing/2014/main" xmlns="" id="{D005133F-83E1-4C5B-968D-E1B829D86C09}"/>
+                <a16:creationId xmlns:a16="http://schemas.microsoft.com/office/drawing/2014/main" id="{D005133F-83E1-4C5B-968D-E1B829D86C09}"/>
               </a:ext>
             </a:extLst>
           </p:cNvPr>
@@ -2429,7 +2443,7 @@
           <p:cNvPr id="7" name="Slide Number Placeholder 6">
             <a:extLst>
               <a:ext uri="{FF2B5EF4-FFF2-40B4-BE49-F238E27FC236}">
-                <a16:creationId xmlns:a16="http://schemas.microsoft.com/office/drawing/2014/main" xmlns="" id="{FD9E1EE4-33AE-463F-AB28-F3F69DB5B8D4}"/>
+                <a16:creationId xmlns:a16="http://schemas.microsoft.com/office/drawing/2014/main" id="{FD9E1EE4-33AE-463F-AB28-F3F69DB5B8D4}"/>
               </a:ext>
             </a:extLst>
           </p:cNvPr>
@@ -2488,7 +2502,7 @@
           <p:cNvPr id="2" name="Title 1">
             <a:extLst>
               <a:ext uri="{FF2B5EF4-FFF2-40B4-BE49-F238E27FC236}">
-                <a16:creationId xmlns:a16="http://schemas.microsoft.com/office/drawing/2014/main" xmlns="" id="{D7760FE3-516B-4FE1-A2B8-AF08EEF40135}"/>
+                <a16:creationId xmlns:a16="http://schemas.microsoft.com/office/drawing/2014/main" id="{D7760FE3-516B-4FE1-A2B8-AF08EEF40135}"/>
               </a:ext>
             </a:extLst>
           </p:cNvPr>
@@ -2525,7 +2539,7 @@
           <p:cNvPr id="3" name="Picture Placeholder 2">
             <a:extLst>
               <a:ext uri="{FF2B5EF4-FFF2-40B4-BE49-F238E27FC236}">
-                <a16:creationId xmlns:a16="http://schemas.microsoft.com/office/drawing/2014/main" xmlns="" id="{C01CD02A-BB3D-44FB-AB20-E6D406AC52B8}"/>
+                <a16:creationId xmlns:a16="http://schemas.microsoft.com/office/drawing/2014/main" id="{C01CD02A-BB3D-44FB-AB20-E6D406AC52B8}"/>
               </a:ext>
             </a:extLst>
           </p:cNvPr>
@@ -2592,7 +2606,7 @@
           <p:cNvPr id="4" name="Text Placeholder 3">
             <a:extLst>
               <a:ext uri="{FF2B5EF4-FFF2-40B4-BE49-F238E27FC236}">
-                <a16:creationId xmlns:a16="http://schemas.microsoft.com/office/drawing/2014/main" xmlns="" id="{02C4D220-ABA3-4C42-9180-062DF5F7A192}"/>
+                <a16:creationId xmlns:a16="http://schemas.microsoft.com/office/drawing/2014/main" id="{02C4D220-ABA3-4C42-9180-062DF5F7A192}"/>
               </a:ext>
             </a:extLst>
           </p:cNvPr>
@@ -2663,7 +2677,7 @@
           <p:cNvPr id="5" name="Date Placeholder 4">
             <a:extLst>
               <a:ext uri="{FF2B5EF4-FFF2-40B4-BE49-F238E27FC236}">
-                <a16:creationId xmlns:a16="http://schemas.microsoft.com/office/drawing/2014/main" xmlns="" id="{E884178A-57FD-401C-A813-3FE473B39AF9}"/>
+                <a16:creationId xmlns:a16="http://schemas.microsoft.com/office/drawing/2014/main" id="{E884178A-57FD-401C-A813-3FE473B39AF9}"/>
               </a:ext>
             </a:extLst>
           </p:cNvPr>
@@ -2692,7 +2706,7 @@
           <p:cNvPr id="6" name="Footer Placeholder 5">
             <a:extLst>
               <a:ext uri="{FF2B5EF4-FFF2-40B4-BE49-F238E27FC236}">
-                <a16:creationId xmlns:a16="http://schemas.microsoft.com/office/drawing/2014/main" xmlns="" id="{67690BDD-A4AB-48A8-AE0D-440418F21E62}"/>
+                <a16:creationId xmlns:a16="http://schemas.microsoft.com/office/drawing/2014/main" id="{67690BDD-A4AB-48A8-AE0D-440418F21E62}"/>
               </a:ext>
             </a:extLst>
           </p:cNvPr>
@@ -2717,7 +2731,7 @@
           <p:cNvPr id="7" name="Slide Number Placeholder 6">
             <a:extLst>
               <a:ext uri="{FF2B5EF4-FFF2-40B4-BE49-F238E27FC236}">
-                <a16:creationId xmlns:a16="http://schemas.microsoft.com/office/drawing/2014/main" xmlns="" id="{1C1999B1-4CE5-4468-A435-D8680EA23F20}"/>
+                <a16:creationId xmlns:a16="http://schemas.microsoft.com/office/drawing/2014/main" id="{1C1999B1-4CE5-4468-A435-D8680EA23F20}"/>
               </a:ext>
             </a:extLst>
           </p:cNvPr>
@@ -2781,7 +2795,7 @@
           <p:cNvPr id="2" name="Title Placeholder 1">
             <a:extLst>
               <a:ext uri="{FF2B5EF4-FFF2-40B4-BE49-F238E27FC236}">
-                <a16:creationId xmlns:a16="http://schemas.microsoft.com/office/drawing/2014/main" xmlns="" id="{4EC8B376-F7F7-4F68-BE42-F495D66B744E}"/>
+                <a16:creationId xmlns:a16="http://schemas.microsoft.com/office/drawing/2014/main" id="{4EC8B376-F7F7-4F68-BE42-F495D66B744E}"/>
               </a:ext>
             </a:extLst>
           </p:cNvPr>
@@ -2819,7 +2833,7 @@
           <p:cNvPr id="3" name="Text Placeholder 2">
             <a:extLst>
               <a:ext uri="{FF2B5EF4-FFF2-40B4-BE49-F238E27FC236}">
-                <a16:creationId xmlns:a16="http://schemas.microsoft.com/office/drawing/2014/main" xmlns="" id="{040E33DB-B400-43E7-B508-2981C7CC3D69}"/>
+                <a16:creationId xmlns:a16="http://schemas.microsoft.com/office/drawing/2014/main" id="{040E33DB-B400-43E7-B508-2981C7CC3D69}"/>
               </a:ext>
             </a:extLst>
           </p:cNvPr>
@@ -2886,7 +2900,7 @@
           <p:cNvPr id="4" name="Date Placeholder 3">
             <a:extLst>
               <a:ext uri="{FF2B5EF4-FFF2-40B4-BE49-F238E27FC236}">
-                <a16:creationId xmlns:a16="http://schemas.microsoft.com/office/drawing/2014/main" xmlns="" id="{EECF0EF9-DE0A-443D-9625-AEFBDDD7806E}"/>
+                <a16:creationId xmlns:a16="http://schemas.microsoft.com/office/drawing/2014/main" id="{EECF0EF9-DE0A-443D-9625-AEFBDDD7806E}"/>
               </a:ext>
             </a:extLst>
           </p:cNvPr>
@@ -2933,7 +2947,7 @@
           <p:cNvPr id="5" name="Footer Placeholder 4">
             <a:extLst>
               <a:ext uri="{FF2B5EF4-FFF2-40B4-BE49-F238E27FC236}">
-                <a16:creationId xmlns:a16="http://schemas.microsoft.com/office/drawing/2014/main" xmlns="" id="{B61714DB-D4E7-42F0-A960-9A02C14CA07E}"/>
+                <a16:creationId xmlns:a16="http://schemas.microsoft.com/office/drawing/2014/main" id="{B61714DB-D4E7-42F0-A960-9A02C14CA07E}"/>
               </a:ext>
             </a:extLst>
           </p:cNvPr>
@@ -2976,7 +2990,7 @@
           <p:cNvPr id="6" name="Slide Number Placeholder 5">
             <a:extLst>
               <a:ext uri="{FF2B5EF4-FFF2-40B4-BE49-F238E27FC236}">
-                <a16:creationId xmlns:a16="http://schemas.microsoft.com/office/drawing/2014/main" xmlns="" id="{E67D260A-058B-4DFF-AA37-3D16FF2C5EF3}"/>
+                <a16:creationId xmlns:a16="http://schemas.microsoft.com/office/drawing/2014/main" id="{E67D260A-058B-4DFF-AA37-3D16FF2C5EF3}"/>
               </a:ext>
             </a:extLst>
           </p:cNvPr>
@@ -3344,7 +3358,7 @@
           <p:cNvPr id="2" name="Title 1">
             <a:extLst>
               <a:ext uri="{FF2B5EF4-FFF2-40B4-BE49-F238E27FC236}">
-                <a16:creationId xmlns:a16="http://schemas.microsoft.com/office/drawing/2014/main" xmlns="" id="{0B3B79AA-E018-43B2-8178-674AC42BEE98}"/>
+                <a16:creationId xmlns:a16="http://schemas.microsoft.com/office/drawing/2014/main" id="{0B3B79AA-E018-43B2-8178-674AC42BEE98}"/>
               </a:ext>
             </a:extLst>
           </p:cNvPr>
@@ -3357,12 +3371,14 @@
         </p:nvSpPr>
         <p:spPr/>
         <p:txBody>
-          <a:bodyPr/>
-          <a:lstStyle/>
-          <a:p>
-            <a:r>
-              <a:rPr lang="en-US" dirty="0"/>
-              <a:t>Inventory system:</a:t>
+          <a:bodyPr>
+            <a:normAutofit fontScale="90000"/>
+          </a:bodyPr>
+          <a:lstStyle/>
+          <a:p>
+            <a:r>
+              <a:rPr lang="en-US" dirty="0"/>
+              <a:t>Inventory Management System:</a:t>
             </a:r>
             <a:br>
               <a:rPr lang="en-US" dirty="0"/>
@@ -3379,7 +3395,7 @@
           <p:cNvPr id="3" name="Subtitle 2">
             <a:extLst>
               <a:ext uri="{FF2B5EF4-FFF2-40B4-BE49-F238E27FC236}">
-                <a16:creationId xmlns:a16="http://schemas.microsoft.com/office/drawing/2014/main" xmlns="" id="{5561A825-F4EB-443E-99C6-F99940CB4178}"/>
+                <a16:creationId xmlns:a16="http://schemas.microsoft.com/office/drawing/2014/main" id="{5561A825-F4EB-443E-99C6-F99940CB4178}"/>
               </a:ext>
             </a:extLst>
           </p:cNvPr>
@@ -3392,10 +3408,33 @@
         </p:nvSpPr>
         <p:spPr/>
         <p:txBody>
-          <a:bodyPr/>
-          <a:lstStyle/>
-          <a:p>
-            <a:endParaRPr lang="en-US" dirty="0"/>
+          <a:bodyPr>
+            <a:normAutofit lnSpcReduction="10000"/>
+          </a:bodyPr>
+          <a:lstStyle/>
+          <a:p>
+            <a:r>
+              <a:rPr lang="en-US" dirty="0"/>
+              <a:t>By:</a:t>
+            </a:r>
+          </a:p>
+          <a:p>
+            <a:r>
+              <a:rPr lang="en-US" dirty="0"/>
+              <a:t>David Erickson</a:t>
+            </a:r>
+          </a:p>
+          <a:p>
+            <a:r>
+              <a:rPr lang="en-US" dirty="0"/>
+              <a:t>August Davis</a:t>
+            </a:r>
+          </a:p>
+          <a:p>
+            <a:r>
+              <a:rPr lang="en-US" dirty="0"/>
+              <a:t>Christian Hansen</a:t>
+            </a:r>
           </a:p>
         </p:txBody>
       </p:sp>
@@ -3445,10 +3484,9 @@
           <a:lstStyle/>
           <a:p>
             <a:r>
-              <a:rPr lang="en-US" dirty="0" smtClean="0"/>
+              <a:rPr lang="en-US" dirty="0"/>
               <a:t>LINQ</a:t>
             </a:r>
-            <a:endParaRPr lang="en-US" dirty="0"/>
           </a:p>
         </p:txBody>
       </p:sp>
@@ -3468,32 +3506,31 @@
           <a:lstStyle/>
           <a:p>
             <a:r>
-              <a:rPr lang="en-US" dirty="0" smtClean="0"/>
+              <a:rPr lang="en-US" dirty="0"/>
               <a:t>Eases the transition from object oriented languages to relational queries.</a:t>
             </a:r>
           </a:p>
           <a:p>
             <a:r>
-              <a:rPr lang="en-US" dirty="0" smtClean="0"/>
+              <a:rPr lang="en-US" dirty="0"/>
               <a:t>Can write database queries, inserts, updates, and deletes in languages like C# instead of SQL.</a:t>
             </a:r>
           </a:p>
           <a:p>
             <a:r>
-              <a:rPr lang="en-US" dirty="0" smtClean="0"/>
+              <a:rPr lang="en-US" dirty="0"/>
               <a:t>Integrated into Visual Studio and SQL Server.</a:t>
             </a:r>
           </a:p>
           <a:p>
             <a:r>
-              <a:rPr lang="en-US" dirty="0" smtClean="0"/>
+              <a:rPr lang="en-US" dirty="0"/>
               <a:t>Allows us to utilize SQL </a:t>
             </a:r>
             <a:r>
-              <a:rPr lang="en-US" smtClean="0"/>
+              <a:rPr lang="en-US"/>
               <a:t>Server’s security tools.</a:t>
             </a:r>
-            <a:endParaRPr lang="en-US"/>
           </a:p>
         </p:txBody>
       </p:sp>
@@ -3501,6 +3538,483 @@
     <p:extLst>
       <p:ext uri="{BB962C8B-B14F-4D97-AF65-F5344CB8AC3E}">
         <p14:creationId xmlns:p14="http://schemas.microsoft.com/office/powerpoint/2010/main" val="3733634116"/>
+      </p:ext>
+    </p:extLst>
+  </p:cSld>
+  <p:clrMapOvr>
+    <a:masterClrMapping/>
+  </p:clrMapOvr>
+</p:sld>
+</file>
+
+<file path=ppt/slides/slide11.xml><?xml version="1.0" encoding="utf-8"?>
+<p:sld xmlns:a="http://schemas.openxmlformats.org/drawingml/2006/main" xmlns:r="http://schemas.openxmlformats.org/officeDocument/2006/relationships" xmlns:p="http://schemas.openxmlformats.org/presentationml/2006/main">
+  <p:cSld>
+    <p:spTree>
+      <p:nvGrpSpPr>
+        <p:cNvPr id="1" name=""/>
+        <p:cNvGrpSpPr/>
+        <p:nvPr/>
+      </p:nvGrpSpPr>
+      <p:grpSpPr>
+        <a:xfrm>
+          <a:off x="0" y="0"/>
+          <a:ext cx="0" cy="0"/>
+          <a:chOff x="0" y="0"/>
+          <a:chExt cx="0" cy="0"/>
+        </a:xfrm>
+      </p:grpSpPr>
+      <p:sp>
+        <p:nvSpPr>
+          <p:cNvPr id="2" name="Title 1">
+            <a:extLst>
+              <a:ext uri="{FF2B5EF4-FFF2-40B4-BE49-F238E27FC236}">
+                <a16:creationId xmlns:a16="http://schemas.microsoft.com/office/drawing/2014/main" id="{5CCE5219-BA2A-441E-8452-F80006D64435}"/>
+              </a:ext>
+            </a:extLst>
+          </p:cNvPr>
+          <p:cNvSpPr>
+            <a:spLocks noGrp="1"/>
+          </p:cNvSpPr>
+          <p:nvPr>
+            <p:ph type="title"/>
+          </p:nvPr>
+        </p:nvSpPr>
+        <p:spPr/>
+        <p:txBody>
+          <a:bodyPr/>
+          <a:lstStyle/>
+          <a:p>
+            <a:r>
+              <a:rPr lang="en-US" i="1" dirty="0"/>
+              <a:t>Microsoft Visual Studios</a:t>
+            </a:r>
+          </a:p>
+        </p:txBody>
+      </p:sp>
+      <p:sp>
+        <p:nvSpPr>
+          <p:cNvPr id="4" name="TextBox 3">
+            <a:extLst>
+              <a:ext uri="{FF2B5EF4-FFF2-40B4-BE49-F238E27FC236}">
+                <a16:creationId xmlns:a16="http://schemas.microsoft.com/office/drawing/2014/main" id="{35FEDF86-0880-4749-A49F-7F0519121EA1}"/>
+              </a:ext>
+            </a:extLst>
+          </p:cNvPr>
+          <p:cNvSpPr txBox="1"/>
+          <p:nvPr/>
+        </p:nvSpPr>
+        <p:spPr>
+          <a:xfrm>
+            <a:off x="838200" y="1459855"/>
+            <a:ext cx="4854632" cy="461665"/>
+          </a:xfrm>
+          <a:prstGeom prst="rect">
+            <a:avLst/>
+          </a:prstGeom>
+          <a:noFill/>
+        </p:spPr>
+        <p:txBody>
+          <a:bodyPr wrap="square" rtlCol="0">
+            <a:spAutoFit/>
+          </a:bodyPr>
+          <a:lstStyle/>
+          <a:p>
+            <a:r>
+              <a:rPr lang="en-US" sz="2400" b="1" dirty="0"/>
+              <a:t>Offers</a:t>
+            </a:r>
+          </a:p>
+        </p:txBody>
+      </p:sp>
+      <p:sp>
+        <p:nvSpPr>
+          <p:cNvPr id="5" name="TextBox 4">
+            <a:extLst>
+              <a:ext uri="{FF2B5EF4-FFF2-40B4-BE49-F238E27FC236}">
+                <a16:creationId xmlns:a16="http://schemas.microsoft.com/office/drawing/2014/main" id="{A3EA6AC5-0CE2-4683-A8B0-BE5E4C26EFF2}"/>
+              </a:ext>
+            </a:extLst>
+          </p:cNvPr>
+          <p:cNvSpPr txBox="1"/>
+          <p:nvPr/>
+        </p:nvSpPr>
+        <p:spPr>
+          <a:xfrm>
+            <a:off x="838200" y="1921520"/>
+            <a:ext cx="4854632" cy="1846659"/>
+          </a:xfrm>
+          <a:prstGeom prst="rect">
+            <a:avLst/>
+          </a:prstGeom>
+          <a:noFill/>
+        </p:spPr>
+        <p:txBody>
+          <a:bodyPr wrap="square" rtlCol="0">
+            <a:spAutoFit/>
+          </a:bodyPr>
+          <a:lstStyle/>
+          <a:p>
+            <a:pPr marL="285750" indent="-285750">
+              <a:buFont typeface="Arial" panose="020B0604020202020204" pitchFamily="34" charset="0"/>
+              <a:buChar char="•"/>
+            </a:pPr>
+            <a:r>
+              <a:rPr lang="en-US" sz="2400" dirty="0"/>
+              <a:t>.NET</a:t>
+            </a:r>
+          </a:p>
+          <a:p>
+            <a:pPr marL="285750" indent="-285750">
+              <a:buFont typeface="Arial" panose="020B0604020202020204" pitchFamily="34" charset="0"/>
+              <a:buChar char="•"/>
+            </a:pPr>
+            <a:r>
+              <a:rPr lang="en-US" sz="2400" dirty="0"/>
+              <a:t>Azure</a:t>
+            </a:r>
+          </a:p>
+          <a:p>
+            <a:pPr marL="285750" indent="-285750">
+              <a:buFont typeface="Arial" panose="020B0604020202020204" pitchFamily="34" charset="0"/>
+              <a:buChar char="•"/>
+            </a:pPr>
+            <a:r>
+              <a:rPr lang="en-US" sz="2400" dirty="0"/>
+              <a:t>Xamarin</a:t>
+            </a:r>
+          </a:p>
+          <a:p>
+            <a:pPr marL="285750" indent="-285750">
+              <a:buFont typeface="Arial" panose="020B0604020202020204" pitchFamily="34" charset="0"/>
+              <a:buChar char="•"/>
+            </a:pPr>
+            <a:endParaRPr lang="en-US" sz="2400" dirty="0"/>
+          </a:p>
+          <a:p>
+            <a:pPr marL="285750" indent="-285750">
+              <a:buFont typeface="Arial" panose="020B0604020202020204" pitchFamily="34" charset="0"/>
+              <a:buChar char="•"/>
+            </a:pPr>
+            <a:endParaRPr lang="en-US" dirty="0"/>
+          </a:p>
+        </p:txBody>
+      </p:sp>
+      <p:sp>
+        <p:nvSpPr>
+          <p:cNvPr id="6" name="TextBox 5">
+            <a:extLst>
+              <a:ext uri="{FF2B5EF4-FFF2-40B4-BE49-F238E27FC236}">
+                <a16:creationId xmlns:a16="http://schemas.microsoft.com/office/drawing/2014/main" id="{8F86A966-F811-4A4D-B19F-68A087362C7D}"/>
+              </a:ext>
+            </a:extLst>
+          </p:cNvPr>
+          <p:cNvSpPr txBox="1"/>
+          <p:nvPr/>
+        </p:nvSpPr>
+        <p:spPr>
+          <a:xfrm>
+            <a:off x="5692832" y="1506021"/>
+            <a:ext cx="2377440" cy="461665"/>
+          </a:xfrm>
+          <a:prstGeom prst="rect">
+            <a:avLst/>
+          </a:prstGeom>
+          <a:noFill/>
+        </p:spPr>
+        <p:txBody>
+          <a:bodyPr wrap="square" rtlCol="0">
+            <a:spAutoFit/>
+          </a:bodyPr>
+          <a:lstStyle/>
+          <a:p>
+            <a:r>
+              <a:rPr lang="en-US" sz="2400" b="1" dirty="0"/>
+              <a:t>How it affects us</a:t>
+            </a:r>
+          </a:p>
+        </p:txBody>
+      </p:sp>
+      <p:sp>
+        <p:nvSpPr>
+          <p:cNvPr id="7" name="TextBox 6">
+            <a:extLst>
+              <a:ext uri="{FF2B5EF4-FFF2-40B4-BE49-F238E27FC236}">
+                <a16:creationId xmlns:a16="http://schemas.microsoft.com/office/drawing/2014/main" id="{BF1449ED-421C-4F50-BEDE-C556AAD105AD}"/>
+              </a:ext>
+            </a:extLst>
+          </p:cNvPr>
+          <p:cNvSpPr txBox="1"/>
+          <p:nvPr/>
+        </p:nvSpPr>
+        <p:spPr>
+          <a:xfrm>
+            <a:off x="5692832" y="1967686"/>
+            <a:ext cx="4560916" cy="2308324"/>
+          </a:xfrm>
+          <a:prstGeom prst="rect">
+            <a:avLst/>
+          </a:prstGeom>
+          <a:noFill/>
+        </p:spPr>
+        <p:txBody>
+          <a:bodyPr wrap="square" rtlCol="0">
+            <a:spAutoFit/>
+          </a:bodyPr>
+          <a:lstStyle/>
+          <a:p>
+            <a:pPr marL="285750" indent="-285750">
+              <a:buFont typeface="Arial" panose="020B0604020202020204" pitchFamily="34" charset="0"/>
+              <a:buChar char="•"/>
+            </a:pPr>
+            <a:r>
+              <a:rPr lang="en-US" sz="2400" dirty="0"/>
+              <a:t>.NET provides Cross Platform </a:t>
+            </a:r>
+          </a:p>
+          <a:p>
+            <a:pPr marL="285750" indent="-285750">
+              <a:buFont typeface="Arial" panose="020B0604020202020204" pitchFamily="34" charset="0"/>
+              <a:buChar char="•"/>
+            </a:pPr>
+            <a:r>
+              <a:rPr lang="en-US" sz="2400" dirty="0"/>
+              <a:t>Azure allows secure remote connection to database</a:t>
+            </a:r>
+          </a:p>
+          <a:p>
+            <a:pPr marL="285750" indent="-285750">
+              <a:buFont typeface="Arial" panose="020B0604020202020204" pitchFamily="34" charset="0"/>
+              <a:buChar char="•"/>
+            </a:pPr>
+            <a:r>
+              <a:rPr lang="en-US" sz="2400" dirty="0"/>
+              <a:t>Xamarin offers more functions and can capture mobile functions.</a:t>
+            </a:r>
+          </a:p>
+        </p:txBody>
+      </p:sp>
+    </p:spTree>
+    <p:extLst>
+      <p:ext uri="{BB962C8B-B14F-4D97-AF65-F5344CB8AC3E}">
+        <p14:creationId xmlns:p14="http://schemas.microsoft.com/office/powerpoint/2010/main" val="684134583"/>
+      </p:ext>
+    </p:extLst>
+  </p:cSld>
+  <p:clrMapOvr>
+    <a:masterClrMapping/>
+  </p:clrMapOvr>
+</p:sld>
+</file>
+
+<file path=ppt/slides/slide12.xml><?xml version="1.0" encoding="utf-8"?>
+<p:sld xmlns:a="http://schemas.openxmlformats.org/drawingml/2006/main" xmlns:r="http://schemas.openxmlformats.org/officeDocument/2006/relationships" xmlns:p="http://schemas.openxmlformats.org/presentationml/2006/main">
+  <p:cSld>
+    <p:spTree>
+      <p:nvGrpSpPr>
+        <p:cNvPr id="1" name=""/>
+        <p:cNvGrpSpPr/>
+        <p:nvPr/>
+      </p:nvGrpSpPr>
+      <p:grpSpPr>
+        <a:xfrm>
+          <a:off x="0" y="0"/>
+          <a:ext cx="0" cy="0"/>
+          <a:chOff x="0" y="0"/>
+          <a:chExt cx="0" cy="0"/>
+        </a:xfrm>
+      </p:grpSpPr>
+      <p:sp>
+        <p:nvSpPr>
+          <p:cNvPr id="2" name="Title 1">
+            <a:extLst>
+              <a:ext uri="{FF2B5EF4-FFF2-40B4-BE49-F238E27FC236}">
+                <a16:creationId xmlns:a16="http://schemas.microsoft.com/office/drawing/2014/main" id="{7537AEA4-F075-4576-B563-32CA4945037C}"/>
+              </a:ext>
+            </a:extLst>
+          </p:cNvPr>
+          <p:cNvSpPr>
+            <a:spLocks noGrp="1"/>
+          </p:cNvSpPr>
+          <p:nvPr>
+            <p:ph type="title"/>
+          </p:nvPr>
+        </p:nvSpPr>
+        <p:spPr/>
+        <p:txBody>
+          <a:bodyPr/>
+          <a:lstStyle/>
+          <a:p>
+            <a:r>
+              <a:rPr lang="en-US" dirty="0"/>
+              <a:t>University of North Dakota Identity Standards</a:t>
+            </a:r>
+          </a:p>
+        </p:txBody>
+      </p:sp>
+      <p:sp>
+        <p:nvSpPr>
+          <p:cNvPr id="3" name="Content Placeholder 2">
+            <a:extLst>
+              <a:ext uri="{FF2B5EF4-FFF2-40B4-BE49-F238E27FC236}">
+                <a16:creationId xmlns:a16="http://schemas.microsoft.com/office/drawing/2014/main" id="{660EAA33-8BA6-478C-AE1D-1B9F7A97A133}"/>
+              </a:ext>
+            </a:extLst>
+          </p:cNvPr>
+          <p:cNvSpPr>
+            <a:spLocks noGrp="1"/>
+          </p:cNvSpPr>
+          <p:nvPr>
+            <p:ph idx="1"/>
+          </p:nvPr>
+        </p:nvSpPr>
+        <p:spPr/>
+        <p:txBody>
+          <a:bodyPr/>
+          <a:lstStyle/>
+          <a:p>
+            <a:r>
+              <a:rPr lang="en-US" dirty="0"/>
+              <a:t>Required guidelines</a:t>
+            </a:r>
+          </a:p>
+          <a:p>
+            <a:r>
+              <a:rPr lang="en-US" dirty="0">
+                <a:hlinkClick r:id="rId2"/>
+              </a:rPr>
+              <a:t>http://und.edu/identity/</a:t>
+            </a:r>
+            <a:endParaRPr lang="en-US" dirty="0"/>
+          </a:p>
+          <a:p>
+            <a:pPr marL="0" indent="0">
+              <a:buNone/>
+            </a:pPr>
+            <a:endParaRPr lang="en-US" dirty="0"/>
+          </a:p>
+        </p:txBody>
+      </p:sp>
+    </p:spTree>
+    <p:extLst>
+      <p:ext uri="{BB962C8B-B14F-4D97-AF65-F5344CB8AC3E}">
+        <p14:creationId xmlns:p14="http://schemas.microsoft.com/office/powerpoint/2010/main" val="83652582"/>
+      </p:ext>
+    </p:extLst>
+  </p:cSld>
+  <p:clrMapOvr>
+    <a:masterClrMapping/>
+  </p:clrMapOvr>
+</p:sld>
+</file>
+
+<file path=ppt/slides/slide13.xml><?xml version="1.0" encoding="utf-8"?>
+<p:sld xmlns:a="http://schemas.openxmlformats.org/drawingml/2006/main" xmlns:r="http://schemas.openxmlformats.org/officeDocument/2006/relationships" xmlns:p="http://schemas.openxmlformats.org/presentationml/2006/main">
+  <p:cSld>
+    <p:spTree>
+      <p:nvGrpSpPr>
+        <p:cNvPr id="1" name=""/>
+        <p:cNvGrpSpPr/>
+        <p:nvPr/>
+      </p:nvGrpSpPr>
+      <p:grpSpPr>
+        <a:xfrm>
+          <a:off x="0" y="0"/>
+          <a:ext cx="0" cy="0"/>
+          <a:chOff x="0" y="0"/>
+          <a:chExt cx="0" cy="0"/>
+        </a:xfrm>
+      </p:grpSpPr>
+      <p:sp>
+        <p:nvSpPr>
+          <p:cNvPr id="2" name="Title 1">
+            <a:extLst>
+              <a:ext uri="{FF2B5EF4-FFF2-40B4-BE49-F238E27FC236}">
+                <a16:creationId xmlns:a16="http://schemas.microsoft.com/office/drawing/2014/main" id="{80EE409B-B39A-4CBB-AB45-55470C958235}"/>
+              </a:ext>
+            </a:extLst>
+          </p:cNvPr>
+          <p:cNvSpPr>
+            <a:spLocks noGrp="1"/>
+          </p:cNvSpPr>
+          <p:nvPr>
+            <p:ph type="title"/>
+          </p:nvPr>
+        </p:nvSpPr>
+        <p:spPr/>
+        <p:txBody>
+          <a:bodyPr/>
+          <a:lstStyle/>
+          <a:p>
+            <a:r>
+              <a:rPr lang="en-US" dirty="0"/>
+              <a:t>Mobile User Experience Guidelines Article</a:t>
+            </a:r>
+          </a:p>
+        </p:txBody>
+      </p:sp>
+      <p:sp>
+        <p:nvSpPr>
+          <p:cNvPr id="3" name="Content Placeholder 2">
+            <a:extLst>
+              <a:ext uri="{FF2B5EF4-FFF2-40B4-BE49-F238E27FC236}">
+                <a16:creationId xmlns:a16="http://schemas.microsoft.com/office/drawing/2014/main" id="{48F21673-AEFB-4B2A-874E-CCFEC9B17BE1}"/>
+              </a:ext>
+            </a:extLst>
+          </p:cNvPr>
+          <p:cNvSpPr>
+            <a:spLocks noGrp="1"/>
+          </p:cNvSpPr>
+          <p:nvPr>
+            <p:ph idx="1"/>
+          </p:nvPr>
+        </p:nvSpPr>
+        <p:spPr/>
+        <p:txBody>
+          <a:bodyPr/>
+          <a:lstStyle/>
+          <a:p>
+            <a:r>
+              <a:rPr lang="en-US" dirty="0"/>
+              <a:t>Structured and chunked appropriately</a:t>
+            </a:r>
+          </a:p>
+          <a:p>
+            <a:r>
+              <a:rPr lang="en-US" dirty="0"/>
+              <a:t>Follow user interface guidelines</a:t>
+            </a:r>
+          </a:p>
+          <a:p>
+            <a:r>
+              <a:rPr lang="en-US" dirty="0"/>
+              <a:t>Use devices features </a:t>
+            </a:r>
+          </a:p>
+          <a:p>
+            <a:r>
+              <a:rPr lang="en-US" dirty="0"/>
+              <a:t>Test at multiple points</a:t>
+            </a:r>
+          </a:p>
+          <a:p>
+            <a:r>
+              <a:rPr lang="en-US" dirty="0"/>
+              <a:t>Collect data and user feedback</a:t>
+            </a:r>
+          </a:p>
+          <a:p>
+            <a:r>
+              <a:rPr lang="en-US" dirty="0"/>
+              <a:t>Develop security and privacy guidelines</a:t>
+            </a:r>
+          </a:p>
+        </p:txBody>
+      </p:sp>
+    </p:spTree>
+    <p:extLst>
+      <p:ext uri="{BB962C8B-B14F-4D97-AF65-F5344CB8AC3E}">
+        <p14:creationId xmlns:p14="http://schemas.microsoft.com/office/powerpoint/2010/main" val="2797915604"/>
       </p:ext>
     </p:extLst>
   </p:cSld>
@@ -3532,7 +4046,7 @@
           <p:cNvPr id="2" name="Title 1">
             <a:extLst>
               <a:ext uri="{FF2B5EF4-FFF2-40B4-BE49-F238E27FC236}">
-                <a16:creationId xmlns:a16="http://schemas.microsoft.com/office/drawing/2014/main" xmlns="" id="{DDBFB066-6953-4D5A-AC2D-7E7D6CB34199}"/>
+                <a16:creationId xmlns:a16="http://schemas.microsoft.com/office/drawing/2014/main" id="{DDBFB066-6953-4D5A-AC2D-7E7D6CB34199}"/>
               </a:ext>
             </a:extLst>
           </p:cNvPr>
@@ -3550,7 +4064,7 @@
           <a:p>
             <a:r>
               <a:rPr lang="en-US" dirty="0"/>
-              <a:t>Intro + background bit</a:t>
+              <a:t>Introduction</a:t>
             </a:r>
           </a:p>
         </p:txBody>
@@ -3560,7 +4074,7 @@
           <p:cNvPr id="3" name="Content Placeholder 2">
             <a:extLst>
               <a:ext uri="{FF2B5EF4-FFF2-40B4-BE49-F238E27FC236}">
-                <a16:creationId xmlns:a16="http://schemas.microsoft.com/office/drawing/2014/main" xmlns="" id="{D76C5965-3265-40D9-A7F9-4A989365565A}"/>
+                <a16:creationId xmlns:a16="http://schemas.microsoft.com/office/drawing/2014/main" id="{D76C5965-3265-40D9-A7F9-4A989365565A}"/>
               </a:ext>
             </a:extLst>
           </p:cNvPr>
@@ -3576,7 +4090,22 @@
           <a:bodyPr/>
           <a:lstStyle/>
           <a:p>
-            <a:endParaRPr lang="en-US"/>
+            <a:r>
+              <a:rPr lang="en-US" dirty="0"/>
+              <a:t>Goal of our project is Inventory Management</a:t>
+            </a:r>
+          </a:p>
+          <a:p>
+            <a:r>
+              <a:rPr lang="en-US" dirty="0"/>
+              <a:t>Service Major and Minor equipment around the University</a:t>
+            </a:r>
+          </a:p>
+          <a:p>
+            <a:r>
+              <a:rPr lang="en-US" dirty="0"/>
+              <a:t>Android, iOS, and Website</a:t>
+            </a:r>
           </a:p>
         </p:txBody>
       </p:sp>
@@ -3615,7 +4144,7 @@
           <p:cNvPr id="2" name="Title 1">
             <a:extLst>
               <a:ext uri="{FF2B5EF4-FFF2-40B4-BE49-F238E27FC236}">
-                <a16:creationId xmlns:a16="http://schemas.microsoft.com/office/drawing/2014/main" xmlns="" id="{CAC786BC-379A-49E8-A3CE-2C1AD529D1BB}"/>
+                <a16:creationId xmlns:a16="http://schemas.microsoft.com/office/drawing/2014/main" id="{CAC786BC-379A-49E8-A3CE-2C1AD529D1BB}"/>
               </a:ext>
             </a:extLst>
           </p:cNvPr>
@@ -3644,7 +4173,7 @@
           <p:cNvPr id="3" name="Text Placeholder 2">
             <a:extLst>
               <a:ext uri="{FF2B5EF4-FFF2-40B4-BE49-F238E27FC236}">
-                <a16:creationId xmlns:a16="http://schemas.microsoft.com/office/drawing/2014/main" xmlns="" id="{6556028A-A717-4DCE-A52B-F596104992D9}"/>
+                <a16:creationId xmlns:a16="http://schemas.microsoft.com/office/drawing/2014/main" id="{6556028A-A717-4DCE-A52B-F596104992D9}"/>
               </a:ext>
             </a:extLst>
           </p:cNvPr>
@@ -3672,7 +4201,7 @@
           <p:cNvPr id="4" name="Content Placeholder 3">
             <a:extLst>
               <a:ext uri="{FF2B5EF4-FFF2-40B4-BE49-F238E27FC236}">
-                <a16:creationId xmlns:a16="http://schemas.microsoft.com/office/drawing/2014/main" xmlns="" id="{A5112BE1-3A18-4843-AD80-6D737A577A7F}"/>
+                <a16:creationId xmlns:a16="http://schemas.microsoft.com/office/drawing/2014/main" id="{A5112BE1-3A18-4843-AD80-6D737A577A7F}"/>
               </a:ext>
             </a:extLst>
           </p:cNvPr>
@@ -3721,7 +4250,7 @@
           <p:cNvPr id="5" name="Text Placeholder 4">
             <a:extLst>
               <a:ext uri="{FF2B5EF4-FFF2-40B4-BE49-F238E27FC236}">
-                <a16:creationId xmlns:a16="http://schemas.microsoft.com/office/drawing/2014/main" xmlns="" id="{A965EBF9-E242-4A05-9F24-344E03993DD5}"/>
+                <a16:creationId xmlns:a16="http://schemas.microsoft.com/office/drawing/2014/main" id="{A965EBF9-E242-4A05-9F24-344E03993DD5}"/>
               </a:ext>
             </a:extLst>
           </p:cNvPr>
@@ -3749,7 +4278,7 @@
           <p:cNvPr id="6" name="Content Placeholder 5">
             <a:extLst>
               <a:ext uri="{FF2B5EF4-FFF2-40B4-BE49-F238E27FC236}">
-                <a16:creationId xmlns:a16="http://schemas.microsoft.com/office/drawing/2014/main" xmlns="" id="{243C43AF-131C-4ED2-872F-31927045F7F7}"/>
+                <a16:creationId xmlns:a16="http://schemas.microsoft.com/office/drawing/2014/main" id="{243C43AF-131C-4ED2-872F-31927045F7F7}"/>
               </a:ext>
             </a:extLst>
           </p:cNvPr>
@@ -3813,7 +4342,7 @@
           <p:cNvPr id="2" name="Title 1">
             <a:extLst>
               <a:ext uri="{FF2B5EF4-FFF2-40B4-BE49-F238E27FC236}">
-                <a16:creationId xmlns:a16="http://schemas.microsoft.com/office/drawing/2014/main" xmlns="" id="{34800167-FD47-4A27-BEA4-CD368B38B115}"/>
+                <a16:creationId xmlns:a16="http://schemas.microsoft.com/office/drawing/2014/main" id="{34800167-FD47-4A27-BEA4-CD368B38B115}"/>
               </a:ext>
             </a:extLst>
           </p:cNvPr>
@@ -3841,7 +4370,7 @@
           <p:cNvPr id="3" name="Text Placeholder 2">
             <a:extLst>
               <a:ext uri="{FF2B5EF4-FFF2-40B4-BE49-F238E27FC236}">
-                <a16:creationId xmlns:a16="http://schemas.microsoft.com/office/drawing/2014/main" xmlns="" id="{44873493-9DCC-43A4-978C-A37CACBC786C}"/>
+                <a16:creationId xmlns:a16="http://schemas.microsoft.com/office/drawing/2014/main" id="{44873493-9DCC-43A4-978C-A37CACBC786C}"/>
               </a:ext>
             </a:extLst>
           </p:cNvPr>
@@ -3869,7 +4398,7 @@
           <p:cNvPr id="4" name="Content Placeholder 3">
             <a:extLst>
               <a:ext uri="{FF2B5EF4-FFF2-40B4-BE49-F238E27FC236}">
-                <a16:creationId xmlns:a16="http://schemas.microsoft.com/office/drawing/2014/main" xmlns="" id="{003FFD00-4BC9-4E9D-96A1-EF72E5003706}"/>
+                <a16:creationId xmlns:a16="http://schemas.microsoft.com/office/drawing/2014/main" id="{003FFD00-4BC9-4E9D-96A1-EF72E5003706}"/>
               </a:ext>
             </a:extLst>
           </p:cNvPr>
@@ -3897,7 +4426,7 @@
           <p:cNvPr id="5" name="Text Placeholder 4">
             <a:extLst>
               <a:ext uri="{FF2B5EF4-FFF2-40B4-BE49-F238E27FC236}">
-                <a16:creationId xmlns:a16="http://schemas.microsoft.com/office/drawing/2014/main" xmlns="" id="{81E02D4E-6F66-4166-BD7B-168A6D68CA3E}"/>
+                <a16:creationId xmlns:a16="http://schemas.microsoft.com/office/drawing/2014/main" id="{81E02D4E-6F66-4166-BD7B-168A6D68CA3E}"/>
               </a:ext>
             </a:extLst>
           </p:cNvPr>
@@ -3925,7 +4454,7 @@
           <p:cNvPr id="6" name="Content Placeholder 5">
             <a:extLst>
               <a:ext uri="{FF2B5EF4-FFF2-40B4-BE49-F238E27FC236}">
-                <a16:creationId xmlns:a16="http://schemas.microsoft.com/office/drawing/2014/main" xmlns="" id="{CEAC036E-BCB6-4A4A-86C0-0ACB51952F3D}"/>
+                <a16:creationId xmlns:a16="http://schemas.microsoft.com/office/drawing/2014/main" id="{CEAC036E-BCB6-4A4A-86C0-0ACB51952F3D}"/>
               </a:ext>
             </a:extLst>
           </p:cNvPr>
@@ -3995,7 +4524,7 @@
           <p:cNvPr id="2" name="Title 1">
             <a:extLst>
               <a:ext uri="{FF2B5EF4-FFF2-40B4-BE49-F238E27FC236}">
-                <a16:creationId xmlns:a16="http://schemas.microsoft.com/office/drawing/2014/main" xmlns="" id="{7C50C541-4189-4126-A522-DACC1E59B6B1}"/>
+                <a16:creationId xmlns:a16="http://schemas.microsoft.com/office/drawing/2014/main" id="{7C50C541-4189-4126-A522-DACC1E59B6B1}"/>
               </a:ext>
             </a:extLst>
           </p:cNvPr>
@@ -4023,7 +4552,7 @@
           <p:cNvPr id="3" name="Text Placeholder 2">
             <a:extLst>
               <a:ext uri="{FF2B5EF4-FFF2-40B4-BE49-F238E27FC236}">
-                <a16:creationId xmlns:a16="http://schemas.microsoft.com/office/drawing/2014/main" xmlns="" id="{78383CFF-948F-47A9-ADBF-2989635B28AE}"/>
+                <a16:creationId xmlns:a16="http://schemas.microsoft.com/office/drawing/2014/main" id="{78383CFF-948F-47A9-ADBF-2989635B28AE}"/>
               </a:ext>
             </a:extLst>
           </p:cNvPr>
@@ -4051,7 +4580,7 @@
           <p:cNvPr id="4" name="Content Placeholder 3">
             <a:extLst>
               <a:ext uri="{FF2B5EF4-FFF2-40B4-BE49-F238E27FC236}">
-                <a16:creationId xmlns:a16="http://schemas.microsoft.com/office/drawing/2014/main" xmlns="" id="{7850CBD6-9C4C-472E-8A11-F10611121523}"/>
+                <a16:creationId xmlns:a16="http://schemas.microsoft.com/office/drawing/2014/main" id="{7850CBD6-9C4C-472E-8A11-F10611121523}"/>
               </a:ext>
             </a:extLst>
           </p:cNvPr>
@@ -4097,7 +4626,7 @@
           <p:cNvPr id="5" name="Text Placeholder 4">
             <a:extLst>
               <a:ext uri="{FF2B5EF4-FFF2-40B4-BE49-F238E27FC236}">
-                <a16:creationId xmlns:a16="http://schemas.microsoft.com/office/drawing/2014/main" xmlns="" id="{D7561C5D-B53D-4A9D-8BD7-A7690EDBCA4F}"/>
+                <a16:creationId xmlns:a16="http://schemas.microsoft.com/office/drawing/2014/main" id="{D7561C5D-B53D-4A9D-8BD7-A7690EDBCA4F}"/>
               </a:ext>
             </a:extLst>
           </p:cNvPr>
@@ -4125,7 +4654,7 @@
           <p:cNvPr id="6" name="Content Placeholder 5">
             <a:extLst>
               <a:ext uri="{FF2B5EF4-FFF2-40B4-BE49-F238E27FC236}">
-                <a16:creationId xmlns:a16="http://schemas.microsoft.com/office/drawing/2014/main" xmlns="" id="{779AC2AA-C062-42F2-A7A9-5E6408607114}"/>
+                <a16:creationId xmlns:a16="http://schemas.microsoft.com/office/drawing/2014/main" id="{779AC2AA-C062-42F2-A7A9-5E6408607114}"/>
               </a:ext>
             </a:extLst>
           </p:cNvPr>
@@ -4204,7 +4733,7 @@
           <p:cNvPr id="2" name="Title 1">
             <a:extLst>
               <a:ext uri="{FF2B5EF4-FFF2-40B4-BE49-F238E27FC236}">
-                <a16:creationId xmlns:a16="http://schemas.microsoft.com/office/drawing/2014/main" xmlns="" id="{83DD9894-5F0E-40BC-8759-C1EADF6E2078}"/>
+                <a16:creationId xmlns:a16="http://schemas.microsoft.com/office/drawing/2014/main" id="{83DD9894-5F0E-40BC-8759-C1EADF6E2078}"/>
               </a:ext>
             </a:extLst>
           </p:cNvPr>
@@ -4221,12 +4750,8 @@
           <a:lstStyle/>
           <a:p>
             <a:r>
-              <a:rPr lang="en-US" i="1" dirty="0" err="1"/>
-              <a:t>SQl</a:t>
-            </a:r>
-            <a:r>
               <a:rPr lang="en-US" i="1" dirty="0"/>
-              <a:t> feature Documentation</a:t>
+              <a:t>SQL feature Documentation</a:t>
             </a:r>
             <a:endParaRPr lang="en-US" dirty="0"/>
           </a:p>
@@ -4237,7 +4762,7 @@
           <p:cNvPr id="3" name="Text Placeholder 2">
             <a:extLst>
               <a:ext uri="{FF2B5EF4-FFF2-40B4-BE49-F238E27FC236}">
-                <a16:creationId xmlns:a16="http://schemas.microsoft.com/office/drawing/2014/main" xmlns="" id="{4F757738-9431-4BA4-98CE-FE348BFD5A1A}"/>
+                <a16:creationId xmlns:a16="http://schemas.microsoft.com/office/drawing/2014/main" id="{4F757738-9431-4BA4-98CE-FE348BFD5A1A}"/>
               </a:ext>
             </a:extLst>
           </p:cNvPr>
@@ -4265,7 +4790,7 @@
           <p:cNvPr id="4" name="Content Placeholder 3">
             <a:extLst>
               <a:ext uri="{FF2B5EF4-FFF2-40B4-BE49-F238E27FC236}">
-                <a16:creationId xmlns:a16="http://schemas.microsoft.com/office/drawing/2014/main" xmlns="" id="{990DC752-4349-4D96-A68E-DA1B62EF56CD}"/>
+                <a16:creationId xmlns:a16="http://schemas.microsoft.com/office/drawing/2014/main" id="{990DC752-4349-4D96-A68E-DA1B62EF56CD}"/>
               </a:ext>
             </a:extLst>
           </p:cNvPr>
@@ -4293,7 +4818,7 @@
           <p:cNvPr id="5" name="Text Placeholder 4">
             <a:extLst>
               <a:ext uri="{FF2B5EF4-FFF2-40B4-BE49-F238E27FC236}">
-                <a16:creationId xmlns:a16="http://schemas.microsoft.com/office/drawing/2014/main" xmlns="" id="{DBAC7B55-1450-4D6E-B6FC-AE6652D00B9E}"/>
+                <a16:creationId xmlns:a16="http://schemas.microsoft.com/office/drawing/2014/main" id="{DBAC7B55-1450-4D6E-B6FC-AE6652D00B9E}"/>
               </a:ext>
             </a:extLst>
           </p:cNvPr>
@@ -4321,7 +4846,7 @@
           <p:cNvPr id="6" name="Content Placeholder 5">
             <a:extLst>
               <a:ext uri="{FF2B5EF4-FFF2-40B4-BE49-F238E27FC236}">
-                <a16:creationId xmlns:a16="http://schemas.microsoft.com/office/drawing/2014/main" xmlns="" id="{723DC586-24A3-4EA5-92FB-97B859677572}"/>
+                <a16:creationId xmlns:a16="http://schemas.microsoft.com/office/drawing/2014/main" id="{723DC586-24A3-4EA5-92FB-97B859677572}"/>
               </a:ext>
             </a:extLst>
           </p:cNvPr>
@@ -4404,7 +4929,7 @@
           <p:cNvPr id="2" name="Title 1">
             <a:extLst>
               <a:ext uri="{FF2B5EF4-FFF2-40B4-BE49-F238E27FC236}">
-                <a16:creationId xmlns:a16="http://schemas.microsoft.com/office/drawing/2014/main" xmlns="" id="{C44D3867-382A-42B4-907C-FA4696DFD077}"/>
+                <a16:creationId xmlns:a16="http://schemas.microsoft.com/office/drawing/2014/main" id="{C44D3867-382A-42B4-907C-FA4696DFD077}"/>
               </a:ext>
             </a:extLst>
           </p:cNvPr>
@@ -4432,7 +4957,7 @@
           <p:cNvPr id="3" name="Text Placeholder 2">
             <a:extLst>
               <a:ext uri="{FF2B5EF4-FFF2-40B4-BE49-F238E27FC236}">
-                <a16:creationId xmlns:a16="http://schemas.microsoft.com/office/drawing/2014/main" xmlns="" id="{32B45193-11D1-4A22-B2EA-7E887073C165}"/>
+                <a16:creationId xmlns:a16="http://schemas.microsoft.com/office/drawing/2014/main" id="{32B45193-11D1-4A22-B2EA-7E887073C165}"/>
               </a:ext>
             </a:extLst>
           </p:cNvPr>
@@ -4460,7 +4985,7 @@
           <p:cNvPr id="4" name="Content Placeholder 3">
             <a:extLst>
               <a:ext uri="{FF2B5EF4-FFF2-40B4-BE49-F238E27FC236}">
-                <a16:creationId xmlns:a16="http://schemas.microsoft.com/office/drawing/2014/main" xmlns="" id="{943846B8-1122-4F70-980F-5B0EC01F0399}"/>
+                <a16:creationId xmlns:a16="http://schemas.microsoft.com/office/drawing/2014/main" id="{943846B8-1122-4F70-980F-5B0EC01F0399}"/>
               </a:ext>
             </a:extLst>
           </p:cNvPr>
@@ -4517,7 +5042,7 @@
           <p:cNvPr id="5" name="Text Placeholder 4">
             <a:extLst>
               <a:ext uri="{FF2B5EF4-FFF2-40B4-BE49-F238E27FC236}">
-                <a16:creationId xmlns:a16="http://schemas.microsoft.com/office/drawing/2014/main" xmlns="" id="{286D98DF-E0E3-46C0-A1D2-396259BE5242}"/>
+                <a16:creationId xmlns:a16="http://schemas.microsoft.com/office/drawing/2014/main" id="{286D98DF-E0E3-46C0-A1D2-396259BE5242}"/>
               </a:ext>
             </a:extLst>
           </p:cNvPr>
@@ -4545,7 +5070,7 @@
           <p:cNvPr id="6" name="Content Placeholder 5">
             <a:extLst>
               <a:ext uri="{FF2B5EF4-FFF2-40B4-BE49-F238E27FC236}">
-                <a16:creationId xmlns:a16="http://schemas.microsoft.com/office/drawing/2014/main" xmlns="" id="{E1A8A007-62F8-4A47-AF8F-2B4E33D7D327}"/>
+                <a16:creationId xmlns:a16="http://schemas.microsoft.com/office/drawing/2014/main" id="{E1A8A007-62F8-4A47-AF8F-2B4E33D7D327}"/>
               </a:ext>
             </a:extLst>
           </p:cNvPr>
@@ -4626,10 +5151,9 @@
           <a:lstStyle/>
           <a:p>
             <a:r>
-              <a:rPr lang="en-US" dirty="0" smtClean="0"/>
+              <a:rPr lang="en-US" dirty="0"/>
               <a:t>MySQL vs SQL Server vs SQLite</a:t>
             </a:r>
-            <a:endParaRPr lang="en-US" dirty="0"/>
           </a:p>
         </p:txBody>
       </p:sp>
@@ -4649,22 +5173,21 @@
           <a:lstStyle/>
           <a:p>
             <a:r>
-              <a:rPr lang="en-US" dirty="0" smtClean="0"/>
+              <a:rPr lang="en-US" dirty="0"/>
               <a:t>MySQL is a database software by Oracle. It has Visual studio integration and is cross platform. Has worse performance than SQL Server and SQLite.</a:t>
             </a:r>
           </a:p>
           <a:p>
             <a:r>
-              <a:rPr lang="en-US" dirty="0" smtClean="0"/>
+              <a:rPr lang="en-US" dirty="0"/>
               <a:t>SQL server is integrated into Visual Studio and Azure, making integration very easy. Can serve reports to mobile devices. This is also cross platform.</a:t>
             </a:r>
           </a:p>
           <a:p>
             <a:r>
-              <a:rPr lang="en-US" dirty="0" smtClean="0"/>
+              <a:rPr lang="en-US" dirty="0"/>
               <a:t>SQLite is designed to run without a centralized server. This limits size of the database to the size of the storage on the main device. It’s very fast when used on sites and apps with low traffic.</a:t>
             </a:r>
-            <a:endParaRPr lang="en-US" dirty="0"/>
           </a:p>
         </p:txBody>
       </p:sp>
@@ -4714,10 +5237,9 @@
           <a:lstStyle/>
           <a:p>
             <a:r>
-              <a:rPr lang="en-US" dirty="0" smtClean="0"/>
+              <a:rPr lang="en-US" dirty="0"/>
               <a:t>Microsoft Azure</a:t>
             </a:r>
-            <a:endParaRPr lang="en-US" dirty="0"/>
           </a:p>
         </p:txBody>
       </p:sp>
@@ -4737,34 +5259,33 @@
           <a:lstStyle/>
           <a:p>
             <a:r>
-              <a:rPr lang="en-US" dirty="0" smtClean="0"/>
+              <a:rPr lang="en-US" dirty="0"/>
               <a:t>Provides cloud services to developers to build, deploy, and manage mobile applications.</a:t>
             </a:r>
           </a:p>
           <a:p>
             <a:r>
-              <a:rPr lang="en-US" dirty="0" smtClean="0"/>
+              <a:rPr lang="en-US" dirty="0"/>
               <a:t>Helps to transition between desktop systems and mobile systems.</a:t>
             </a:r>
           </a:p>
           <a:p>
             <a:r>
-              <a:rPr lang="en-US" dirty="0" smtClean="0"/>
+              <a:rPr lang="en-US" dirty="0"/>
               <a:t>Allows us to make updates even if connection to the database is lost, then upload the changes when a connection is established.</a:t>
             </a:r>
           </a:p>
           <a:p>
             <a:r>
-              <a:rPr lang="en-US" dirty="0" smtClean="0"/>
+              <a:rPr lang="en-US" dirty="0"/>
               <a:t>Pricing is based on consumption, the system is only used when needed.</a:t>
             </a:r>
           </a:p>
           <a:p>
             <a:r>
-              <a:rPr lang="en-US" dirty="0" smtClean="0"/>
+              <a:rPr lang="en-US" dirty="0"/>
               <a:t>Removes the need for IT support and administration.</a:t>
             </a:r>
-            <a:endParaRPr lang="en-US" dirty="0"/>
           </a:p>
         </p:txBody>
       </p:sp>
@@ -5070,7 +5591,7 @@
   <a:extraClrSchemeLst/>
   <a:extLst>
     <a:ext uri="{05A4C25C-085E-4340-85A3-A5531E510DB2}">
-      <thm15:themeFamily xmlns:thm15="http://schemas.microsoft.com/office/thememl/2012/main" xmlns="" name="Office Theme" id="{62F939B6-93AF-4DB8-9C6B-D6C7DFDC589F}" vid="{4A3C46E8-61CC-4603-A589-7422A47A8E4A}"/>
+      <thm15:themeFamily xmlns:thm15="http://schemas.microsoft.com/office/thememl/2012/main" name="Office Theme" id="{62F939B6-93AF-4DB8-9C6B-D6C7DFDC589F}" vid="{4A3C46E8-61CC-4603-A589-7422A47A8E4A}"/>
     </a:ext>
   </a:extLst>
 </a:theme>

--- a/related work presentation draft.pptx
+++ b/related work presentation draft.pptx
@@ -4,20 +4,22 @@
   <p:sldMasterIdLst>
     <p:sldMasterId id="2147483648" r:id="rId1"/>
   </p:sldMasterIdLst>
+  <p:notesMasterIdLst>
+    <p:notesMasterId r:id="rId14"/>
+  </p:notesMasterIdLst>
   <p:sldIdLst>
     <p:sldId id="256" r:id="rId2"/>
     <p:sldId id="257" r:id="rId3"/>
-    <p:sldId id="258" r:id="rId4"/>
-    <p:sldId id="260" r:id="rId5"/>
-    <p:sldId id="261" r:id="rId6"/>
-    <p:sldId id="262" r:id="rId7"/>
-    <p:sldId id="263" r:id="rId8"/>
-    <p:sldId id="264" r:id="rId9"/>
-    <p:sldId id="265" r:id="rId10"/>
-    <p:sldId id="266" r:id="rId11"/>
-    <p:sldId id="267" r:id="rId12"/>
-    <p:sldId id="268" r:id="rId13"/>
-    <p:sldId id="269" r:id="rId14"/>
+    <p:sldId id="270" r:id="rId4"/>
+    <p:sldId id="261" r:id="rId5"/>
+    <p:sldId id="271" r:id="rId6"/>
+    <p:sldId id="272" r:id="rId7"/>
+    <p:sldId id="264" r:id="rId8"/>
+    <p:sldId id="265" r:id="rId9"/>
+    <p:sldId id="266" r:id="rId10"/>
+    <p:sldId id="267" r:id="rId11"/>
+    <p:sldId id="268" r:id="rId12"/>
+    <p:sldId id="269" r:id="rId13"/>
   </p:sldIdLst>
   <p:sldSz cx="12192000" cy="6858000"/>
   <p:notesSz cx="6858000" cy="9144000"/>
@@ -139,6 +141,682 @@
 <p1510:revInfo xmlns:a="http://schemas.openxmlformats.org/drawingml/2006/main" xmlns:r="http://schemas.openxmlformats.org/officeDocument/2006/relationships" xmlns:p1510="http://schemas.microsoft.com/office/powerpoint/2015/10/main"/>
 </file>
 
+<file path=ppt/notesMasters/notesMaster1.xml><?xml version="1.0" encoding="utf-8"?>
+<p:notesMaster xmlns:a="http://schemas.openxmlformats.org/drawingml/2006/main" xmlns:r="http://schemas.openxmlformats.org/officeDocument/2006/relationships" xmlns:p="http://schemas.openxmlformats.org/presentationml/2006/main">
+  <p:cSld>
+    <p:bg>
+      <p:bgRef idx="1001">
+        <a:schemeClr val="bg1"/>
+      </p:bgRef>
+    </p:bg>
+    <p:spTree>
+      <p:nvGrpSpPr>
+        <p:cNvPr id="1" name=""/>
+        <p:cNvGrpSpPr/>
+        <p:nvPr/>
+      </p:nvGrpSpPr>
+      <p:grpSpPr>
+        <a:xfrm>
+          <a:off x="0" y="0"/>
+          <a:ext cx="0" cy="0"/>
+          <a:chOff x="0" y="0"/>
+          <a:chExt cx="0" cy="0"/>
+        </a:xfrm>
+      </p:grpSpPr>
+      <p:sp>
+        <p:nvSpPr>
+          <p:cNvPr id="2" name="Header Placeholder 1"/>
+          <p:cNvSpPr>
+            <a:spLocks noGrp="1"/>
+          </p:cNvSpPr>
+          <p:nvPr>
+            <p:ph type="hdr" sz="quarter"/>
+          </p:nvPr>
+        </p:nvSpPr>
+        <p:spPr>
+          <a:xfrm>
+            <a:off x="0" y="0"/>
+            <a:ext cx="2971800" cy="458788"/>
+          </a:xfrm>
+          <a:prstGeom prst="rect">
+            <a:avLst/>
+          </a:prstGeom>
+        </p:spPr>
+        <p:txBody>
+          <a:bodyPr vert="horz" lIns="91440" tIns="45720" rIns="91440" bIns="45720" rtlCol="0"/>
+          <a:lstStyle>
+            <a:lvl1pPr algn="l">
+              <a:defRPr sz="1200"/>
+            </a:lvl1pPr>
+          </a:lstStyle>
+          <a:p>
+            <a:endParaRPr lang="en-US"/>
+          </a:p>
+        </p:txBody>
+      </p:sp>
+      <p:sp>
+        <p:nvSpPr>
+          <p:cNvPr id="3" name="Date Placeholder 2"/>
+          <p:cNvSpPr>
+            <a:spLocks noGrp="1"/>
+          </p:cNvSpPr>
+          <p:nvPr>
+            <p:ph type="dt" idx="1"/>
+          </p:nvPr>
+        </p:nvSpPr>
+        <p:spPr>
+          <a:xfrm>
+            <a:off x="3884613" y="0"/>
+            <a:ext cx="2971800" cy="458788"/>
+          </a:xfrm>
+          <a:prstGeom prst="rect">
+            <a:avLst/>
+          </a:prstGeom>
+        </p:spPr>
+        <p:txBody>
+          <a:bodyPr vert="horz" lIns="91440" tIns="45720" rIns="91440" bIns="45720" rtlCol="0"/>
+          <a:lstStyle>
+            <a:lvl1pPr algn="r">
+              <a:defRPr sz="1200"/>
+            </a:lvl1pPr>
+          </a:lstStyle>
+          <a:p>
+            <a:fld id="{B13ACABE-A36C-4EAD-9489-3CF5823FAC6E}" type="datetimeFigureOut">
+              <a:rPr lang="en-US" smtClean="0"/>
+              <a:t>11/7/2017</a:t>
+            </a:fld>
+            <a:endParaRPr lang="en-US"/>
+          </a:p>
+        </p:txBody>
+      </p:sp>
+      <p:sp>
+        <p:nvSpPr>
+          <p:cNvPr id="4" name="Slide Image Placeholder 3"/>
+          <p:cNvSpPr>
+            <a:spLocks noGrp="1" noRot="1" noChangeAspect="1"/>
+          </p:cNvSpPr>
+          <p:nvPr>
+            <p:ph type="sldImg" idx="2"/>
+          </p:nvPr>
+        </p:nvSpPr>
+        <p:spPr>
+          <a:xfrm>
+            <a:off x="685800" y="1143000"/>
+            <a:ext cx="5486400" cy="3086100"/>
+          </a:xfrm>
+          <a:prstGeom prst="rect">
+            <a:avLst/>
+          </a:prstGeom>
+          <a:noFill/>
+          <a:ln w="12700">
+            <a:solidFill>
+              <a:prstClr val="black"/>
+            </a:solidFill>
+          </a:ln>
+        </p:spPr>
+        <p:txBody>
+          <a:bodyPr vert="horz" lIns="91440" tIns="45720" rIns="91440" bIns="45720" rtlCol="0" anchor="ctr"/>
+          <a:lstStyle/>
+          <a:p>
+            <a:endParaRPr lang="en-US"/>
+          </a:p>
+        </p:txBody>
+      </p:sp>
+      <p:sp>
+        <p:nvSpPr>
+          <p:cNvPr id="5" name="Notes Placeholder 4"/>
+          <p:cNvSpPr>
+            <a:spLocks noGrp="1"/>
+          </p:cNvSpPr>
+          <p:nvPr>
+            <p:ph type="body" sz="quarter" idx="3"/>
+          </p:nvPr>
+        </p:nvSpPr>
+        <p:spPr>
+          <a:xfrm>
+            <a:off x="685800" y="4400550"/>
+            <a:ext cx="5486400" cy="3600450"/>
+          </a:xfrm>
+          <a:prstGeom prst="rect">
+            <a:avLst/>
+          </a:prstGeom>
+        </p:spPr>
+        <p:txBody>
+          <a:bodyPr vert="horz" lIns="91440" tIns="45720" rIns="91440" bIns="45720" rtlCol="0"/>
+          <a:lstStyle/>
+          <a:p>
+            <a:pPr lvl="0"/>
+            <a:r>
+              <a:rPr lang="en-US"/>
+              <a:t>Edit Master text styles</a:t>
+            </a:r>
+          </a:p>
+          <a:p>
+            <a:pPr lvl="1"/>
+            <a:r>
+              <a:rPr lang="en-US"/>
+              <a:t>Second level</a:t>
+            </a:r>
+          </a:p>
+          <a:p>
+            <a:pPr lvl="2"/>
+            <a:r>
+              <a:rPr lang="en-US"/>
+              <a:t>Third level</a:t>
+            </a:r>
+          </a:p>
+          <a:p>
+            <a:pPr lvl="3"/>
+            <a:r>
+              <a:rPr lang="en-US"/>
+              <a:t>Fourth level</a:t>
+            </a:r>
+          </a:p>
+          <a:p>
+            <a:pPr lvl="4"/>
+            <a:r>
+              <a:rPr lang="en-US"/>
+              <a:t>Fifth level</a:t>
+            </a:r>
+          </a:p>
+        </p:txBody>
+      </p:sp>
+      <p:sp>
+        <p:nvSpPr>
+          <p:cNvPr id="6" name="Footer Placeholder 5"/>
+          <p:cNvSpPr>
+            <a:spLocks noGrp="1"/>
+          </p:cNvSpPr>
+          <p:nvPr>
+            <p:ph type="ftr" sz="quarter" idx="4"/>
+          </p:nvPr>
+        </p:nvSpPr>
+        <p:spPr>
+          <a:xfrm>
+            <a:off x="0" y="8685213"/>
+            <a:ext cx="2971800" cy="458787"/>
+          </a:xfrm>
+          <a:prstGeom prst="rect">
+            <a:avLst/>
+          </a:prstGeom>
+        </p:spPr>
+        <p:txBody>
+          <a:bodyPr vert="horz" lIns="91440" tIns="45720" rIns="91440" bIns="45720" rtlCol="0" anchor="b"/>
+          <a:lstStyle>
+            <a:lvl1pPr algn="l">
+              <a:defRPr sz="1200"/>
+            </a:lvl1pPr>
+          </a:lstStyle>
+          <a:p>
+            <a:endParaRPr lang="en-US"/>
+          </a:p>
+        </p:txBody>
+      </p:sp>
+      <p:sp>
+        <p:nvSpPr>
+          <p:cNvPr id="7" name="Slide Number Placeholder 6"/>
+          <p:cNvSpPr>
+            <a:spLocks noGrp="1"/>
+          </p:cNvSpPr>
+          <p:nvPr>
+            <p:ph type="sldNum" sz="quarter" idx="5"/>
+          </p:nvPr>
+        </p:nvSpPr>
+        <p:spPr>
+          <a:xfrm>
+            <a:off x="3884613" y="8685213"/>
+            <a:ext cx="2971800" cy="458787"/>
+          </a:xfrm>
+          <a:prstGeom prst="rect">
+            <a:avLst/>
+          </a:prstGeom>
+        </p:spPr>
+        <p:txBody>
+          <a:bodyPr vert="horz" lIns="91440" tIns="45720" rIns="91440" bIns="45720" rtlCol="0" anchor="b"/>
+          <a:lstStyle>
+            <a:lvl1pPr algn="r">
+              <a:defRPr sz="1200"/>
+            </a:lvl1pPr>
+          </a:lstStyle>
+          <a:p>
+            <a:fld id="{DC99A9F5-0CA7-4C48-B068-D3E0CFA2D3C2}" type="slidenum">
+              <a:rPr lang="en-US" smtClean="0"/>
+              <a:t>‹#›</a:t>
+            </a:fld>
+            <a:endParaRPr lang="en-US"/>
+          </a:p>
+        </p:txBody>
+      </p:sp>
+    </p:spTree>
+    <p:extLst>
+      <p:ext uri="{BB962C8B-B14F-4D97-AF65-F5344CB8AC3E}">
+        <p14:creationId xmlns:p14="http://schemas.microsoft.com/office/powerpoint/2010/main" val="2598539308"/>
+      </p:ext>
+    </p:extLst>
+  </p:cSld>
+  <p:clrMap bg1="lt1" tx1="dk1" bg2="lt2" tx2="dk2" accent1="accent1" accent2="accent2" accent3="accent3" accent4="accent4" accent5="accent5" accent6="accent6" hlink="hlink" folHlink="folHlink"/>
+  <p:notesStyle>
+    <a:lvl1pPr marL="0" algn="l" defTabSz="914400" rtl="0" eaLnBrk="1" latinLnBrk="0" hangingPunct="1">
+      <a:defRPr sz="1200" kern="1200">
+        <a:solidFill>
+          <a:schemeClr val="tx1"/>
+        </a:solidFill>
+        <a:latin typeface="+mn-lt"/>
+        <a:ea typeface="+mn-ea"/>
+        <a:cs typeface="+mn-cs"/>
+      </a:defRPr>
+    </a:lvl1pPr>
+    <a:lvl2pPr marL="457200" algn="l" defTabSz="914400" rtl="0" eaLnBrk="1" latinLnBrk="0" hangingPunct="1">
+      <a:defRPr sz="1200" kern="1200">
+        <a:solidFill>
+          <a:schemeClr val="tx1"/>
+        </a:solidFill>
+        <a:latin typeface="+mn-lt"/>
+        <a:ea typeface="+mn-ea"/>
+        <a:cs typeface="+mn-cs"/>
+      </a:defRPr>
+    </a:lvl2pPr>
+    <a:lvl3pPr marL="914400" algn="l" defTabSz="914400" rtl="0" eaLnBrk="1" latinLnBrk="0" hangingPunct="1">
+      <a:defRPr sz="1200" kern="1200">
+        <a:solidFill>
+          <a:schemeClr val="tx1"/>
+        </a:solidFill>
+        <a:latin typeface="+mn-lt"/>
+        <a:ea typeface="+mn-ea"/>
+        <a:cs typeface="+mn-cs"/>
+      </a:defRPr>
+    </a:lvl3pPr>
+    <a:lvl4pPr marL="1371600" algn="l" defTabSz="914400" rtl="0" eaLnBrk="1" latinLnBrk="0" hangingPunct="1">
+      <a:defRPr sz="1200" kern="1200">
+        <a:solidFill>
+          <a:schemeClr val="tx1"/>
+        </a:solidFill>
+        <a:latin typeface="+mn-lt"/>
+        <a:ea typeface="+mn-ea"/>
+        <a:cs typeface="+mn-cs"/>
+      </a:defRPr>
+    </a:lvl4pPr>
+    <a:lvl5pPr marL="1828800" algn="l" defTabSz="914400" rtl="0" eaLnBrk="1" latinLnBrk="0" hangingPunct="1">
+      <a:defRPr sz="1200" kern="1200">
+        <a:solidFill>
+          <a:schemeClr val="tx1"/>
+        </a:solidFill>
+        <a:latin typeface="+mn-lt"/>
+        <a:ea typeface="+mn-ea"/>
+        <a:cs typeface="+mn-cs"/>
+      </a:defRPr>
+    </a:lvl5pPr>
+    <a:lvl6pPr marL="2286000" algn="l" defTabSz="914400" rtl="0" eaLnBrk="1" latinLnBrk="0" hangingPunct="1">
+      <a:defRPr sz="1200" kern="1200">
+        <a:solidFill>
+          <a:schemeClr val="tx1"/>
+        </a:solidFill>
+        <a:latin typeface="+mn-lt"/>
+        <a:ea typeface="+mn-ea"/>
+        <a:cs typeface="+mn-cs"/>
+      </a:defRPr>
+    </a:lvl6pPr>
+    <a:lvl7pPr marL="2743200" algn="l" defTabSz="914400" rtl="0" eaLnBrk="1" latinLnBrk="0" hangingPunct="1">
+      <a:defRPr sz="1200" kern="1200">
+        <a:solidFill>
+          <a:schemeClr val="tx1"/>
+        </a:solidFill>
+        <a:latin typeface="+mn-lt"/>
+        <a:ea typeface="+mn-ea"/>
+        <a:cs typeface="+mn-cs"/>
+      </a:defRPr>
+    </a:lvl7pPr>
+    <a:lvl8pPr marL="3200400" algn="l" defTabSz="914400" rtl="0" eaLnBrk="1" latinLnBrk="0" hangingPunct="1">
+      <a:defRPr sz="1200" kern="1200">
+        <a:solidFill>
+          <a:schemeClr val="tx1"/>
+        </a:solidFill>
+        <a:latin typeface="+mn-lt"/>
+        <a:ea typeface="+mn-ea"/>
+        <a:cs typeface="+mn-cs"/>
+      </a:defRPr>
+    </a:lvl8pPr>
+    <a:lvl9pPr marL="3657600" algn="l" defTabSz="914400" rtl="0" eaLnBrk="1" latinLnBrk="0" hangingPunct="1">
+      <a:defRPr sz="1200" kern="1200">
+        <a:solidFill>
+          <a:schemeClr val="tx1"/>
+        </a:solidFill>
+        <a:latin typeface="+mn-lt"/>
+        <a:ea typeface="+mn-ea"/>
+        <a:cs typeface="+mn-cs"/>
+      </a:defRPr>
+    </a:lvl9pPr>
+  </p:notesStyle>
+</p:notesMaster>
+</file>
+
+<file path=ppt/notesSlides/notesSlide1.xml><?xml version="1.0" encoding="utf-8"?>
+<p:notes xmlns:a="http://schemas.openxmlformats.org/drawingml/2006/main" xmlns:r="http://schemas.openxmlformats.org/officeDocument/2006/relationships" xmlns:p="http://schemas.openxmlformats.org/presentationml/2006/main">
+  <p:cSld>
+    <p:spTree>
+      <p:nvGrpSpPr>
+        <p:cNvPr id="1" name=""/>
+        <p:cNvGrpSpPr/>
+        <p:nvPr/>
+      </p:nvGrpSpPr>
+      <p:grpSpPr>
+        <a:xfrm>
+          <a:off x="0" y="0"/>
+          <a:ext cx="0" cy="0"/>
+          <a:chOff x="0" y="0"/>
+          <a:chExt cx="0" cy="0"/>
+        </a:xfrm>
+      </p:grpSpPr>
+      <p:sp>
+        <p:nvSpPr>
+          <p:cNvPr id="2" name="Slide Image Placeholder 1"/>
+          <p:cNvSpPr>
+            <a:spLocks noGrp="1" noRot="1" noChangeAspect="1"/>
+          </p:cNvSpPr>
+          <p:nvPr>
+            <p:ph type="sldImg"/>
+          </p:nvPr>
+        </p:nvSpPr>
+        <p:spPr/>
+      </p:sp>
+      <p:sp>
+        <p:nvSpPr>
+          <p:cNvPr id="3" name="Notes Placeholder 2"/>
+          <p:cNvSpPr>
+            <a:spLocks noGrp="1"/>
+          </p:cNvSpPr>
+          <p:nvPr>
+            <p:ph type="body" idx="1"/>
+          </p:nvPr>
+        </p:nvSpPr>
+        <p:spPr/>
+        <p:txBody>
+          <a:bodyPr/>
+          <a:lstStyle/>
+          <a:p>
+            <a:r>
+              <a:rPr lang="en-US" dirty="0"/>
+              <a:t>The Application Will Be Handling Accounts Tied University Students and Staff </a:t>
+            </a:r>
+          </a:p>
+          <a:p>
+            <a:r>
+              <a:rPr lang="en-US" dirty="0"/>
+              <a:t>It Would Be Preferable To Piggyback Off the North Dakota University System (NDUS) Account System </a:t>
+            </a:r>
+          </a:p>
+          <a:p>
+            <a:endParaRPr lang="en-US" dirty="0"/>
+          </a:p>
+        </p:txBody>
+      </p:sp>
+      <p:sp>
+        <p:nvSpPr>
+          <p:cNvPr id="4" name="Slide Number Placeholder 3"/>
+          <p:cNvSpPr>
+            <a:spLocks noGrp="1"/>
+          </p:cNvSpPr>
+          <p:nvPr>
+            <p:ph type="sldNum" sz="quarter" idx="10"/>
+          </p:nvPr>
+        </p:nvSpPr>
+        <p:spPr/>
+        <p:txBody>
+          <a:bodyPr/>
+          <a:lstStyle/>
+          <a:p>
+            <a:fld id="{DC99A9F5-0CA7-4C48-B068-D3E0CFA2D3C2}" type="slidenum">
+              <a:rPr lang="en-US" smtClean="0"/>
+              <a:t>3</a:t>
+            </a:fld>
+            <a:endParaRPr lang="en-US"/>
+          </a:p>
+        </p:txBody>
+      </p:sp>
+    </p:spTree>
+    <p:extLst>
+      <p:ext uri="{BB962C8B-B14F-4D97-AF65-F5344CB8AC3E}">
+        <p14:creationId xmlns:p14="http://schemas.microsoft.com/office/powerpoint/2010/main" val="271928694"/>
+      </p:ext>
+    </p:extLst>
+  </p:cSld>
+  <p:clrMapOvr>
+    <a:masterClrMapping/>
+  </p:clrMapOvr>
+</p:notes>
+</file>
+
+<file path=ppt/notesSlides/notesSlide2.xml><?xml version="1.0" encoding="utf-8"?>
+<p:notes xmlns:a="http://schemas.openxmlformats.org/drawingml/2006/main" xmlns:r="http://schemas.openxmlformats.org/officeDocument/2006/relationships" xmlns:p="http://schemas.openxmlformats.org/presentationml/2006/main">
+  <p:cSld>
+    <p:spTree>
+      <p:nvGrpSpPr>
+        <p:cNvPr id="1" name=""/>
+        <p:cNvGrpSpPr/>
+        <p:nvPr/>
+      </p:nvGrpSpPr>
+      <p:grpSpPr>
+        <a:xfrm>
+          <a:off x="0" y="0"/>
+          <a:ext cx="0" cy="0"/>
+          <a:chOff x="0" y="0"/>
+          <a:chExt cx="0" cy="0"/>
+        </a:xfrm>
+      </p:grpSpPr>
+      <p:sp>
+        <p:nvSpPr>
+          <p:cNvPr id="2" name="Slide Image Placeholder 1"/>
+          <p:cNvSpPr>
+            <a:spLocks noGrp="1" noRot="1" noChangeAspect="1"/>
+          </p:cNvSpPr>
+          <p:nvPr>
+            <p:ph type="sldImg"/>
+          </p:nvPr>
+        </p:nvSpPr>
+        <p:spPr/>
+      </p:sp>
+      <p:sp>
+        <p:nvSpPr>
+          <p:cNvPr id="3" name="Notes Placeholder 2"/>
+          <p:cNvSpPr>
+            <a:spLocks noGrp="1"/>
+          </p:cNvSpPr>
+          <p:nvPr>
+            <p:ph type="body" idx="1"/>
+          </p:nvPr>
+        </p:nvSpPr>
+        <p:spPr/>
+        <p:txBody>
+          <a:bodyPr/>
+          <a:lstStyle/>
+          <a:p>
+            <a:r>
+              <a:rPr lang="en-US" dirty="0"/>
+              <a:t>The Applications Backend Will Be a SQL Server Bring </a:t>
+            </a:r>
+          </a:p>
+          <a:p>
+            <a:r>
+              <a:rPr lang="en-US" dirty="0"/>
+              <a:t>Knowing Possible Points Of Failure Allows For Countermeasures to be taken</a:t>
+            </a:r>
+          </a:p>
+          <a:p>
+            <a:r>
+              <a:rPr lang="en-US" dirty="0"/>
+              <a:t>Some Features Carry Security Requirements </a:t>
+            </a:r>
+          </a:p>
+          <a:p>
+            <a:endParaRPr lang="en-US" dirty="0"/>
+          </a:p>
+          <a:p>
+            <a:r>
+              <a:rPr lang="en-US" dirty="0"/>
+              <a:t>Provides the tools to be used to:</a:t>
+            </a:r>
+          </a:p>
+          <a:p>
+            <a:pPr lvl="1"/>
+            <a:r>
+              <a:rPr lang="en-US" dirty="0"/>
+              <a:t>Connect to the application</a:t>
+            </a:r>
+          </a:p>
+          <a:p>
+            <a:pPr lvl="1"/>
+            <a:r>
+              <a:rPr lang="en-US" dirty="0"/>
+              <a:t>Close security holes </a:t>
+            </a:r>
+          </a:p>
+          <a:p>
+            <a:pPr lvl="1"/>
+            <a:r>
+              <a:rPr lang="en-US" dirty="0"/>
+              <a:t>Connecting to the NDSU servers</a:t>
+            </a:r>
+          </a:p>
+          <a:p>
+            <a:endParaRPr lang="en-US" dirty="0"/>
+          </a:p>
+          <a:p>
+            <a:endParaRPr lang="en-US" dirty="0"/>
+          </a:p>
+        </p:txBody>
+      </p:sp>
+      <p:sp>
+        <p:nvSpPr>
+          <p:cNvPr id="4" name="Slide Number Placeholder 3"/>
+          <p:cNvSpPr>
+            <a:spLocks noGrp="1"/>
+          </p:cNvSpPr>
+          <p:nvPr>
+            <p:ph type="sldNum" sz="quarter" idx="10"/>
+          </p:nvPr>
+        </p:nvSpPr>
+        <p:spPr/>
+        <p:txBody>
+          <a:bodyPr/>
+          <a:lstStyle/>
+          <a:p>
+            <a:fld id="{DC99A9F5-0CA7-4C48-B068-D3E0CFA2D3C2}" type="slidenum">
+              <a:rPr lang="en-US" smtClean="0"/>
+              <a:t>5</a:t>
+            </a:fld>
+            <a:endParaRPr lang="en-US"/>
+          </a:p>
+        </p:txBody>
+      </p:sp>
+    </p:spTree>
+    <p:extLst>
+      <p:ext uri="{BB962C8B-B14F-4D97-AF65-F5344CB8AC3E}">
+        <p14:creationId xmlns:p14="http://schemas.microsoft.com/office/powerpoint/2010/main" val="226038275"/>
+      </p:ext>
+    </p:extLst>
+  </p:cSld>
+  <p:clrMapOvr>
+    <a:masterClrMapping/>
+  </p:clrMapOvr>
+</p:notes>
+</file>
+
+<file path=ppt/notesSlides/notesSlide3.xml><?xml version="1.0" encoding="utf-8"?>
+<p:notes xmlns:a="http://schemas.openxmlformats.org/drawingml/2006/main" xmlns:r="http://schemas.openxmlformats.org/officeDocument/2006/relationships" xmlns:p="http://schemas.openxmlformats.org/presentationml/2006/main">
+  <p:cSld>
+    <p:spTree>
+      <p:nvGrpSpPr>
+        <p:cNvPr id="1" name=""/>
+        <p:cNvGrpSpPr/>
+        <p:nvPr/>
+      </p:nvGrpSpPr>
+      <p:grpSpPr>
+        <a:xfrm>
+          <a:off x="0" y="0"/>
+          <a:ext cx="0" cy="0"/>
+          <a:chOff x="0" y="0"/>
+          <a:chExt cx="0" cy="0"/>
+        </a:xfrm>
+      </p:grpSpPr>
+      <p:sp>
+        <p:nvSpPr>
+          <p:cNvPr id="2" name="Slide Image Placeholder 1"/>
+          <p:cNvSpPr>
+            <a:spLocks noGrp="1" noRot="1" noChangeAspect="1"/>
+          </p:cNvSpPr>
+          <p:nvPr>
+            <p:ph type="sldImg"/>
+          </p:nvPr>
+        </p:nvSpPr>
+        <p:spPr/>
+      </p:sp>
+      <p:sp>
+        <p:nvSpPr>
+          <p:cNvPr id="3" name="Notes Placeholder 2"/>
+          <p:cNvSpPr>
+            <a:spLocks noGrp="1"/>
+          </p:cNvSpPr>
+          <p:nvPr>
+            <p:ph type="body" idx="1"/>
+          </p:nvPr>
+        </p:nvSpPr>
+        <p:spPr/>
+        <p:txBody>
+          <a:bodyPr/>
+          <a:lstStyle/>
+          <a:p>
+            <a:r>
+              <a:rPr lang="en-US" dirty="0"/>
+              <a:t>We Need to scan barcodes in a non rescores intensive way</a:t>
+            </a:r>
+          </a:p>
+          <a:p>
+            <a:r>
+              <a:rPr lang="en-US" dirty="0"/>
+              <a:t>Google will Continue to Update This Product and Document it’s Changes</a:t>
+            </a:r>
+          </a:p>
+          <a:p>
+            <a:endParaRPr lang="en-US" dirty="0"/>
+          </a:p>
+        </p:txBody>
+      </p:sp>
+      <p:sp>
+        <p:nvSpPr>
+          <p:cNvPr id="4" name="Slide Number Placeholder 3"/>
+          <p:cNvSpPr>
+            <a:spLocks noGrp="1"/>
+          </p:cNvSpPr>
+          <p:nvPr>
+            <p:ph type="sldNum" sz="quarter" idx="10"/>
+          </p:nvPr>
+        </p:nvSpPr>
+        <p:spPr/>
+        <p:txBody>
+          <a:bodyPr/>
+          <a:lstStyle/>
+          <a:p>
+            <a:fld id="{DC99A9F5-0CA7-4C48-B068-D3E0CFA2D3C2}" type="slidenum">
+              <a:rPr lang="en-US" smtClean="0"/>
+              <a:t>6</a:t>
+            </a:fld>
+            <a:endParaRPr lang="en-US"/>
+          </a:p>
+        </p:txBody>
+      </p:sp>
+    </p:spTree>
+    <p:extLst>
+      <p:ext uri="{BB962C8B-B14F-4D97-AF65-F5344CB8AC3E}">
+        <p14:creationId xmlns:p14="http://schemas.microsoft.com/office/powerpoint/2010/main" val="3494402211"/>
+      </p:ext>
+    </p:extLst>
+  </p:cSld>
+  <p:clrMapOvr>
+    <a:masterClrMapping/>
+  </p:clrMapOvr>
+</p:notes>
+</file>
+
 <file path=ppt/slideLayouts/slideLayout1.xml><?xml version="1.0" encoding="utf-8"?>
 <p:sldLayout xmlns:a="http://schemas.openxmlformats.org/drawingml/2006/main" xmlns:r="http://schemas.openxmlformats.org/officeDocument/2006/relationships" xmlns:p="http://schemas.openxmlformats.org/presentationml/2006/main" type="title" preserve="1">
   <p:cSld name="Title Slide">
@@ -286,7 +964,7 @@
           <a:p>
             <a:fld id="{0CC8767C-EF7E-4F10-9532-8582EF014B7B}" type="datetimeFigureOut">
               <a:rPr lang="en-US" smtClean="0"/>
-              <a:t>11/1/2017</a:t>
+              <a:t>11/7/2017</a:t>
             </a:fld>
             <a:endParaRPr lang="en-US"/>
           </a:p>
@@ -484,7 +1162,7 @@
           <a:p>
             <a:fld id="{0CC8767C-EF7E-4F10-9532-8582EF014B7B}" type="datetimeFigureOut">
               <a:rPr lang="en-US" smtClean="0"/>
-              <a:t>11/1/2017</a:t>
+              <a:t>11/7/2017</a:t>
             </a:fld>
             <a:endParaRPr lang="en-US"/>
           </a:p>
@@ -692,7 +1370,7 @@
           <a:p>
             <a:fld id="{0CC8767C-EF7E-4F10-9532-8582EF014B7B}" type="datetimeFigureOut">
               <a:rPr lang="en-US" smtClean="0"/>
-              <a:t>11/1/2017</a:t>
+              <a:t>11/7/2017</a:t>
             </a:fld>
             <a:endParaRPr lang="en-US"/>
           </a:p>
@@ -890,7 +1568,7 @@
           <a:p>
             <a:fld id="{0CC8767C-EF7E-4F10-9532-8582EF014B7B}" type="datetimeFigureOut">
               <a:rPr lang="en-US" smtClean="0"/>
-              <a:t>11/1/2017</a:t>
+              <a:t>11/7/2017</a:t>
             </a:fld>
             <a:endParaRPr lang="en-US"/>
           </a:p>
@@ -1165,7 +1843,7 @@
           <a:p>
             <a:fld id="{0CC8767C-EF7E-4F10-9532-8582EF014B7B}" type="datetimeFigureOut">
               <a:rPr lang="en-US" smtClean="0"/>
-              <a:t>11/1/2017</a:t>
+              <a:t>11/7/2017</a:t>
             </a:fld>
             <a:endParaRPr lang="en-US"/>
           </a:p>
@@ -1430,7 +2108,7 @@
           <a:p>
             <a:fld id="{0CC8767C-EF7E-4F10-9532-8582EF014B7B}" type="datetimeFigureOut">
               <a:rPr lang="en-US" smtClean="0"/>
-              <a:t>11/1/2017</a:t>
+              <a:t>11/7/2017</a:t>
             </a:fld>
             <a:endParaRPr lang="en-US"/>
           </a:p>
@@ -1842,7 +2520,7 @@
           <a:p>
             <a:fld id="{0CC8767C-EF7E-4F10-9532-8582EF014B7B}" type="datetimeFigureOut">
               <a:rPr lang="en-US" smtClean="0"/>
-              <a:t>11/1/2017</a:t>
+              <a:t>11/7/2017</a:t>
             </a:fld>
             <a:endParaRPr lang="en-US"/>
           </a:p>
@@ -1983,7 +2661,7 @@
           <a:p>
             <a:fld id="{0CC8767C-EF7E-4F10-9532-8582EF014B7B}" type="datetimeFigureOut">
               <a:rPr lang="en-US" smtClean="0"/>
-              <a:t>11/1/2017</a:t>
+              <a:t>11/7/2017</a:t>
             </a:fld>
             <a:endParaRPr lang="en-US"/>
           </a:p>
@@ -2096,7 +2774,7 @@
           <a:p>
             <a:fld id="{0CC8767C-EF7E-4F10-9532-8582EF014B7B}" type="datetimeFigureOut">
               <a:rPr lang="en-US" smtClean="0"/>
-              <a:t>11/1/2017</a:t>
+              <a:t>11/7/2017</a:t>
             </a:fld>
             <a:endParaRPr lang="en-US"/>
           </a:p>
@@ -2407,7 +3085,7 @@
           <a:p>
             <a:fld id="{0CC8767C-EF7E-4F10-9532-8582EF014B7B}" type="datetimeFigureOut">
               <a:rPr lang="en-US" smtClean="0"/>
-              <a:t>11/1/2017</a:t>
+              <a:t>11/7/2017</a:t>
             </a:fld>
             <a:endParaRPr lang="en-US"/>
           </a:p>
@@ -2695,7 +3373,7 @@
           <a:p>
             <a:fld id="{0CC8767C-EF7E-4F10-9532-8582EF014B7B}" type="datetimeFigureOut">
               <a:rPr lang="en-US" smtClean="0"/>
-              <a:t>11/1/2017</a:t>
+              <a:t>11/7/2017</a:t>
             </a:fld>
             <a:endParaRPr lang="en-US"/>
           </a:p>
@@ -2936,7 +3614,7 @@
           <a:p>
             <a:fld id="{0CC8767C-EF7E-4F10-9532-8582EF014B7B}" type="datetimeFigureOut">
               <a:rPr lang="en-US" smtClean="0"/>
-              <a:t>11/1/2017</a:t>
+              <a:t>11/7/2017</a:t>
             </a:fld>
             <a:endParaRPr lang="en-US"/>
           </a:p>
@@ -3470,7 +4148,13 @@
       </p:grpSpPr>
       <p:sp>
         <p:nvSpPr>
-          <p:cNvPr id="2" name="Title 1"/>
+          <p:cNvPr id="2" name="Title 1">
+            <a:extLst>
+              <a:ext uri="{FF2B5EF4-FFF2-40B4-BE49-F238E27FC236}">
+                <a16:creationId xmlns:a16="http://schemas.microsoft.com/office/drawing/2014/main" id="{5CCE5219-BA2A-441E-8452-F80006D64435}"/>
+              </a:ext>
+            </a:extLst>
+          </p:cNvPr>
           <p:cNvSpPr>
             <a:spLocks noGrp="1"/>
           </p:cNvSpPr>
@@ -3484,52 +4168,210 @@
           <a:lstStyle/>
           <a:p>
             <a:r>
-              <a:rPr lang="en-US" dirty="0"/>
-              <a:t>LINQ</a:t>
-            </a:r>
-          </a:p>
-        </p:txBody>
-      </p:sp>
-      <p:sp>
-        <p:nvSpPr>
-          <p:cNvPr id="3" name="Content Placeholder 2"/>
-          <p:cNvSpPr>
-            <a:spLocks noGrp="1"/>
-          </p:cNvSpPr>
-          <p:nvPr>
-            <p:ph idx="1"/>
-          </p:nvPr>
-        </p:nvSpPr>
-        <p:spPr/>
-        <p:txBody>
-          <a:bodyPr/>
-          <a:lstStyle/>
-          <a:p>
-            <a:r>
-              <a:rPr lang="en-US" dirty="0"/>
-              <a:t>Eases the transition from object oriented languages to relational queries.</a:t>
-            </a:r>
-          </a:p>
-          <a:p>
-            <a:r>
-              <a:rPr lang="en-US" dirty="0"/>
-              <a:t>Can write database queries, inserts, updates, and deletes in languages like C# instead of SQL.</a:t>
-            </a:r>
-          </a:p>
-          <a:p>
-            <a:r>
-              <a:rPr lang="en-US" dirty="0"/>
-              <a:t>Integrated into Visual Studio and SQL Server.</a:t>
-            </a:r>
-          </a:p>
-          <a:p>
-            <a:r>
-              <a:rPr lang="en-US" dirty="0"/>
-              <a:t>Allows us to utilize SQL </a:t>
-            </a:r>
-            <a:r>
-              <a:rPr lang="en-US"/>
-              <a:t>Server’s security tools.</a:t>
+              <a:rPr lang="en-US" i="1" dirty="0"/>
+              <a:t>Microsoft Visual Studios</a:t>
+            </a:r>
+          </a:p>
+        </p:txBody>
+      </p:sp>
+      <p:sp>
+        <p:nvSpPr>
+          <p:cNvPr id="4" name="TextBox 3">
+            <a:extLst>
+              <a:ext uri="{FF2B5EF4-FFF2-40B4-BE49-F238E27FC236}">
+                <a16:creationId xmlns:a16="http://schemas.microsoft.com/office/drawing/2014/main" id="{35FEDF86-0880-4749-A49F-7F0519121EA1}"/>
+              </a:ext>
+            </a:extLst>
+          </p:cNvPr>
+          <p:cNvSpPr txBox="1"/>
+          <p:nvPr/>
+        </p:nvSpPr>
+        <p:spPr>
+          <a:xfrm>
+            <a:off x="838200" y="1459855"/>
+            <a:ext cx="4854632" cy="461665"/>
+          </a:xfrm>
+          <a:prstGeom prst="rect">
+            <a:avLst/>
+          </a:prstGeom>
+          <a:noFill/>
+        </p:spPr>
+        <p:txBody>
+          <a:bodyPr wrap="square" rtlCol="0">
+            <a:spAutoFit/>
+          </a:bodyPr>
+          <a:lstStyle/>
+          <a:p>
+            <a:r>
+              <a:rPr lang="en-US" sz="2400" b="1" dirty="0"/>
+              <a:t>Offers</a:t>
+            </a:r>
+          </a:p>
+        </p:txBody>
+      </p:sp>
+      <p:sp>
+        <p:nvSpPr>
+          <p:cNvPr id="5" name="TextBox 4">
+            <a:extLst>
+              <a:ext uri="{FF2B5EF4-FFF2-40B4-BE49-F238E27FC236}">
+                <a16:creationId xmlns:a16="http://schemas.microsoft.com/office/drawing/2014/main" id="{A3EA6AC5-0CE2-4683-A8B0-BE5E4C26EFF2}"/>
+              </a:ext>
+            </a:extLst>
+          </p:cNvPr>
+          <p:cNvSpPr txBox="1"/>
+          <p:nvPr/>
+        </p:nvSpPr>
+        <p:spPr>
+          <a:xfrm>
+            <a:off x="838200" y="1921520"/>
+            <a:ext cx="4854632" cy="1846659"/>
+          </a:xfrm>
+          <a:prstGeom prst="rect">
+            <a:avLst/>
+          </a:prstGeom>
+          <a:noFill/>
+        </p:spPr>
+        <p:txBody>
+          <a:bodyPr wrap="square" rtlCol="0">
+            <a:spAutoFit/>
+          </a:bodyPr>
+          <a:lstStyle/>
+          <a:p>
+            <a:pPr marL="285750" indent="-285750">
+              <a:buFont typeface="Arial" panose="020B0604020202020204" pitchFamily="34" charset="0"/>
+              <a:buChar char="•"/>
+            </a:pPr>
+            <a:r>
+              <a:rPr lang="en-US" sz="2400" dirty="0"/>
+              <a:t>.NET</a:t>
+            </a:r>
+          </a:p>
+          <a:p>
+            <a:pPr marL="285750" indent="-285750">
+              <a:buFont typeface="Arial" panose="020B0604020202020204" pitchFamily="34" charset="0"/>
+              <a:buChar char="•"/>
+            </a:pPr>
+            <a:r>
+              <a:rPr lang="en-US" sz="2400" dirty="0"/>
+              <a:t>Azure</a:t>
+            </a:r>
+          </a:p>
+          <a:p>
+            <a:pPr marL="285750" indent="-285750">
+              <a:buFont typeface="Arial" panose="020B0604020202020204" pitchFamily="34" charset="0"/>
+              <a:buChar char="•"/>
+            </a:pPr>
+            <a:r>
+              <a:rPr lang="en-US" sz="2400" dirty="0"/>
+              <a:t>Xamarin</a:t>
+            </a:r>
+          </a:p>
+          <a:p>
+            <a:pPr marL="285750" indent="-285750">
+              <a:buFont typeface="Arial" panose="020B0604020202020204" pitchFamily="34" charset="0"/>
+              <a:buChar char="•"/>
+            </a:pPr>
+            <a:endParaRPr lang="en-US" sz="2400" dirty="0"/>
+          </a:p>
+          <a:p>
+            <a:pPr marL="285750" indent="-285750">
+              <a:buFont typeface="Arial" panose="020B0604020202020204" pitchFamily="34" charset="0"/>
+              <a:buChar char="•"/>
+            </a:pPr>
+            <a:endParaRPr lang="en-US" dirty="0"/>
+          </a:p>
+        </p:txBody>
+      </p:sp>
+      <p:sp>
+        <p:nvSpPr>
+          <p:cNvPr id="6" name="TextBox 5">
+            <a:extLst>
+              <a:ext uri="{FF2B5EF4-FFF2-40B4-BE49-F238E27FC236}">
+                <a16:creationId xmlns:a16="http://schemas.microsoft.com/office/drawing/2014/main" id="{8F86A966-F811-4A4D-B19F-68A087362C7D}"/>
+              </a:ext>
+            </a:extLst>
+          </p:cNvPr>
+          <p:cNvSpPr txBox="1"/>
+          <p:nvPr/>
+        </p:nvSpPr>
+        <p:spPr>
+          <a:xfrm>
+            <a:off x="5692832" y="1506021"/>
+            <a:ext cx="2377440" cy="461665"/>
+          </a:xfrm>
+          <a:prstGeom prst="rect">
+            <a:avLst/>
+          </a:prstGeom>
+          <a:noFill/>
+        </p:spPr>
+        <p:txBody>
+          <a:bodyPr wrap="square" rtlCol="0">
+            <a:spAutoFit/>
+          </a:bodyPr>
+          <a:lstStyle/>
+          <a:p>
+            <a:r>
+              <a:rPr lang="en-US" sz="2400" b="1" dirty="0"/>
+              <a:t>How it affects us</a:t>
+            </a:r>
+          </a:p>
+        </p:txBody>
+      </p:sp>
+      <p:sp>
+        <p:nvSpPr>
+          <p:cNvPr id="7" name="TextBox 6">
+            <a:extLst>
+              <a:ext uri="{FF2B5EF4-FFF2-40B4-BE49-F238E27FC236}">
+                <a16:creationId xmlns:a16="http://schemas.microsoft.com/office/drawing/2014/main" id="{BF1449ED-421C-4F50-BEDE-C556AAD105AD}"/>
+              </a:ext>
+            </a:extLst>
+          </p:cNvPr>
+          <p:cNvSpPr txBox="1"/>
+          <p:nvPr/>
+        </p:nvSpPr>
+        <p:spPr>
+          <a:xfrm>
+            <a:off x="5692832" y="1967686"/>
+            <a:ext cx="4560916" cy="2308324"/>
+          </a:xfrm>
+          <a:prstGeom prst="rect">
+            <a:avLst/>
+          </a:prstGeom>
+          <a:noFill/>
+        </p:spPr>
+        <p:txBody>
+          <a:bodyPr wrap="square" rtlCol="0">
+            <a:spAutoFit/>
+          </a:bodyPr>
+          <a:lstStyle/>
+          <a:p>
+            <a:pPr marL="285750" indent="-285750">
+              <a:buFont typeface="Arial" panose="020B0604020202020204" pitchFamily="34" charset="0"/>
+              <a:buChar char="•"/>
+            </a:pPr>
+            <a:r>
+              <a:rPr lang="en-US" sz="2400" dirty="0"/>
+              <a:t>.NET provides Cross Platform </a:t>
+            </a:r>
+          </a:p>
+          <a:p>
+            <a:pPr marL="285750" indent="-285750">
+              <a:buFont typeface="Arial" panose="020B0604020202020204" pitchFamily="34" charset="0"/>
+              <a:buChar char="•"/>
+            </a:pPr>
+            <a:r>
+              <a:rPr lang="en-US" sz="2400" dirty="0"/>
+              <a:t>Azure allows secure remote connection to database</a:t>
+            </a:r>
+          </a:p>
+          <a:p>
+            <a:pPr marL="285750" indent="-285750">
+              <a:buFont typeface="Arial" panose="020B0604020202020204" pitchFamily="34" charset="0"/>
+              <a:buChar char="•"/>
+            </a:pPr>
+            <a:r>
+              <a:rPr lang="en-US" sz="2400" dirty="0"/>
+              <a:t>Xamarin offers more functions and can capture mobile functions.</a:t>
             </a:r>
           </a:p>
         </p:txBody>
@@ -3537,7 +4379,7 @@
     </p:spTree>
     <p:extLst>
       <p:ext uri="{BB962C8B-B14F-4D97-AF65-F5344CB8AC3E}">
-        <p14:creationId xmlns:p14="http://schemas.microsoft.com/office/powerpoint/2010/main" val="3733634116"/>
+        <p14:creationId xmlns:p14="http://schemas.microsoft.com/office/powerpoint/2010/main" val="684134583"/>
       </p:ext>
     </p:extLst>
   </p:cSld>
@@ -3569,266 +4411,6 @@
           <p:cNvPr id="2" name="Title 1">
             <a:extLst>
               <a:ext uri="{FF2B5EF4-FFF2-40B4-BE49-F238E27FC236}">
-                <a16:creationId xmlns:a16="http://schemas.microsoft.com/office/drawing/2014/main" id="{5CCE5219-BA2A-441E-8452-F80006D64435}"/>
-              </a:ext>
-            </a:extLst>
-          </p:cNvPr>
-          <p:cNvSpPr>
-            <a:spLocks noGrp="1"/>
-          </p:cNvSpPr>
-          <p:nvPr>
-            <p:ph type="title"/>
-          </p:nvPr>
-        </p:nvSpPr>
-        <p:spPr/>
-        <p:txBody>
-          <a:bodyPr/>
-          <a:lstStyle/>
-          <a:p>
-            <a:r>
-              <a:rPr lang="en-US" i="1" dirty="0"/>
-              <a:t>Microsoft Visual Studios</a:t>
-            </a:r>
-          </a:p>
-        </p:txBody>
-      </p:sp>
-      <p:sp>
-        <p:nvSpPr>
-          <p:cNvPr id="4" name="TextBox 3">
-            <a:extLst>
-              <a:ext uri="{FF2B5EF4-FFF2-40B4-BE49-F238E27FC236}">
-                <a16:creationId xmlns:a16="http://schemas.microsoft.com/office/drawing/2014/main" id="{35FEDF86-0880-4749-A49F-7F0519121EA1}"/>
-              </a:ext>
-            </a:extLst>
-          </p:cNvPr>
-          <p:cNvSpPr txBox="1"/>
-          <p:nvPr/>
-        </p:nvSpPr>
-        <p:spPr>
-          <a:xfrm>
-            <a:off x="838200" y="1459855"/>
-            <a:ext cx="4854632" cy="461665"/>
-          </a:xfrm>
-          <a:prstGeom prst="rect">
-            <a:avLst/>
-          </a:prstGeom>
-          <a:noFill/>
-        </p:spPr>
-        <p:txBody>
-          <a:bodyPr wrap="square" rtlCol="0">
-            <a:spAutoFit/>
-          </a:bodyPr>
-          <a:lstStyle/>
-          <a:p>
-            <a:r>
-              <a:rPr lang="en-US" sz="2400" b="1" dirty="0"/>
-              <a:t>Offers</a:t>
-            </a:r>
-          </a:p>
-        </p:txBody>
-      </p:sp>
-      <p:sp>
-        <p:nvSpPr>
-          <p:cNvPr id="5" name="TextBox 4">
-            <a:extLst>
-              <a:ext uri="{FF2B5EF4-FFF2-40B4-BE49-F238E27FC236}">
-                <a16:creationId xmlns:a16="http://schemas.microsoft.com/office/drawing/2014/main" id="{A3EA6AC5-0CE2-4683-A8B0-BE5E4C26EFF2}"/>
-              </a:ext>
-            </a:extLst>
-          </p:cNvPr>
-          <p:cNvSpPr txBox="1"/>
-          <p:nvPr/>
-        </p:nvSpPr>
-        <p:spPr>
-          <a:xfrm>
-            <a:off x="838200" y="1921520"/>
-            <a:ext cx="4854632" cy="1846659"/>
-          </a:xfrm>
-          <a:prstGeom prst="rect">
-            <a:avLst/>
-          </a:prstGeom>
-          <a:noFill/>
-        </p:spPr>
-        <p:txBody>
-          <a:bodyPr wrap="square" rtlCol="0">
-            <a:spAutoFit/>
-          </a:bodyPr>
-          <a:lstStyle/>
-          <a:p>
-            <a:pPr marL="285750" indent="-285750">
-              <a:buFont typeface="Arial" panose="020B0604020202020204" pitchFamily="34" charset="0"/>
-              <a:buChar char="•"/>
-            </a:pPr>
-            <a:r>
-              <a:rPr lang="en-US" sz="2400" dirty="0"/>
-              <a:t>.NET</a:t>
-            </a:r>
-          </a:p>
-          <a:p>
-            <a:pPr marL="285750" indent="-285750">
-              <a:buFont typeface="Arial" panose="020B0604020202020204" pitchFamily="34" charset="0"/>
-              <a:buChar char="•"/>
-            </a:pPr>
-            <a:r>
-              <a:rPr lang="en-US" sz="2400" dirty="0"/>
-              <a:t>Azure</a:t>
-            </a:r>
-          </a:p>
-          <a:p>
-            <a:pPr marL="285750" indent="-285750">
-              <a:buFont typeface="Arial" panose="020B0604020202020204" pitchFamily="34" charset="0"/>
-              <a:buChar char="•"/>
-            </a:pPr>
-            <a:r>
-              <a:rPr lang="en-US" sz="2400" dirty="0"/>
-              <a:t>Xamarin</a:t>
-            </a:r>
-          </a:p>
-          <a:p>
-            <a:pPr marL="285750" indent="-285750">
-              <a:buFont typeface="Arial" panose="020B0604020202020204" pitchFamily="34" charset="0"/>
-              <a:buChar char="•"/>
-            </a:pPr>
-            <a:endParaRPr lang="en-US" sz="2400" dirty="0"/>
-          </a:p>
-          <a:p>
-            <a:pPr marL="285750" indent="-285750">
-              <a:buFont typeface="Arial" panose="020B0604020202020204" pitchFamily="34" charset="0"/>
-              <a:buChar char="•"/>
-            </a:pPr>
-            <a:endParaRPr lang="en-US" dirty="0"/>
-          </a:p>
-        </p:txBody>
-      </p:sp>
-      <p:sp>
-        <p:nvSpPr>
-          <p:cNvPr id="6" name="TextBox 5">
-            <a:extLst>
-              <a:ext uri="{FF2B5EF4-FFF2-40B4-BE49-F238E27FC236}">
-                <a16:creationId xmlns:a16="http://schemas.microsoft.com/office/drawing/2014/main" id="{8F86A966-F811-4A4D-B19F-68A087362C7D}"/>
-              </a:ext>
-            </a:extLst>
-          </p:cNvPr>
-          <p:cNvSpPr txBox="1"/>
-          <p:nvPr/>
-        </p:nvSpPr>
-        <p:spPr>
-          <a:xfrm>
-            <a:off x="5692832" y="1506021"/>
-            <a:ext cx="2377440" cy="461665"/>
-          </a:xfrm>
-          <a:prstGeom prst="rect">
-            <a:avLst/>
-          </a:prstGeom>
-          <a:noFill/>
-        </p:spPr>
-        <p:txBody>
-          <a:bodyPr wrap="square" rtlCol="0">
-            <a:spAutoFit/>
-          </a:bodyPr>
-          <a:lstStyle/>
-          <a:p>
-            <a:r>
-              <a:rPr lang="en-US" sz="2400" b="1" dirty="0"/>
-              <a:t>How it affects us</a:t>
-            </a:r>
-          </a:p>
-        </p:txBody>
-      </p:sp>
-      <p:sp>
-        <p:nvSpPr>
-          <p:cNvPr id="7" name="TextBox 6">
-            <a:extLst>
-              <a:ext uri="{FF2B5EF4-FFF2-40B4-BE49-F238E27FC236}">
-                <a16:creationId xmlns:a16="http://schemas.microsoft.com/office/drawing/2014/main" id="{BF1449ED-421C-4F50-BEDE-C556AAD105AD}"/>
-              </a:ext>
-            </a:extLst>
-          </p:cNvPr>
-          <p:cNvSpPr txBox="1"/>
-          <p:nvPr/>
-        </p:nvSpPr>
-        <p:spPr>
-          <a:xfrm>
-            <a:off x="5692832" y="1967686"/>
-            <a:ext cx="4560916" cy="2308324"/>
-          </a:xfrm>
-          <a:prstGeom prst="rect">
-            <a:avLst/>
-          </a:prstGeom>
-          <a:noFill/>
-        </p:spPr>
-        <p:txBody>
-          <a:bodyPr wrap="square" rtlCol="0">
-            <a:spAutoFit/>
-          </a:bodyPr>
-          <a:lstStyle/>
-          <a:p>
-            <a:pPr marL="285750" indent="-285750">
-              <a:buFont typeface="Arial" panose="020B0604020202020204" pitchFamily="34" charset="0"/>
-              <a:buChar char="•"/>
-            </a:pPr>
-            <a:r>
-              <a:rPr lang="en-US" sz="2400" dirty="0"/>
-              <a:t>.NET provides Cross Platform </a:t>
-            </a:r>
-          </a:p>
-          <a:p>
-            <a:pPr marL="285750" indent="-285750">
-              <a:buFont typeface="Arial" panose="020B0604020202020204" pitchFamily="34" charset="0"/>
-              <a:buChar char="•"/>
-            </a:pPr>
-            <a:r>
-              <a:rPr lang="en-US" sz="2400" dirty="0"/>
-              <a:t>Azure allows secure remote connection to database</a:t>
-            </a:r>
-          </a:p>
-          <a:p>
-            <a:pPr marL="285750" indent="-285750">
-              <a:buFont typeface="Arial" panose="020B0604020202020204" pitchFamily="34" charset="0"/>
-              <a:buChar char="•"/>
-            </a:pPr>
-            <a:r>
-              <a:rPr lang="en-US" sz="2400" dirty="0"/>
-              <a:t>Xamarin offers more functions and can capture mobile functions.</a:t>
-            </a:r>
-          </a:p>
-        </p:txBody>
-      </p:sp>
-    </p:spTree>
-    <p:extLst>
-      <p:ext uri="{BB962C8B-B14F-4D97-AF65-F5344CB8AC3E}">
-        <p14:creationId xmlns:p14="http://schemas.microsoft.com/office/powerpoint/2010/main" val="684134583"/>
-      </p:ext>
-    </p:extLst>
-  </p:cSld>
-  <p:clrMapOvr>
-    <a:masterClrMapping/>
-  </p:clrMapOvr>
-</p:sld>
-</file>
-
-<file path=ppt/slides/slide12.xml><?xml version="1.0" encoding="utf-8"?>
-<p:sld xmlns:a="http://schemas.openxmlformats.org/drawingml/2006/main" xmlns:r="http://schemas.openxmlformats.org/officeDocument/2006/relationships" xmlns:p="http://schemas.openxmlformats.org/presentationml/2006/main">
-  <p:cSld>
-    <p:spTree>
-      <p:nvGrpSpPr>
-        <p:cNvPr id="1" name=""/>
-        <p:cNvGrpSpPr/>
-        <p:nvPr/>
-      </p:nvGrpSpPr>
-      <p:grpSpPr>
-        <a:xfrm>
-          <a:off x="0" y="0"/>
-          <a:ext cx="0" cy="0"/>
-          <a:chOff x="0" y="0"/>
-          <a:chExt cx="0" cy="0"/>
-        </a:xfrm>
-      </p:grpSpPr>
-      <p:sp>
-        <p:nvSpPr>
-          <p:cNvPr id="2" name="Title 1">
-            <a:extLst>
-              <a:ext uri="{FF2B5EF4-FFF2-40B4-BE49-F238E27FC236}">
                 <a16:creationId xmlns:a16="http://schemas.microsoft.com/office/drawing/2014/main" id="{7537AEA4-F075-4576-B563-32CA4945037C}"/>
               </a:ext>
             </a:extLst>
@@ -3908,7 +4490,7 @@
 </p:sld>
 </file>
 
-<file path=ppt/slides/slide13.xml><?xml version="1.0" encoding="utf-8"?>
+<file path=ppt/slides/slide12.xml><?xml version="1.0" encoding="utf-8"?>
 <p:sld xmlns:a="http://schemas.openxmlformats.org/drawingml/2006/main" xmlns:r="http://schemas.openxmlformats.org/officeDocument/2006/relationships" xmlns:p="http://schemas.openxmlformats.org/presentationml/2006/main">
   <p:cSld>
     <p:spTree>
@@ -4144,7 +4726,7 @@
           <p:cNvPr id="2" name="Title 1">
             <a:extLst>
               <a:ext uri="{FF2B5EF4-FFF2-40B4-BE49-F238E27FC236}">
-                <a16:creationId xmlns:a16="http://schemas.microsoft.com/office/drawing/2014/main" id="{CAC786BC-379A-49E8-A3CE-2C1AD529D1BB}"/>
+                <a16:creationId xmlns:a16="http://schemas.microsoft.com/office/drawing/2014/main" id="{79C571FD-DFB4-4F2E-8442-3A9C3AE15938}"/>
               </a:ext>
             </a:extLst>
           </p:cNvPr>
@@ -4170,147 +4752,57 @@
       </p:sp>
       <p:sp>
         <p:nvSpPr>
-          <p:cNvPr id="3" name="Text Placeholder 2">
-            <a:extLst>
-              <a:ext uri="{FF2B5EF4-FFF2-40B4-BE49-F238E27FC236}">
-                <a16:creationId xmlns:a16="http://schemas.microsoft.com/office/drawing/2014/main" id="{6556028A-A717-4DCE-A52B-F596104992D9}"/>
-              </a:ext>
-            </a:extLst>
-          </p:cNvPr>
-          <p:cNvSpPr>
-            <a:spLocks noGrp="1"/>
-          </p:cNvSpPr>
-          <p:nvPr>
-            <p:ph type="body" idx="1"/>
-          </p:nvPr>
-        </p:nvSpPr>
-        <p:spPr/>
-        <p:txBody>
-          <a:bodyPr/>
-          <a:lstStyle/>
-          <a:p>
-            <a:r>
-              <a:rPr lang="en-US" dirty="0"/>
-              <a:t>Governs</a:t>
-            </a:r>
-          </a:p>
-        </p:txBody>
-      </p:sp>
-      <p:sp>
-        <p:nvSpPr>
-          <p:cNvPr id="4" name="Content Placeholder 3">
-            <a:extLst>
-              <a:ext uri="{FF2B5EF4-FFF2-40B4-BE49-F238E27FC236}">
-                <a16:creationId xmlns:a16="http://schemas.microsoft.com/office/drawing/2014/main" id="{A5112BE1-3A18-4843-AD80-6D737A577A7F}"/>
-              </a:ext>
-            </a:extLst>
-          </p:cNvPr>
-          <p:cNvSpPr>
-            <a:spLocks noGrp="1"/>
-          </p:cNvSpPr>
-          <p:nvPr>
-            <p:ph sz="half" idx="2"/>
-          </p:nvPr>
-        </p:nvSpPr>
-        <p:spPr/>
-        <p:txBody>
-          <a:bodyPr/>
-          <a:lstStyle/>
-          <a:p>
-            <a:r>
-              <a:rPr lang="en-US" dirty="0"/>
-              <a:t>Student Information Handling Procedures </a:t>
-            </a:r>
-          </a:p>
-          <a:p>
-            <a:r>
-              <a:rPr lang="en-US" dirty="0"/>
-              <a:t>Security Minimums on Information Storage</a:t>
-            </a:r>
-          </a:p>
-          <a:p>
-            <a:r>
-              <a:rPr lang="en-US" dirty="0"/>
-              <a:t>Data Access Requirement Minimums</a:t>
-            </a:r>
-          </a:p>
-          <a:p>
-            <a:pPr marL="0" indent="0">
-              <a:buNone/>
-            </a:pPr>
+          <p:cNvPr id="3" name="Content Placeholder 2">
+            <a:extLst>
+              <a:ext uri="{FF2B5EF4-FFF2-40B4-BE49-F238E27FC236}">
+                <a16:creationId xmlns:a16="http://schemas.microsoft.com/office/drawing/2014/main" id="{946CC509-B363-4853-B58E-B8A4B205BDE9}"/>
+              </a:ext>
+            </a:extLst>
+          </p:cNvPr>
+          <p:cNvSpPr>
+            <a:spLocks noGrp="1"/>
+          </p:cNvSpPr>
+          <p:nvPr>
+            <p:ph idx="1"/>
+          </p:nvPr>
+        </p:nvSpPr>
+        <p:spPr/>
+        <p:txBody>
+          <a:bodyPr/>
+          <a:lstStyle/>
+          <a:p>
+            <a:r>
+              <a:rPr lang="en-US" dirty="0"/>
+              <a:t>Establishes Student Information Handling Procedures </a:t>
+            </a:r>
+          </a:p>
+          <a:p>
+            <a:r>
+              <a:rPr lang="en-US" dirty="0"/>
+              <a:t>Sets Security Minimums on Student Information Storage</a:t>
+            </a:r>
+          </a:p>
+          <a:p>
+            <a:r>
+              <a:rPr lang="en-US" dirty="0"/>
+              <a:t>Sets Data Access Security Requirement Minimums</a:t>
+            </a:r>
+          </a:p>
+          <a:p>
+            <a:r>
+              <a:rPr lang="en-US" dirty="0"/>
+              <a:t>The final say on what kosher when it comes to student information</a:t>
+            </a:r>
+          </a:p>
+          <a:p>
             <a:endParaRPr lang="en-US" dirty="0"/>
-          </a:p>
-          <a:p>
-            <a:endParaRPr lang="en-US" dirty="0"/>
-          </a:p>
-        </p:txBody>
-      </p:sp>
-      <p:sp>
-        <p:nvSpPr>
-          <p:cNvPr id="5" name="Text Placeholder 4">
-            <a:extLst>
-              <a:ext uri="{FF2B5EF4-FFF2-40B4-BE49-F238E27FC236}">
-                <a16:creationId xmlns:a16="http://schemas.microsoft.com/office/drawing/2014/main" id="{A965EBF9-E242-4A05-9F24-344E03993DD5}"/>
-              </a:ext>
-            </a:extLst>
-          </p:cNvPr>
-          <p:cNvSpPr>
-            <a:spLocks noGrp="1"/>
-          </p:cNvSpPr>
-          <p:nvPr>
-            <p:ph type="body" sz="quarter" idx="3"/>
-          </p:nvPr>
-        </p:nvSpPr>
-        <p:spPr/>
-        <p:txBody>
-          <a:bodyPr/>
-          <a:lstStyle/>
-          <a:p>
-            <a:r>
-              <a:rPr lang="en-US" dirty="0"/>
-              <a:t>Affect on us </a:t>
-            </a:r>
-          </a:p>
-        </p:txBody>
-      </p:sp>
-      <p:sp>
-        <p:nvSpPr>
-          <p:cNvPr id="6" name="Content Placeholder 5">
-            <a:extLst>
-              <a:ext uri="{FF2B5EF4-FFF2-40B4-BE49-F238E27FC236}">
-                <a16:creationId xmlns:a16="http://schemas.microsoft.com/office/drawing/2014/main" id="{243C43AF-131C-4ED2-872F-31927045F7F7}"/>
-              </a:ext>
-            </a:extLst>
-          </p:cNvPr>
-          <p:cNvSpPr>
-            <a:spLocks noGrp="1"/>
-          </p:cNvSpPr>
-          <p:nvPr>
-            <p:ph sz="quarter" idx="4"/>
-          </p:nvPr>
-        </p:nvSpPr>
-        <p:spPr/>
-        <p:txBody>
-          <a:bodyPr/>
-          <a:lstStyle/>
-          <a:p>
-            <a:r>
-              <a:rPr lang="en-US" dirty="0"/>
-              <a:t>The Application Will Be Handling Accounts Tied University Students and Staff </a:t>
-            </a:r>
-          </a:p>
-          <a:p>
-            <a:r>
-              <a:rPr lang="en-US" dirty="0"/>
-              <a:t>It Would Be Preferable To Piggyback Off the North Dakota University System (NDUS) Account System </a:t>
-            </a:r>
           </a:p>
         </p:txBody>
       </p:sp>
     </p:spTree>
     <p:extLst>
       <p:ext uri="{BB962C8B-B14F-4D97-AF65-F5344CB8AC3E}">
-        <p14:creationId xmlns:p14="http://schemas.microsoft.com/office/powerpoint/2010/main" val="253005195"/>
+        <p14:creationId xmlns:p14="http://schemas.microsoft.com/office/powerpoint/2010/main" val="1968517323"/>
       </p:ext>
     </p:extLst>
   </p:cSld>
@@ -4342,7 +4834,7 @@
           <p:cNvPr id="2" name="Title 1">
             <a:extLst>
               <a:ext uri="{FF2B5EF4-FFF2-40B4-BE49-F238E27FC236}">
-                <a16:creationId xmlns:a16="http://schemas.microsoft.com/office/drawing/2014/main" id="{34800167-FD47-4A27-BEA4-CD368B38B115}"/>
+                <a16:creationId xmlns:a16="http://schemas.microsoft.com/office/drawing/2014/main" id="{7C50C541-4189-4126-A522-DACC1E59B6B1}"/>
               </a:ext>
             </a:extLst>
           </p:cNvPr>
@@ -4360,7 +4852,7 @@
           <a:p>
             <a:r>
               <a:rPr lang="en-US" dirty="0"/>
-              <a:t>SQL Security Pit Falls (article)</a:t>
+              <a:t>THD Mobile (Application)</a:t>
             </a:r>
           </a:p>
         </p:txBody>
@@ -4370,7 +4862,7 @@
           <p:cNvPr id="3" name="Text Placeholder 2">
             <a:extLst>
               <a:ext uri="{FF2B5EF4-FFF2-40B4-BE49-F238E27FC236}">
-                <a16:creationId xmlns:a16="http://schemas.microsoft.com/office/drawing/2014/main" id="{44873493-9DCC-43A4-978C-A37CACBC786C}"/>
+                <a16:creationId xmlns:a16="http://schemas.microsoft.com/office/drawing/2014/main" id="{78383CFF-948F-47A9-ADBF-2989635B28AE}"/>
               </a:ext>
             </a:extLst>
           </p:cNvPr>
@@ -4388,7 +4880,7 @@
           <a:p>
             <a:r>
               <a:rPr lang="en-US" dirty="0"/>
-              <a:t>Covers</a:t>
+              <a:t>Uses</a:t>
             </a:r>
           </a:p>
         </p:txBody>
@@ -4398,7 +4890,7 @@
           <p:cNvPr id="4" name="Content Placeholder 3">
             <a:extLst>
               <a:ext uri="{FF2B5EF4-FFF2-40B4-BE49-F238E27FC236}">
-                <a16:creationId xmlns:a16="http://schemas.microsoft.com/office/drawing/2014/main" id="{003FFD00-4BC9-4E9D-96A1-EF72E5003706}"/>
+                <a16:creationId xmlns:a16="http://schemas.microsoft.com/office/drawing/2014/main" id="{7850CBD6-9C4C-472E-8A11-F10611121523}"/>
               </a:ext>
             </a:extLst>
           </p:cNvPr>
@@ -4416,8 +4908,26 @@
           <a:p>
             <a:r>
               <a:rPr lang="en-US" dirty="0"/>
-              <a:t>Highlights Comin Points of Security Failure for SQL Servers </a:t>
-            </a:r>
+              <a:t>Inventory Tracking App Used by Housing  </a:t>
+            </a:r>
+          </a:p>
+          <a:p>
+            <a:r>
+              <a:rPr lang="en-US" dirty="0"/>
+              <a:t>A commercial Product Customized for the University</a:t>
+            </a:r>
+          </a:p>
+          <a:p>
+            <a:pPr marL="0" indent="0">
+              <a:buNone/>
+            </a:pPr>
+            <a:r>
+              <a:rPr lang="en-US" dirty="0"/>
+              <a:t> </a:t>
+            </a:r>
+          </a:p>
+          <a:p>
+            <a:endParaRPr lang="en-US" dirty="0"/>
           </a:p>
         </p:txBody>
       </p:sp>
@@ -4426,7 +4936,7 @@
           <p:cNvPr id="5" name="Text Placeholder 4">
             <a:extLst>
               <a:ext uri="{FF2B5EF4-FFF2-40B4-BE49-F238E27FC236}">
-                <a16:creationId xmlns:a16="http://schemas.microsoft.com/office/drawing/2014/main" id="{81E02D4E-6F66-4166-BD7B-168A6D68CA3E}"/>
+                <a16:creationId xmlns:a16="http://schemas.microsoft.com/office/drawing/2014/main" id="{D7561C5D-B53D-4A9D-8BD7-A7690EDBCA4F}"/>
               </a:ext>
             </a:extLst>
           </p:cNvPr>
@@ -4444,7 +4954,7 @@
           <a:p>
             <a:r>
               <a:rPr lang="en-US" dirty="0"/>
-              <a:t>Affect on us</a:t>
+              <a:t>Acts as an example of:</a:t>
             </a:r>
           </a:p>
         </p:txBody>
@@ -4454,7 +4964,7 @@
           <p:cNvPr id="6" name="Content Placeholder 5">
             <a:extLst>
               <a:ext uri="{FF2B5EF4-FFF2-40B4-BE49-F238E27FC236}">
-                <a16:creationId xmlns:a16="http://schemas.microsoft.com/office/drawing/2014/main" id="{CEAC036E-BCB6-4A4A-86C0-0ACB51952F3D}"/>
+                <a16:creationId xmlns:a16="http://schemas.microsoft.com/office/drawing/2014/main" id="{779AC2AA-C062-42F2-A7A9-5E6408607114}"/>
               </a:ext>
             </a:extLst>
           </p:cNvPr>
@@ -4472,27 +4982,36 @@
           <a:p>
             <a:r>
               <a:rPr lang="en-US" dirty="0"/>
-              <a:t>The Applications Backend Will Be a SQL Server Bring </a:t>
-            </a:r>
-          </a:p>
-          <a:p>
-            <a:r>
-              <a:rPr lang="en-US" dirty="0"/>
-              <a:t>Knowing Possible Points Of Failure Allows For Countermeasures to be taken</a:t>
-            </a:r>
-          </a:p>
-          <a:p>
-            <a:r>
-              <a:rPr lang="en-US" dirty="0"/>
-              <a:t>Some Features Carry Security Requirements </a:t>
-            </a:r>
+              <a:t>User Quality of Life Failures </a:t>
+            </a:r>
+          </a:p>
+          <a:p>
+            <a:r>
+              <a:rPr lang="en-US" dirty="0"/>
+              <a:t>UI Design Form Vs. Function</a:t>
+            </a:r>
+          </a:p>
+          <a:p>
+            <a:r>
+              <a:rPr lang="en-US" dirty="0"/>
+              <a:t>Successes and Failures of Information Persistence Between Screens</a:t>
+            </a:r>
+          </a:p>
+          <a:p>
+            <a:r>
+              <a:rPr lang="en-US" dirty="0"/>
+              <a:t>Task Designed for Vs. Task Used for</a:t>
+            </a:r>
+          </a:p>
+          <a:p>
+            <a:endParaRPr lang="en-US" dirty="0"/>
           </a:p>
         </p:txBody>
       </p:sp>
     </p:spTree>
     <p:extLst>
       <p:ext uri="{BB962C8B-B14F-4D97-AF65-F5344CB8AC3E}">
-        <p14:creationId xmlns:p14="http://schemas.microsoft.com/office/powerpoint/2010/main" val="2929340456"/>
+        <p14:creationId xmlns:p14="http://schemas.microsoft.com/office/powerpoint/2010/main" val="1851164292"/>
       </p:ext>
     </p:extLst>
   </p:cSld>
@@ -4524,7 +5043,7 @@
           <p:cNvPr id="2" name="Title 1">
             <a:extLst>
               <a:ext uri="{FF2B5EF4-FFF2-40B4-BE49-F238E27FC236}">
-                <a16:creationId xmlns:a16="http://schemas.microsoft.com/office/drawing/2014/main" id="{7C50C541-4189-4126-A522-DACC1E59B6B1}"/>
+                <a16:creationId xmlns:a16="http://schemas.microsoft.com/office/drawing/2014/main" id="{8249F8EF-1D0A-4F82-8B09-5C64B1D9E913}"/>
               </a:ext>
             </a:extLst>
           </p:cNvPr>
@@ -4542,166 +5061,63 @@
           <a:p>
             <a:r>
               <a:rPr lang="en-US" dirty="0"/>
-              <a:t>THD Mobile (Application)</a:t>
-            </a:r>
-          </a:p>
-        </p:txBody>
-      </p:sp>
-      <p:sp>
-        <p:nvSpPr>
-          <p:cNvPr id="3" name="Text Placeholder 2">
-            <a:extLst>
-              <a:ext uri="{FF2B5EF4-FFF2-40B4-BE49-F238E27FC236}">
-                <a16:creationId xmlns:a16="http://schemas.microsoft.com/office/drawing/2014/main" id="{78383CFF-948F-47A9-ADBF-2989635B28AE}"/>
-              </a:ext>
-            </a:extLst>
-          </p:cNvPr>
-          <p:cNvSpPr>
-            <a:spLocks noGrp="1"/>
-          </p:cNvSpPr>
-          <p:nvPr>
-            <p:ph type="body" idx="1"/>
-          </p:nvPr>
-        </p:nvSpPr>
-        <p:spPr/>
-        <p:txBody>
-          <a:bodyPr/>
-          <a:lstStyle/>
-          <a:p>
-            <a:r>
-              <a:rPr lang="en-US" dirty="0"/>
-              <a:t>Uses</a:t>
-            </a:r>
-          </a:p>
-        </p:txBody>
-      </p:sp>
-      <p:sp>
-        <p:nvSpPr>
-          <p:cNvPr id="4" name="Content Placeholder 3">
-            <a:extLst>
-              <a:ext uri="{FF2B5EF4-FFF2-40B4-BE49-F238E27FC236}">
-                <a16:creationId xmlns:a16="http://schemas.microsoft.com/office/drawing/2014/main" id="{7850CBD6-9C4C-472E-8A11-F10611121523}"/>
-              </a:ext>
-            </a:extLst>
-          </p:cNvPr>
-          <p:cNvSpPr>
-            <a:spLocks noGrp="1"/>
-          </p:cNvSpPr>
-          <p:nvPr>
-            <p:ph sz="half" idx="2"/>
-          </p:nvPr>
-        </p:nvSpPr>
-        <p:spPr/>
-        <p:txBody>
-          <a:bodyPr/>
-          <a:lstStyle/>
-          <a:p>
-            <a:r>
-              <a:rPr lang="en-US" dirty="0"/>
-              <a:t>Inventory Tracking App Used by Housing  </a:t>
-            </a:r>
-          </a:p>
-          <a:p>
-            <a:r>
-              <a:rPr lang="en-US" dirty="0"/>
-              <a:t>A commercial Product Customized for the University</a:t>
-            </a:r>
-          </a:p>
-          <a:p>
-            <a:pPr marL="0" indent="0">
-              <a:buNone/>
-            </a:pPr>
-            <a:r>
-              <a:rPr lang="en-US" dirty="0"/>
-              <a:t> </a:t>
-            </a:r>
-          </a:p>
-          <a:p>
+              <a:t>SQL Security Pit Falls + </a:t>
+            </a:r>
+            <a:br>
+              <a:rPr lang="en-US" dirty="0"/>
+            </a:br>
+            <a:r>
+              <a:rPr lang="en-US" i="1" dirty="0"/>
+              <a:t>SQL feature Documentation</a:t>
+            </a:r>
             <a:endParaRPr lang="en-US" dirty="0"/>
           </a:p>
         </p:txBody>
       </p:sp>
       <p:sp>
         <p:nvSpPr>
-          <p:cNvPr id="5" name="Text Placeholder 4">
-            <a:extLst>
-              <a:ext uri="{FF2B5EF4-FFF2-40B4-BE49-F238E27FC236}">
-                <a16:creationId xmlns:a16="http://schemas.microsoft.com/office/drawing/2014/main" id="{D7561C5D-B53D-4A9D-8BD7-A7690EDBCA4F}"/>
-              </a:ext>
-            </a:extLst>
-          </p:cNvPr>
-          <p:cNvSpPr>
-            <a:spLocks noGrp="1"/>
-          </p:cNvSpPr>
-          <p:nvPr>
-            <p:ph type="body" sz="quarter" idx="3"/>
-          </p:nvPr>
-        </p:nvSpPr>
-        <p:spPr/>
-        <p:txBody>
-          <a:bodyPr/>
-          <a:lstStyle/>
-          <a:p>
-            <a:r>
-              <a:rPr lang="en-US" dirty="0"/>
-              <a:t>Acts as an example of:</a:t>
-            </a:r>
-          </a:p>
-        </p:txBody>
-      </p:sp>
-      <p:sp>
-        <p:nvSpPr>
-          <p:cNvPr id="6" name="Content Placeholder 5">
-            <a:extLst>
-              <a:ext uri="{FF2B5EF4-FFF2-40B4-BE49-F238E27FC236}">
-                <a16:creationId xmlns:a16="http://schemas.microsoft.com/office/drawing/2014/main" id="{779AC2AA-C062-42F2-A7A9-5E6408607114}"/>
-              </a:ext>
-            </a:extLst>
-          </p:cNvPr>
-          <p:cNvSpPr>
-            <a:spLocks noGrp="1"/>
-          </p:cNvSpPr>
-          <p:nvPr>
-            <p:ph sz="quarter" idx="4"/>
-          </p:nvPr>
-        </p:nvSpPr>
-        <p:spPr/>
-        <p:txBody>
-          <a:bodyPr/>
-          <a:lstStyle/>
-          <a:p>
-            <a:r>
-              <a:rPr lang="en-US" dirty="0"/>
-              <a:t>User Quality of Life Failures </a:t>
-            </a:r>
-          </a:p>
-          <a:p>
-            <a:r>
-              <a:rPr lang="en-US" dirty="0"/>
-              <a:t>UI Design Form Vs. Function</a:t>
-            </a:r>
-          </a:p>
-          <a:p>
-            <a:r>
-              <a:rPr lang="en-US" dirty="0"/>
-              <a:t>Successes and Failures of Information Persistence Between Screens</a:t>
-            </a:r>
-          </a:p>
-          <a:p>
-            <a:r>
-              <a:rPr lang="en-US" dirty="0"/>
-              <a:t>Task Designed for Vs. Task Used for</a:t>
-            </a:r>
-          </a:p>
-          <a:p>
-            <a:endParaRPr lang="en-US" dirty="0"/>
+          <p:cNvPr id="3" name="Content Placeholder 2">
+            <a:extLst>
+              <a:ext uri="{FF2B5EF4-FFF2-40B4-BE49-F238E27FC236}">
+                <a16:creationId xmlns:a16="http://schemas.microsoft.com/office/drawing/2014/main" id="{ECFC4ABF-5B1A-477F-BA66-7C0E95A4CFE3}"/>
+              </a:ext>
+            </a:extLst>
+          </p:cNvPr>
+          <p:cNvSpPr>
+            <a:spLocks noGrp="1"/>
+          </p:cNvSpPr>
+          <p:nvPr>
+            <p:ph idx="1"/>
+          </p:nvPr>
+        </p:nvSpPr>
+        <p:spPr/>
+        <p:txBody>
+          <a:bodyPr/>
+          <a:lstStyle/>
+          <a:p>
+            <a:r>
+              <a:rPr lang="en-US" dirty="0"/>
+              <a:t>The security pit falls articles highlights common points of security failure for SQL servers </a:t>
+            </a:r>
+          </a:p>
+          <a:p>
+            <a:r>
+              <a:rPr lang="en-US" dirty="0"/>
+              <a:t>SQL feature documentation allows us to build in countermeasures to the pit falls highlighted by the articles.</a:t>
+            </a:r>
+          </a:p>
+          <a:p>
+            <a:r>
+              <a:rPr lang="en-US" dirty="0"/>
+              <a:t>Building in countermeasures allows us to comply with FERPA</a:t>
+            </a:r>
           </a:p>
         </p:txBody>
       </p:sp>
     </p:spTree>
     <p:extLst>
       <p:ext uri="{BB962C8B-B14F-4D97-AF65-F5344CB8AC3E}">
-        <p14:creationId xmlns:p14="http://schemas.microsoft.com/office/powerpoint/2010/main" val="1851164292"/>
+        <p14:creationId xmlns:p14="http://schemas.microsoft.com/office/powerpoint/2010/main" val="2970206587"/>
       </p:ext>
     </p:extLst>
   </p:cSld>
@@ -4733,7 +5149,7 @@
           <p:cNvPr id="2" name="Title 1">
             <a:extLst>
               <a:ext uri="{FF2B5EF4-FFF2-40B4-BE49-F238E27FC236}">
-                <a16:creationId xmlns:a16="http://schemas.microsoft.com/office/drawing/2014/main" id="{83DD9894-5F0E-40BC-8759-C1EADF6E2078}"/>
+                <a16:creationId xmlns:a16="http://schemas.microsoft.com/office/drawing/2014/main" id="{D6F1348D-05FB-46C4-ACEC-360A0273D052}"/>
               </a:ext>
             </a:extLst>
           </p:cNvPr>
@@ -4750,146 +5166,60 @@
           <a:lstStyle/>
           <a:p>
             <a:r>
-              <a:rPr lang="en-US" i="1" dirty="0"/>
-              <a:t>SQL feature Documentation</a:t>
-            </a:r>
-            <a:endParaRPr lang="en-US" dirty="0"/>
-          </a:p>
-        </p:txBody>
-      </p:sp>
-      <p:sp>
-        <p:nvSpPr>
-          <p:cNvPr id="3" name="Text Placeholder 2">
-            <a:extLst>
-              <a:ext uri="{FF2B5EF4-FFF2-40B4-BE49-F238E27FC236}">
-                <a16:creationId xmlns:a16="http://schemas.microsoft.com/office/drawing/2014/main" id="{4F757738-9431-4BA4-98CE-FE348BFD5A1A}"/>
-              </a:ext>
-            </a:extLst>
-          </p:cNvPr>
-          <p:cNvSpPr>
-            <a:spLocks noGrp="1"/>
-          </p:cNvSpPr>
-          <p:nvPr>
-            <p:ph type="body" idx="1"/>
-          </p:nvPr>
-        </p:nvSpPr>
-        <p:spPr/>
-        <p:txBody>
-          <a:bodyPr/>
-          <a:lstStyle/>
-          <a:p>
-            <a:r>
-              <a:rPr lang="en-US" dirty="0"/>
-              <a:t>Covers</a:t>
-            </a:r>
-          </a:p>
-        </p:txBody>
-      </p:sp>
-      <p:sp>
-        <p:nvSpPr>
-          <p:cNvPr id="4" name="Content Placeholder 3">
-            <a:extLst>
-              <a:ext uri="{FF2B5EF4-FFF2-40B4-BE49-F238E27FC236}">
-                <a16:creationId xmlns:a16="http://schemas.microsoft.com/office/drawing/2014/main" id="{990DC752-4349-4D96-A68E-DA1B62EF56CD}"/>
-              </a:ext>
-            </a:extLst>
-          </p:cNvPr>
-          <p:cNvSpPr>
-            <a:spLocks noGrp="1"/>
-          </p:cNvSpPr>
-          <p:nvPr>
-            <p:ph sz="half" idx="2"/>
-          </p:nvPr>
-        </p:nvSpPr>
-        <p:spPr/>
-        <p:txBody>
-          <a:bodyPr/>
-          <a:lstStyle/>
-          <a:p>
-            <a:r>
-              <a:rPr lang="en-US" dirty="0"/>
-              <a:t>All the Features Implemented in SQL </a:t>
-            </a:r>
-          </a:p>
-        </p:txBody>
-      </p:sp>
-      <p:sp>
-        <p:nvSpPr>
-          <p:cNvPr id="5" name="Text Placeholder 4">
-            <a:extLst>
-              <a:ext uri="{FF2B5EF4-FFF2-40B4-BE49-F238E27FC236}">
-                <a16:creationId xmlns:a16="http://schemas.microsoft.com/office/drawing/2014/main" id="{DBAC7B55-1450-4D6E-B6FC-AE6652D00B9E}"/>
-              </a:ext>
-            </a:extLst>
-          </p:cNvPr>
-          <p:cNvSpPr>
-            <a:spLocks noGrp="1"/>
-          </p:cNvSpPr>
-          <p:nvPr>
-            <p:ph type="body" sz="quarter" idx="3"/>
-          </p:nvPr>
-        </p:nvSpPr>
-        <p:spPr/>
-        <p:txBody>
-          <a:bodyPr/>
-          <a:lstStyle/>
-          <a:p>
-            <a:r>
-              <a:rPr lang="en-US" dirty="0"/>
-              <a:t>Affect On Us</a:t>
-            </a:r>
-          </a:p>
-        </p:txBody>
-      </p:sp>
-      <p:sp>
-        <p:nvSpPr>
-          <p:cNvPr id="6" name="Content Placeholder 5">
-            <a:extLst>
-              <a:ext uri="{FF2B5EF4-FFF2-40B4-BE49-F238E27FC236}">
-                <a16:creationId xmlns:a16="http://schemas.microsoft.com/office/drawing/2014/main" id="{723DC586-24A3-4EA5-92FB-97B859677572}"/>
-              </a:ext>
-            </a:extLst>
-          </p:cNvPr>
-          <p:cNvSpPr>
-            <a:spLocks noGrp="1"/>
-          </p:cNvSpPr>
-          <p:nvPr>
-            <p:ph sz="quarter" idx="4"/>
-          </p:nvPr>
-        </p:nvSpPr>
-        <p:spPr/>
-        <p:txBody>
-          <a:bodyPr/>
-          <a:lstStyle/>
-          <a:p>
-            <a:r>
-              <a:rPr lang="en-US" dirty="0"/>
-              <a:t>Provides the tools to be used to:</a:t>
+              <a:rPr lang="en-US" dirty="0"/>
+              <a:t>Google Vision </a:t>
+            </a:r>
+          </a:p>
+        </p:txBody>
+      </p:sp>
+      <p:sp>
+        <p:nvSpPr>
+          <p:cNvPr id="3" name="Content Placeholder 2">
+            <a:extLst>
+              <a:ext uri="{FF2B5EF4-FFF2-40B4-BE49-F238E27FC236}">
+                <a16:creationId xmlns:a16="http://schemas.microsoft.com/office/drawing/2014/main" id="{8B0C7E99-48BC-420C-BEFF-B5E376A3F59C}"/>
+              </a:ext>
+            </a:extLst>
+          </p:cNvPr>
+          <p:cNvSpPr>
+            <a:spLocks noGrp="1"/>
+          </p:cNvSpPr>
+          <p:nvPr>
+            <p:ph idx="1"/>
+          </p:nvPr>
+        </p:nvSpPr>
+        <p:spPr/>
+        <p:txBody>
+          <a:bodyPr/>
+          <a:lstStyle/>
+          <a:p>
+            <a:r>
+              <a:rPr lang="en-US" dirty="0"/>
+              <a:t>Software and API Developed by Google To Detect and Translate Visual Input Including:</a:t>
             </a:r>
           </a:p>
           <a:p>
             <a:pPr lvl="1"/>
             <a:r>
               <a:rPr lang="en-US" dirty="0"/>
-              <a:t>Connect to the application</a:t>
+              <a:t>Movement</a:t>
             </a:r>
           </a:p>
           <a:p>
             <a:pPr lvl="1"/>
             <a:r>
               <a:rPr lang="en-US" dirty="0"/>
-              <a:t>Close security holes </a:t>
+              <a:t>Fecal Reignition</a:t>
             </a:r>
           </a:p>
           <a:p>
             <a:pPr lvl="1"/>
             <a:r>
               <a:rPr lang="en-US" dirty="0"/>
-              <a:t>Connecting to the NDSU servers</a:t>
-            </a:r>
-          </a:p>
-          <a:p>
-            <a:pPr lvl="1"/>
+              <a:t>Barcodes  </a:t>
+            </a:r>
+          </a:p>
+          <a:p>
             <a:endParaRPr lang="en-US" dirty="0"/>
           </a:p>
         </p:txBody>
@@ -4897,7 +5227,7 @@
     </p:spTree>
     <p:extLst>
       <p:ext uri="{BB962C8B-B14F-4D97-AF65-F5344CB8AC3E}">
-        <p14:creationId xmlns:p14="http://schemas.microsoft.com/office/powerpoint/2010/main" val="877943192"/>
+        <p14:creationId xmlns:p14="http://schemas.microsoft.com/office/powerpoint/2010/main" val="4127931487"/>
       </p:ext>
     </p:extLst>
   </p:cSld>
@@ -4926,13 +5256,7 @@
       </p:grpSpPr>
       <p:sp>
         <p:nvSpPr>
-          <p:cNvPr id="2" name="Title 1">
-            <a:extLst>
-              <a:ext uri="{FF2B5EF4-FFF2-40B4-BE49-F238E27FC236}">
-                <a16:creationId xmlns:a16="http://schemas.microsoft.com/office/drawing/2014/main" id="{C44D3867-382A-42B4-907C-FA4696DFD077}"/>
-              </a:ext>
-            </a:extLst>
-          </p:cNvPr>
+          <p:cNvPr id="4" name="Title 3"/>
           <p:cNvSpPr>
             <a:spLocks noGrp="1"/>
           </p:cNvSpPr>
@@ -4947,168 +5271,49 @@
           <a:p>
             <a:r>
               <a:rPr lang="en-US" dirty="0"/>
-              <a:t>Google Vision </a:t>
-            </a:r>
-          </a:p>
-        </p:txBody>
-      </p:sp>
-      <p:sp>
-        <p:nvSpPr>
-          <p:cNvPr id="3" name="Text Placeholder 2">
-            <a:extLst>
-              <a:ext uri="{FF2B5EF4-FFF2-40B4-BE49-F238E27FC236}">
-                <a16:creationId xmlns:a16="http://schemas.microsoft.com/office/drawing/2014/main" id="{32B45193-11D1-4A22-B2EA-7E887073C165}"/>
-              </a:ext>
-            </a:extLst>
-          </p:cNvPr>
-          <p:cNvSpPr>
-            <a:spLocks noGrp="1"/>
-          </p:cNvSpPr>
-          <p:nvPr>
-            <p:ph type="body" idx="1"/>
-          </p:nvPr>
-        </p:nvSpPr>
-        <p:spPr/>
-        <p:txBody>
-          <a:bodyPr/>
-          <a:lstStyle/>
-          <a:p>
-            <a:r>
-              <a:rPr lang="en-US" dirty="0"/>
-              <a:t>What is it  </a:t>
-            </a:r>
-          </a:p>
-        </p:txBody>
-      </p:sp>
-      <p:sp>
-        <p:nvSpPr>
-          <p:cNvPr id="4" name="Content Placeholder 3">
-            <a:extLst>
-              <a:ext uri="{FF2B5EF4-FFF2-40B4-BE49-F238E27FC236}">
-                <a16:creationId xmlns:a16="http://schemas.microsoft.com/office/drawing/2014/main" id="{943846B8-1122-4F70-980F-5B0EC01F0399}"/>
-              </a:ext>
-            </a:extLst>
-          </p:cNvPr>
-          <p:cNvSpPr>
-            <a:spLocks noGrp="1"/>
-          </p:cNvSpPr>
-          <p:nvPr>
-            <p:ph sz="half" idx="2"/>
-          </p:nvPr>
-        </p:nvSpPr>
-        <p:spPr/>
-        <p:txBody>
-          <a:bodyPr/>
-          <a:lstStyle/>
-          <a:p>
-            <a:r>
-              <a:rPr lang="en-US" dirty="0"/>
-              <a:t>API Developed by Google To Detect and Translate Visual Input Including:</a:t>
-            </a:r>
-          </a:p>
-          <a:p>
-            <a:pPr lvl="1"/>
-            <a:r>
-              <a:rPr lang="en-US" dirty="0"/>
-              <a:t>Movement</a:t>
-            </a:r>
-          </a:p>
-          <a:p>
-            <a:pPr lvl="1"/>
-            <a:r>
-              <a:rPr lang="en-US" dirty="0"/>
-              <a:t>Fecal Reignition</a:t>
-            </a:r>
-          </a:p>
-          <a:p>
-            <a:pPr lvl="1"/>
-            <a:r>
-              <a:rPr lang="en-US" dirty="0"/>
-              <a:t>Barcodes  </a:t>
-            </a:r>
-          </a:p>
-          <a:p>
-            <a:pPr lvl="1"/>
-            <a:endParaRPr lang="en-US" dirty="0"/>
-          </a:p>
-          <a:p>
-            <a:pPr lvl="1"/>
-            <a:endParaRPr lang="en-US" dirty="0"/>
-          </a:p>
-        </p:txBody>
-      </p:sp>
-      <p:sp>
-        <p:nvSpPr>
-          <p:cNvPr id="5" name="Text Placeholder 4">
-            <a:extLst>
-              <a:ext uri="{FF2B5EF4-FFF2-40B4-BE49-F238E27FC236}">
-                <a16:creationId xmlns:a16="http://schemas.microsoft.com/office/drawing/2014/main" id="{286D98DF-E0E3-46C0-A1D2-396259BE5242}"/>
-              </a:ext>
-            </a:extLst>
-          </p:cNvPr>
-          <p:cNvSpPr>
-            <a:spLocks noGrp="1"/>
-          </p:cNvSpPr>
-          <p:nvPr>
-            <p:ph type="body" sz="quarter" idx="3"/>
-          </p:nvPr>
-        </p:nvSpPr>
-        <p:spPr/>
-        <p:txBody>
-          <a:bodyPr/>
-          <a:lstStyle/>
-          <a:p>
-            <a:r>
-              <a:rPr lang="en-US" dirty="0"/>
-              <a:t>Affect on us </a:t>
-            </a:r>
-          </a:p>
-        </p:txBody>
-      </p:sp>
-      <p:sp>
-        <p:nvSpPr>
-          <p:cNvPr id="6" name="Content Placeholder 5">
-            <a:extLst>
-              <a:ext uri="{FF2B5EF4-FFF2-40B4-BE49-F238E27FC236}">
-                <a16:creationId xmlns:a16="http://schemas.microsoft.com/office/drawing/2014/main" id="{E1A8A007-62F8-4A47-AF8F-2B4E33D7D327}"/>
-              </a:ext>
-            </a:extLst>
-          </p:cNvPr>
-          <p:cNvSpPr>
-            <a:spLocks noGrp="1"/>
-          </p:cNvSpPr>
-          <p:nvPr>
-            <p:ph sz="quarter" idx="4"/>
-          </p:nvPr>
-        </p:nvSpPr>
-        <p:spPr/>
-        <p:txBody>
-          <a:bodyPr/>
-          <a:lstStyle/>
-          <a:p>
-            <a:r>
-              <a:rPr lang="en-US" dirty="0"/>
-              <a:t>We Need to scan barcodes in a non rescores intensive way</a:t>
-            </a:r>
-          </a:p>
-          <a:p>
-            <a:r>
-              <a:rPr lang="en-US" dirty="0"/>
-              <a:t>Google will Continue to Update This Product and Document it’s Changes</a:t>
-            </a:r>
-          </a:p>
-          <a:p>
-            <a:endParaRPr lang="en-US" dirty="0"/>
-          </a:p>
-          <a:p>
-            <a:endParaRPr lang="en-US" dirty="0"/>
+              <a:t>MySQL vs SQL Server vs SQLite</a:t>
+            </a:r>
+          </a:p>
+        </p:txBody>
+      </p:sp>
+      <p:sp>
+        <p:nvSpPr>
+          <p:cNvPr id="5" name="Content Placeholder 4"/>
+          <p:cNvSpPr>
+            <a:spLocks noGrp="1"/>
+          </p:cNvSpPr>
+          <p:nvPr>
+            <p:ph idx="1"/>
+          </p:nvPr>
+        </p:nvSpPr>
+        <p:spPr/>
+        <p:txBody>
+          <a:bodyPr/>
+          <a:lstStyle/>
+          <a:p>
+            <a:r>
+              <a:rPr lang="en-US" dirty="0"/>
+              <a:t>MySQL is a database software by Oracle. It has Visual studio integration and is cross platform. Has worse performance than SQL Server and SQLite.</a:t>
+            </a:r>
+          </a:p>
+          <a:p>
+            <a:r>
+              <a:rPr lang="en-US" dirty="0"/>
+              <a:t>SQL server is integrated into Visual Studio and Azure, making integration very easy. Can serve reports to mobile devices. This is also cross platform.</a:t>
+            </a:r>
+          </a:p>
+          <a:p>
+            <a:r>
+              <a:rPr lang="en-US" dirty="0"/>
+              <a:t>SQLite is designed to run without a centralized server. This limits size of the database to the size of the storage on the main device. It’s very fast when used on sites and apps with low traffic.</a:t>
+            </a:r>
           </a:p>
         </p:txBody>
       </p:sp>
     </p:spTree>
     <p:extLst>
       <p:ext uri="{BB962C8B-B14F-4D97-AF65-F5344CB8AC3E}">
-        <p14:creationId xmlns:p14="http://schemas.microsoft.com/office/powerpoint/2010/main" val="2288011464"/>
+        <p14:creationId xmlns:p14="http://schemas.microsoft.com/office/powerpoint/2010/main" val="2023964732"/>
       </p:ext>
     </p:extLst>
   </p:cSld>
@@ -5137,7 +5342,7 @@
       </p:grpSpPr>
       <p:sp>
         <p:nvSpPr>
-          <p:cNvPr id="4" name="Title 3"/>
+          <p:cNvPr id="2" name="Title 1"/>
           <p:cNvSpPr>
             <a:spLocks noGrp="1"/>
           </p:cNvSpPr>
@@ -5152,14 +5357,14 @@
           <a:p>
             <a:r>
               <a:rPr lang="en-US" dirty="0"/>
-              <a:t>MySQL vs SQL Server vs SQLite</a:t>
-            </a:r>
-          </a:p>
-        </p:txBody>
-      </p:sp>
-      <p:sp>
-        <p:nvSpPr>
-          <p:cNvPr id="5" name="Content Placeholder 4"/>
+              <a:t>Microsoft Azure</a:t>
+            </a:r>
+          </a:p>
+        </p:txBody>
+      </p:sp>
+      <p:sp>
+        <p:nvSpPr>
+          <p:cNvPr id="3" name="Content Placeholder 2"/>
           <p:cNvSpPr>
             <a:spLocks noGrp="1"/>
           </p:cNvSpPr>
@@ -5174,19 +5379,31 @@
           <a:p>
             <a:r>
               <a:rPr lang="en-US" dirty="0"/>
-              <a:t>MySQL is a database software by Oracle. It has Visual studio integration and is cross platform. Has worse performance than SQL Server and SQLite.</a:t>
-            </a:r>
-          </a:p>
-          <a:p>
-            <a:r>
-              <a:rPr lang="en-US" dirty="0"/>
-              <a:t>SQL server is integrated into Visual Studio and Azure, making integration very easy. Can serve reports to mobile devices. This is also cross platform.</a:t>
-            </a:r>
-          </a:p>
-          <a:p>
-            <a:r>
-              <a:rPr lang="en-US" dirty="0"/>
-              <a:t>SQLite is designed to run without a centralized server. This limits size of the database to the size of the storage on the main device. It’s very fast when used on sites and apps with low traffic.</a:t>
+              <a:t>Provides cloud services to developers to build, deploy, and manage mobile applications.</a:t>
+            </a:r>
+          </a:p>
+          <a:p>
+            <a:r>
+              <a:rPr lang="en-US" dirty="0"/>
+              <a:t>Helps to transition between desktop systems and mobile systems.</a:t>
+            </a:r>
+          </a:p>
+          <a:p>
+            <a:r>
+              <a:rPr lang="en-US" dirty="0"/>
+              <a:t>Allows us to make updates even if connection to the database is lost, then upload the changes when a connection is established.</a:t>
+            </a:r>
+          </a:p>
+          <a:p>
+            <a:r>
+              <a:rPr lang="en-US" dirty="0"/>
+              <a:t>Pricing is based on consumption, the system is only used when needed.</a:t>
+            </a:r>
+          </a:p>
+          <a:p>
+            <a:r>
+              <a:rPr lang="en-US" dirty="0"/>
+              <a:t>Removes the need for IT support and administration.</a:t>
             </a:r>
           </a:p>
         </p:txBody>
@@ -5194,7 +5411,7 @@
     </p:spTree>
     <p:extLst>
       <p:ext uri="{BB962C8B-B14F-4D97-AF65-F5344CB8AC3E}">
-        <p14:creationId xmlns:p14="http://schemas.microsoft.com/office/powerpoint/2010/main" val="2023964732"/>
+        <p14:creationId xmlns:p14="http://schemas.microsoft.com/office/powerpoint/2010/main" val="1106979655"/>
       </p:ext>
     </p:extLst>
   </p:cSld>
@@ -5238,7 +5455,7 @@
           <a:p>
             <a:r>
               <a:rPr lang="en-US" dirty="0"/>
-              <a:t>Microsoft Azure</a:t>
+              <a:t>LINQ</a:t>
             </a:r>
           </a:p>
         </p:txBody>
@@ -5260,31 +5477,29 @@
           <a:p>
             <a:r>
               <a:rPr lang="en-US" dirty="0"/>
-              <a:t>Provides cloud services to developers to build, deploy, and manage mobile applications.</a:t>
-            </a:r>
-          </a:p>
-          <a:p>
-            <a:r>
-              <a:rPr lang="en-US" dirty="0"/>
-              <a:t>Helps to transition between desktop systems and mobile systems.</a:t>
-            </a:r>
-          </a:p>
-          <a:p>
-            <a:r>
-              <a:rPr lang="en-US" dirty="0"/>
-              <a:t>Allows us to make updates even if connection to the database is lost, then upload the changes when a connection is established.</a:t>
-            </a:r>
-          </a:p>
-          <a:p>
-            <a:r>
-              <a:rPr lang="en-US" dirty="0"/>
-              <a:t>Pricing is based on consumption, the system is only used when needed.</a:t>
-            </a:r>
-          </a:p>
-          <a:p>
-            <a:r>
-              <a:rPr lang="en-US" dirty="0"/>
-              <a:t>Removes the need for IT support and administration.</a:t>
+              <a:t>Eases the transition from object oriented languages to relational queries.</a:t>
+            </a:r>
+          </a:p>
+          <a:p>
+            <a:r>
+              <a:rPr lang="en-US" dirty="0"/>
+              <a:t>Can write database queries, inserts, updates, and deletes in languages like C# instead of SQL.</a:t>
+            </a:r>
+          </a:p>
+          <a:p>
+            <a:r>
+              <a:rPr lang="en-US" dirty="0"/>
+              <a:t>Integrated into Visual Studio and SQL Server.</a:t>
+            </a:r>
+          </a:p>
+          <a:p>
+            <a:r>
+              <a:rPr lang="en-US" dirty="0"/>
+              <a:t>Allows us to utilize SQL </a:t>
+            </a:r>
+            <a:r>
+              <a:rPr lang="en-US"/>
+              <a:t>Server’s security tools.</a:t>
             </a:r>
           </a:p>
         </p:txBody>
@@ -5292,7 +5507,7 @@
     </p:spTree>
     <p:extLst>
       <p:ext uri="{BB962C8B-B14F-4D97-AF65-F5344CB8AC3E}">
-        <p14:creationId xmlns:p14="http://schemas.microsoft.com/office/powerpoint/2010/main" val="1106979655"/>
+        <p14:creationId xmlns:p14="http://schemas.microsoft.com/office/powerpoint/2010/main" val="3733634116"/>
       </p:ext>
     </p:extLst>
   </p:cSld>
@@ -5595,4 +5810,299 @@
     </a:ext>
   </a:extLst>
 </a:theme>
+</file>
+
+<file path=ppt/theme/theme2.xml><?xml version="1.0" encoding="utf-8"?>
+<a:theme xmlns:a="http://schemas.openxmlformats.org/drawingml/2006/main" name="Office Theme">
+  <a:themeElements>
+    <a:clrScheme name="Office">
+      <a:dk1>
+        <a:sysClr val="windowText" lastClr="000000"/>
+      </a:dk1>
+      <a:lt1>
+        <a:sysClr val="window" lastClr="FFFFFF"/>
+      </a:lt1>
+      <a:dk2>
+        <a:srgbClr val="44546A"/>
+      </a:dk2>
+      <a:lt2>
+        <a:srgbClr val="E7E6E6"/>
+      </a:lt2>
+      <a:accent1>
+        <a:srgbClr val="4472C4"/>
+      </a:accent1>
+      <a:accent2>
+        <a:srgbClr val="ED7D31"/>
+      </a:accent2>
+      <a:accent3>
+        <a:srgbClr val="A5A5A5"/>
+      </a:accent3>
+      <a:accent4>
+        <a:srgbClr val="FFC000"/>
+      </a:accent4>
+      <a:accent5>
+        <a:srgbClr val="5B9BD5"/>
+      </a:accent5>
+      <a:accent6>
+        <a:srgbClr val="70AD47"/>
+      </a:accent6>
+      <a:hlink>
+        <a:srgbClr val="0563C1"/>
+      </a:hlink>
+      <a:folHlink>
+        <a:srgbClr val="954F72"/>
+      </a:folHlink>
+    </a:clrScheme>
+    <a:fontScheme name="Office">
+      <a:majorFont>
+        <a:latin typeface="Calibri Light" panose="020F0302020204030204"/>
+        <a:ea typeface=""/>
+        <a:cs typeface=""/>
+        <a:font script="Jpan" typeface="游ゴシック Light"/>
+        <a:font script="Hang" typeface="맑은 고딕"/>
+        <a:font script="Hans" typeface="等线 Light"/>
+        <a:font script="Hant" typeface="新細明體"/>
+        <a:font script="Arab" typeface="Times New Roman"/>
+        <a:font script="Hebr" typeface="Times New Roman"/>
+        <a:font script="Thai" typeface="Angsana New"/>
+        <a:font script="Ethi" typeface="Nyala"/>
+        <a:font script="Beng" typeface="Vrinda"/>
+        <a:font script="Gujr" typeface="Shruti"/>
+        <a:font script="Khmr" typeface="MoolBoran"/>
+        <a:font script="Knda" typeface="Tunga"/>
+        <a:font script="Guru" typeface="Raavi"/>
+        <a:font script="Cans" typeface="Euphemia"/>
+        <a:font script="Cher" typeface="Plantagenet Cherokee"/>
+        <a:font script="Yiii" typeface="Microsoft Yi Baiti"/>
+        <a:font script="Tibt" typeface="Microsoft Himalaya"/>
+        <a:font script="Thaa" typeface="MV Boli"/>
+        <a:font script="Deva" typeface="Mangal"/>
+        <a:font script="Telu" typeface="Gautami"/>
+        <a:font script="Taml" typeface="Latha"/>
+        <a:font script="Syrc" typeface="Estrangelo Edessa"/>
+        <a:font script="Orya" typeface="Kalinga"/>
+        <a:font script="Mlym" typeface="Kartika"/>
+        <a:font script="Laoo" typeface="DokChampa"/>
+        <a:font script="Sinh" typeface="Iskoola Pota"/>
+        <a:font script="Mong" typeface="Mongolian Baiti"/>
+        <a:font script="Viet" typeface="Times New Roman"/>
+        <a:font script="Uigh" typeface="Microsoft Uighur"/>
+        <a:font script="Geor" typeface="Sylfaen"/>
+        <a:font script="Armn" typeface="Arial"/>
+        <a:font script="Bugi" typeface="Leelawadee UI"/>
+        <a:font script="Bopo" typeface="Microsoft JhengHei"/>
+        <a:font script="Java" typeface="Javanese Text"/>
+        <a:font script="Lisu" typeface="Segoe UI"/>
+        <a:font script="Mymr" typeface="Myanmar Text"/>
+        <a:font script="Nkoo" typeface="Ebrima"/>
+        <a:font script="Olck" typeface="Nirmala UI"/>
+        <a:font script="Osma" typeface="Ebrima"/>
+        <a:font script="Phag" typeface="Phagspa"/>
+        <a:font script="Syrn" typeface="Estrangelo Edessa"/>
+        <a:font script="Syrj" typeface="Estrangelo Edessa"/>
+        <a:font script="Syre" typeface="Estrangelo Edessa"/>
+        <a:font script="Sora" typeface="Nirmala UI"/>
+        <a:font script="Tale" typeface="Microsoft Tai Le"/>
+        <a:font script="Talu" typeface="Microsoft New Tai Lue"/>
+        <a:font script="Tfng" typeface="Ebrima"/>
+      </a:majorFont>
+      <a:minorFont>
+        <a:latin typeface="Calibri" panose="020F0502020204030204"/>
+        <a:ea typeface=""/>
+        <a:cs typeface=""/>
+        <a:font script="Jpan" typeface="游ゴシック"/>
+        <a:font script="Hang" typeface="맑은 고딕"/>
+        <a:font script="Hans" typeface="等线"/>
+        <a:font script="Hant" typeface="新細明體"/>
+        <a:font script="Arab" typeface="Arial"/>
+        <a:font script="Hebr" typeface="Arial"/>
+        <a:font script="Thai" typeface="Cordia New"/>
+        <a:font script="Ethi" typeface="Nyala"/>
+        <a:font script="Beng" typeface="Vrinda"/>
+        <a:font script="Gujr" typeface="Shruti"/>
+        <a:font script="Khmr" typeface="DaunPenh"/>
+        <a:font script="Knda" typeface="Tunga"/>
+        <a:font script="Guru" typeface="Raavi"/>
+        <a:font script="Cans" typeface="Euphemia"/>
+        <a:font script="Cher" typeface="Plantagenet Cherokee"/>
+        <a:font script="Yiii" typeface="Microsoft Yi Baiti"/>
+        <a:font script="Tibt" typeface="Microsoft Himalaya"/>
+        <a:font script="Thaa" typeface="MV Boli"/>
+        <a:font script="Deva" typeface="Mangal"/>
+        <a:font script="Telu" typeface="Gautami"/>
+        <a:font script="Taml" typeface="Latha"/>
+        <a:font script="Syrc" typeface="Estrangelo Edessa"/>
+        <a:font script="Orya" typeface="Kalinga"/>
+        <a:font script="Mlym" typeface="Kartika"/>
+        <a:font script="Laoo" typeface="DokChampa"/>
+        <a:font script="Sinh" typeface="Iskoola Pota"/>
+        <a:font script="Mong" typeface="Mongolian Baiti"/>
+        <a:font script="Viet" typeface="Arial"/>
+        <a:font script="Uigh" typeface="Microsoft Uighur"/>
+        <a:font script="Geor" typeface="Sylfaen"/>
+        <a:font script="Armn" typeface="Arial"/>
+        <a:font script="Bugi" typeface="Leelawadee UI"/>
+        <a:font script="Bopo" typeface="Microsoft JhengHei"/>
+        <a:font script="Java" typeface="Javanese Text"/>
+        <a:font script="Lisu" typeface="Segoe UI"/>
+        <a:font script="Mymr" typeface="Myanmar Text"/>
+        <a:font script="Nkoo" typeface="Ebrima"/>
+        <a:font script="Olck" typeface="Nirmala UI"/>
+        <a:font script="Osma" typeface="Ebrima"/>
+        <a:font script="Phag" typeface="Phagspa"/>
+        <a:font script="Syrn" typeface="Estrangelo Edessa"/>
+        <a:font script="Syrj" typeface="Estrangelo Edessa"/>
+        <a:font script="Syre" typeface="Estrangelo Edessa"/>
+        <a:font script="Sora" typeface="Nirmala UI"/>
+        <a:font script="Tale" typeface="Microsoft Tai Le"/>
+        <a:font script="Talu" typeface="Microsoft New Tai Lue"/>
+        <a:font script="Tfng" typeface="Ebrima"/>
+      </a:minorFont>
+    </a:fontScheme>
+    <a:fmtScheme name="Office">
+      <a:fillStyleLst>
+        <a:solidFill>
+          <a:schemeClr val="phClr"/>
+        </a:solidFill>
+        <a:gradFill rotWithShape="1">
+          <a:gsLst>
+            <a:gs pos="0">
+              <a:schemeClr val="phClr">
+                <a:lumMod val="110000"/>
+                <a:satMod val="105000"/>
+                <a:tint val="67000"/>
+              </a:schemeClr>
+            </a:gs>
+            <a:gs pos="50000">
+              <a:schemeClr val="phClr">
+                <a:lumMod val="105000"/>
+                <a:satMod val="103000"/>
+                <a:tint val="73000"/>
+              </a:schemeClr>
+            </a:gs>
+            <a:gs pos="100000">
+              <a:schemeClr val="phClr">
+                <a:lumMod val="105000"/>
+                <a:satMod val="109000"/>
+                <a:tint val="81000"/>
+              </a:schemeClr>
+            </a:gs>
+          </a:gsLst>
+          <a:lin ang="5400000" scaled="0"/>
+        </a:gradFill>
+        <a:gradFill rotWithShape="1">
+          <a:gsLst>
+            <a:gs pos="0">
+              <a:schemeClr val="phClr">
+                <a:satMod val="103000"/>
+                <a:lumMod val="102000"/>
+                <a:tint val="94000"/>
+              </a:schemeClr>
+            </a:gs>
+            <a:gs pos="50000">
+              <a:schemeClr val="phClr">
+                <a:satMod val="110000"/>
+                <a:lumMod val="100000"/>
+                <a:shade val="100000"/>
+              </a:schemeClr>
+            </a:gs>
+            <a:gs pos="100000">
+              <a:schemeClr val="phClr">
+                <a:lumMod val="99000"/>
+                <a:satMod val="120000"/>
+                <a:shade val="78000"/>
+              </a:schemeClr>
+            </a:gs>
+          </a:gsLst>
+          <a:lin ang="5400000" scaled="0"/>
+        </a:gradFill>
+      </a:fillStyleLst>
+      <a:lnStyleLst>
+        <a:ln w="6350" cap="flat" cmpd="sng" algn="ctr">
+          <a:solidFill>
+            <a:schemeClr val="phClr"/>
+          </a:solidFill>
+          <a:prstDash val="solid"/>
+          <a:miter lim="800000"/>
+        </a:ln>
+        <a:ln w="12700" cap="flat" cmpd="sng" algn="ctr">
+          <a:solidFill>
+            <a:schemeClr val="phClr"/>
+          </a:solidFill>
+          <a:prstDash val="solid"/>
+          <a:miter lim="800000"/>
+        </a:ln>
+        <a:ln w="19050" cap="flat" cmpd="sng" algn="ctr">
+          <a:solidFill>
+            <a:schemeClr val="phClr"/>
+          </a:solidFill>
+          <a:prstDash val="solid"/>
+          <a:miter lim="800000"/>
+        </a:ln>
+      </a:lnStyleLst>
+      <a:effectStyleLst>
+        <a:effectStyle>
+          <a:effectLst/>
+        </a:effectStyle>
+        <a:effectStyle>
+          <a:effectLst/>
+        </a:effectStyle>
+        <a:effectStyle>
+          <a:effectLst>
+            <a:outerShdw blurRad="57150" dist="19050" dir="5400000" algn="ctr" rotWithShape="0">
+              <a:srgbClr val="000000">
+                <a:alpha val="63000"/>
+              </a:srgbClr>
+            </a:outerShdw>
+          </a:effectLst>
+        </a:effectStyle>
+      </a:effectStyleLst>
+      <a:bgFillStyleLst>
+        <a:solidFill>
+          <a:schemeClr val="phClr"/>
+        </a:solidFill>
+        <a:solidFill>
+          <a:schemeClr val="phClr">
+            <a:tint val="95000"/>
+            <a:satMod val="170000"/>
+          </a:schemeClr>
+        </a:solidFill>
+        <a:gradFill rotWithShape="1">
+          <a:gsLst>
+            <a:gs pos="0">
+              <a:schemeClr val="phClr">
+                <a:tint val="93000"/>
+                <a:satMod val="150000"/>
+                <a:shade val="98000"/>
+                <a:lumMod val="102000"/>
+              </a:schemeClr>
+            </a:gs>
+            <a:gs pos="50000">
+              <a:schemeClr val="phClr">
+                <a:tint val="98000"/>
+                <a:satMod val="130000"/>
+                <a:shade val="90000"/>
+                <a:lumMod val="103000"/>
+              </a:schemeClr>
+            </a:gs>
+            <a:gs pos="100000">
+              <a:schemeClr val="phClr">
+                <a:shade val="63000"/>
+                <a:satMod val="120000"/>
+              </a:schemeClr>
+            </a:gs>
+          </a:gsLst>
+          <a:lin ang="5400000" scaled="0"/>
+        </a:gradFill>
+      </a:bgFillStyleLst>
+    </a:fmtScheme>
+  </a:themeElements>
+  <a:objectDefaults/>
+  <a:extraClrSchemeLst/>
+  <a:extLst>
+    <a:ext uri="{05A4C25C-085E-4340-85A3-A5531E510DB2}">
+      <thm15:themeFamily xmlns:thm15="http://schemas.microsoft.com/office/thememl/2012/main" name="Office Theme" id="{62F939B6-93AF-4DB8-9C6B-D6C7DFDC589F}" vid="{4A3C46E8-61CC-4603-A589-7422A47A8E4A}"/>
+    </a:ext>
+  </a:extLst>
+</a:theme>
 </file>
--- a/related work presentation draft.pptx
+++ b/related work presentation draft.pptx
@@ -4,22 +4,20 @@
   <p:sldMasterIdLst>
     <p:sldMasterId id="2147483648" r:id="rId1"/>
   </p:sldMasterIdLst>
-  <p:notesMasterIdLst>
-    <p:notesMasterId r:id="rId14"/>
-  </p:notesMasterIdLst>
   <p:sldIdLst>
     <p:sldId id="256" r:id="rId2"/>
     <p:sldId id="257" r:id="rId3"/>
-    <p:sldId id="270" r:id="rId4"/>
-    <p:sldId id="261" r:id="rId5"/>
-    <p:sldId id="271" r:id="rId6"/>
-    <p:sldId id="272" r:id="rId7"/>
-    <p:sldId id="264" r:id="rId8"/>
-    <p:sldId id="265" r:id="rId9"/>
-    <p:sldId id="266" r:id="rId10"/>
-    <p:sldId id="267" r:id="rId11"/>
-    <p:sldId id="268" r:id="rId12"/>
-    <p:sldId id="269" r:id="rId13"/>
+    <p:sldId id="258" r:id="rId4"/>
+    <p:sldId id="260" r:id="rId5"/>
+    <p:sldId id="261" r:id="rId6"/>
+    <p:sldId id="262" r:id="rId7"/>
+    <p:sldId id="263" r:id="rId8"/>
+    <p:sldId id="264" r:id="rId9"/>
+    <p:sldId id="265" r:id="rId10"/>
+    <p:sldId id="266" r:id="rId11"/>
+    <p:sldId id="267" r:id="rId12"/>
+    <p:sldId id="268" r:id="rId13"/>
+    <p:sldId id="269" r:id="rId14"/>
   </p:sldIdLst>
   <p:sldSz cx="12192000" cy="6858000"/>
   <p:notesSz cx="6858000" cy="9144000"/>
@@ -141,682 +139,6 @@
 <p1510:revInfo xmlns:a="http://schemas.openxmlformats.org/drawingml/2006/main" xmlns:r="http://schemas.openxmlformats.org/officeDocument/2006/relationships" xmlns:p1510="http://schemas.microsoft.com/office/powerpoint/2015/10/main"/>
 </file>
 
-<file path=ppt/notesMasters/notesMaster1.xml><?xml version="1.0" encoding="utf-8"?>
-<p:notesMaster xmlns:a="http://schemas.openxmlformats.org/drawingml/2006/main" xmlns:r="http://schemas.openxmlformats.org/officeDocument/2006/relationships" xmlns:p="http://schemas.openxmlformats.org/presentationml/2006/main">
-  <p:cSld>
-    <p:bg>
-      <p:bgRef idx="1001">
-        <a:schemeClr val="bg1"/>
-      </p:bgRef>
-    </p:bg>
-    <p:spTree>
-      <p:nvGrpSpPr>
-        <p:cNvPr id="1" name=""/>
-        <p:cNvGrpSpPr/>
-        <p:nvPr/>
-      </p:nvGrpSpPr>
-      <p:grpSpPr>
-        <a:xfrm>
-          <a:off x="0" y="0"/>
-          <a:ext cx="0" cy="0"/>
-          <a:chOff x="0" y="0"/>
-          <a:chExt cx="0" cy="0"/>
-        </a:xfrm>
-      </p:grpSpPr>
-      <p:sp>
-        <p:nvSpPr>
-          <p:cNvPr id="2" name="Header Placeholder 1"/>
-          <p:cNvSpPr>
-            <a:spLocks noGrp="1"/>
-          </p:cNvSpPr>
-          <p:nvPr>
-            <p:ph type="hdr" sz="quarter"/>
-          </p:nvPr>
-        </p:nvSpPr>
-        <p:spPr>
-          <a:xfrm>
-            <a:off x="0" y="0"/>
-            <a:ext cx="2971800" cy="458788"/>
-          </a:xfrm>
-          <a:prstGeom prst="rect">
-            <a:avLst/>
-          </a:prstGeom>
-        </p:spPr>
-        <p:txBody>
-          <a:bodyPr vert="horz" lIns="91440" tIns="45720" rIns="91440" bIns="45720" rtlCol="0"/>
-          <a:lstStyle>
-            <a:lvl1pPr algn="l">
-              <a:defRPr sz="1200"/>
-            </a:lvl1pPr>
-          </a:lstStyle>
-          <a:p>
-            <a:endParaRPr lang="en-US"/>
-          </a:p>
-        </p:txBody>
-      </p:sp>
-      <p:sp>
-        <p:nvSpPr>
-          <p:cNvPr id="3" name="Date Placeholder 2"/>
-          <p:cNvSpPr>
-            <a:spLocks noGrp="1"/>
-          </p:cNvSpPr>
-          <p:nvPr>
-            <p:ph type="dt" idx="1"/>
-          </p:nvPr>
-        </p:nvSpPr>
-        <p:spPr>
-          <a:xfrm>
-            <a:off x="3884613" y="0"/>
-            <a:ext cx="2971800" cy="458788"/>
-          </a:xfrm>
-          <a:prstGeom prst="rect">
-            <a:avLst/>
-          </a:prstGeom>
-        </p:spPr>
-        <p:txBody>
-          <a:bodyPr vert="horz" lIns="91440" tIns="45720" rIns="91440" bIns="45720" rtlCol="0"/>
-          <a:lstStyle>
-            <a:lvl1pPr algn="r">
-              <a:defRPr sz="1200"/>
-            </a:lvl1pPr>
-          </a:lstStyle>
-          <a:p>
-            <a:fld id="{B13ACABE-A36C-4EAD-9489-3CF5823FAC6E}" type="datetimeFigureOut">
-              <a:rPr lang="en-US" smtClean="0"/>
-              <a:t>11/7/2017</a:t>
-            </a:fld>
-            <a:endParaRPr lang="en-US"/>
-          </a:p>
-        </p:txBody>
-      </p:sp>
-      <p:sp>
-        <p:nvSpPr>
-          <p:cNvPr id="4" name="Slide Image Placeholder 3"/>
-          <p:cNvSpPr>
-            <a:spLocks noGrp="1" noRot="1" noChangeAspect="1"/>
-          </p:cNvSpPr>
-          <p:nvPr>
-            <p:ph type="sldImg" idx="2"/>
-          </p:nvPr>
-        </p:nvSpPr>
-        <p:spPr>
-          <a:xfrm>
-            <a:off x="685800" y="1143000"/>
-            <a:ext cx="5486400" cy="3086100"/>
-          </a:xfrm>
-          <a:prstGeom prst="rect">
-            <a:avLst/>
-          </a:prstGeom>
-          <a:noFill/>
-          <a:ln w="12700">
-            <a:solidFill>
-              <a:prstClr val="black"/>
-            </a:solidFill>
-          </a:ln>
-        </p:spPr>
-        <p:txBody>
-          <a:bodyPr vert="horz" lIns="91440" tIns="45720" rIns="91440" bIns="45720" rtlCol="0" anchor="ctr"/>
-          <a:lstStyle/>
-          <a:p>
-            <a:endParaRPr lang="en-US"/>
-          </a:p>
-        </p:txBody>
-      </p:sp>
-      <p:sp>
-        <p:nvSpPr>
-          <p:cNvPr id="5" name="Notes Placeholder 4"/>
-          <p:cNvSpPr>
-            <a:spLocks noGrp="1"/>
-          </p:cNvSpPr>
-          <p:nvPr>
-            <p:ph type="body" sz="quarter" idx="3"/>
-          </p:nvPr>
-        </p:nvSpPr>
-        <p:spPr>
-          <a:xfrm>
-            <a:off x="685800" y="4400550"/>
-            <a:ext cx="5486400" cy="3600450"/>
-          </a:xfrm>
-          <a:prstGeom prst="rect">
-            <a:avLst/>
-          </a:prstGeom>
-        </p:spPr>
-        <p:txBody>
-          <a:bodyPr vert="horz" lIns="91440" tIns="45720" rIns="91440" bIns="45720" rtlCol="0"/>
-          <a:lstStyle/>
-          <a:p>
-            <a:pPr lvl="0"/>
-            <a:r>
-              <a:rPr lang="en-US"/>
-              <a:t>Edit Master text styles</a:t>
-            </a:r>
-          </a:p>
-          <a:p>
-            <a:pPr lvl="1"/>
-            <a:r>
-              <a:rPr lang="en-US"/>
-              <a:t>Second level</a:t>
-            </a:r>
-          </a:p>
-          <a:p>
-            <a:pPr lvl="2"/>
-            <a:r>
-              <a:rPr lang="en-US"/>
-              <a:t>Third level</a:t>
-            </a:r>
-          </a:p>
-          <a:p>
-            <a:pPr lvl="3"/>
-            <a:r>
-              <a:rPr lang="en-US"/>
-              <a:t>Fourth level</a:t>
-            </a:r>
-          </a:p>
-          <a:p>
-            <a:pPr lvl="4"/>
-            <a:r>
-              <a:rPr lang="en-US"/>
-              <a:t>Fifth level</a:t>
-            </a:r>
-          </a:p>
-        </p:txBody>
-      </p:sp>
-      <p:sp>
-        <p:nvSpPr>
-          <p:cNvPr id="6" name="Footer Placeholder 5"/>
-          <p:cNvSpPr>
-            <a:spLocks noGrp="1"/>
-          </p:cNvSpPr>
-          <p:nvPr>
-            <p:ph type="ftr" sz="quarter" idx="4"/>
-          </p:nvPr>
-        </p:nvSpPr>
-        <p:spPr>
-          <a:xfrm>
-            <a:off x="0" y="8685213"/>
-            <a:ext cx="2971800" cy="458787"/>
-          </a:xfrm>
-          <a:prstGeom prst="rect">
-            <a:avLst/>
-          </a:prstGeom>
-        </p:spPr>
-        <p:txBody>
-          <a:bodyPr vert="horz" lIns="91440" tIns="45720" rIns="91440" bIns="45720" rtlCol="0" anchor="b"/>
-          <a:lstStyle>
-            <a:lvl1pPr algn="l">
-              <a:defRPr sz="1200"/>
-            </a:lvl1pPr>
-          </a:lstStyle>
-          <a:p>
-            <a:endParaRPr lang="en-US"/>
-          </a:p>
-        </p:txBody>
-      </p:sp>
-      <p:sp>
-        <p:nvSpPr>
-          <p:cNvPr id="7" name="Slide Number Placeholder 6"/>
-          <p:cNvSpPr>
-            <a:spLocks noGrp="1"/>
-          </p:cNvSpPr>
-          <p:nvPr>
-            <p:ph type="sldNum" sz="quarter" idx="5"/>
-          </p:nvPr>
-        </p:nvSpPr>
-        <p:spPr>
-          <a:xfrm>
-            <a:off x="3884613" y="8685213"/>
-            <a:ext cx="2971800" cy="458787"/>
-          </a:xfrm>
-          <a:prstGeom prst="rect">
-            <a:avLst/>
-          </a:prstGeom>
-        </p:spPr>
-        <p:txBody>
-          <a:bodyPr vert="horz" lIns="91440" tIns="45720" rIns="91440" bIns="45720" rtlCol="0" anchor="b"/>
-          <a:lstStyle>
-            <a:lvl1pPr algn="r">
-              <a:defRPr sz="1200"/>
-            </a:lvl1pPr>
-          </a:lstStyle>
-          <a:p>
-            <a:fld id="{DC99A9F5-0CA7-4C48-B068-D3E0CFA2D3C2}" type="slidenum">
-              <a:rPr lang="en-US" smtClean="0"/>
-              <a:t>‹#›</a:t>
-            </a:fld>
-            <a:endParaRPr lang="en-US"/>
-          </a:p>
-        </p:txBody>
-      </p:sp>
-    </p:spTree>
-    <p:extLst>
-      <p:ext uri="{BB962C8B-B14F-4D97-AF65-F5344CB8AC3E}">
-        <p14:creationId xmlns:p14="http://schemas.microsoft.com/office/powerpoint/2010/main" val="2598539308"/>
-      </p:ext>
-    </p:extLst>
-  </p:cSld>
-  <p:clrMap bg1="lt1" tx1="dk1" bg2="lt2" tx2="dk2" accent1="accent1" accent2="accent2" accent3="accent3" accent4="accent4" accent5="accent5" accent6="accent6" hlink="hlink" folHlink="folHlink"/>
-  <p:notesStyle>
-    <a:lvl1pPr marL="0" algn="l" defTabSz="914400" rtl="0" eaLnBrk="1" latinLnBrk="0" hangingPunct="1">
-      <a:defRPr sz="1200" kern="1200">
-        <a:solidFill>
-          <a:schemeClr val="tx1"/>
-        </a:solidFill>
-        <a:latin typeface="+mn-lt"/>
-        <a:ea typeface="+mn-ea"/>
-        <a:cs typeface="+mn-cs"/>
-      </a:defRPr>
-    </a:lvl1pPr>
-    <a:lvl2pPr marL="457200" algn="l" defTabSz="914400" rtl="0" eaLnBrk="1" latinLnBrk="0" hangingPunct="1">
-      <a:defRPr sz="1200" kern="1200">
-        <a:solidFill>
-          <a:schemeClr val="tx1"/>
-        </a:solidFill>
-        <a:latin typeface="+mn-lt"/>
-        <a:ea typeface="+mn-ea"/>
-        <a:cs typeface="+mn-cs"/>
-      </a:defRPr>
-    </a:lvl2pPr>
-    <a:lvl3pPr marL="914400" algn="l" defTabSz="914400" rtl="0" eaLnBrk="1" latinLnBrk="0" hangingPunct="1">
-      <a:defRPr sz="1200" kern="1200">
-        <a:solidFill>
-          <a:schemeClr val="tx1"/>
-        </a:solidFill>
-        <a:latin typeface="+mn-lt"/>
-        <a:ea typeface="+mn-ea"/>
-        <a:cs typeface="+mn-cs"/>
-      </a:defRPr>
-    </a:lvl3pPr>
-    <a:lvl4pPr marL="1371600" algn="l" defTabSz="914400" rtl="0" eaLnBrk="1" latinLnBrk="0" hangingPunct="1">
-      <a:defRPr sz="1200" kern="1200">
-        <a:solidFill>
-          <a:schemeClr val="tx1"/>
-        </a:solidFill>
-        <a:latin typeface="+mn-lt"/>
-        <a:ea typeface="+mn-ea"/>
-        <a:cs typeface="+mn-cs"/>
-      </a:defRPr>
-    </a:lvl4pPr>
-    <a:lvl5pPr marL="1828800" algn="l" defTabSz="914400" rtl="0" eaLnBrk="1" latinLnBrk="0" hangingPunct="1">
-      <a:defRPr sz="1200" kern="1200">
-        <a:solidFill>
-          <a:schemeClr val="tx1"/>
-        </a:solidFill>
-        <a:latin typeface="+mn-lt"/>
-        <a:ea typeface="+mn-ea"/>
-        <a:cs typeface="+mn-cs"/>
-      </a:defRPr>
-    </a:lvl5pPr>
-    <a:lvl6pPr marL="2286000" algn="l" defTabSz="914400" rtl="0" eaLnBrk="1" latinLnBrk="0" hangingPunct="1">
-      <a:defRPr sz="1200" kern="1200">
-        <a:solidFill>
-          <a:schemeClr val="tx1"/>
-        </a:solidFill>
-        <a:latin typeface="+mn-lt"/>
-        <a:ea typeface="+mn-ea"/>
-        <a:cs typeface="+mn-cs"/>
-      </a:defRPr>
-    </a:lvl6pPr>
-    <a:lvl7pPr marL="2743200" algn="l" defTabSz="914400" rtl="0" eaLnBrk="1" latinLnBrk="0" hangingPunct="1">
-      <a:defRPr sz="1200" kern="1200">
-        <a:solidFill>
-          <a:schemeClr val="tx1"/>
-        </a:solidFill>
-        <a:latin typeface="+mn-lt"/>
-        <a:ea typeface="+mn-ea"/>
-        <a:cs typeface="+mn-cs"/>
-      </a:defRPr>
-    </a:lvl7pPr>
-    <a:lvl8pPr marL="3200400" algn="l" defTabSz="914400" rtl="0" eaLnBrk="1" latinLnBrk="0" hangingPunct="1">
-      <a:defRPr sz="1200" kern="1200">
-        <a:solidFill>
-          <a:schemeClr val="tx1"/>
-        </a:solidFill>
-        <a:latin typeface="+mn-lt"/>
-        <a:ea typeface="+mn-ea"/>
-        <a:cs typeface="+mn-cs"/>
-      </a:defRPr>
-    </a:lvl8pPr>
-    <a:lvl9pPr marL="3657600" algn="l" defTabSz="914400" rtl="0" eaLnBrk="1" latinLnBrk="0" hangingPunct="1">
-      <a:defRPr sz="1200" kern="1200">
-        <a:solidFill>
-          <a:schemeClr val="tx1"/>
-        </a:solidFill>
-        <a:latin typeface="+mn-lt"/>
-        <a:ea typeface="+mn-ea"/>
-        <a:cs typeface="+mn-cs"/>
-      </a:defRPr>
-    </a:lvl9pPr>
-  </p:notesStyle>
-</p:notesMaster>
-</file>
-
-<file path=ppt/notesSlides/notesSlide1.xml><?xml version="1.0" encoding="utf-8"?>
-<p:notes xmlns:a="http://schemas.openxmlformats.org/drawingml/2006/main" xmlns:r="http://schemas.openxmlformats.org/officeDocument/2006/relationships" xmlns:p="http://schemas.openxmlformats.org/presentationml/2006/main">
-  <p:cSld>
-    <p:spTree>
-      <p:nvGrpSpPr>
-        <p:cNvPr id="1" name=""/>
-        <p:cNvGrpSpPr/>
-        <p:nvPr/>
-      </p:nvGrpSpPr>
-      <p:grpSpPr>
-        <a:xfrm>
-          <a:off x="0" y="0"/>
-          <a:ext cx="0" cy="0"/>
-          <a:chOff x="0" y="0"/>
-          <a:chExt cx="0" cy="0"/>
-        </a:xfrm>
-      </p:grpSpPr>
-      <p:sp>
-        <p:nvSpPr>
-          <p:cNvPr id="2" name="Slide Image Placeholder 1"/>
-          <p:cNvSpPr>
-            <a:spLocks noGrp="1" noRot="1" noChangeAspect="1"/>
-          </p:cNvSpPr>
-          <p:nvPr>
-            <p:ph type="sldImg"/>
-          </p:nvPr>
-        </p:nvSpPr>
-        <p:spPr/>
-      </p:sp>
-      <p:sp>
-        <p:nvSpPr>
-          <p:cNvPr id="3" name="Notes Placeholder 2"/>
-          <p:cNvSpPr>
-            <a:spLocks noGrp="1"/>
-          </p:cNvSpPr>
-          <p:nvPr>
-            <p:ph type="body" idx="1"/>
-          </p:nvPr>
-        </p:nvSpPr>
-        <p:spPr/>
-        <p:txBody>
-          <a:bodyPr/>
-          <a:lstStyle/>
-          <a:p>
-            <a:r>
-              <a:rPr lang="en-US" dirty="0"/>
-              <a:t>The Application Will Be Handling Accounts Tied University Students and Staff </a:t>
-            </a:r>
-          </a:p>
-          <a:p>
-            <a:r>
-              <a:rPr lang="en-US" dirty="0"/>
-              <a:t>It Would Be Preferable To Piggyback Off the North Dakota University System (NDUS) Account System </a:t>
-            </a:r>
-          </a:p>
-          <a:p>
-            <a:endParaRPr lang="en-US" dirty="0"/>
-          </a:p>
-        </p:txBody>
-      </p:sp>
-      <p:sp>
-        <p:nvSpPr>
-          <p:cNvPr id="4" name="Slide Number Placeholder 3"/>
-          <p:cNvSpPr>
-            <a:spLocks noGrp="1"/>
-          </p:cNvSpPr>
-          <p:nvPr>
-            <p:ph type="sldNum" sz="quarter" idx="10"/>
-          </p:nvPr>
-        </p:nvSpPr>
-        <p:spPr/>
-        <p:txBody>
-          <a:bodyPr/>
-          <a:lstStyle/>
-          <a:p>
-            <a:fld id="{DC99A9F5-0CA7-4C48-B068-D3E0CFA2D3C2}" type="slidenum">
-              <a:rPr lang="en-US" smtClean="0"/>
-              <a:t>3</a:t>
-            </a:fld>
-            <a:endParaRPr lang="en-US"/>
-          </a:p>
-        </p:txBody>
-      </p:sp>
-    </p:spTree>
-    <p:extLst>
-      <p:ext uri="{BB962C8B-B14F-4D97-AF65-F5344CB8AC3E}">
-        <p14:creationId xmlns:p14="http://schemas.microsoft.com/office/powerpoint/2010/main" val="271928694"/>
-      </p:ext>
-    </p:extLst>
-  </p:cSld>
-  <p:clrMapOvr>
-    <a:masterClrMapping/>
-  </p:clrMapOvr>
-</p:notes>
-</file>
-
-<file path=ppt/notesSlides/notesSlide2.xml><?xml version="1.0" encoding="utf-8"?>
-<p:notes xmlns:a="http://schemas.openxmlformats.org/drawingml/2006/main" xmlns:r="http://schemas.openxmlformats.org/officeDocument/2006/relationships" xmlns:p="http://schemas.openxmlformats.org/presentationml/2006/main">
-  <p:cSld>
-    <p:spTree>
-      <p:nvGrpSpPr>
-        <p:cNvPr id="1" name=""/>
-        <p:cNvGrpSpPr/>
-        <p:nvPr/>
-      </p:nvGrpSpPr>
-      <p:grpSpPr>
-        <a:xfrm>
-          <a:off x="0" y="0"/>
-          <a:ext cx="0" cy="0"/>
-          <a:chOff x="0" y="0"/>
-          <a:chExt cx="0" cy="0"/>
-        </a:xfrm>
-      </p:grpSpPr>
-      <p:sp>
-        <p:nvSpPr>
-          <p:cNvPr id="2" name="Slide Image Placeholder 1"/>
-          <p:cNvSpPr>
-            <a:spLocks noGrp="1" noRot="1" noChangeAspect="1"/>
-          </p:cNvSpPr>
-          <p:nvPr>
-            <p:ph type="sldImg"/>
-          </p:nvPr>
-        </p:nvSpPr>
-        <p:spPr/>
-      </p:sp>
-      <p:sp>
-        <p:nvSpPr>
-          <p:cNvPr id="3" name="Notes Placeholder 2"/>
-          <p:cNvSpPr>
-            <a:spLocks noGrp="1"/>
-          </p:cNvSpPr>
-          <p:nvPr>
-            <p:ph type="body" idx="1"/>
-          </p:nvPr>
-        </p:nvSpPr>
-        <p:spPr/>
-        <p:txBody>
-          <a:bodyPr/>
-          <a:lstStyle/>
-          <a:p>
-            <a:r>
-              <a:rPr lang="en-US" dirty="0"/>
-              <a:t>The Applications Backend Will Be a SQL Server Bring </a:t>
-            </a:r>
-          </a:p>
-          <a:p>
-            <a:r>
-              <a:rPr lang="en-US" dirty="0"/>
-              <a:t>Knowing Possible Points Of Failure Allows For Countermeasures to be taken</a:t>
-            </a:r>
-          </a:p>
-          <a:p>
-            <a:r>
-              <a:rPr lang="en-US" dirty="0"/>
-              <a:t>Some Features Carry Security Requirements </a:t>
-            </a:r>
-          </a:p>
-          <a:p>
-            <a:endParaRPr lang="en-US" dirty="0"/>
-          </a:p>
-          <a:p>
-            <a:r>
-              <a:rPr lang="en-US" dirty="0"/>
-              <a:t>Provides the tools to be used to:</a:t>
-            </a:r>
-          </a:p>
-          <a:p>
-            <a:pPr lvl="1"/>
-            <a:r>
-              <a:rPr lang="en-US" dirty="0"/>
-              <a:t>Connect to the application</a:t>
-            </a:r>
-          </a:p>
-          <a:p>
-            <a:pPr lvl="1"/>
-            <a:r>
-              <a:rPr lang="en-US" dirty="0"/>
-              <a:t>Close security holes </a:t>
-            </a:r>
-          </a:p>
-          <a:p>
-            <a:pPr lvl="1"/>
-            <a:r>
-              <a:rPr lang="en-US" dirty="0"/>
-              <a:t>Connecting to the NDSU servers</a:t>
-            </a:r>
-          </a:p>
-          <a:p>
-            <a:endParaRPr lang="en-US" dirty="0"/>
-          </a:p>
-          <a:p>
-            <a:endParaRPr lang="en-US" dirty="0"/>
-          </a:p>
-        </p:txBody>
-      </p:sp>
-      <p:sp>
-        <p:nvSpPr>
-          <p:cNvPr id="4" name="Slide Number Placeholder 3"/>
-          <p:cNvSpPr>
-            <a:spLocks noGrp="1"/>
-          </p:cNvSpPr>
-          <p:nvPr>
-            <p:ph type="sldNum" sz="quarter" idx="10"/>
-          </p:nvPr>
-        </p:nvSpPr>
-        <p:spPr/>
-        <p:txBody>
-          <a:bodyPr/>
-          <a:lstStyle/>
-          <a:p>
-            <a:fld id="{DC99A9F5-0CA7-4C48-B068-D3E0CFA2D3C2}" type="slidenum">
-              <a:rPr lang="en-US" smtClean="0"/>
-              <a:t>5</a:t>
-            </a:fld>
-            <a:endParaRPr lang="en-US"/>
-          </a:p>
-        </p:txBody>
-      </p:sp>
-    </p:spTree>
-    <p:extLst>
-      <p:ext uri="{BB962C8B-B14F-4D97-AF65-F5344CB8AC3E}">
-        <p14:creationId xmlns:p14="http://schemas.microsoft.com/office/powerpoint/2010/main" val="226038275"/>
-      </p:ext>
-    </p:extLst>
-  </p:cSld>
-  <p:clrMapOvr>
-    <a:masterClrMapping/>
-  </p:clrMapOvr>
-</p:notes>
-</file>
-
-<file path=ppt/notesSlides/notesSlide3.xml><?xml version="1.0" encoding="utf-8"?>
-<p:notes xmlns:a="http://schemas.openxmlformats.org/drawingml/2006/main" xmlns:r="http://schemas.openxmlformats.org/officeDocument/2006/relationships" xmlns:p="http://schemas.openxmlformats.org/presentationml/2006/main">
-  <p:cSld>
-    <p:spTree>
-      <p:nvGrpSpPr>
-        <p:cNvPr id="1" name=""/>
-        <p:cNvGrpSpPr/>
-        <p:nvPr/>
-      </p:nvGrpSpPr>
-      <p:grpSpPr>
-        <a:xfrm>
-          <a:off x="0" y="0"/>
-          <a:ext cx="0" cy="0"/>
-          <a:chOff x="0" y="0"/>
-          <a:chExt cx="0" cy="0"/>
-        </a:xfrm>
-      </p:grpSpPr>
-      <p:sp>
-        <p:nvSpPr>
-          <p:cNvPr id="2" name="Slide Image Placeholder 1"/>
-          <p:cNvSpPr>
-            <a:spLocks noGrp="1" noRot="1" noChangeAspect="1"/>
-          </p:cNvSpPr>
-          <p:nvPr>
-            <p:ph type="sldImg"/>
-          </p:nvPr>
-        </p:nvSpPr>
-        <p:spPr/>
-      </p:sp>
-      <p:sp>
-        <p:nvSpPr>
-          <p:cNvPr id="3" name="Notes Placeholder 2"/>
-          <p:cNvSpPr>
-            <a:spLocks noGrp="1"/>
-          </p:cNvSpPr>
-          <p:nvPr>
-            <p:ph type="body" idx="1"/>
-          </p:nvPr>
-        </p:nvSpPr>
-        <p:spPr/>
-        <p:txBody>
-          <a:bodyPr/>
-          <a:lstStyle/>
-          <a:p>
-            <a:r>
-              <a:rPr lang="en-US" dirty="0"/>
-              <a:t>We Need to scan barcodes in a non rescores intensive way</a:t>
-            </a:r>
-          </a:p>
-          <a:p>
-            <a:r>
-              <a:rPr lang="en-US" dirty="0"/>
-              <a:t>Google will Continue to Update This Product and Document it’s Changes</a:t>
-            </a:r>
-          </a:p>
-          <a:p>
-            <a:endParaRPr lang="en-US" dirty="0"/>
-          </a:p>
-        </p:txBody>
-      </p:sp>
-      <p:sp>
-        <p:nvSpPr>
-          <p:cNvPr id="4" name="Slide Number Placeholder 3"/>
-          <p:cNvSpPr>
-            <a:spLocks noGrp="1"/>
-          </p:cNvSpPr>
-          <p:nvPr>
-            <p:ph type="sldNum" sz="quarter" idx="10"/>
-          </p:nvPr>
-        </p:nvSpPr>
-        <p:spPr/>
-        <p:txBody>
-          <a:bodyPr/>
-          <a:lstStyle/>
-          <a:p>
-            <a:fld id="{DC99A9F5-0CA7-4C48-B068-D3E0CFA2D3C2}" type="slidenum">
-              <a:rPr lang="en-US" smtClean="0"/>
-              <a:t>6</a:t>
-            </a:fld>
-            <a:endParaRPr lang="en-US"/>
-          </a:p>
-        </p:txBody>
-      </p:sp>
-    </p:spTree>
-    <p:extLst>
-      <p:ext uri="{BB962C8B-B14F-4D97-AF65-F5344CB8AC3E}">
-        <p14:creationId xmlns:p14="http://schemas.microsoft.com/office/powerpoint/2010/main" val="3494402211"/>
-      </p:ext>
-    </p:extLst>
-  </p:cSld>
-  <p:clrMapOvr>
-    <a:masterClrMapping/>
-  </p:clrMapOvr>
-</p:notes>
-</file>
-
 <file path=ppt/slideLayouts/slideLayout1.xml><?xml version="1.0" encoding="utf-8"?>
 <p:sldLayout xmlns:a="http://schemas.openxmlformats.org/drawingml/2006/main" xmlns:r="http://schemas.openxmlformats.org/officeDocument/2006/relationships" xmlns:p="http://schemas.openxmlformats.org/presentationml/2006/main" type="title" preserve="1">
   <p:cSld name="Title Slide">
@@ -964,7 +286,7 @@
           <a:p>
             <a:fld id="{0CC8767C-EF7E-4F10-9532-8582EF014B7B}" type="datetimeFigureOut">
               <a:rPr lang="en-US" smtClean="0"/>
-              <a:t>11/7/2017</a:t>
+              <a:t>11/1/2017</a:t>
             </a:fld>
             <a:endParaRPr lang="en-US"/>
           </a:p>
@@ -1162,7 +484,7 @@
           <a:p>
             <a:fld id="{0CC8767C-EF7E-4F10-9532-8582EF014B7B}" type="datetimeFigureOut">
               <a:rPr lang="en-US" smtClean="0"/>
-              <a:t>11/7/2017</a:t>
+              <a:t>11/1/2017</a:t>
             </a:fld>
             <a:endParaRPr lang="en-US"/>
           </a:p>
@@ -1370,7 +692,7 @@
           <a:p>
             <a:fld id="{0CC8767C-EF7E-4F10-9532-8582EF014B7B}" type="datetimeFigureOut">
               <a:rPr lang="en-US" smtClean="0"/>
-              <a:t>11/7/2017</a:t>
+              <a:t>11/1/2017</a:t>
             </a:fld>
             <a:endParaRPr lang="en-US"/>
           </a:p>
@@ -1568,7 +890,7 @@
           <a:p>
             <a:fld id="{0CC8767C-EF7E-4F10-9532-8582EF014B7B}" type="datetimeFigureOut">
               <a:rPr lang="en-US" smtClean="0"/>
-              <a:t>11/7/2017</a:t>
+              <a:t>11/1/2017</a:t>
             </a:fld>
             <a:endParaRPr lang="en-US"/>
           </a:p>
@@ -1843,7 +1165,7 @@
           <a:p>
             <a:fld id="{0CC8767C-EF7E-4F10-9532-8582EF014B7B}" type="datetimeFigureOut">
               <a:rPr lang="en-US" smtClean="0"/>
-              <a:t>11/7/2017</a:t>
+              <a:t>11/1/2017</a:t>
             </a:fld>
             <a:endParaRPr lang="en-US"/>
           </a:p>
@@ -2108,7 +1430,7 @@
           <a:p>
             <a:fld id="{0CC8767C-EF7E-4F10-9532-8582EF014B7B}" type="datetimeFigureOut">
               <a:rPr lang="en-US" smtClean="0"/>
-              <a:t>11/7/2017</a:t>
+              <a:t>11/1/2017</a:t>
             </a:fld>
             <a:endParaRPr lang="en-US"/>
           </a:p>
@@ -2520,7 +1842,7 @@
           <a:p>
             <a:fld id="{0CC8767C-EF7E-4F10-9532-8582EF014B7B}" type="datetimeFigureOut">
               <a:rPr lang="en-US" smtClean="0"/>
-              <a:t>11/7/2017</a:t>
+              <a:t>11/1/2017</a:t>
             </a:fld>
             <a:endParaRPr lang="en-US"/>
           </a:p>
@@ -2661,7 +1983,7 @@
           <a:p>
             <a:fld id="{0CC8767C-EF7E-4F10-9532-8582EF014B7B}" type="datetimeFigureOut">
               <a:rPr lang="en-US" smtClean="0"/>
-              <a:t>11/7/2017</a:t>
+              <a:t>11/1/2017</a:t>
             </a:fld>
             <a:endParaRPr lang="en-US"/>
           </a:p>
@@ -2774,7 +2096,7 @@
           <a:p>
             <a:fld id="{0CC8767C-EF7E-4F10-9532-8582EF014B7B}" type="datetimeFigureOut">
               <a:rPr lang="en-US" smtClean="0"/>
-              <a:t>11/7/2017</a:t>
+              <a:t>11/1/2017</a:t>
             </a:fld>
             <a:endParaRPr lang="en-US"/>
           </a:p>
@@ -3085,7 +2407,7 @@
           <a:p>
             <a:fld id="{0CC8767C-EF7E-4F10-9532-8582EF014B7B}" type="datetimeFigureOut">
               <a:rPr lang="en-US" smtClean="0"/>
-              <a:t>11/7/2017</a:t>
+              <a:t>11/1/2017</a:t>
             </a:fld>
             <a:endParaRPr lang="en-US"/>
           </a:p>
@@ -3373,7 +2695,7 @@
           <a:p>
             <a:fld id="{0CC8767C-EF7E-4F10-9532-8582EF014B7B}" type="datetimeFigureOut">
               <a:rPr lang="en-US" smtClean="0"/>
-              <a:t>11/7/2017</a:t>
+              <a:t>11/1/2017</a:t>
             </a:fld>
             <a:endParaRPr lang="en-US"/>
           </a:p>
@@ -3614,7 +2936,7 @@
           <a:p>
             <a:fld id="{0CC8767C-EF7E-4F10-9532-8582EF014B7B}" type="datetimeFigureOut">
               <a:rPr lang="en-US" smtClean="0"/>
-              <a:t>11/7/2017</a:t>
+              <a:t>11/1/2017</a:t>
             </a:fld>
             <a:endParaRPr lang="en-US"/>
           </a:p>
@@ -4148,13 +3470,7 @@
       </p:grpSpPr>
       <p:sp>
         <p:nvSpPr>
-          <p:cNvPr id="2" name="Title 1">
-            <a:extLst>
-              <a:ext uri="{FF2B5EF4-FFF2-40B4-BE49-F238E27FC236}">
-                <a16:creationId xmlns:a16="http://schemas.microsoft.com/office/drawing/2014/main" id="{5CCE5219-BA2A-441E-8452-F80006D64435}"/>
-              </a:ext>
-            </a:extLst>
-          </p:cNvPr>
+          <p:cNvPr id="2" name="Title 1"/>
           <p:cNvSpPr>
             <a:spLocks noGrp="1"/>
           </p:cNvSpPr>
@@ -4168,210 +3484,52 @@
           <a:lstStyle/>
           <a:p>
             <a:r>
-              <a:rPr lang="en-US" i="1" dirty="0"/>
-              <a:t>Microsoft Visual Studios</a:t>
-            </a:r>
-          </a:p>
-        </p:txBody>
-      </p:sp>
-      <p:sp>
-        <p:nvSpPr>
-          <p:cNvPr id="4" name="TextBox 3">
-            <a:extLst>
-              <a:ext uri="{FF2B5EF4-FFF2-40B4-BE49-F238E27FC236}">
-                <a16:creationId xmlns:a16="http://schemas.microsoft.com/office/drawing/2014/main" id="{35FEDF86-0880-4749-A49F-7F0519121EA1}"/>
-              </a:ext>
-            </a:extLst>
-          </p:cNvPr>
-          <p:cNvSpPr txBox="1"/>
-          <p:nvPr/>
-        </p:nvSpPr>
-        <p:spPr>
-          <a:xfrm>
-            <a:off x="838200" y="1459855"/>
-            <a:ext cx="4854632" cy="461665"/>
-          </a:xfrm>
-          <a:prstGeom prst="rect">
-            <a:avLst/>
-          </a:prstGeom>
-          <a:noFill/>
-        </p:spPr>
-        <p:txBody>
-          <a:bodyPr wrap="square" rtlCol="0">
-            <a:spAutoFit/>
-          </a:bodyPr>
-          <a:lstStyle/>
-          <a:p>
-            <a:r>
-              <a:rPr lang="en-US" sz="2400" b="1" dirty="0"/>
-              <a:t>Offers</a:t>
-            </a:r>
-          </a:p>
-        </p:txBody>
-      </p:sp>
-      <p:sp>
-        <p:nvSpPr>
-          <p:cNvPr id="5" name="TextBox 4">
-            <a:extLst>
-              <a:ext uri="{FF2B5EF4-FFF2-40B4-BE49-F238E27FC236}">
-                <a16:creationId xmlns:a16="http://schemas.microsoft.com/office/drawing/2014/main" id="{A3EA6AC5-0CE2-4683-A8B0-BE5E4C26EFF2}"/>
-              </a:ext>
-            </a:extLst>
-          </p:cNvPr>
-          <p:cNvSpPr txBox="1"/>
-          <p:nvPr/>
-        </p:nvSpPr>
-        <p:spPr>
-          <a:xfrm>
-            <a:off x="838200" y="1921520"/>
-            <a:ext cx="4854632" cy="1846659"/>
-          </a:xfrm>
-          <a:prstGeom prst="rect">
-            <a:avLst/>
-          </a:prstGeom>
-          <a:noFill/>
-        </p:spPr>
-        <p:txBody>
-          <a:bodyPr wrap="square" rtlCol="0">
-            <a:spAutoFit/>
-          </a:bodyPr>
-          <a:lstStyle/>
-          <a:p>
-            <a:pPr marL="285750" indent="-285750">
-              <a:buFont typeface="Arial" panose="020B0604020202020204" pitchFamily="34" charset="0"/>
-              <a:buChar char="•"/>
-            </a:pPr>
-            <a:r>
-              <a:rPr lang="en-US" sz="2400" dirty="0"/>
-              <a:t>.NET</a:t>
-            </a:r>
-          </a:p>
-          <a:p>
-            <a:pPr marL="285750" indent="-285750">
-              <a:buFont typeface="Arial" panose="020B0604020202020204" pitchFamily="34" charset="0"/>
-              <a:buChar char="•"/>
-            </a:pPr>
-            <a:r>
-              <a:rPr lang="en-US" sz="2400" dirty="0"/>
-              <a:t>Azure</a:t>
-            </a:r>
-          </a:p>
-          <a:p>
-            <a:pPr marL="285750" indent="-285750">
-              <a:buFont typeface="Arial" panose="020B0604020202020204" pitchFamily="34" charset="0"/>
-              <a:buChar char="•"/>
-            </a:pPr>
-            <a:r>
-              <a:rPr lang="en-US" sz="2400" dirty="0"/>
-              <a:t>Xamarin</a:t>
-            </a:r>
-          </a:p>
-          <a:p>
-            <a:pPr marL="285750" indent="-285750">
-              <a:buFont typeface="Arial" panose="020B0604020202020204" pitchFamily="34" charset="0"/>
-              <a:buChar char="•"/>
-            </a:pPr>
-            <a:endParaRPr lang="en-US" sz="2400" dirty="0"/>
-          </a:p>
-          <a:p>
-            <a:pPr marL="285750" indent="-285750">
-              <a:buFont typeface="Arial" panose="020B0604020202020204" pitchFamily="34" charset="0"/>
-              <a:buChar char="•"/>
-            </a:pPr>
-            <a:endParaRPr lang="en-US" dirty="0"/>
-          </a:p>
-        </p:txBody>
-      </p:sp>
-      <p:sp>
-        <p:nvSpPr>
-          <p:cNvPr id="6" name="TextBox 5">
-            <a:extLst>
-              <a:ext uri="{FF2B5EF4-FFF2-40B4-BE49-F238E27FC236}">
-                <a16:creationId xmlns:a16="http://schemas.microsoft.com/office/drawing/2014/main" id="{8F86A966-F811-4A4D-B19F-68A087362C7D}"/>
-              </a:ext>
-            </a:extLst>
-          </p:cNvPr>
-          <p:cNvSpPr txBox="1"/>
-          <p:nvPr/>
-        </p:nvSpPr>
-        <p:spPr>
-          <a:xfrm>
-            <a:off x="5692832" y="1506021"/>
-            <a:ext cx="2377440" cy="461665"/>
-          </a:xfrm>
-          <a:prstGeom prst="rect">
-            <a:avLst/>
-          </a:prstGeom>
-          <a:noFill/>
-        </p:spPr>
-        <p:txBody>
-          <a:bodyPr wrap="square" rtlCol="0">
-            <a:spAutoFit/>
-          </a:bodyPr>
-          <a:lstStyle/>
-          <a:p>
-            <a:r>
-              <a:rPr lang="en-US" sz="2400" b="1" dirty="0"/>
-              <a:t>How it affects us</a:t>
-            </a:r>
-          </a:p>
-        </p:txBody>
-      </p:sp>
-      <p:sp>
-        <p:nvSpPr>
-          <p:cNvPr id="7" name="TextBox 6">
-            <a:extLst>
-              <a:ext uri="{FF2B5EF4-FFF2-40B4-BE49-F238E27FC236}">
-                <a16:creationId xmlns:a16="http://schemas.microsoft.com/office/drawing/2014/main" id="{BF1449ED-421C-4F50-BEDE-C556AAD105AD}"/>
-              </a:ext>
-            </a:extLst>
-          </p:cNvPr>
-          <p:cNvSpPr txBox="1"/>
-          <p:nvPr/>
-        </p:nvSpPr>
-        <p:spPr>
-          <a:xfrm>
-            <a:off x="5692832" y="1967686"/>
-            <a:ext cx="4560916" cy="2308324"/>
-          </a:xfrm>
-          <a:prstGeom prst="rect">
-            <a:avLst/>
-          </a:prstGeom>
-          <a:noFill/>
-        </p:spPr>
-        <p:txBody>
-          <a:bodyPr wrap="square" rtlCol="0">
-            <a:spAutoFit/>
-          </a:bodyPr>
-          <a:lstStyle/>
-          <a:p>
-            <a:pPr marL="285750" indent="-285750">
-              <a:buFont typeface="Arial" panose="020B0604020202020204" pitchFamily="34" charset="0"/>
-              <a:buChar char="•"/>
-            </a:pPr>
-            <a:r>
-              <a:rPr lang="en-US" sz="2400" dirty="0"/>
-              <a:t>.NET provides Cross Platform </a:t>
-            </a:r>
-          </a:p>
-          <a:p>
-            <a:pPr marL="285750" indent="-285750">
-              <a:buFont typeface="Arial" panose="020B0604020202020204" pitchFamily="34" charset="0"/>
-              <a:buChar char="•"/>
-            </a:pPr>
-            <a:r>
-              <a:rPr lang="en-US" sz="2400" dirty="0"/>
-              <a:t>Azure allows secure remote connection to database</a:t>
-            </a:r>
-          </a:p>
-          <a:p>
-            <a:pPr marL="285750" indent="-285750">
-              <a:buFont typeface="Arial" panose="020B0604020202020204" pitchFamily="34" charset="0"/>
-              <a:buChar char="•"/>
-            </a:pPr>
-            <a:r>
-              <a:rPr lang="en-US" sz="2400" dirty="0"/>
-              <a:t>Xamarin offers more functions and can capture mobile functions.</a:t>
+              <a:rPr lang="en-US" dirty="0"/>
+              <a:t>LINQ</a:t>
+            </a:r>
+          </a:p>
+        </p:txBody>
+      </p:sp>
+      <p:sp>
+        <p:nvSpPr>
+          <p:cNvPr id="3" name="Content Placeholder 2"/>
+          <p:cNvSpPr>
+            <a:spLocks noGrp="1"/>
+          </p:cNvSpPr>
+          <p:nvPr>
+            <p:ph idx="1"/>
+          </p:nvPr>
+        </p:nvSpPr>
+        <p:spPr/>
+        <p:txBody>
+          <a:bodyPr/>
+          <a:lstStyle/>
+          <a:p>
+            <a:r>
+              <a:rPr lang="en-US" dirty="0"/>
+              <a:t>Eases the transition from object oriented languages to relational queries.</a:t>
+            </a:r>
+          </a:p>
+          <a:p>
+            <a:r>
+              <a:rPr lang="en-US" dirty="0"/>
+              <a:t>Can write database queries, inserts, updates, and deletes in languages like C# instead of SQL.</a:t>
+            </a:r>
+          </a:p>
+          <a:p>
+            <a:r>
+              <a:rPr lang="en-US" dirty="0"/>
+              <a:t>Integrated into Visual Studio and SQL Server.</a:t>
+            </a:r>
+          </a:p>
+          <a:p>
+            <a:r>
+              <a:rPr lang="en-US" dirty="0"/>
+              <a:t>Allows us to utilize SQL </a:t>
+            </a:r>
+            <a:r>
+              <a:rPr lang="en-US"/>
+              <a:t>Server’s security tools.</a:t>
             </a:r>
           </a:p>
         </p:txBody>
@@ -4379,7 +3537,7 @@
     </p:spTree>
     <p:extLst>
       <p:ext uri="{BB962C8B-B14F-4D97-AF65-F5344CB8AC3E}">
-        <p14:creationId xmlns:p14="http://schemas.microsoft.com/office/powerpoint/2010/main" val="684134583"/>
+        <p14:creationId xmlns:p14="http://schemas.microsoft.com/office/powerpoint/2010/main" val="3733634116"/>
       </p:ext>
     </p:extLst>
   </p:cSld>
@@ -4411,6 +3569,266 @@
           <p:cNvPr id="2" name="Title 1">
             <a:extLst>
               <a:ext uri="{FF2B5EF4-FFF2-40B4-BE49-F238E27FC236}">
+                <a16:creationId xmlns:a16="http://schemas.microsoft.com/office/drawing/2014/main" id="{5CCE5219-BA2A-441E-8452-F80006D64435}"/>
+              </a:ext>
+            </a:extLst>
+          </p:cNvPr>
+          <p:cNvSpPr>
+            <a:spLocks noGrp="1"/>
+          </p:cNvSpPr>
+          <p:nvPr>
+            <p:ph type="title"/>
+          </p:nvPr>
+        </p:nvSpPr>
+        <p:spPr/>
+        <p:txBody>
+          <a:bodyPr/>
+          <a:lstStyle/>
+          <a:p>
+            <a:r>
+              <a:rPr lang="en-US" i="1" dirty="0"/>
+              <a:t>Microsoft Visual Studios</a:t>
+            </a:r>
+          </a:p>
+        </p:txBody>
+      </p:sp>
+      <p:sp>
+        <p:nvSpPr>
+          <p:cNvPr id="4" name="TextBox 3">
+            <a:extLst>
+              <a:ext uri="{FF2B5EF4-FFF2-40B4-BE49-F238E27FC236}">
+                <a16:creationId xmlns:a16="http://schemas.microsoft.com/office/drawing/2014/main" id="{35FEDF86-0880-4749-A49F-7F0519121EA1}"/>
+              </a:ext>
+            </a:extLst>
+          </p:cNvPr>
+          <p:cNvSpPr txBox="1"/>
+          <p:nvPr/>
+        </p:nvSpPr>
+        <p:spPr>
+          <a:xfrm>
+            <a:off x="838200" y="1459855"/>
+            <a:ext cx="4854632" cy="461665"/>
+          </a:xfrm>
+          <a:prstGeom prst="rect">
+            <a:avLst/>
+          </a:prstGeom>
+          <a:noFill/>
+        </p:spPr>
+        <p:txBody>
+          <a:bodyPr wrap="square" rtlCol="0">
+            <a:spAutoFit/>
+          </a:bodyPr>
+          <a:lstStyle/>
+          <a:p>
+            <a:r>
+              <a:rPr lang="en-US" sz="2400" b="1" dirty="0"/>
+              <a:t>Offers</a:t>
+            </a:r>
+          </a:p>
+        </p:txBody>
+      </p:sp>
+      <p:sp>
+        <p:nvSpPr>
+          <p:cNvPr id="5" name="TextBox 4">
+            <a:extLst>
+              <a:ext uri="{FF2B5EF4-FFF2-40B4-BE49-F238E27FC236}">
+                <a16:creationId xmlns:a16="http://schemas.microsoft.com/office/drawing/2014/main" id="{A3EA6AC5-0CE2-4683-A8B0-BE5E4C26EFF2}"/>
+              </a:ext>
+            </a:extLst>
+          </p:cNvPr>
+          <p:cNvSpPr txBox="1"/>
+          <p:nvPr/>
+        </p:nvSpPr>
+        <p:spPr>
+          <a:xfrm>
+            <a:off x="838200" y="1921520"/>
+            <a:ext cx="4854632" cy="1846659"/>
+          </a:xfrm>
+          <a:prstGeom prst="rect">
+            <a:avLst/>
+          </a:prstGeom>
+          <a:noFill/>
+        </p:spPr>
+        <p:txBody>
+          <a:bodyPr wrap="square" rtlCol="0">
+            <a:spAutoFit/>
+          </a:bodyPr>
+          <a:lstStyle/>
+          <a:p>
+            <a:pPr marL="285750" indent="-285750">
+              <a:buFont typeface="Arial" panose="020B0604020202020204" pitchFamily="34" charset="0"/>
+              <a:buChar char="•"/>
+            </a:pPr>
+            <a:r>
+              <a:rPr lang="en-US" sz="2400" dirty="0"/>
+              <a:t>.NET</a:t>
+            </a:r>
+          </a:p>
+          <a:p>
+            <a:pPr marL="285750" indent="-285750">
+              <a:buFont typeface="Arial" panose="020B0604020202020204" pitchFamily="34" charset="0"/>
+              <a:buChar char="•"/>
+            </a:pPr>
+            <a:r>
+              <a:rPr lang="en-US" sz="2400" dirty="0"/>
+              <a:t>Azure</a:t>
+            </a:r>
+          </a:p>
+          <a:p>
+            <a:pPr marL="285750" indent="-285750">
+              <a:buFont typeface="Arial" panose="020B0604020202020204" pitchFamily="34" charset="0"/>
+              <a:buChar char="•"/>
+            </a:pPr>
+            <a:r>
+              <a:rPr lang="en-US" sz="2400" dirty="0"/>
+              <a:t>Xamarin</a:t>
+            </a:r>
+          </a:p>
+          <a:p>
+            <a:pPr marL="285750" indent="-285750">
+              <a:buFont typeface="Arial" panose="020B0604020202020204" pitchFamily="34" charset="0"/>
+              <a:buChar char="•"/>
+            </a:pPr>
+            <a:endParaRPr lang="en-US" sz="2400" dirty="0"/>
+          </a:p>
+          <a:p>
+            <a:pPr marL="285750" indent="-285750">
+              <a:buFont typeface="Arial" panose="020B0604020202020204" pitchFamily="34" charset="0"/>
+              <a:buChar char="•"/>
+            </a:pPr>
+            <a:endParaRPr lang="en-US" dirty="0"/>
+          </a:p>
+        </p:txBody>
+      </p:sp>
+      <p:sp>
+        <p:nvSpPr>
+          <p:cNvPr id="6" name="TextBox 5">
+            <a:extLst>
+              <a:ext uri="{FF2B5EF4-FFF2-40B4-BE49-F238E27FC236}">
+                <a16:creationId xmlns:a16="http://schemas.microsoft.com/office/drawing/2014/main" id="{8F86A966-F811-4A4D-B19F-68A087362C7D}"/>
+              </a:ext>
+            </a:extLst>
+          </p:cNvPr>
+          <p:cNvSpPr txBox="1"/>
+          <p:nvPr/>
+        </p:nvSpPr>
+        <p:spPr>
+          <a:xfrm>
+            <a:off x="5692832" y="1506021"/>
+            <a:ext cx="2377440" cy="461665"/>
+          </a:xfrm>
+          <a:prstGeom prst="rect">
+            <a:avLst/>
+          </a:prstGeom>
+          <a:noFill/>
+        </p:spPr>
+        <p:txBody>
+          <a:bodyPr wrap="square" rtlCol="0">
+            <a:spAutoFit/>
+          </a:bodyPr>
+          <a:lstStyle/>
+          <a:p>
+            <a:r>
+              <a:rPr lang="en-US" sz="2400" b="1" dirty="0"/>
+              <a:t>How it affects us</a:t>
+            </a:r>
+          </a:p>
+        </p:txBody>
+      </p:sp>
+      <p:sp>
+        <p:nvSpPr>
+          <p:cNvPr id="7" name="TextBox 6">
+            <a:extLst>
+              <a:ext uri="{FF2B5EF4-FFF2-40B4-BE49-F238E27FC236}">
+                <a16:creationId xmlns:a16="http://schemas.microsoft.com/office/drawing/2014/main" id="{BF1449ED-421C-4F50-BEDE-C556AAD105AD}"/>
+              </a:ext>
+            </a:extLst>
+          </p:cNvPr>
+          <p:cNvSpPr txBox="1"/>
+          <p:nvPr/>
+        </p:nvSpPr>
+        <p:spPr>
+          <a:xfrm>
+            <a:off x="5692832" y="1967686"/>
+            <a:ext cx="4560916" cy="2308324"/>
+          </a:xfrm>
+          <a:prstGeom prst="rect">
+            <a:avLst/>
+          </a:prstGeom>
+          <a:noFill/>
+        </p:spPr>
+        <p:txBody>
+          <a:bodyPr wrap="square" rtlCol="0">
+            <a:spAutoFit/>
+          </a:bodyPr>
+          <a:lstStyle/>
+          <a:p>
+            <a:pPr marL="285750" indent="-285750">
+              <a:buFont typeface="Arial" panose="020B0604020202020204" pitchFamily="34" charset="0"/>
+              <a:buChar char="•"/>
+            </a:pPr>
+            <a:r>
+              <a:rPr lang="en-US" sz="2400" dirty="0"/>
+              <a:t>.NET provides Cross Platform </a:t>
+            </a:r>
+          </a:p>
+          <a:p>
+            <a:pPr marL="285750" indent="-285750">
+              <a:buFont typeface="Arial" panose="020B0604020202020204" pitchFamily="34" charset="0"/>
+              <a:buChar char="•"/>
+            </a:pPr>
+            <a:r>
+              <a:rPr lang="en-US" sz="2400" dirty="0"/>
+              <a:t>Azure allows secure remote connection to database</a:t>
+            </a:r>
+          </a:p>
+          <a:p>
+            <a:pPr marL="285750" indent="-285750">
+              <a:buFont typeface="Arial" panose="020B0604020202020204" pitchFamily="34" charset="0"/>
+              <a:buChar char="•"/>
+            </a:pPr>
+            <a:r>
+              <a:rPr lang="en-US" sz="2400" dirty="0"/>
+              <a:t>Xamarin offers more functions and can capture mobile functions.</a:t>
+            </a:r>
+          </a:p>
+        </p:txBody>
+      </p:sp>
+    </p:spTree>
+    <p:extLst>
+      <p:ext uri="{BB962C8B-B14F-4D97-AF65-F5344CB8AC3E}">
+        <p14:creationId xmlns:p14="http://schemas.microsoft.com/office/powerpoint/2010/main" val="684134583"/>
+      </p:ext>
+    </p:extLst>
+  </p:cSld>
+  <p:clrMapOvr>
+    <a:masterClrMapping/>
+  </p:clrMapOvr>
+</p:sld>
+</file>
+
+<file path=ppt/slides/slide12.xml><?xml version="1.0" encoding="utf-8"?>
+<p:sld xmlns:a="http://schemas.openxmlformats.org/drawingml/2006/main" xmlns:r="http://schemas.openxmlformats.org/officeDocument/2006/relationships" xmlns:p="http://schemas.openxmlformats.org/presentationml/2006/main">
+  <p:cSld>
+    <p:spTree>
+      <p:nvGrpSpPr>
+        <p:cNvPr id="1" name=""/>
+        <p:cNvGrpSpPr/>
+        <p:nvPr/>
+      </p:nvGrpSpPr>
+      <p:grpSpPr>
+        <a:xfrm>
+          <a:off x="0" y="0"/>
+          <a:ext cx="0" cy="0"/>
+          <a:chOff x="0" y="0"/>
+          <a:chExt cx="0" cy="0"/>
+        </a:xfrm>
+      </p:grpSpPr>
+      <p:sp>
+        <p:nvSpPr>
+          <p:cNvPr id="2" name="Title 1">
+            <a:extLst>
+              <a:ext uri="{FF2B5EF4-FFF2-40B4-BE49-F238E27FC236}">
                 <a16:creationId xmlns:a16="http://schemas.microsoft.com/office/drawing/2014/main" id="{7537AEA4-F075-4576-B563-32CA4945037C}"/>
               </a:ext>
             </a:extLst>
@@ -4490,7 +3908,7 @@
 </p:sld>
 </file>
 
-<file path=ppt/slides/slide12.xml><?xml version="1.0" encoding="utf-8"?>
+<file path=ppt/slides/slide13.xml><?xml version="1.0" encoding="utf-8"?>
 <p:sld xmlns:a="http://schemas.openxmlformats.org/drawingml/2006/main" xmlns:r="http://schemas.openxmlformats.org/officeDocument/2006/relationships" xmlns:p="http://schemas.openxmlformats.org/presentationml/2006/main">
   <p:cSld>
     <p:spTree>
@@ -4726,7 +4144,7 @@
           <p:cNvPr id="2" name="Title 1">
             <a:extLst>
               <a:ext uri="{FF2B5EF4-FFF2-40B4-BE49-F238E27FC236}">
-                <a16:creationId xmlns:a16="http://schemas.microsoft.com/office/drawing/2014/main" id="{79C571FD-DFB4-4F2E-8442-3A9C3AE15938}"/>
+                <a16:creationId xmlns:a16="http://schemas.microsoft.com/office/drawing/2014/main" id="{CAC786BC-379A-49E8-A3CE-2C1AD529D1BB}"/>
               </a:ext>
             </a:extLst>
           </p:cNvPr>
@@ -4752,57 +4170,147 @@
       </p:sp>
       <p:sp>
         <p:nvSpPr>
-          <p:cNvPr id="3" name="Content Placeholder 2">
-            <a:extLst>
-              <a:ext uri="{FF2B5EF4-FFF2-40B4-BE49-F238E27FC236}">
-                <a16:creationId xmlns:a16="http://schemas.microsoft.com/office/drawing/2014/main" id="{946CC509-B363-4853-B58E-B8A4B205BDE9}"/>
-              </a:ext>
-            </a:extLst>
-          </p:cNvPr>
-          <p:cNvSpPr>
-            <a:spLocks noGrp="1"/>
-          </p:cNvSpPr>
-          <p:nvPr>
-            <p:ph idx="1"/>
-          </p:nvPr>
-        </p:nvSpPr>
-        <p:spPr/>
-        <p:txBody>
-          <a:bodyPr/>
-          <a:lstStyle/>
-          <a:p>
-            <a:r>
-              <a:rPr lang="en-US" dirty="0"/>
-              <a:t>Establishes Student Information Handling Procedures </a:t>
-            </a:r>
-          </a:p>
-          <a:p>
-            <a:r>
-              <a:rPr lang="en-US" dirty="0"/>
-              <a:t>Sets Security Minimums on Student Information Storage</a:t>
-            </a:r>
-          </a:p>
-          <a:p>
-            <a:r>
-              <a:rPr lang="en-US" dirty="0"/>
-              <a:t>Sets Data Access Security Requirement Minimums</a:t>
-            </a:r>
-          </a:p>
-          <a:p>
-            <a:r>
-              <a:rPr lang="en-US" dirty="0"/>
-              <a:t>The final say on what kosher when it comes to student information</a:t>
-            </a:r>
-          </a:p>
-          <a:p>
+          <p:cNvPr id="3" name="Text Placeholder 2">
+            <a:extLst>
+              <a:ext uri="{FF2B5EF4-FFF2-40B4-BE49-F238E27FC236}">
+                <a16:creationId xmlns:a16="http://schemas.microsoft.com/office/drawing/2014/main" id="{6556028A-A717-4DCE-A52B-F596104992D9}"/>
+              </a:ext>
+            </a:extLst>
+          </p:cNvPr>
+          <p:cNvSpPr>
+            <a:spLocks noGrp="1"/>
+          </p:cNvSpPr>
+          <p:nvPr>
+            <p:ph type="body" idx="1"/>
+          </p:nvPr>
+        </p:nvSpPr>
+        <p:spPr/>
+        <p:txBody>
+          <a:bodyPr/>
+          <a:lstStyle/>
+          <a:p>
+            <a:r>
+              <a:rPr lang="en-US" dirty="0"/>
+              <a:t>Governs</a:t>
+            </a:r>
+          </a:p>
+        </p:txBody>
+      </p:sp>
+      <p:sp>
+        <p:nvSpPr>
+          <p:cNvPr id="4" name="Content Placeholder 3">
+            <a:extLst>
+              <a:ext uri="{FF2B5EF4-FFF2-40B4-BE49-F238E27FC236}">
+                <a16:creationId xmlns:a16="http://schemas.microsoft.com/office/drawing/2014/main" id="{A5112BE1-3A18-4843-AD80-6D737A577A7F}"/>
+              </a:ext>
+            </a:extLst>
+          </p:cNvPr>
+          <p:cNvSpPr>
+            <a:spLocks noGrp="1"/>
+          </p:cNvSpPr>
+          <p:nvPr>
+            <p:ph sz="half" idx="2"/>
+          </p:nvPr>
+        </p:nvSpPr>
+        <p:spPr/>
+        <p:txBody>
+          <a:bodyPr/>
+          <a:lstStyle/>
+          <a:p>
+            <a:r>
+              <a:rPr lang="en-US" dirty="0"/>
+              <a:t>Student Information Handling Procedures </a:t>
+            </a:r>
+          </a:p>
+          <a:p>
+            <a:r>
+              <a:rPr lang="en-US" dirty="0"/>
+              <a:t>Security Minimums on Information Storage</a:t>
+            </a:r>
+          </a:p>
+          <a:p>
+            <a:r>
+              <a:rPr lang="en-US" dirty="0"/>
+              <a:t>Data Access Requirement Minimums</a:t>
+            </a:r>
+          </a:p>
+          <a:p>
+            <a:pPr marL="0" indent="0">
+              <a:buNone/>
+            </a:pPr>
             <a:endParaRPr lang="en-US" dirty="0"/>
+          </a:p>
+          <a:p>
+            <a:endParaRPr lang="en-US" dirty="0"/>
+          </a:p>
+        </p:txBody>
+      </p:sp>
+      <p:sp>
+        <p:nvSpPr>
+          <p:cNvPr id="5" name="Text Placeholder 4">
+            <a:extLst>
+              <a:ext uri="{FF2B5EF4-FFF2-40B4-BE49-F238E27FC236}">
+                <a16:creationId xmlns:a16="http://schemas.microsoft.com/office/drawing/2014/main" id="{A965EBF9-E242-4A05-9F24-344E03993DD5}"/>
+              </a:ext>
+            </a:extLst>
+          </p:cNvPr>
+          <p:cNvSpPr>
+            <a:spLocks noGrp="1"/>
+          </p:cNvSpPr>
+          <p:nvPr>
+            <p:ph type="body" sz="quarter" idx="3"/>
+          </p:nvPr>
+        </p:nvSpPr>
+        <p:spPr/>
+        <p:txBody>
+          <a:bodyPr/>
+          <a:lstStyle/>
+          <a:p>
+            <a:r>
+              <a:rPr lang="en-US" dirty="0"/>
+              <a:t>Affect on us </a:t>
+            </a:r>
+          </a:p>
+        </p:txBody>
+      </p:sp>
+      <p:sp>
+        <p:nvSpPr>
+          <p:cNvPr id="6" name="Content Placeholder 5">
+            <a:extLst>
+              <a:ext uri="{FF2B5EF4-FFF2-40B4-BE49-F238E27FC236}">
+                <a16:creationId xmlns:a16="http://schemas.microsoft.com/office/drawing/2014/main" id="{243C43AF-131C-4ED2-872F-31927045F7F7}"/>
+              </a:ext>
+            </a:extLst>
+          </p:cNvPr>
+          <p:cNvSpPr>
+            <a:spLocks noGrp="1"/>
+          </p:cNvSpPr>
+          <p:nvPr>
+            <p:ph sz="quarter" idx="4"/>
+          </p:nvPr>
+        </p:nvSpPr>
+        <p:spPr/>
+        <p:txBody>
+          <a:bodyPr/>
+          <a:lstStyle/>
+          <a:p>
+            <a:r>
+              <a:rPr lang="en-US" dirty="0"/>
+              <a:t>The Application Will Be Handling Accounts Tied University Students and Staff </a:t>
+            </a:r>
+          </a:p>
+          <a:p>
+            <a:r>
+              <a:rPr lang="en-US" dirty="0"/>
+              <a:t>It Would Be Preferable To Piggyback Off the North Dakota University System (NDUS) Account System </a:t>
+            </a:r>
           </a:p>
         </p:txBody>
       </p:sp>
     </p:spTree>
     <p:extLst>
       <p:ext uri="{BB962C8B-B14F-4D97-AF65-F5344CB8AC3E}">
-        <p14:creationId xmlns:p14="http://schemas.microsoft.com/office/powerpoint/2010/main" val="1968517323"/>
+        <p14:creationId xmlns:p14="http://schemas.microsoft.com/office/powerpoint/2010/main" val="253005195"/>
       </p:ext>
     </p:extLst>
   </p:cSld>
@@ -4834,7 +4342,7 @@
           <p:cNvPr id="2" name="Title 1">
             <a:extLst>
               <a:ext uri="{FF2B5EF4-FFF2-40B4-BE49-F238E27FC236}">
-                <a16:creationId xmlns:a16="http://schemas.microsoft.com/office/drawing/2014/main" id="{7C50C541-4189-4126-A522-DACC1E59B6B1}"/>
+                <a16:creationId xmlns:a16="http://schemas.microsoft.com/office/drawing/2014/main" id="{34800167-FD47-4A27-BEA4-CD368B38B115}"/>
               </a:ext>
             </a:extLst>
           </p:cNvPr>
@@ -4852,7 +4360,7 @@
           <a:p>
             <a:r>
               <a:rPr lang="en-US" dirty="0"/>
-              <a:t>THD Mobile (Application)</a:t>
+              <a:t>SQL Security Pit Falls (article)</a:t>
             </a:r>
           </a:p>
         </p:txBody>
@@ -4862,7 +4370,7 @@
           <p:cNvPr id="3" name="Text Placeholder 2">
             <a:extLst>
               <a:ext uri="{FF2B5EF4-FFF2-40B4-BE49-F238E27FC236}">
-                <a16:creationId xmlns:a16="http://schemas.microsoft.com/office/drawing/2014/main" id="{78383CFF-948F-47A9-ADBF-2989635B28AE}"/>
+                <a16:creationId xmlns:a16="http://schemas.microsoft.com/office/drawing/2014/main" id="{44873493-9DCC-43A4-978C-A37CACBC786C}"/>
               </a:ext>
             </a:extLst>
           </p:cNvPr>
@@ -4880,7 +4388,7 @@
           <a:p>
             <a:r>
               <a:rPr lang="en-US" dirty="0"/>
-              <a:t>Uses</a:t>
+              <a:t>Covers</a:t>
             </a:r>
           </a:p>
         </p:txBody>
@@ -4890,7 +4398,7 @@
           <p:cNvPr id="4" name="Content Placeholder 3">
             <a:extLst>
               <a:ext uri="{FF2B5EF4-FFF2-40B4-BE49-F238E27FC236}">
-                <a16:creationId xmlns:a16="http://schemas.microsoft.com/office/drawing/2014/main" id="{7850CBD6-9C4C-472E-8A11-F10611121523}"/>
+                <a16:creationId xmlns:a16="http://schemas.microsoft.com/office/drawing/2014/main" id="{003FFD00-4BC9-4E9D-96A1-EF72E5003706}"/>
               </a:ext>
             </a:extLst>
           </p:cNvPr>
@@ -4908,26 +4416,8 @@
           <a:p>
             <a:r>
               <a:rPr lang="en-US" dirty="0"/>
-              <a:t>Inventory Tracking App Used by Housing  </a:t>
-            </a:r>
-          </a:p>
-          <a:p>
-            <a:r>
-              <a:rPr lang="en-US" dirty="0"/>
-              <a:t>A commercial Product Customized for the University</a:t>
-            </a:r>
-          </a:p>
-          <a:p>
-            <a:pPr marL="0" indent="0">
-              <a:buNone/>
-            </a:pPr>
-            <a:r>
-              <a:rPr lang="en-US" dirty="0"/>
-              <a:t> </a:t>
-            </a:r>
-          </a:p>
-          <a:p>
-            <a:endParaRPr lang="en-US" dirty="0"/>
+              <a:t>Highlights Comin Points of Security Failure for SQL Servers </a:t>
+            </a:r>
           </a:p>
         </p:txBody>
       </p:sp>
@@ -4936,7 +4426,7 @@
           <p:cNvPr id="5" name="Text Placeholder 4">
             <a:extLst>
               <a:ext uri="{FF2B5EF4-FFF2-40B4-BE49-F238E27FC236}">
-                <a16:creationId xmlns:a16="http://schemas.microsoft.com/office/drawing/2014/main" id="{D7561C5D-B53D-4A9D-8BD7-A7690EDBCA4F}"/>
+                <a16:creationId xmlns:a16="http://schemas.microsoft.com/office/drawing/2014/main" id="{81E02D4E-6F66-4166-BD7B-168A6D68CA3E}"/>
               </a:ext>
             </a:extLst>
           </p:cNvPr>
@@ -4954,7 +4444,7 @@
           <a:p>
             <a:r>
               <a:rPr lang="en-US" dirty="0"/>
-              <a:t>Acts as an example of:</a:t>
+              <a:t>Affect on us</a:t>
             </a:r>
           </a:p>
         </p:txBody>
@@ -4964,7 +4454,7 @@
           <p:cNvPr id="6" name="Content Placeholder 5">
             <a:extLst>
               <a:ext uri="{FF2B5EF4-FFF2-40B4-BE49-F238E27FC236}">
-                <a16:creationId xmlns:a16="http://schemas.microsoft.com/office/drawing/2014/main" id="{779AC2AA-C062-42F2-A7A9-5E6408607114}"/>
+                <a16:creationId xmlns:a16="http://schemas.microsoft.com/office/drawing/2014/main" id="{CEAC036E-BCB6-4A4A-86C0-0ACB51952F3D}"/>
               </a:ext>
             </a:extLst>
           </p:cNvPr>
@@ -4982,36 +4472,27 @@
           <a:p>
             <a:r>
               <a:rPr lang="en-US" dirty="0"/>
-              <a:t>User Quality of Life Failures </a:t>
-            </a:r>
-          </a:p>
-          <a:p>
-            <a:r>
-              <a:rPr lang="en-US" dirty="0"/>
-              <a:t>UI Design Form Vs. Function</a:t>
-            </a:r>
-          </a:p>
-          <a:p>
-            <a:r>
-              <a:rPr lang="en-US" dirty="0"/>
-              <a:t>Successes and Failures of Information Persistence Between Screens</a:t>
-            </a:r>
-          </a:p>
-          <a:p>
-            <a:r>
-              <a:rPr lang="en-US" dirty="0"/>
-              <a:t>Task Designed for Vs. Task Used for</a:t>
-            </a:r>
-          </a:p>
-          <a:p>
-            <a:endParaRPr lang="en-US" dirty="0"/>
+              <a:t>The Applications Backend Will Be a SQL Server Bring </a:t>
+            </a:r>
+          </a:p>
+          <a:p>
+            <a:r>
+              <a:rPr lang="en-US" dirty="0"/>
+              <a:t>Knowing Possible Points Of Failure Allows For Countermeasures to be taken</a:t>
+            </a:r>
+          </a:p>
+          <a:p>
+            <a:r>
+              <a:rPr lang="en-US" dirty="0"/>
+              <a:t>Some Features Carry Security Requirements </a:t>
+            </a:r>
           </a:p>
         </p:txBody>
       </p:sp>
     </p:spTree>
     <p:extLst>
       <p:ext uri="{BB962C8B-B14F-4D97-AF65-F5344CB8AC3E}">
-        <p14:creationId xmlns:p14="http://schemas.microsoft.com/office/powerpoint/2010/main" val="1851164292"/>
+        <p14:creationId xmlns:p14="http://schemas.microsoft.com/office/powerpoint/2010/main" val="2929340456"/>
       </p:ext>
     </p:extLst>
   </p:cSld>
@@ -5043,7 +4524,7 @@
           <p:cNvPr id="2" name="Title 1">
             <a:extLst>
               <a:ext uri="{FF2B5EF4-FFF2-40B4-BE49-F238E27FC236}">
-                <a16:creationId xmlns:a16="http://schemas.microsoft.com/office/drawing/2014/main" id="{8249F8EF-1D0A-4F82-8B09-5C64B1D9E913}"/>
+                <a16:creationId xmlns:a16="http://schemas.microsoft.com/office/drawing/2014/main" id="{7C50C541-4189-4126-A522-DACC1E59B6B1}"/>
               </a:ext>
             </a:extLst>
           </p:cNvPr>
@@ -5061,63 +4542,166 @@
           <a:p>
             <a:r>
               <a:rPr lang="en-US" dirty="0"/>
-              <a:t>SQL Security Pit Falls + </a:t>
-            </a:r>
-            <a:br>
-              <a:rPr lang="en-US" dirty="0"/>
-            </a:br>
-            <a:r>
-              <a:rPr lang="en-US" i="1" dirty="0"/>
-              <a:t>SQL feature Documentation</a:t>
-            </a:r>
+              <a:t>THD Mobile (Application)</a:t>
+            </a:r>
+          </a:p>
+        </p:txBody>
+      </p:sp>
+      <p:sp>
+        <p:nvSpPr>
+          <p:cNvPr id="3" name="Text Placeholder 2">
+            <a:extLst>
+              <a:ext uri="{FF2B5EF4-FFF2-40B4-BE49-F238E27FC236}">
+                <a16:creationId xmlns:a16="http://schemas.microsoft.com/office/drawing/2014/main" id="{78383CFF-948F-47A9-ADBF-2989635B28AE}"/>
+              </a:ext>
+            </a:extLst>
+          </p:cNvPr>
+          <p:cNvSpPr>
+            <a:spLocks noGrp="1"/>
+          </p:cNvSpPr>
+          <p:nvPr>
+            <p:ph type="body" idx="1"/>
+          </p:nvPr>
+        </p:nvSpPr>
+        <p:spPr/>
+        <p:txBody>
+          <a:bodyPr/>
+          <a:lstStyle/>
+          <a:p>
+            <a:r>
+              <a:rPr lang="en-US" dirty="0"/>
+              <a:t>Uses</a:t>
+            </a:r>
+          </a:p>
+        </p:txBody>
+      </p:sp>
+      <p:sp>
+        <p:nvSpPr>
+          <p:cNvPr id="4" name="Content Placeholder 3">
+            <a:extLst>
+              <a:ext uri="{FF2B5EF4-FFF2-40B4-BE49-F238E27FC236}">
+                <a16:creationId xmlns:a16="http://schemas.microsoft.com/office/drawing/2014/main" id="{7850CBD6-9C4C-472E-8A11-F10611121523}"/>
+              </a:ext>
+            </a:extLst>
+          </p:cNvPr>
+          <p:cNvSpPr>
+            <a:spLocks noGrp="1"/>
+          </p:cNvSpPr>
+          <p:nvPr>
+            <p:ph sz="half" idx="2"/>
+          </p:nvPr>
+        </p:nvSpPr>
+        <p:spPr/>
+        <p:txBody>
+          <a:bodyPr/>
+          <a:lstStyle/>
+          <a:p>
+            <a:r>
+              <a:rPr lang="en-US" dirty="0"/>
+              <a:t>Inventory Tracking App Used by Housing  </a:t>
+            </a:r>
+          </a:p>
+          <a:p>
+            <a:r>
+              <a:rPr lang="en-US" dirty="0"/>
+              <a:t>A commercial Product Customized for the University</a:t>
+            </a:r>
+          </a:p>
+          <a:p>
+            <a:pPr marL="0" indent="0">
+              <a:buNone/>
+            </a:pPr>
+            <a:r>
+              <a:rPr lang="en-US" dirty="0"/>
+              <a:t> </a:t>
+            </a:r>
+          </a:p>
+          <a:p>
             <a:endParaRPr lang="en-US" dirty="0"/>
           </a:p>
         </p:txBody>
       </p:sp>
       <p:sp>
         <p:nvSpPr>
-          <p:cNvPr id="3" name="Content Placeholder 2">
-            <a:extLst>
-              <a:ext uri="{FF2B5EF4-FFF2-40B4-BE49-F238E27FC236}">
-                <a16:creationId xmlns:a16="http://schemas.microsoft.com/office/drawing/2014/main" id="{ECFC4ABF-5B1A-477F-BA66-7C0E95A4CFE3}"/>
-              </a:ext>
-            </a:extLst>
-          </p:cNvPr>
-          <p:cNvSpPr>
-            <a:spLocks noGrp="1"/>
-          </p:cNvSpPr>
-          <p:nvPr>
-            <p:ph idx="1"/>
-          </p:nvPr>
-        </p:nvSpPr>
-        <p:spPr/>
-        <p:txBody>
-          <a:bodyPr/>
-          <a:lstStyle/>
-          <a:p>
-            <a:r>
-              <a:rPr lang="en-US" dirty="0"/>
-              <a:t>The security pit falls articles highlights common points of security failure for SQL servers </a:t>
-            </a:r>
-          </a:p>
-          <a:p>
-            <a:r>
-              <a:rPr lang="en-US" dirty="0"/>
-              <a:t>SQL feature documentation allows us to build in countermeasures to the pit falls highlighted by the articles.</a:t>
-            </a:r>
-          </a:p>
-          <a:p>
-            <a:r>
-              <a:rPr lang="en-US" dirty="0"/>
-              <a:t>Building in countermeasures allows us to comply with FERPA</a:t>
-            </a:r>
+          <p:cNvPr id="5" name="Text Placeholder 4">
+            <a:extLst>
+              <a:ext uri="{FF2B5EF4-FFF2-40B4-BE49-F238E27FC236}">
+                <a16:creationId xmlns:a16="http://schemas.microsoft.com/office/drawing/2014/main" id="{D7561C5D-B53D-4A9D-8BD7-A7690EDBCA4F}"/>
+              </a:ext>
+            </a:extLst>
+          </p:cNvPr>
+          <p:cNvSpPr>
+            <a:spLocks noGrp="1"/>
+          </p:cNvSpPr>
+          <p:nvPr>
+            <p:ph type="body" sz="quarter" idx="3"/>
+          </p:nvPr>
+        </p:nvSpPr>
+        <p:spPr/>
+        <p:txBody>
+          <a:bodyPr/>
+          <a:lstStyle/>
+          <a:p>
+            <a:r>
+              <a:rPr lang="en-US" dirty="0"/>
+              <a:t>Acts as an example of:</a:t>
+            </a:r>
+          </a:p>
+        </p:txBody>
+      </p:sp>
+      <p:sp>
+        <p:nvSpPr>
+          <p:cNvPr id="6" name="Content Placeholder 5">
+            <a:extLst>
+              <a:ext uri="{FF2B5EF4-FFF2-40B4-BE49-F238E27FC236}">
+                <a16:creationId xmlns:a16="http://schemas.microsoft.com/office/drawing/2014/main" id="{779AC2AA-C062-42F2-A7A9-5E6408607114}"/>
+              </a:ext>
+            </a:extLst>
+          </p:cNvPr>
+          <p:cNvSpPr>
+            <a:spLocks noGrp="1"/>
+          </p:cNvSpPr>
+          <p:nvPr>
+            <p:ph sz="quarter" idx="4"/>
+          </p:nvPr>
+        </p:nvSpPr>
+        <p:spPr/>
+        <p:txBody>
+          <a:bodyPr/>
+          <a:lstStyle/>
+          <a:p>
+            <a:r>
+              <a:rPr lang="en-US" dirty="0"/>
+              <a:t>User Quality of Life Failures </a:t>
+            </a:r>
+          </a:p>
+          <a:p>
+            <a:r>
+              <a:rPr lang="en-US" dirty="0"/>
+              <a:t>UI Design Form Vs. Function</a:t>
+            </a:r>
+          </a:p>
+          <a:p>
+            <a:r>
+              <a:rPr lang="en-US" dirty="0"/>
+              <a:t>Successes and Failures of Information Persistence Between Screens</a:t>
+            </a:r>
+          </a:p>
+          <a:p>
+            <a:r>
+              <a:rPr lang="en-US" dirty="0"/>
+              <a:t>Task Designed for Vs. Task Used for</a:t>
+            </a:r>
+          </a:p>
+          <a:p>
+            <a:endParaRPr lang="en-US" dirty="0"/>
           </a:p>
         </p:txBody>
       </p:sp>
     </p:spTree>
     <p:extLst>
       <p:ext uri="{BB962C8B-B14F-4D97-AF65-F5344CB8AC3E}">
-        <p14:creationId xmlns:p14="http://schemas.microsoft.com/office/powerpoint/2010/main" val="2970206587"/>
+        <p14:creationId xmlns:p14="http://schemas.microsoft.com/office/powerpoint/2010/main" val="1851164292"/>
       </p:ext>
     </p:extLst>
   </p:cSld>
@@ -5149,7 +4733,7 @@
           <p:cNvPr id="2" name="Title 1">
             <a:extLst>
               <a:ext uri="{FF2B5EF4-FFF2-40B4-BE49-F238E27FC236}">
-                <a16:creationId xmlns:a16="http://schemas.microsoft.com/office/drawing/2014/main" id="{D6F1348D-05FB-46C4-ACEC-360A0273D052}"/>
+                <a16:creationId xmlns:a16="http://schemas.microsoft.com/office/drawing/2014/main" id="{83DD9894-5F0E-40BC-8759-C1EADF6E2078}"/>
               </a:ext>
             </a:extLst>
           </p:cNvPr>
@@ -5166,60 +4750,146 @@
           <a:lstStyle/>
           <a:p>
             <a:r>
-              <a:rPr lang="en-US" dirty="0"/>
-              <a:t>Google Vision </a:t>
-            </a:r>
-          </a:p>
-        </p:txBody>
-      </p:sp>
-      <p:sp>
-        <p:nvSpPr>
-          <p:cNvPr id="3" name="Content Placeholder 2">
-            <a:extLst>
-              <a:ext uri="{FF2B5EF4-FFF2-40B4-BE49-F238E27FC236}">
-                <a16:creationId xmlns:a16="http://schemas.microsoft.com/office/drawing/2014/main" id="{8B0C7E99-48BC-420C-BEFF-B5E376A3F59C}"/>
-              </a:ext>
-            </a:extLst>
-          </p:cNvPr>
-          <p:cNvSpPr>
-            <a:spLocks noGrp="1"/>
-          </p:cNvSpPr>
-          <p:nvPr>
-            <p:ph idx="1"/>
-          </p:nvPr>
-        </p:nvSpPr>
-        <p:spPr/>
-        <p:txBody>
-          <a:bodyPr/>
-          <a:lstStyle/>
-          <a:p>
-            <a:r>
-              <a:rPr lang="en-US" dirty="0"/>
-              <a:t>Software and API Developed by Google To Detect and Translate Visual Input Including:</a:t>
+              <a:rPr lang="en-US" i="1" dirty="0"/>
+              <a:t>SQL feature Documentation</a:t>
+            </a:r>
+            <a:endParaRPr lang="en-US" dirty="0"/>
+          </a:p>
+        </p:txBody>
+      </p:sp>
+      <p:sp>
+        <p:nvSpPr>
+          <p:cNvPr id="3" name="Text Placeholder 2">
+            <a:extLst>
+              <a:ext uri="{FF2B5EF4-FFF2-40B4-BE49-F238E27FC236}">
+                <a16:creationId xmlns:a16="http://schemas.microsoft.com/office/drawing/2014/main" id="{4F757738-9431-4BA4-98CE-FE348BFD5A1A}"/>
+              </a:ext>
+            </a:extLst>
+          </p:cNvPr>
+          <p:cNvSpPr>
+            <a:spLocks noGrp="1"/>
+          </p:cNvSpPr>
+          <p:nvPr>
+            <p:ph type="body" idx="1"/>
+          </p:nvPr>
+        </p:nvSpPr>
+        <p:spPr/>
+        <p:txBody>
+          <a:bodyPr/>
+          <a:lstStyle/>
+          <a:p>
+            <a:r>
+              <a:rPr lang="en-US" dirty="0"/>
+              <a:t>Covers</a:t>
+            </a:r>
+          </a:p>
+        </p:txBody>
+      </p:sp>
+      <p:sp>
+        <p:nvSpPr>
+          <p:cNvPr id="4" name="Content Placeholder 3">
+            <a:extLst>
+              <a:ext uri="{FF2B5EF4-FFF2-40B4-BE49-F238E27FC236}">
+                <a16:creationId xmlns:a16="http://schemas.microsoft.com/office/drawing/2014/main" id="{990DC752-4349-4D96-A68E-DA1B62EF56CD}"/>
+              </a:ext>
+            </a:extLst>
+          </p:cNvPr>
+          <p:cNvSpPr>
+            <a:spLocks noGrp="1"/>
+          </p:cNvSpPr>
+          <p:nvPr>
+            <p:ph sz="half" idx="2"/>
+          </p:nvPr>
+        </p:nvSpPr>
+        <p:spPr/>
+        <p:txBody>
+          <a:bodyPr/>
+          <a:lstStyle/>
+          <a:p>
+            <a:r>
+              <a:rPr lang="en-US" dirty="0"/>
+              <a:t>All the Features Implemented in SQL </a:t>
+            </a:r>
+          </a:p>
+        </p:txBody>
+      </p:sp>
+      <p:sp>
+        <p:nvSpPr>
+          <p:cNvPr id="5" name="Text Placeholder 4">
+            <a:extLst>
+              <a:ext uri="{FF2B5EF4-FFF2-40B4-BE49-F238E27FC236}">
+                <a16:creationId xmlns:a16="http://schemas.microsoft.com/office/drawing/2014/main" id="{DBAC7B55-1450-4D6E-B6FC-AE6652D00B9E}"/>
+              </a:ext>
+            </a:extLst>
+          </p:cNvPr>
+          <p:cNvSpPr>
+            <a:spLocks noGrp="1"/>
+          </p:cNvSpPr>
+          <p:nvPr>
+            <p:ph type="body" sz="quarter" idx="3"/>
+          </p:nvPr>
+        </p:nvSpPr>
+        <p:spPr/>
+        <p:txBody>
+          <a:bodyPr/>
+          <a:lstStyle/>
+          <a:p>
+            <a:r>
+              <a:rPr lang="en-US" dirty="0"/>
+              <a:t>Affect On Us</a:t>
+            </a:r>
+          </a:p>
+        </p:txBody>
+      </p:sp>
+      <p:sp>
+        <p:nvSpPr>
+          <p:cNvPr id="6" name="Content Placeholder 5">
+            <a:extLst>
+              <a:ext uri="{FF2B5EF4-FFF2-40B4-BE49-F238E27FC236}">
+                <a16:creationId xmlns:a16="http://schemas.microsoft.com/office/drawing/2014/main" id="{723DC586-24A3-4EA5-92FB-97B859677572}"/>
+              </a:ext>
+            </a:extLst>
+          </p:cNvPr>
+          <p:cNvSpPr>
+            <a:spLocks noGrp="1"/>
+          </p:cNvSpPr>
+          <p:nvPr>
+            <p:ph sz="quarter" idx="4"/>
+          </p:nvPr>
+        </p:nvSpPr>
+        <p:spPr/>
+        <p:txBody>
+          <a:bodyPr/>
+          <a:lstStyle/>
+          <a:p>
+            <a:r>
+              <a:rPr lang="en-US" dirty="0"/>
+              <a:t>Provides the tools to be used to:</a:t>
             </a:r>
           </a:p>
           <a:p>
             <a:pPr lvl="1"/>
             <a:r>
               <a:rPr lang="en-US" dirty="0"/>
-              <a:t>Movement</a:t>
+              <a:t>Connect to the application</a:t>
             </a:r>
           </a:p>
           <a:p>
             <a:pPr lvl="1"/>
             <a:r>
               <a:rPr lang="en-US" dirty="0"/>
-              <a:t>Fecal Reignition</a:t>
+              <a:t>Close security holes </a:t>
             </a:r>
           </a:p>
           <a:p>
             <a:pPr lvl="1"/>
             <a:r>
               <a:rPr lang="en-US" dirty="0"/>
-              <a:t>Barcodes  </a:t>
-            </a:r>
-          </a:p>
-          <a:p>
+              <a:t>Connecting to the NDSU servers</a:t>
+            </a:r>
+          </a:p>
+          <a:p>
+            <a:pPr lvl="1"/>
             <a:endParaRPr lang="en-US" dirty="0"/>
           </a:p>
         </p:txBody>
@@ -5227,7 +4897,7 @@
     </p:spTree>
     <p:extLst>
       <p:ext uri="{BB962C8B-B14F-4D97-AF65-F5344CB8AC3E}">
-        <p14:creationId xmlns:p14="http://schemas.microsoft.com/office/powerpoint/2010/main" val="4127931487"/>
+        <p14:creationId xmlns:p14="http://schemas.microsoft.com/office/powerpoint/2010/main" val="877943192"/>
       </p:ext>
     </p:extLst>
   </p:cSld>
@@ -5256,7 +4926,13 @@
       </p:grpSpPr>
       <p:sp>
         <p:nvSpPr>
-          <p:cNvPr id="4" name="Title 3"/>
+          <p:cNvPr id="2" name="Title 1">
+            <a:extLst>
+              <a:ext uri="{FF2B5EF4-FFF2-40B4-BE49-F238E27FC236}">
+                <a16:creationId xmlns:a16="http://schemas.microsoft.com/office/drawing/2014/main" id="{C44D3867-382A-42B4-907C-FA4696DFD077}"/>
+              </a:ext>
+            </a:extLst>
+          </p:cNvPr>
           <p:cNvSpPr>
             <a:spLocks noGrp="1"/>
           </p:cNvSpPr>
@@ -5271,49 +4947,168 @@
           <a:p>
             <a:r>
               <a:rPr lang="en-US" dirty="0"/>
-              <a:t>MySQL vs SQL Server vs SQLite</a:t>
-            </a:r>
-          </a:p>
-        </p:txBody>
-      </p:sp>
-      <p:sp>
-        <p:nvSpPr>
-          <p:cNvPr id="5" name="Content Placeholder 4"/>
-          <p:cNvSpPr>
-            <a:spLocks noGrp="1"/>
-          </p:cNvSpPr>
-          <p:nvPr>
-            <p:ph idx="1"/>
-          </p:nvPr>
-        </p:nvSpPr>
-        <p:spPr/>
-        <p:txBody>
-          <a:bodyPr/>
-          <a:lstStyle/>
-          <a:p>
-            <a:r>
-              <a:rPr lang="en-US" dirty="0"/>
-              <a:t>MySQL is a database software by Oracle. It has Visual studio integration and is cross platform. Has worse performance than SQL Server and SQLite.</a:t>
-            </a:r>
-          </a:p>
-          <a:p>
-            <a:r>
-              <a:rPr lang="en-US" dirty="0"/>
-              <a:t>SQL server is integrated into Visual Studio and Azure, making integration very easy. Can serve reports to mobile devices. This is also cross platform.</a:t>
-            </a:r>
-          </a:p>
-          <a:p>
-            <a:r>
-              <a:rPr lang="en-US" dirty="0"/>
-              <a:t>SQLite is designed to run without a centralized server. This limits size of the database to the size of the storage on the main device. It’s very fast when used on sites and apps with low traffic.</a:t>
-            </a:r>
+              <a:t>Google Vision </a:t>
+            </a:r>
+          </a:p>
+        </p:txBody>
+      </p:sp>
+      <p:sp>
+        <p:nvSpPr>
+          <p:cNvPr id="3" name="Text Placeholder 2">
+            <a:extLst>
+              <a:ext uri="{FF2B5EF4-FFF2-40B4-BE49-F238E27FC236}">
+                <a16:creationId xmlns:a16="http://schemas.microsoft.com/office/drawing/2014/main" id="{32B45193-11D1-4A22-B2EA-7E887073C165}"/>
+              </a:ext>
+            </a:extLst>
+          </p:cNvPr>
+          <p:cNvSpPr>
+            <a:spLocks noGrp="1"/>
+          </p:cNvSpPr>
+          <p:nvPr>
+            <p:ph type="body" idx="1"/>
+          </p:nvPr>
+        </p:nvSpPr>
+        <p:spPr/>
+        <p:txBody>
+          <a:bodyPr/>
+          <a:lstStyle/>
+          <a:p>
+            <a:r>
+              <a:rPr lang="en-US" dirty="0"/>
+              <a:t>What is it  </a:t>
+            </a:r>
+          </a:p>
+        </p:txBody>
+      </p:sp>
+      <p:sp>
+        <p:nvSpPr>
+          <p:cNvPr id="4" name="Content Placeholder 3">
+            <a:extLst>
+              <a:ext uri="{FF2B5EF4-FFF2-40B4-BE49-F238E27FC236}">
+                <a16:creationId xmlns:a16="http://schemas.microsoft.com/office/drawing/2014/main" id="{943846B8-1122-4F70-980F-5B0EC01F0399}"/>
+              </a:ext>
+            </a:extLst>
+          </p:cNvPr>
+          <p:cNvSpPr>
+            <a:spLocks noGrp="1"/>
+          </p:cNvSpPr>
+          <p:nvPr>
+            <p:ph sz="half" idx="2"/>
+          </p:nvPr>
+        </p:nvSpPr>
+        <p:spPr/>
+        <p:txBody>
+          <a:bodyPr/>
+          <a:lstStyle/>
+          <a:p>
+            <a:r>
+              <a:rPr lang="en-US" dirty="0"/>
+              <a:t>API Developed by Google To Detect and Translate Visual Input Including:</a:t>
+            </a:r>
+          </a:p>
+          <a:p>
+            <a:pPr lvl="1"/>
+            <a:r>
+              <a:rPr lang="en-US" dirty="0"/>
+              <a:t>Movement</a:t>
+            </a:r>
+          </a:p>
+          <a:p>
+            <a:pPr lvl="1"/>
+            <a:r>
+              <a:rPr lang="en-US" dirty="0"/>
+              <a:t>Fecal Reignition</a:t>
+            </a:r>
+          </a:p>
+          <a:p>
+            <a:pPr lvl="1"/>
+            <a:r>
+              <a:rPr lang="en-US" dirty="0"/>
+              <a:t>Barcodes  </a:t>
+            </a:r>
+          </a:p>
+          <a:p>
+            <a:pPr lvl="1"/>
+            <a:endParaRPr lang="en-US" dirty="0"/>
+          </a:p>
+          <a:p>
+            <a:pPr lvl="1"/>
+            <a:endParaRPr lang="en-US" dirty="0"/>
+          </a:p>
+        </p:txBody>
+      </p:sp>
+      <p:sp>
+        <p:nvSpPr>
+          <p:cNvPr id="5" name="Text Placeholder 4">
+            <a:extLst>
+              <a:ext uri="{FF2B5EF4-FFF2-40B4-BE49-F238E27FC236}">
+                <a16:creationId xmlns:a16="http://schemas.microsoft.com/office/drawing/2014/main" id="{286D98DF-E0E3-46C0-A1D2-396259BE5242}"/>
+              </a:ext>
+            </a:extLst>
+          </p:cNvPr>
+          <p:cNvSpPr>
+            <a:spLocks noGrp="1"/>
+          </p:cNvSpPr>
+          <p:nvPr>
+            <p:ph type="body" sz="quarter" idx="3"/>
+          </p:nvPr>
+        </p:nvSpPr>
+        <p:spPr/>
+        <p:txBody>
+          <a:bodyPr/>
+          <a:lstStyle/>
+          <a:p>
+            <a:r>
+              <a:rPr lang="en-US" dirty="0"/>
+              <a:t>Affect on us </a:t>
+            </a:r>
+          </a:p>
+        </p:txBody>
+      </p:sp>
+      <p:sp>
+        <p:nvSpPr>
+          <p:cNvPr id="6" name="Content Placeholder 5">
+            <a:extLst>
+              <a:ext uri="{FF2B5EF4-FFF2-40B4-BE49-F238E27FC236}">
+                <a16:creationId xmlns:a16="http://schemas.microsoft.com/office/drawing/2014/main" id="{E1A8A007-62F8-4A47-AF8F-2B4E33D7D327}"/>
+              </a:ext>
+            </a:extLst>
+          </p:cNvPr>
+          <p:cNvSpPr>
+            <a:spLocks noGrp="1"/>
+          </p:cNvSpPr>
+          <p:nvPr>
+            <p:ph sz="quarter" idx="4"/>
+          </p:nvPr>
+        </p:nvSpPr>
+        <p:spPr/>
+        <p:txBody>
+          <a:bodyPr/>
+          <a:lstStyle/>
+          <a:p>
+            <a:r>
+              <a:rPr lang="en-US" dirty="0"/>
+              <a:t>We Need to scan barcodes in a non rescores intensive way</a:t>
+            </a:r>
+          </a:p>
+          <a:p>
+            <a:r>
+              <a:rPr lang="en-US" dirty="0"/>
+              <a:t>Google will Continue to Update This Product and Document it’s Changes</a:t>
+            </a:r>
+          </a:p>
+          <a:p>
+            <a:endParaRPr lang="en-US" dirty="0"/>
+          </a:p>
+          <a:p>
+            <a:endParaRPr lang="en-US" dirty="0"/>
           </a:p>
         </p:txBody>
       </p:sp>
     </p:spTree>
     <p:extLst>
       <p:ext uri="{BB962C8B-B14F-4D97-AF65-F5344CB8AC3E}">
-        <p14:creationId xmlns:p14="http://schemas.microsoft.com/office/powerpoint/2010/main" val="2023964732"/>
+        <p14:creationId xmlns:p14="http://schemas.microsoft.com/office/powerpoint/2010/main" val="2288011464"/>
       </p:ext>
     </p:extLst>
   </p:cSld>
@@ -5342,7 +5137,7 @@
       </p:grpSpPr>
       <p:sp>
         <p:nvSpPr>
-          <p:cNvPr id="2" name="Title 1"/>
+          <p:cNvPr id="4" name="Title 3"/>
           <p:cNvSpPr>
             <a:spLocks noGrp="1"/>
           </p:cNvSpPr>
@@ -5357,14 +5152,14 @@
           <a:p>
             <a:r>
               <a:rPr lang="en-US" dirty="0"/>
-              <a:t>Microsoft Azure</a:t>
-            </a:r>
-          </a:p>
-        </p:txBody>
-      </p:sp>
-      <p:sp>
-        <p:nvSpPr>
-          <p:cNvPr id="3" name="Content Placeholder 2"/>
+              <a:t>MySQL vs SQL Server vs SQLite</a:t>
+            </a:r>
+          </a:p>
+        </p:txBody>
+      </p:sp>
+      <p:sp>
+        <p:nvSpPr>
+          <p:cNvPr id="5" name="Content Placeholder 4"/>
           <p:cNvSpPr>
             <a:spLocks noGrp="1"/>
           </p:cNvSpPr>
@@ -5379,31 +5174,19 @@
           <a:p>
             <a:r>
               <a:rPr lang="en-US" dirty="0"/>
-              <a:t>Provides cloud services to developers to build, deploy, and manage mobile applications.</a:t>
-            </a:r>
-          </a:p>
-          <a:p>
-            <a:r>
-              <a:rPr lang="en-US" dirty="0"/>
-              <a:t>Helps to transition between desktop systems and mobile systems.</a:t>
-            </a:r>
-          </a:p>
-          <a:p>
-            <a:r>
-              <a:rPr lang="en-US" dirty="0"/>
-              <a:t>Allows us to make updates even if connection to the database is lost, then upload the changes when a connection is established.</a:t>
-            </a:r>
-          </a:p>
-          <a:p>
-            <a:r>
-              <a:rPr lang="en-US" dirty="0"/>
-              <a:t>Pricing is based on consumption, the system is only used when needed.</a:t>
-            </a:r>
-          </a:p>
-          <a:p>
-            <a:r>
-              <a:rPr lang="en-US" dirty="0"/>
-              <a:t>Removes the need for IT support and administration.</a:t>
+              <a:t>MySQL is a database software by Oracle. It has Visual studio integration and is cross platform. Has worse performance than SQL Server and SQLite.</a:t>
+            </a:r>
+          </a:p>
+          <a:p>
+            <a:r>
+              <a:rPr lang="en-US" dirty="0"/>
+              <a:t>SQL server is integrated into Visual Studio and Azure, making integration very easy. Can serve reports to mobile devices. This is also cross platform.</a:t>
+            </a:r>
+          </a:p>
+          <a:p>
+            <a:r>
+              <a:rPr lang="en-US" dirty="0"/>
+              <a:t>SQLite is designed to run without a centralized server. This limits size of the database to the size of the storage on the main device. It’s very fast when used on sites and apps with low traffic.</a:t>
             </a:r>
           </a:p>
         </p:txBody>
@@ -5411,7 +5194,7 @@
     </p:spTree>
     <p:extLst>
       <p:ext uri="{BB962C8B-B14F-4D97-AF65-F5344CB8AC3E}">
-        <p14:creationId xmlns:p14="http://schemas.microsoft.com/office/powerpoint/2010/main" val="1106979655"/>
+        <p14:creationId xmlns:p14="http://schemas.microsoft.com/office/powerpoint/2010/main" val="2023964732"/>
       </p:ext>
     </p:extLst>
   </p:cSld>
@@ -5455,7 +5238,7 @@
           <a:p>
             <a:r>
               <a:rPr lang="en-US" dirty="0"/>
-              <a:t>LINQ</a:t>
+              <a:t>Microsoft Azure</a:t>
             </a:r>
           </a:p>
         </p:txBody>
@@ -5477,29 +5260,31 @@
           <a:p>
             <a:r>
               <a:rPr lang="en-US" dirty="0"/>
-              <a:t>Eases the transition from object oriented languages to relational queries.</a:t>
-            </a:r>
-          </a:p>
-          <a:p>
-            <a:r>
-              <a:rPr lang="en-US" dirty="0"/>
-              <a:t>Can write database queries, inserts, updates, and deletes in languages like C# instead of SQL.</a:t>
-            </a:r>
-          </a:p>
-          <a:p>
-            <a:r>
-              <a:rPr lang="en-US" dirty="0"/>
-              <a:t>Integrated into Visual Studio and SQL Server.</a:t>
-            </a:r>
-          </a:p>
-          <a:p>
-            <a:r>
-              <a:rPr lang="en-US" dirty="0"/>
-              <a:t>Allows us to utilize SQL </a:t>
-            </a:r>
-            <a:r>
-              <a:rPr lang="en-US"/>
-              <a:t>Server’s security tools.</a:t>
+              <a:t>Provides cloud services to developers to build, deploy, and manage mobile applications.</a:t>
+            </a:r>
+          </a:p>
+          <a:p>
+            <a:r>
+              <a:rPr lang="en-US" dirty="0"/>
+              <a:t>Helps to transition between desktop systems and mobile systems.</a:t>
+            </a:r>
+          </a:p>
+          <a:p>
+            <a:r>
+              <a:rPr lang="en-US" dirty="0"/>
+              <a:t>Allows us to make updates even if connection to the database is lost, then upload the changes when a connection is established.</a:t>
+            </a:r>
+          </a:p>
+          <a:p>
+            <a:r>
+              <a:rPr lang="en-US" dirty="0"/>
+              <a:t>Pricing is based on consumption, the system is only used when needed.</a:t>
+            </a:r>
+          </a:p>
+          <a:p>
+            <a:r>
+              <a:rPr lang="en-US" dirty="0"/>
+              <a:t>Removes the need for IT support and administration.</a:t>
             </a:r>
           </a:p>
         </p:txBody>
@@ -5507,7 +5292,7 @@
     </p:spTree>
     <p:extLst>
       <p:ext uri="{BB962C8B-B14F-4D97-AF65-F5344CB8AC3E}">
-        <p14:creationId xmlns:p14="http://schemas.microsoft.com/office/powerpoint/2010/main" val="3733634116"/>
+        <p14:creationId xmlns:p14="http://schemas.microsoft.com/office/powerpoint/2010/main" val="1106979655"/>
       </p:ext>
     </p:extLst>
   </p:cSld>
@@ -5810,299 +5595,4 @@
     </a:ext>
   </a:extLst>
 </a:theme>
-</file>
-
-<file path=ppt/theme/theme2.xml><?xml version="1.0" encoding="utf-8"?>
-<a:theme xmlns:a="http://schemas.openxmlformats.org/drawingml/2006/main" name="Office Theme">
-  <a:themeElements>
-    <a:clrScheme name="Office">
-      <a:dk1>
-        <a:sysClr val="windowText" lastClr="000000"/>
-      </a:dk1>
-      <a:lt1>
-        <a:sysClr val="window" lastClr="FFFFFF"/>
-      </a:lt1>
-      <a:dk2>
-        <a:srgbClr val="44546A"/>
-      </a:dk2>
-      <a:lt2>
-        <a:srgbClr val="E7E6E6"/>
-      </a:lt2>
-      <a:accent1>
-        <a:srgbClr val="4472C4"/>
-      </a:accent1>
-      <a:accent2>
-        <a:srgbClr val="ED7D31"/>
-      </a:accent2>
-      <a:accent3>
-        <a:srgbClr val="A5A5A5"/>
-      </a:accent3>
-      <a:accent4>
-        <a:srgbClr val="FFC000"/>
-      </a:accent4>
-      <a:accent5>
-        <a:srgbClr val="5B9BD5"/>
-      </a:accent5>
-      <a:accent6>
-        <a:srgbClr val="70AD47"/>
-      </a:accent6>
-      <a:hlink>
-        <a:srgbClr val="0563C1"/>
-      </a:hlink>
-      <a:folHlink>
-        <a:srgbClr val="954F72"/>
-      </a:folHlink>
-    </a:clrScheme>
-    <a:fontScheme name="Office">
-      <a:majorFont>
-        <a:latin typeface="Calibri Light" panose="020F0302020204030204"/>
-        <a:ea typeface=""/>
-        <a:cs typeface=""/>
-        <a:font script="Jpan" typeface="游ゴシック Light"/>
-        <a:font script="Hang" typeface="맑은 고딕"/>
-        <a:font script="Hans" typeface="等线 Light"/>
-        <a:font script="Hant" typeface="新細明體"/>
-        <a:font script="Arab" typeface="Times New Roman"/>
-        <a:font script="Hebr" typeface="Times New Roman"/>
-        <a:font script="Thai" typeface="Angsana New"/>
-        <a:font script="Ethi" typeface="Nyala"/>
-        <a:font script="Beng" typeface="Vrinda"/>
-        <a:font script="Gujr" typeface="Shruti"/>
-        <a:font script="Khmr" typeface="MoolBoran"/>
-        <a:font script="Knda" typeface="Tunga"/>
-        <a:font script="Guru" typeface="Raavi"/>
-        <a:font script="Cans" typeface="Euphemia"/>
-        <a:font script="Cher" typeface="Plantagenet Cherokee"/>
-        <a:font script="Yiii" typeface="Microsoft Yi Baiti"/>
-        <a:font script="Tibt" typeface="Microsoft Himalaya"/>
-        <a:font script="Thaa" typeface="MV Boli"/>
-        <a:font script="Deva" typeface="Mangal"/>
-        <a:font script="Telu" typeface="Gautami"/>
-        <a:font script="Taml" typeface="Latha"/>
-        <a:font script="Syrc" typeface="Estrangelo Edessa"/>
-        <a:font script="Orya" typeface="Kalinga"/>
-        <a:font script="Mlym" typeface="Kartika"/>
-        <a:font script="Laoo" typeface="DokChampa"/>
-        <a:font script="Sinh" typeface="Iskoola Pota"/>
-        <a:font script="Mong" typeface="Mongolian Baiti"/>
-        <a:font script="Viet" typeface="Times New Roman"/>
-        <a:font script="Uigh" typeface="Microsoft Uighur"/>
-        <a:font script="Geor" typeface="Sylfaen"/>
-        <a:font script="Armn" typeface="Arial"/>
-        <a:font script="Bugi" typeface="Leelawadee UI"/>
-        <a:font script="Bopo" typeface="Microsoft JhengHei"/>
-        <a:font script="Java" typeface="Javanese Text"/>
-        <a:font script="Lisu" typeface="Segoe UI"/>
-        <a:font script="Mymr" typeface="Myanmar Text"/>
-        <a:font script="Nkoo" typeface="Ebrima"/>
-        <a:font script="Olck" typeface="Nirmala UI"/>
-        <a:font script="Osma" typeface="Ebrima"/>
-        <a:font script="Phag" typeface="Phagspa"/>
-        <a:font script="Syrn" typeface="Estrangelo Edessa"/>
-        <a:font script="Syrj" typeface="Estrangelo Edessa"/>
-        <a:font script="Syre" typeface="Estrangelo Edessa"/>
-        <a:font script="Sora" typeface="Nirmala UI"/>
-        <a:font script="Tale" typeface="Microsoft Tai Le"/>
-        <a:font script="Talu" typeface="Microsoft New Tai Lue"/>
-        <a:font script="Tfng" typeface="Ebrima"/>
-      </a:majorFont>
-      <a:minorFont>
-        <a:latin typeface="Calibri" panose="020F0502020204030204"/>
-        <a:ea typeface=""/>
-        <a:cs typeface=""/>
-        <a:font script="Jpan" typeface="游ゴシック"/>
-        <a:font script="Hang" typeface="맑은 고딕"/>
-        <a:font script="Hans" typeface="等线"/>
-        <a:font script="Hant" typeface="新細明體"/>
-        <a:font script="Arab" typeface="Arial"/>
-        <a:font script="Hebr" typeface="Arial"/>
-        <a:font script="Thai" typeface="Cordia New"/>
-        <a:font script="Ethi" typeface="Nyala"/>
-        <a:font script="Beng" typeface="Vrinda"/>
-        <a:font script="Gujr" typeface="Shruti"/>
-        <a:font script="Khmr" typeface="DaunPenh"/>
-        <a:font script="Knda" typeface="Tunga"/>
-        <a:font script="Guru" typeface="Raavi"/>
-        <a:font script="Cans" typeface="Euphemia"/>
-        <a:font script="Cher" typeface="Plantagenet Cherokee"/>
-        <a:font script="Yiii" typeface="Microsoft Yi Baiti"/>
-        <a:font script="Tibt" typeface="Microsoft Himalaya"/>
-        <a:font script="Thaa" typeface="MV Boli"/>
-        <a:font script="Deva" typeface="Mangal"/>
-        <a:font script="Telu" typeface="Gautami"/>
-        <a:font script="Taml" typeface="Latha"/>
-        <a:font script="Syrc" typeface="Estrangelo Edessa"/>
-        <a:font script="Orya" typeface="Kalinga"/>
-        <a:font script="Mlym" typeface="Kartika"/>
-        <a:font script="Laoo" typeface="DokChampa"/>
-        <a:font script="Sinh" typeface="Iskoola Pota"/>
-        <a:font script="Mong" typeface="Mongolian Baiti"/>
-        <a:font script="Viet" typeface="Arial"/>
-        <a:font script="Uigh" typeface="Microsoft Uighur"/>
-        <a:font script="Geor" typeface="Sylfaen"/>
-        <a:font script="Armn" typeface="Arial"/>
-        <a:font script="Bugi" typeface="Leelawadee UI"/>
-        <a:font script="Bopo" typeface="Microsoft JhengHei"/>
-        <a:font script="Java" typeface="Javanese Text"/>
-        <a:font script="Lisu" typeface="Segoe UI"/>
-        <a:font script="Mymr" typeface="Myanmar Text"/>
-        <a:font script="Nkoo" typeface="Ebrima"/>
-        <a:font script="Olck" typeface="Nirmala UI"/>
-        <a:font script="Osma" typeface="Ebrima"/>
-        <a:font script="Phag" typeface="Phagspa"/>
-        <a:font script="Syrn" typeface="Estrangelo Edessa"/>
-        <a:font script="Syrj" typeface="Estrangelo Edessa"/>
-        <a:font script="Syre" typeface="Estrangelo Edessa"/>
-        <a:font script="Sora" typeface="Nirmala UI"/>
-        <a:font script="Tale" typeface="Microsoft Tai Le"/>
-        <a:font script="Talu" typeface="Microsoft New Tai Lue"/>
-        <a:font script="Tfng" typeface="Ebrima"/>
-      </a:minorFont>
-    </a:fontScheme>
-    <a:fmtScheme name="Office">
-      <a:fillStyleLst>
-        <a:solidFill>
-          <a:schemeClr val="phClr"/>
-        </a:solidFill>
-        <a:gradFill rotWithShape="1">
-          <a:gsLst>
-            <a:gs pos="0">
-              <a:schemeClr val="phClr">
-                <a:lumMod val="110000"/>
-                <a:satMod val="105000"/>
-                <a:tint val="67000"/>
-              </a:schemeClr>
-            </a:gs>
-            <a:gs pos="50000">
-              <a:schemeClr val="phClr">
-                <a:lumMod val="105000"/>
-                <a:satMod val="103000"/>
-                <a:tint val="73000"/>
-              </a:schemeClr>
-            </a:gs>
-            <a:gs pos="100000">
-              <a:schemeClr val="phClr">
-                <a:lumMod val="105000"/>
-                <a:satMod val="109000"/>
-                <a:tint val="81000"/>
-              </a:schemeClr>
-            </a:gs>
-          </a:gsLst>
-          <a:lin ang="5400000" scaled="0"/>
-        </a:gradFill>
-        <a:gradFill rotWithShape="1">
-          <a:gsLst>
-            <a:gs pos="0">
-              <a:schemeClr val="phClr">
-                <a:satMod val="103000"/>
-                <a:lumMod val="102000"/>
-                <a:tint val="94000"/>
-              </a:schemeClr>
-            </a:gs>
-            <a:gs pos="50000">
-              <a:schemeClr val="phClr">
-                <a:satMod val="110000"/>
-                <a:lumMod val="100000"/>
-                <a:shade val="100000"/>
-              </a:schemeClr>
-            </a:gs>
-            <a:gs pos="100000">
-              <a:schemeClr val="phClr">
-                <a:lumMod val="99000"/>
-                <a:satMod val="120000"/>
-                <a:shade val="78000"/>
-              </a:schemeClr>
-            </a:gs>
-          </a:gsLst>
-          <a:lin ang="5400000" scaled="0"/>
-        </a:gradFill>
-      </a:fillStyleLst>
-      <a:lnStyleLst>
-        <a:ln w="6350" cap="flat" cmpd="sng" algn="ctr">
-          <a:solidFill>
-            <a:schemeClr val="phClr"/>
-          </a:solidFill>
-          <a:prstDash val="solid"/>
-          <a:miter lim="800000"/>
-        </a:ln>
-        <a:ln w="12700" cap="flat" cmpd="sng" algn="ctr">
-          <a:solidFill>
-            <a:schemeClr val="phClr"/>
-          </a:solidFill>
-          <a:prstDash val="solid"/>
-          <a:miter lim="800000"/>
-        </a:ln>
-        <a:ln w="19050" cap="flat" cmpd="sng" algn="ctr">
-          <a:solidFill>
-            <a:schemeClr val="phClr"/>
-          </a:solidFill>
-          <a:prstDash val="solid"/>
-          <a:miter lim="800000"/>
-        </a:ln>
-      </a:lnStyleLst>
-      <a:effectStyleLst>
-        <a:effectStyle>
-          <a:effectLst/>
-        </a:effectStyle>
-        <a:effectStyle>
-          <a:effectLst/>
-        </a:effectStyle>
-        <a:effectStyle>
-          <a:effectLst>
-            <a:outerShdw blurRad="57150" dist="19050" dir="5400000" algn="ctr" rotWithShape="0">
-              <a:srgbClr val="000000">
-                <a:alpha val="63000"/>
-              </a:srgbClr>
-            </a:outerShdw>
-          </a:effectLst>
-        </a:effectStyle>
-      </a:effectStyleLst>
-      <a:bgFillStyleLst>
-        <a:solidFill>
-          <a:schemeClr val="phClr"/>
-        </a:solidFill>
-        <a:solidFill>
-          <a:schemeClr val="phClr">
-            <a:tint val="95000"/>
-            <a:satMod val="170000"/>
-          </a:schemeClr>
-        </a:solidFill>
-        <a:gradFill rotWithShape="1">
-          <a:gsLst>
-            <a:gs pos="0">
-              <a:schemeClr val="phClr">
-                <a:tint val="93000"/>
-                <a:satMod val="150000"/>
-                <a:shade val="98000"/>
-                <a:lumMod val="102000"/>
-              </a:schemeClr>
-            </a:gs>
-            <a:gs pos="50000">
-              <a:schemeClr val="phClr">
-                <a:tint val="98000"/>
-                <a:satMod val="130000"/>
-                <a:shade val="90000"/>
-                <a:lumMod val="103000"/>
-              </a:schemeClr>
-            </a:gs>
-            <a:gs pos="100000">
-              <a:schemeClr val="phClr">
-                <a:shade val="63000"/>
-                <a:satMod val="120000"/>
-              </a:schemeClr>
-            </a:gs>
-          </a:gsLst>
-          <a:lin ang="5400000" scaled="0"/>
-        </a:gradFill>
-      </a:bgFillStyleLst>
-    </a:fmtScheme>
-  </a:themeElements>
-  <a:objectDefaults/>
-  <a:extraClrSchemeLst/>
-  <a:extLst>
-    <a:ext uri="{05A4C25C-085E-4340-85A3-A5531E510DB2}">
-      <thm15:themeFamily xmlns:thm15="http://schemas.microsoft.com/office/thememl/2012/main" name="Office Theme" id="{62F939B6-93AF-4DB8-9C6B-D6C7DFDC589F}" vid="{4A3C46E8-61CC-4603-A589-7422A47A8E4A}"/>
-    </a:ext>
-  </a:extLst>
-</a:theme>
 </file>